--- a/DA_Business/project/p1_survey/项目一：调查问卷数据/survey-project-submission-template.pptx
+++ b/DA_Business/project/p1_survey/项目一：调查问卷数据/survey-project-submission-template.pptx
@@ -1,28 +1,30 @@
 
 <file path=ppt/presentation.xml><?xml version="1.0" encoding="utf-8"?>
-<p:presentation xmlns:a="http://schemas.openxmlformats.org/drawingml/2006/main" xmlns:r="http://schemas.openxmlformats.org/officeDocument/2006/relationships" xmlns:mc="http://schemas.openxmlformats.org/markup-compatibility/2006" xmlns:mv="urn:schemas-microsoft-com:mac:vml" xmlns:p="http://schemas.openxmlformats.org/presentationml/2006/main" xmlns:c="http://schemas.openxmlformats.org/drawingml/2006/chart" xmlns:dgm="http://schemas.openxmlformats.org/drawingml/2006/diagram" xmlns:o="urn:schemas-microsoft-com:office:office" xmlns:v="urn:schemas-microsoft-com:vml" xmlns:pvml="urn:schemas-microsoft-com:office:powerpoint" xmlns:com="http://schemas.openxmlformats.org/drawingml/2006/compatibility" xmlns:p14="http://schemas.microsoft.com/office/powerpoint/2010/main" xmlns:p15="http://schemas.microsoft.com/office/powerpoint/2012/main" autoCompressPictures="0" embedTrueTypeFonts="1" strictFirstAndLastChars="0" saveSubsetFonts="1">
+<p:presentation xmlns:a="http://schemas.openxmlformats.org/drawingml/2006/main" xmlns:r="http://schemas.openxmlformats.org/officeDocument/2006/relationships" xmlns:p="http://schemas.openxmlformats.org/presentationml/2006/main" strictFirstAndLastChars="0" embedTrueTypeFonts="1" saveSubsetFonts="1" autoCompressPictures="0">
   <p:sldMasterIdLst>
-    <p:sldMasterId id="2147483659" r:id="rId4"/>
+    <p:sldMasterId id="2147483659" r:id="rId1"/>
   </p:sldMasterIdLst>
   <p:notesMasterIdLst>
     <p:notesMasterId r:id="rId5"/>
   </p:notesMasterIdLst>
   <p:sldIdLst>
-    <p:sldId id="256" r:id="rId6"/>
+    <p:sldId id="257" r:id="rId2"/>
+    <p:sldId id="256" r:id="rId3"/>
+    <p:sldId id="258" r:id="rId4"/>
   </p:sldIdLst>
-  <p:sldSz cy="5143500" cx="9144000"/>
+  <p:sldSz cx="9144000" cy="5143500" type="screen16x9"/>
   <p:notesSz cx="6858000" cy="9144000"/>
   <p:embeddedFontLst>
     <p:embeddedFont>
-      <p:font typeface="Open Sans"/>
-      <p:regular r:id="rId7"/>
-      <p:bold r:id="rId8"/>
-      <p:italic r:id="rId9"/>
-      <p:boldItalic r:id="rId10"/>
+      <p:font typeface="Open Sans" panose="02010600030101010101" charset="0"/>
+      <p:regular r:id="rId6"/>
+      <p:bold r:id="rId7"/>
+      <p:italic r:id="rId8"/>
+      <p:boldItalic r:id="rId9"/>
     </p:embeddedFont>
   </p:embeddedFontLst>
   <p:defaultTextStyle>
-    <a:defPPr lvl="0" marR="0" rtl="0" algn="l">
+    <a:defPPr marR="0" lvl="0" algn="l" rtl="0">
       <a:lnSpc>
         <a:spcPct val="100000"/>
       </a:lnSpc>
@@ -33,7 +35,7 @@
         <a:spcPts val="0"/>
       </a:spcAft>
     </a:defPPr>
-    <a:lvl1pPr lvl="0" marR="0" rtl="0" algn="l">
+    <a:lvl1pPr marR="0" lvl="0" algn="l" rtl="0">
       <a:lnSpc>
         <a:spcPct val="100000"/>
       </a:lnSpc>
@@ -44,7 +46,7 @@
         <a:spcPts val="0"/>
       </a:spcAft>
       <a:buNone/>
-      <a:defRPr b="0" i="0" sz="1400" u="none" cap="none" strike="noStrike">
+      <a:defRPr sz="1400" b="0" i="0" u="none" strike="noStrike" cap="none">
         <a:solidFill>
           <a:srgbClr val="000000"/>
         </a:solidFill>
@@ -54,7 +56,7 @@
         <a:sym typeface="Arial"/>
       </a:defRPr>
     </a:lvl1pPr>
-    <a:lvl2pPr lvl="1" marR="0" rtl="0" algn="l">
+    <a:lvl2pPr marR="0" lvl="1" algn="l" rtl="0">
       <a:lnSpc>
         <a:spcPct val="100000"/>
       </a:lnSpc>
@@ -65,7 +67,7 @@
         <a:spcPts val="0"/>
       </a:spcAft>
       <a:buNone/>
-      <a:defRPr b="0" i="0" sz="1400" u="none" cap="none" strike="noStrike">
+      <a:defRPr sz="1400" b="0" i="0" u="none" strike="noStrike" cap="none">
         <a:solidFill>
           <a:srgbClr val="000000"/>
         </a:solidFill>
@@ -75,7 +77,7 @@
         <a:sym typeface="Arial"/>
       </a:defRPr>
     </a:lvl2pPr>
-    <a:lvl3pPr lvl="2" marR="0" rtl="0" algn="l">
+    <a:lvl3pPr marR="0" lvl="2" algn="l" rtl="0">
       <a:lnSpc>
         <a:spcPct val="100000"/>
       </a:lnSpc>
@@ -86,7 +88,7 @@
         <a:spcPts val="0"/>
       </a:spcAft>
       <a:buNone/>
-      <a:defRPr b="0" i="0" sz="1400" u="none" cap="none" strike="noStrike">
+      <a:defRPr sz="1400" b="0" i="0" u="none" strike="noStrike" cap="none">
         <a:solidFill>
           <a:srgbClr val="000000"/>
         </a:solidFill>
@@ -96,7 +98,7 @@
         <a:sym typeface="Arial"/>
       </a:defRPr>
     </a:lvl3pPr>
-    <a:lvl4pPr lvl="3" marR="0" rtl="0" algn="l">
+    <a:lvl4pPr marR="0" lvl="3" algn="l" rtl="0">
       <a:lnSpc>
         <a:spcPct val="100000"/>
       </a:lnSpc>
@@ -107,7 +109,7 @@
         <a:spcPts val="0"/>
       </a:spcAft>
       <a:buNone/>
-      <a:defRPr b="0" i="0" sz="1400" u="none" cap="none" strike="noStrike">
+      <a:defRPr sz="1400" b="0" i="0" u="none" strike="noStrike" cap="none">
         <a:solidFill>
           <a:srgbClr val="000000"/>
         </a:solidFill>
@@ -117,7 +119,7 @@
         <a:sym typeface="Arial"/>
       </a:defRPr>
     </a:lvl4pPr>
-    <a:lvl5pPr lvl="4" marR="0" rtl="0" algn="l">
+    <a:lvl5pPr marR="0" lvl="4" algn="l" rtl="0">
       <a:lnSpc>
         <a:spcPct val="100000"/>
       </a:lnSpc>
@@ -128,7 +130,7 @@
         <a:spcPts val="0"/>
       </a:spcAft>
       <a:buNone/>
-      <a:defRPr b="0" i="0" sz="1400" u="none" cap="none" strike="noStrike">
+      <a:defRPr sz="1400" b="0" i="0" u="none" strike="noStrike" cap="none">
         <a:solidFill>
           <a:srgbClr val="000000"/>
         </a:solidFill>
@@ -138,7 +140,7 @@
         <a:sym typeface="Arial"/>
       </a:defRPr>
     </a:lvl5pPr>
-    <a:lvl6pPr lvl="5" marR="0" rtl="0" algn="l">
+    <a:lvl6pPr marR="0" lvl="5" algn="l" rtl="0">
       <a:lnSpc>
         <a:spcPct val="100000"/>
       </a:lnSpc>
@@ -149,7 +151,7 @@
         <a:spcPts val="0"/>
       </a:spcAft>
       <a:buNone/>
-      <a:defRPr b="0" i="0" sz="1400" u="none" cap="none" strike="noStrike">
+      <a:defRPr sz="1400" b="0" i="0" u="none" strike="noStrike" cap="none">
         <a:solidFill>
           <a:srgbClr val="000000"/>
         </a:solidFill>
@@ -159,7 +161,7 @@
         <a:sym typeface="Arial"/>
       </a:defRPr>
     </a:lvl6pPr>
-    <a:lvl7pPr lvl="6" marR="0" rtl="0" algn="l">
+    <a:lvl7pPr marR="0" lvl="6" algn="l" rtl="0">
       <a:lnSpc>
         <a:spcPct val="100000"/>
       </a:lnSpc>
@@ -170,7 +172,7 @@
         <a:spcPts val="0"/>
       </a:spcAft>
       <a:buNone/>
-      <a:defRPr b="0" i="0" sz="1400" u="none" cap="none" strike="noStrike">
+      <a:defRPr sz="1400" b="0" i="0" u="none" strike="noStrike" cap="none">
         <a:solidFill>
           <a:srgbClr val="000000"/>
         </a:solidFill>
@@ -180,7 +182,7 @@
         <a:sym typeface="Arial"/>
       </a:defRPr>
     </a:lvl7pPr>
-    <a:lvl8pPr lvl="7" marR="0" rtl="0" algn="l">
+    <a:lvl8pPr marR="0" lvl="7" algn="l" rtl="0">
       <a:lnSpc>
         <a:spcPct val="100000"/>
       </a:lnSpc>
@@ -191,7 +193,7 @@
         <a:spcPts val="0"/>
       </a:spcAft>
       <a:buNone/>
-      <a:defRPr b="0" i="0" sz="1400" u="none" cap="none" strike="noStrike">
+      <a:defRPr sz="1400" b="0" i="0" u="none" strike="noStrike" cap="none">
         <a:solidFill>
           <a:srgbClr val="000000"/>
         </a:solidFill>
@@ -201,7 +203,7 @@
         <a:sym typeface="Arial"/>
       </a:defRPr>
     </a:lvl8pPr>
-    <a:lvl9pPr lvl="8" marR="0" rtl="0" algn="l">
+    <a:lvl9pPr marR="0" lvl="8" algn="l" rtl="0">
       <a:lnSpc>
         <a:spcPct val="100000"/>
       </a:lnSpc>
@@ -212,7 +214,7 @@
         <a:spcPts val="0"/>
       </a:spcAft>
       <a:buNone/>
-      <a:defRPr b="0" i="0" sz="1400" u="none" cap="none" strike="noStrike">
+      <a:defRPr sz="1400" b="0" i="0" u="none" strike="noStrike" cap="none">
         <a:solidFill>
           <a:srgbClr val="000000"/>
         </a:solidFill>
@@ -227,11 +229,16 @@
 </file>
 
 <file path=ppt/notesMasters/notesMaster1.xml><?xml version="1.0" encoding="utf-8"?>
-<p:notesMaster xmlns:a="http://schemas.openxmlformats.org/drawingml/2006/main" xmlns:r="http://schemas.openxmlformats.org/officeDocument/2006/relationships" xmlns:mc="http://schemas.openxmlformats.org/markup-compatibility/2006" xmlns:mv="urn:schemas-microsoft-com:mac:vml" xmlns:p="http://schemas.openxmlformats.org/presentationml/2006/main" xmlns:c="http://schemas.openxmlformats.org/drawingml/2006/chart" xmlns:dgm="http://schemas.openxmlformats.org/drawingml/2006/diagram" xmlns:o="urn:schemas-microsoft-com:office:office" xmlns:v="urn:schemas-microsoft-com:vml" xmlns:pvml="urn:schemas-microsoft-com:office:powerpoint" xmlns:com="http://schemas.openxmlformats.org/drawingml/2006/compatibility" xmlns:p14="http://schemas.microsoft.com/office/powerpoint/2010/main" xmlns:p15="http://schemas.microsoft.com/office/powerpoint/2012/main">
+<p:notesMaster xmlns:a="http://schemas.openxmlformats.org/drawingml/2006/main" xmlns:r="http://schemas.openxmlformats.org/officeDocument/2006/relationships" xmlns:p="http://schemas.openxmlformats.org/presentationml/2006/main">
   <p:cSld>
+    <p:bg>
+      <p:bgRef idx="1001">
+        <a:schemeClr val="bg1"/>
+      </p:bgRef>
+    </p:bg>
     <p:spTree>
       <p:nvGrpSpPr>
-        <p:cNvPr id="2" name="Shape 2"/>
+        <p:cNvPr id="1" name="Shape 2"/>
         <p:cNvGrpSpPr/>
         <p:nvPr/>
       </p:nvGrpSpPr>
@@ -246,9 +253,11 @@
       <p:sp>
         <p:nvSpPr>
           <p:cNvPr id="3" name="Shape 3"/>
-          <p:cNvSpPr/>
+          <p:cNvSpPr>
+            <a:spLocks noGrp="1" noRot="1" noChangeAspect="1"/>
+          </p:cNvSpPr>
           <p:nvPr>
-            <p:ph idx="2" type="sldImg"/>
+            <p:ph type="sldImg" idx="2"/>
           </p:nvPr>
         </p:nvSpPr>
         <p:spPr>
@@ -257,8 +266,13 @@
             <a:ext cx="6096075" cy="3429000"/>
           </a:xfrm>
           <a:custGeom>
+            <a:avLst/>
+            <a:gdLst/>
+            <a:ahLst/>
+            <a:cxnLst/>
+            <a:rect l="0" t="0" r="0" b="0"/>
             <a:pathLst>
-              <a:path extrusionOk="0" h="120000" w="120000">
+              <a:path w="120000" h="120000" extrusionOk="0">
                 <a:moveTo>
                   <a:pt x="0" y="0"/>
                 </a:moveTo>
@@ -276,23 +290,25 @@
             </a:pathLst>
           </a:custGeom>
           <a:noFill/>
-          <a:ln cap="flat" cmpd="sng" w="9525">
+          <a:ln w="9525" cap="flat" cmpd="sng">
             <a:solidFill>
               <a:srgbClr val="000000"/>
             </a:solidFill>
             <a:prstDash val="solid"/>
             <a:round/>
-            <a:headEnd len="med" w="med" type="none"/>
-            <a:tailEnd len="med" w="med" type="none"/>
+            <a:headEnd type="none" w="med" len="med"/>
+            <a:tailEnd type="none" w="med" len="med"/>
           </a:ln>
         </p:spPr>
       </p:sp>
       <p:sp>
         <p:nvSpPr>
           <p:cNvPr id="4" name="Shape 4"/>
-          <p:cNvSpPr txBox="1"/>
+          <p:cNvSpPr txBox="1">
+            <a:spLocks noGrp="1"/>
+          </p:cNvSpPr>
           <p:nvPr>
-            <p:ph idx="1" type="body"/>
+            <p:ph type="body" idx="1"/>
           </p:nvPr>
         </p:nvSpPr>
         <p:spPr>
@@ -309,7 +325,7 @@
           </a:ln>
         </p:spPr>
         <p:txBody>
-          <a:bodyPr anchorCtr="0" anchor="t" bIns="91425" lIns="91425" rIns="91425" wrap="square" tIns="91425"/>
+          <a:bodyPr wrap="square" lIns="91425" tIns="91425" rIns="91425" bIns="91425" anchor="t" anchorCtr="0"/>
           <a:lstStyle>
             <a:lvl1pPr lvl="0">
               <a:spcBef>
@@ -375,21 +391,115 @@
               <a:defRPr sz="1100"/>
             </a:lvl9pPr>
           </a:lstStyle>
-          <a:p/>
+          <a:p>
+            <a:endParaRPr/>
+          </a:p>
         </p:txBody>
       </p:sp>
     </p:spTree>
   </p:cSld>
-  <p:clrMap accent1="accent1" accent2="accent2" accent3="accent3" accent4="accent4" accent5="accent5" accent6="accent6" bg1="lt1" bg2="dk2" tx1="dk1" tx2="lt2" folHlink="folHlink" hlink="hlink"/>
+  <p:clrMap bg1="lt1" tx1="dk1" bg2="dk2" tx2="lt2" accent1="accent1" accent2="accent2" accent3="accent3" accent4="accent4" accent5="accent5" accent6="accent6" hlink="hlink" folHlink="folHlink"/>
+  <p:notesStyle>
+    <a:lvl1pPr marL="0" algn="l" defTabSz="914400" rtl="0" eaLnBrk="1" latinLnBrk="0" hangingPunct="1">
+      <a:defRPr sz="1200" kern="1200">
+        <a:solidFill>
+          <a:schemeClr val="tx1"/>
+        </a:solidFill>
+        <a:latin typeface="+mn-lt"/>
+        <a:ea typeface="+mn-ea"/>
+        <a:cs typeface="+mn-cs"/>
+      </a:defRPr>
+    </a:lvl1pPr>
+    <a:lvl2pPr marL="457200" algn="l" defTabSz="914400" rtl="0" eaLnBrk="1" latinLnBrk="0" hangingPunct="1">
+      <a:defRPr sz="1200" kern="1200">
+        <a:solidFill>
+          <a:schemeClr val="tx1"/>
+        </a:solidFill>
+        <a:latin typeface="+mn-lt"/>
+        <a:ea typeface="+mn-ea"/>
+        <a:cs typeface="+mn-cs"/>
+      </a:defRPr>
+    </a:lvl2pPr>
+    <a:lvl3pPr marL="914400" algn="l" defTabSz="914400" rtl="0" eaLnBrk="1" latinLnBrk="0" hangingPunct="1">
+      <a:defRPr sz="1200" kern="1200">
+        <a:solidFill>
+          <a:schemeClr val="tx1"/>
+        </a:solidFill>
+        <a:latin typeface="+mn-lt"/>
+        <a:ea typeface="+mn-ea"/>
+        <a:cs typeface="+mn-cs"/>
+      </a:defRPr>
+    </a:lvl3pPr>
+    <a:lvl4pPr marL="1371600" algn="l" defTabSz="914400" rtl="0" eaLnBrk="1" latinLnBrk="0" hangingPunct="1">
+      <a:defRPr sz="1200" kern="1200">
+        <a:solidFill>
+          <a:schemeClr val="tx1"/>
+        </a:solidFill>
+        <a:latin typeface="+mn-lt"/>
+        <a:ea typeface="+mn-ea"/>
+        <a:cs typeface="+mn-cs"/>
+      </a:defRPr>
+    </a:lvl4pPr>
+    <a:lvl5pPr marL="1828800" algn="l" defTabSz="914400" rtl="0" eaLnBrk="1" latinLnBrk="0" hangingPunct="1">
+      <a:defRPr sz="1200" kern="1200">
+        <a:solidFill>
+          <a:schemeClr val="tx1"/>
+        </a:solidFill>
+        <a:latin typeface="+mn-lt"/>
+        <a:ea typeface="+mn-ea"/>
+        <a:cs typeface="+mn-cs"/>
+      </a:defRPr>
+    </a:lvl5pPr>
+    <a:lvl6pPr marL="2286000" algn="l" defTabSz="914400" rtl="0" eaLnBrk="1" latinLnBrk="0" hangingPunct="1">
+      <a:defRPr sz="1200" kern="1200">
+        <a:solidFill>
+          <a:schemeClr val="tx1"/>
+        </a:solidFill>
+        <a:latin typeface="+mn-lt"/>
+        <a:ea typeface="+mn-ea"/>
+        <a:cs typeface="+mn-cs"/>
+      </a:defRPr>
+    </a:lvl6pPr>
+    <a:lvl7pPr marL="2743200" algn="l" defTabSz="914400" rtl="0" eaLnBrk="1" latinLnBrk="0" hangingPunct="1">
+      <a:defRPr sz="1200" kern="1200">
+        <a:solidFill>
+          <a:schemeClr val="tx1"/>
+        </a:solidFill>
+        <a:latin typeface="+mn-lt"/>
+        <a:ea typeface="+mn-ea"/>
+        <a:cs typeface="+mn-cs"/>
+      </a:defRPr>
+    </a:lvl7pPr>
+    <a:lvl8pPr marL="3200400" algn="l" defTabSz="914400" rtl="0" eaLnBrk="1" latinLnBrk="0" hangingPunct="1">
+      <a:defRPr sz="1200" kern="1200">
+        <a:solidFill>
+          <a:schemeClr val="tx1"/>
+        </a:solidFill>
+        <a:latin typeface="+mn-lt"/>
+        <a:ea typeface="+mn-ea"/>
+        <a:cs typeface="+mn-cs"/>
+      </a:defRPr>
+    </a:lvl8pPr>
+    <a:lvl9pPr marL="3657600" algn="l" defTabSz="914400" rtl="0" eaLnBrk="1" latinLnBrk="0" hangingPunct="1">
+      <a:defRPr sz="1200" kern="1200">
+        <a:solidFill>
+          <a:schemeClr val="tx1"/>
+        </a:solidFill>
+        <a:latin typeface="+mn-lt"/>
+        <a:ea typeface="+mn-ea"/>
+        <a:cs typeface="+mn-cs"/>
+      </a:defRPr>
+    </a:lvl9pPr>
+  </p:notesStyle>
 </p:notesMaster>
 </file>
 
 <file path=ppt/notesSlides/notesSlide1.xml><?xml version="1.0" encoding="utf-8"?>
-<p:notes xmlns:a="http://schemas.openxmlformats.org/drawingml/2006/main" xmlns:r="http://schemas.openxmlformats.org/officeDocument/2006/relationships" xmlns:mc="http://schemas.openxmlformats.org/markup-compatibility/2006" xmlns:mv="urn:schemas-microsoft-com:mac:vml" xmlns:p="http://schemas.openxmlformats.org/presentationml/2006/main" xmlns:c="http://schemas.openxmlformats.org/drawingml/2006/chart" xmlns:dgm="http://schemas.openxmlformats.org/drawingml/2006/diagram" xmlns:o="urn:schemas-microsoft-com:office:office" xmlns:v="urn:schemas-microsoft-com:vml" xmlns:pvml="urn:schemas-microsoft-com:office:powerpoint" xmlns:com="http://schemas.openxmlformats.org/drawingml/2006/compatibility" xmlns:p14="http://schemas.microsoft.com/office/powerpoint/2010/main" xmlns:p15="http://schemas.microsoft.com/office/powerpoint/2012/main" showMasterPhAnim="0" showMasterSp="0">
+<p:notes xmlns:a="http://schemas.openxmlformats.org/drawingml/2006/main" xmlns:r="http://schemas.openxmlformats.org/officeDocument/2006/relationships" xmlns:p="http://schemas.openxmlformats.org/presentationml/2006/main" showMasterSp="0" showMasterPhAnim="0">
   <p:cSld>
     <p:spTree>
       <p:nvGrpSpPr>
-        <p:cNvPr id="50" name="Shape 50"/>
+        <p:cNvPr id="1" name="Shape 50"/>
         <p:cNvGrpSpPr/>
         <p:nvPr/>
       </p:nvGrpSpPr>
@@ -404,19 +514,26 @@
       <p:sp>
         <p:nvSpPr>
           <p:cNvPr id="51" name="Shape 51"/>
-          <p:cNvSpPr/>
+          <p:cNvSpPr>
+            <a:spLocks noGrp="1" noRot="1" noChangeAspect="1"/>
+          </p:cNvSpPr>
           <p:nvPr>
-            <p:ph idx="2" type="sldImg"/>
+            <p:ph type="sldImg" idx="2"/>
           </p:nvPr>
         </p:nvSpPr>
         <p:spPr>
           <a:xfrm>
-            <a:off x="381300" y="685800"/>
+            <a:off x="381000" y="685800"/>
             <a:ext cx="6096000" cy="3429000"/>
           </a:xfrm>
           <a:custGeom>
+            <a:avLst/>
+            <a:gdLst/>
+            <a:ahLst/>
+            <a:cxnLst/>
+            <a:rect l="0" t="0" r="0" b="0"/>
             <a:pathLst>
-              <a:path extrusionOk="0" h="120000" w="120000">
+              <a:path w="120000" h="120000" extrusionOk="0">
                 <a:moveTo>
                   <a:pt x="0" y="0"/>
                 </a:moveTo>
@@ -438,9 +555,11 @@
       <p:sp>
         <p:nvSpPr>
           <p:cNvPr id="52" name="Shape 52"/>
-          <p:cNvSpPr txBox="1"/>
+          <p:cNvSpPr txBox="1">
+            <a:spLocks noGrp="1"/>
+          </p:cNvSpPr>
           <p:nvPr>
-            <p:ph idx="1" type="body"/>
+            <p:ph type="body" idx="1"/>
           </p:nvPr>
         </p:nvSpPr>
         <p:spPr>
@@ -453,7 +572,7 @@
           </a:prstGeom>
         </p:spPr>
         <p:txBody>
-          <a:bodyPr anchorCtr="0" anchor="t" bIns="91425" lIns="91425" rIns="91425" wrap="square" tIns="91425">
+          <a:bodyPr wrap="square" lIns="91425" tIns="91425" rIns="91425" bIns="91425" anchor="t" anchorCtr="0">
             <a:noAutofit/>
           </a:bodyPr>
           <a:lstStyle/>
@@ -464,9 +583,6 @@
               </a:spcBef>
               <a:buNone/>
             </a:pPr>
-            <a:r>
-              <a:t/>
-            </a:r>
             <a:endParaRPr/>
           </a:p>
         </p:txBody>
@@ -479,12 +595,118 @@
 </p:notes>
 </file>
 
+<file path=ppt/notesSlides/notesSlide2.xml><?xml version="1.0" encoding="utf-8"?>
+<p:notes xmlns:a="http://schemas.openxmlformats.org/drawingml/2006/main" xmlns:r="http://schemas.openxmlformats.org/officeDocument/2006/relationships" xmlns:p="http://schemas.openxmlformats.org/presentationml/2006/main" showMasterSp="0" showMasterPhAnim="0">
+  <p:cSld>
+    <p:spTree>
+      <p:nvGrpSpPr>
+        <p:cNvPr id="1" name="Shape 50"/>
+        <p:cNvGrpSpPr/>
+        <p:nvPr/>
+      </p:nvGrpSpPr>
+      <p:grpSpPr>
+        <a:xfrm>
+          <a:off x="0" y="0"/>
+          <a:ext cx="0" cy="0"/>
+          <a:chOff x="0" y="0"/>
+          <a:chExt cx="0" cy="0"/>
+        </a:xfrm>
+      </p:grpSpPr>
+      <p:sp>
+        <p:nvSpPr>
+          <p:cNvPr id="51" name="Shape 51"/>
+          <p:cNvSpPr>
+            <a:spLocks noGrp="1" noRot="1" noChangeAspect="1"/>
+          </p:cNvSpPr>
+          <p:nvPr>
+            <p:ph type="sldImg" idx="2"/>
+          </p:nvPr>
+        </p:nvSpPr>
+        <p:spPr>
+          <a:xfrm>
+            <a:off x="381300" y="685800"/>
+            <a:ext cx="6096000" cy="3429000"/>
+          </a:xfrm>
+          <a:custGeom>
+            <a:avLst/>
+            <a:gdLst/>
+            <a:ahLst/>
+            <a:cxnLst/>
+            <a:rect l="0" t="0" r="0" b="0"/>
+            <a:pathLst>
+              <a:path w="120000" h="120000" extrusionOk="0">
+                <a:moveTo>
+                  <a:pt x="0" y="0"/>
+                </a:moveTo>
+                <a:lnTo>
+                  <a:pt x="120000" y="0"/>
+                </a:lnTo>
+                <a:lnTo>
+                  <a:pt x="120000" y="120000"/>
+                </a:lnTo>
+                <a:lnTo>
+                  <a:pt x="0" y="120000"/>
+                </a:lnTo>
+                <a:close/>
+              </a:path>
+            </a:pathLst>
+          </a:custGeom>
+        </p:spPr>
+      </p:sp>
+      <p:sp>
+        <p:nvSpPr>
+          <p:cNvPr id="52" name="Shape 52"/>
+          <p:cNvSpPr txBox="1">
+            <a:spLocks noGrp="1"/>
+          </p:cNvSpPr>
+          <p:nvPr>
+            <p:ph type="body" idx="1"/>
+          </p:nvPr>
+        </p:nvSpPr>
+        <p:spPr>
+          <a:xfrm>
+            <a:off x="685800" y="4343400"/>
+            <a:ext cx="5486400" cy="4114800"/>
+          </a:xfrm>
+          <a:prstGeom prst="rect">
+            <a:avLst/>
+          </a:prstGeom>
+        </p:spPr>
+        <p:txBody>
+          <a:bodyPr wrap="square" lIns="91425" tIns="91425" rIns="91425" bIns="91425" anchor="t" anchorCtr="0">
+            <a:noAutofit/>
+          </a:bodyPr>
+          <a:lstStyle/>
+          <a:p>
+            <a:pPr lvl="0" rtl="0">
+              <a:spcBef>
+                <a:spcPts val="0"/>
+              </a:spcBef>
+              <a:buNone/>
+            </a:pPr>
+            <a:endParaRPr/>
+          </a:p>
+        </p:txBody>
+      </p:sp>
+    </p:spTree>
+    <p:extLst>
+      <p:ext uri="{BB962C8B-B14F-4D97-AF65-F5344CB8AC3E}">
+        <p14:creationId xmlns:p14="http://schemas.microsoft.com/office/powerpoint/2010/main" val="2495456964"/>
+      </p:ext>
+    </p:extLst>
+  </p:cSld>
+  <p:clrMapOvr>
+    <a:masterClrMapping/>
+  </p:clrMapOvr>
+</p:notes>
+</file>
+
 <file path=ppt/slideLayouts/slideLayout1.xml><?xml version="1.0" encoding="utf-8"?>
-<p:sldLayout xmlns:a="http://schemas.openxmlformats.org/drawingml/2006/main" xmlns:r="http://schemas.openxmlformats.org/officeDocument/2006/relationships" xmlns:mc="http://schemas.openxmlformats.org/markup-compatibility/2006" xmlns:mv="urn:schemas-microsoft-com:mac:vml" xmlns:p="http://schemas.openxmlformats.org/presentationml/2006/main" xmlns:c="http://schemas.openxmlformats.org/drawingml/2006/chart" xmlns:dgm="http://schemas.openxmlformats.org/drawingml/2006/diagram" xmlns:o="urn:schemas-microsoft-com:office:office" xmlns:v="urn:schemas-microsoft-com:vml" xmlns:pvml="urn:schemas-microsoft-com:office:powerpoint" xmlns:com="http://schemas.openxmlformats.org/drawingml/2006/compatibility" xmlns:p14="http://schemas.microsoft.com/office/powerpoint/2010/main" xmlns:p15="http://schemas.microsoft.com/office/powerpoint/2012/main" type="title">
+<p:sldLayout xmlns:a="http://schemas.openxmlformats.org/drawingml/2006/main" xmlns:r="http://schemas.openxmlformats.org/officeDocument/2006/relationships" xmlns:p="http://schemas.openxmlformats.org/presentationml/2006/main" type="title">
   <p:cSld name="Title slide">
     <p:spTree>
       <p:nvGrpSpPr>
-        <p:cNvPr id="9" name="Shape 9"/>
+        <p:cNvPr id="1" name="Shape 9"/>
         <p:cNvGrpSpPr/>
         <p:nvPr/>
       </p:nvGrpSpPr>
@@ -499,7 +721,9 @@
       <p:sp>
         <p:nvSpPr>
           <p:cNvPr id="10" name="Shape 10"/>
-          <p:cNvSpPr txBox="1"/>
+          <p:cNvSpPr txBox="1">
+            <a:spLocks noGrp="1"/>
+          </p:cNvSpPr>
           <p:nvPr>
             <p:ph type="ctrTitle"/>
           </p:nvPr>
@@ -514,7 +738,7 @@
           </a:prstGeom>
         </p:spPr>
         <p:txBody>
-          <a:bodyPr anchorCtr="0" anchor="b" bIns="91425" lIns="91425" rIns="91425" wrap="square" tIns="91425"/>
+          <a:bodyPr wrap="square" lIns="91425" tIns="91425" rIns="91425" bIns="91425" anchor="b" anchorCtr="0"/>
           <a:lstStyle>
             <a:lvl1pPr lvl="0" algn="ctr">
               <a:spcBef>
@@ -580,15 +804,19 @@
               <a:defRPr sz="5200"/>
             </a:lvl9pPr>
           </a:lstStyle>
-          <a:p/>
+          <a:p>
+            <a:endParaRPr/>
+          </a:p>
         </p:txBody>
       </p:sp>
       <p:sp>
         <p:nvSpPr>
           <p:cNvPr id="11" name="Shape 11"/>
-          <p:cNvSpPr txBox="1"/>
+          <p:cNvSpPr txBox="1">
+            <a:spLocks noGrp="1"/>
+          </p:cNvSpPr>
           <p:nvPr>
-            <p:ph idx="1" type="subTitle"/>
+            <p:ph type="subTitle" idx="1"/>
           </p:nvPr>
         </p:nvSpPr>
         <p:spPr>
@@ -601,7 +829,7 @@
           </a:prstGeom>
         </p:spPr>
         <p:txBody>
-          <a:bodyPr anchorCtr="0" anchor="t" bIns="91425" lIns="91425" rIns="91425" wrap="square" tIns="91425"/>
+          <a:bodyPr wrap="square" lIns="91425" tIns="91425" rIns="91425" bIns="91425" anchor="t" anchorCtr="0"/>
           <a:lstStyle>
             <a:lvl1pPr lvl="0" algn="ctr">
               <a:lnSpc>
@@ -730,15 +958,19 @@
               <a:defRPr sz="2800"/>
             </a:lvl9pPr>
           </a:lstStyle>
-          <a:p/>
+          <a:p>
+            <a:endParaRPr/>
+          </a:p>
         </p:txBody>
       </p:sp>
       <p:sp>
         <p:nvSpPr>
           <p:cNvPr id="12" name="Shape 12"/>
-          <p:cNvSpPr txBox="1"/>
+          <p:cNvSpPr txBox="1">
+            <a:spLocks noGrp="1"/>
+          </p:cNvSpPr>
           <p:nvPr>
-            <p:ph idx="12" type="sldNum"/>
+            <p:ph type="sldNum" idx="12"/>
           </p:nvPr>
         </p:nvSpPr>
         <p:spPr>
@@ -751,7 +983,7 @@
           </a:prstGeom>
         </p:spPr>
         <p:txBody>
-          <a:bodyPr anchorCtr="0" anchor="ctr" bIns="91425" lIns="91425" rIns="91425" wrap="square" tIns="91425">
+          <a:bodyPr wrap="square" lIns="91425" tIns="91425" rIns="91425" bIns="91425" anchor="ctr" anchorCtr="0">
             <a:noAutofit/>
           </a:bodyPr>
           <a:lstStyle/>
@@ -766,6 +998,7 @@
               <a:rPr lang="en"/>
               <a:t>‹#›</a:t>
             </a:fld>
+            <a:endParaRPr lang="en"/>
           </a:p>
         </p:txBody>
       </p:sp>
@@ -778,11 +1011,11 @@
 </file>
 
 <file path=ppt/slideLayouts/slideLayout10.xml><?xml version="1.0" encoding="utf-8"?>
-<p:sldLayout xmlns:a="http://schemas.openxmlformats.org/drawingml/2006/main" xmlns:r="http://schemas.openxmlformats.org/officeDocument/2006/relationships" xmlns:mc="http://schemas.openxmlformats.org/markup-compatibility/2006" xmlns:mv="urn:schemas-microsoft-com:mac:vml" xmlns:p="http://schemas.openxmlformats.org/presentationml/2006/main" xmlns:c="http://schemas.openxmlformats.org/drawingml/2006/chart" xmlns:dgm="http://schemas.openxmlformats.org/drawingml/2006/diagram" xmlns:o="urn:schemas-microsoft-com:office:office" xmlns:v="urn:schemas-microsoft-com:vml" xmlns:pvml="urn:schemas-microsoft-com:office:powerpoint" xmlns:com="http://schemas.openxmlformats.org/drawingml/2006/compatibility" xmlns:p14="http://schemas.microsoft.com/office/powerpoint/2010/main" xmlns:p15="http://schemas.microsoft.com/office/powerpoint/2012/main">
+<p:sldLayout xmlns:a="http://schemas.openxmlformats.org/drawingml/2006/main" xmlns:r="http://schemas.openxmlformats.org/officeDocument/2006/relationships" xmlns:p="http://schemas.openxmlformats.org/presentationml/2006/main">
   <p:cSld name="Big number">
     <p:spTree>
       <p:nvGrpSpPr>
-        <p:cNvPr id="44" name="Shape 44"/>
+        <p:cNvPr id="1" name="Shape 44"/>
         <p:cNvGrpSpPr/>
         <p:nvPr/>
       </p:nvGrpSpPr>
@@ -797,7 +1030,9 @@
       <p:sp>
         <p:nvSpPr>
           <p:cNvPr id="45" name="Shape 45"/>
-          <p:cNvSpPr txBox="1"/>
+          <p:cNvSpPr txBox="1">
+            <a:spLocks noGrp="1"/>
+          </p:cNvSpPr>
           <p:nvPr>
             <p:ph type="title"/>
           </p:nvPr>
@@ -812,7 +1047,7 @@
           </a:prstGeom>
         </p:spPr>
         <p:txBody>
-          <a:bodyPr anchorCtr="0" anchor="b" bIns="91425" lIns="91425" rIns="91425" wrap="square" tIns="91425"/>
+          <a:bodyPr wrap="square" lIns="91425" tIns="91425" rIns="91425" bIns="91425" anchor="b" anchorCtr="0"/>
           <a:lstStyle>
             <a:lvl1pPr lvl="0" algn="ctr">
               <a:spcBef>
@@ -878,15 +1113,19 @@
               <a:defRPr sz="12000"/>
             </a:lvl9pPr>
           </a:lstStyle>
-          <a:p/>
+          <a:p>
+            <a:endParaRPr/>
+          </a:p>
         </p:txBody>
       </p:sp>
       <p:sp>
         <p:nvSpPr>
           <p:cNvPr id="46" name="Shape 46"/>
-          <p:cNvSpPr txBox="1"/>
+          <p:cNvSpPr txBox="1">
+            <a:spLocks noGrp="1"/>
+          </p:cNvSpPr>
           <p:nvPr>
-            <p:ph idx="1" type="body"/>
+            <p:ph type="body" idx="1"/>
           </p:nvPr>
         </p:nvSpPr>
         <p:spPr>
@@ -899,7 +1138,7 @@
           </a:prstGeom>
         </p:spPr>
         <p:txBody>
-          <a:bodyPr anchorCtr="0" anchor="t" bIns="91425" lIns="91425" rIns="91425" wrap="square" tIns="91425"/>
+          <a:bodyPr wrap="square" lIns="91425" tIns="91425" rIns="91425" bIns="91425" anchor="t" anchorCtr="0"/>
           <a:lstStyle>
             <a:lvl1pPr lvl="0" algn="ctr">
               <a:spcBef>
@@ -956,15 +1195,19 @@
               <a:defRPr/>
             </a:lvl9pPr>
           </a:lstStyle>
-          <a:p/>
+          <a:p>
+            <a:endParaRPr/>
+          </a:p>
         </p:txBody>
       </p:sp>
       <p:sp>
         <p:nvSpPr>
           <p:cNvPr id="47" name="Shape 47"/>
-          <p:cNvSpPr txBox="1"/>
+          <p:cNvSpPr txBox="1">
+            <a:spLocks noGrp="1"/>
+          </p:cNvSpPr>
           <p:nvPr>
-            <p:ph idx="12" type="sldNum"/>
+            <p:ph type="sldNum" idx="12"/>
           </p:nvPr>
         </p:nvSpPr>
         <p:spPr>
@@ -977,7 +1220,7 @@
           </a:prstGeom>
         </p:spPr>
         <p:txBody>
-          <a:bodyPr anchorCtr="0" anchor="ctr" bIns="91425" lIns="91425" rIns="91425" wrap="square" tIns="91425">
+          <a:bodyPr wrap="square" lIns="91425" tIns="91425" rIns="91425" bIns="91425" anchor="ctr" anchorCtr="0">
             <a:noAutofit/>
           </a:bodyPr>
           <a:lstStyle/>
@@ -992,6 +1235,7 @@
               <a:rPr lang="en"/>
               <a:t>‹#›</a:t>
             </a:fld>
+            <a:endParaRPr lang="en"/>
           </a:p>
         </p:txBody>
       </p:sp>
@@ -1004,11 +1248,11 @@
 </file>
 
 <file path=ppt/slideLayouts/slideLayout11.xml><?xml version="1.0" encoding="utf-8"?>
-<p:sldLayout xmlns:a="http://schemas.openxmlformats.org/drawingml/2006/main" xmlns:r="http://schemas.openxmlformats.org/officeDocument/2006/relationships" xmlns:mc="http://schemas.openxmlformats.org/markup-compatibility/2006" xmlns:mv="urn:schemas-microsoft-com:mac:vml" xmlns:p="http://schemas.openxmlformats.org/presentationml/2006/main" xmlns:c="http://schemas.openxmlformats.org/drawingml/2006/chart" xmlns:dgm="http://schemas.openxmlformats.org/drawingml/2006/diagram" xmlns:o="urn:schemas-microsoft-com:office:office" xmlns:v="urn:schemas-microsoft-com:vml" xmlns:pvml="urn:schemas-microsoft-com:office:powerpoint" xmlns:com="http://schemas.openxmlformats.org/drawingml/2006/compatibility" xmlns:p14="http://schemas.microsoft.com/office/powerpoint/2010/main" xmlns:p15="http://schemas.microsoft.com/office/powerpoint/2012/main" type="blank">
+<p:sldLayout xmlns:a="http://schemas.openxmlformats.org/drawingml/2006/main" xmlns:r="http://schemas.openxmlformats.org/officeDocument/2006/relationships" xmlns:p="http://schemas.openxmlformats.org/presentationml/2006/main" type="blank">
   <p:cSld name="Blank">
     <p:spTree>
       <p:nvGrpSpPr>
-        <p:cNvPr id="48" name="Shape 48"/>
+        <p:cNvPr id="1" name="Shape 48"/>
         <p:cNvGrpSpPr/>
         <p:nvPr/>
       </p:nvGrpSpPr>
@@ -1023,9 +1267,11 @@
       <p:sp>
         <p:nvSpPr>
           <p:cNvPr id="49" name="Shape 49"/>
-          <p:cNvSpPr txBox="1"/>
+          <p:cNvSpPr txBox="1">
+            <a:spLocks noGrp="1"/>
+          </p:cNvSpPr>
           <p:nvPr>
-            <p:ph idx="12" type="sldNum"/>
+            <p:ph type="sldNum" idx="12"/>
           </p:nvPr>
         </p:nvSpPr>
         <p:spPr>
@@ -1038,7 +1284,7 @@
           </a:prstGeom>
         </p:spPr>
         <p:txBody>
-          <a:bodyPr anchorCtr="0" anchor="ctr" bIns="91425" lIns="91425" rIns="91425" wrap="square" tIns="91425">
+          <a:bodyPr wrap="square" lIns="91425" tIns="91425" rIns="91425" bIns="91425" anchor="ctr" anchorCtr="0">
             <a:noAutofit/>
           </a:bodyPr>
           <a:lstStyle/>
@@ -1053,6 +1299,7 @@
               <a:rPr lang="en"/>
               <a:t>‹#›</a:t>
             </a:fld>
+            <a:endParaRPr lang="en"/>
           </a:p>
         </p:txBody>
       </p:sp>
@@ -1065,11 +1312,11 @@
 </file>
 
 <file path=ppt/slideLayouts/slideLayout2.xml><?xml version="1.0" encoding="utf-8"?>
-<p:sldLayout xmlns:a="http://schemas.openxmlformats.org/drawingml/2006/main" xmlns:r="http://schemas.openxmlformats.org/officeDocument/2006/relationships" xmlns:mc="http://schemas.openxmlformats.org/markup-compatibility/2006" xmlns:mv="urn:schemas-microsoft-com:mac:vml" xmlns:p="http://schemas.openxmlformats.org/presentationml/2006/main" xmlns:c="http://schemas.openxmlformats.org/drawingml/2006/chart" xmlns:dgm="http://schemas.openxmlformats.org/drawingml/2006/diagram" xmlns:o="urn:schemas-microsoft-com:office:office" xmlns:v="urn:schemas-microsoft-com:vml" xmlns:pvml="urn:schemas-microsoft-com:office:powerpoint" xmlns:com="http://schemas.openxmlformats.org/drawingml/2006/compatibility" xmlns:p14="http://schemas.microsoft.com/office/powerpoint/2010/main" xmlns:p15="http://schemas.microsoft.com/office/powerpoint/2012/main" type="secHead">
+<p:sldLayout xmlns:a="http://schemas.openxmlformats.org/drawingml/2006/main" xmlns:r="http://schemas.openxmlformats.org/officeDocument/2006/relationships" xmlns:p="http://schemas.openxmlformats.org/presentationml/2006/main" type="secHead">
   <p:cSld name="Section header">
     <p:spTree>
       <p:nvGrpSpPr>
-        <p:cNvPr id="13" name="Shape 13"/>
+        <p:cNvPr id="1" name="Shape 13"/>
         <p:cNvGrpSpPr/>
         <p:nvPr/>
       </p:nvGrpSpPr>
@@ -1084,7 +1331,9 @@
       <p:sp>
         <p:nvSpPr>
           <p:cNvPr id="14" name="Shape 14"/>
-          <p:cNvSpPr txBox="1"/>
+          <p:cNvSpPr txBox="1">
+            <a:spLocks noGrp="1"/>
+          </p:cNvSpPr>
           <p:nvPr>
             <p:ph type="title"/>
           </p:nvPr>
@@ -1099,7 +1348,7 @@
           </a:prstGeom>
         </p:spPr>
         <p:txBody>
-          <a:bodyPr anchorCtr="0" anchor="ctr" bIns="91425" lIns="91425" rIns="91425" wrap="square" tIns="91425"/>
+          <a:bodyPr wrap="square" lIns="91425" tIns="91425" rIns="91425" bIns="91425" anchor="ctr" anchorCtr="0"/>
           <a:lstStyle>
             <a:lvl1pPr lvl="0" algn="ctr">
               <a:spcBef>
@@ -1165,15 +1414,19 @@
               <a:defRPr sz="3600"/>
             </a:lvl9pPr>
           </a:lstStyle>
-          <a:p/>
+          <a:p>
+            <a:endParaRPr/>
+          </a:p>
         </p:txBody>
       </p:sp>
       <p:sp>
         <p:nvSpPr>
           <p:cNvPr id="15" name="Shape 15"/>
-          <p:cNvSpPr txBox="1"/>
+          <p:cNvSpPr txBox="1">
+            <a:spLocks noGrp="1"/>
+          </p:cNvSpPr>
           <p:nvPr>
-            <p:ph idx="12" type="sldNum"/>
+            <p:ph type="sldNum" idx="12"/>
           </p:nvPr>
         </p:nvSpPr>
         <p:spPr>
@@ -1186,7 +1439,7 @@
           </a:prstGeom>
         </p:spPr>
         <p:txBody>
-          <a:bodyPr anchorCtr="0" anchor="ctr" bIns="91425" lIns="91425" rIns="91425" wrap="square" tIns="91425">
+          <a:bodyPr wrap="square" lIns="91425" tIns="91425" rIns="91425" bIns="91425" anchor="ctr" anchorCtr="0">
             <a:noAutofit/>
           </a:bodyPr>
           <a:lstStyle/>
@@ -1201,6 +1454,7 @@
               <a:rPr lang="en"/>
               <a:t>‹#›</a:t>
             </a:fld>
+            <a:endParaRPr lang="en"/>
           </a:p>
         </p:txBody>
       </p:sp>
@@ -1213,11 +1467,11 @@
 </file>
 
 <file path=ppt/slideLayouts/slideLayout3.xml><?xml version="1.0" encoding="utf-8"?>
-<p:sldLayout xmlns:a="http://schemas.openxmlformats.org/drawingml/2006/main" xmlns:r="http://schemas.openxmlformats.org/officeDocument/2006/relationships" xmlns:mc="http://schemas.openxmlformats.org/markup-compatibility/2006" xmlns:mv="urn:schemas-microsoft-com:mac:vml" xmlns:p="http://schemas.openxmlformats.org/presentationml/2006/main" xmlns:c="http://schemas.openxmlformats.org/drawingml/2006/chart" xmlns:dgm="http://schemas.openxmlformats.org/drawingml/2006/diagram" xmlns:o="urn:schemas-microsoft-com:office:office" xmlns:v="urn:schemas-microsoft-com:vml" xmlns:pvml="urn:schemas-microsoft-com:office:powerpoint" xmlns:com="http://schemas.openxmlformats.org/drawingml/2006/compatibility" xmlns:p14="http://schemas.microsoft.com/office/powerpoint/2010/main" xmlns:p15="http://schemas.microsoft.com/office/powerpoint/2012/main" type="tx">
+<p:sldLayout xmlns:a="http://schemas.openxmlformats.org/drawingml/2006/main" xmlns:r="http://schemas.openxmlformats.org/officeDocument/2006/relationships" xmlns:p="http://schemas.openxmlformats.org/presentationml/2006/main" type="tx">
   <p:cSld name="Title and body">
     <p:spTree>
       <p:nvGrpSpPr>
-        <p:cNvPr id="16" name="Shape 16"/>
+        <p:cNvPr id="1" name="Shape 16"/>
         <p:cNvGrpSpPr/>
         <p:nvPr/>
       </p:nvGrpSpPr>
@@ -1232,7 +1486,9 @@
       <p:sp>
         <p:nvSpPr>
           <p:cNvPr id="17" name="Shape 17"/>
-          <p:cNvSpPr txBox="1"/>
+          <p:cNvSpPr txBox="1">
+            <a:spLocks noGrp="1"/>
+          </p:cNvSpPr>
           <p:nvPr>
             <p:ph type="title"/>
           </p:nvPr>
@@ -1247,7 +1503,7 @@
           </a:prstGeom>
         </p:spPr>
         <p:txBody>
-          <a:bodyPr anchorCtr="0" anchor="t" bIns="91425" lIns="91425" rIns="91425" wrap="square" tIns="91425"/>
+          <a:bodyPr wrap="square" lIns="91425" tIns="91425" rIns="91425" bIns="91425" anchor="t" anchorCtr="0"/>
           <a:lstStyle>
             <a:lvl1pPr lvl="0">
               <a:spcBef>
@@ -1304,15 +1560,19 @@
               <a:defRPr/>
             </a:lvl9pPr>
           </a:lstStyle>
-          <a:p/>
+          <a:p>
+            <a:endParaRPr/>
+          </a:p>
         </p:txBody>
       </p:sp>
       <p:sp>
         <p:nvSpPr>
           <p:cNvPr id="18" name="Shape 18"/>
-          <p:cNvSpPr txBox="1"/>
+          <p:cNvSpPr txBox="1">
+            <a:spLocks noGrp="1"/>
+          </p:cNvSpPr>
           <p:nvPr>
-            <p:ph idx="1" type="body"/>
+            <p:ph type="body" idx="1"/>
           </p:nvPr>
         </p:nvSpPr>
         <p:spPr>
@@ -1325,7 +1585,7 @@
           </a:prstGeom>
         </p:spPr>
         <p:txBody>
-          <a:bodyPr anchorCtr="0" anchor="t" bIns="91425" lIns="91425" rIns="91425" wrap="square" tIns="91425"/>
+          <a:bodyPr wrap="square" lIns="91425" tIns="91425" rIns="91425" bIns="91425" anchor="t" anchorCtr="0"/>
           <a:lstStyle>
             <a:lvl1pPr lvl="0">
               <a:spcBef>
@@ -1382,15 +1642,19 @@
               <a:defRPr/>
             </a:lvl9pPr>
           </a:lstStyle>
-          <a:p/>
+          <a:p>
+            <a:endParaRPr/>
+          </a:p>
         </p:txBody>
       </p:sp>
       <p:sp>
         <p:nvSpPr>
           <p:cNvPr id="19" name="Shape 19"/>
-          <p:cNvSpPr txBox="1"/>
+          <p:cNvSpPr txBox="1">
+            <a:spLocks noGrp="1"/>
+          </p:cNvSpPr>
           <p:nvPr>
-            <p:ph idx="12" type="sldNum"/>
+            <p:ph type="sldNum" idx="12"/>
           </p:nvPr>
         </p:nvSpPr>
         <p:spPr>
@@ -1403,7 +1667,7 @@
           </a:prstGeom>
         </p:spPr>
         <p:txBody>
-          <a:bodyPr anchorCtr="0" anchor="ctr" bIns="91425" lIns="91425" rIns="91425" wrap="square" tIns="91425">
+          <a:bodyPr wrap="square" lIns="91425" tIns="91425" rIns="91425" bIns="91425" anchor="ctr" anchorCtr="0">
             <a:noAutofit/>
           </a:bodyPr>
           <a:lstStyle/>
@@ -1418,6 +1682,7 @@
               <a:rPr lang="en"/>
               <a:t>‹#›</a:t>
             </a:fld>
+            <a:endParaRPr lang="en"/>
           </a:p>
         </p:txBody>
       </p:sp>
@@ -1430,11 +1695,11 @@
 </file>
 
 <file path=ppt/slideLayouts/slideLayout4.xml><?xml version="1.0" encoding="utf-8"?>
-<p:sldLayout xmlns:a="http://schemas.openxmlformats.org/drawingml/2006/main" xmlns:r="http://schemas.openxmlformats.org/officeDocument/2006/relationships" xmlns:mc="http://schemas.openxmlformats.org/markup-compatibility/2006" xmlns:mv="urn:schemas-microsoft-com:mac:vml" xmlns:p="http://schemas.openxmlformats.org/presentationml/2006/main" xmlns:c="http://schemas.openxmlformats.org/drawingml/2006/chart" xmlns:dgm="http://schemas.openxmlformats.org/drawingml/2006/diagram" xmlns:o="urn:schemas-microsoft-com:office:office" xmlns:v="urn:schemas-microsoft-com:vml" xmlns:pvml="urn:schemas-microsoft-com:office:powerpoint" xmlns:com="http://schemas.openxmlformats.org/drawingml/2006/compatibility" xmlns:p14="http://schemas.microsoft.com/office/powerpoint/2010/main" xmlns:p15="http://schemas.microsoft.com/office/powerpoint/2012/main" type="twoColTx">
+<p:sldLayout xmlns:a="http://schemas.openxmlformats.org/drawingml/2006/main" xmlns:r="http://schemas.openxmlformats.org/officeDocument/2006/relationships" xmlns:p="http://schemas.openxmlformats.org/presentationml/2006/main" type="twoColTx">
   <p:cSld name="Title and two columns">
     <p:spTree>
       <p:nvGrpSpPr>
-        <p:cNvPr id="20" name="Shape 20"/>
+        <p:cNvPr id="1" name="Shape 20"/>
         <p:cNvGrpSpPr/>
         <p:nvPr/>
       </p:nvGrpSpPr>
@@ -1449,7 +1714,9 @@
       <p:sp>
         <p:nvSpPr>
           <p:cNvPr id="21" name="Shape 21"/>
-          <p:cNvSpPr txBox="1"/>
+          <p:cNvSpPr txBox="1">
+            <a:spLocks noGrp="1"/>
+          </p:cNvSpPr>
           <p:nvPr>
             <p:ph type="title"/>
           </p:nvPr>
@@ -1464,7 +1731,7 @@
           </a:prstGeom>
         </p:spPr>
         <p:txBody>
-          <a:bodyPr anchorCtr="0" anchor="t" bIns="91425" lIns="91425" rIns="91425" wrap="square" tIns="91425"/>
+          <a:bodyPr wrap="square" lIns="91425" tIns="91425" rIns="91425" bIns="91425" anchor="t" anchorCtr="0"/>
           <a:lstStyle>
             <a:lvl1pPr lvl="0">
               <a:spcBef>
@@ -1521,15 +1788,19 @@
               <a:defRPr/>
             </a:lvl9pPr>
           </a:lstStyle>
-          <a:p/>
+          <a:p>
+            <a:endParaRPr/>
+          </a:p>
         </p:txBody>
       </p:sp>
       <p:sp>
         <p:nvSpPr>
           <p:cNvPr id="22" name="Shape 22"/>
-          <p:cNvSpPr txBox="1"/>
+          <p:cNvSpPr txBox="1">
+            <a:spLocks noGrp="1"/>
+          </p:cNvSpPr>
           <p:nvPr>
-            <p:ph idx="1" type="body"/>
+            <p:ph type="body" idx="1"/>
           </p:nvPr>
         </p:nvSpPr>
         <p:spPr>
@@ -1542,7 +1813,7 @@
           </a:prstGeom>
         </p:spPr>
         <p:txBody>
-          <a:bodyPr anchorCtr="0" anchor="t" bIns="91425" lIns="91425" rIns="91425" wrap="square" tIns="91425"/>
+          <a:bodyPr wrap="square" lIns="91425" tIns="91425" rIns="91425" bIns="91425" anchor="t" anchorCtr="0"/>
           <a:lstStyle>
             <a:lvl1pPr lvl="0">
               <a:spcBef>
@@ -1608,15 +1879,19 @@
               <a:defRPr sz="1200"/>
             </a:lvl9pPr>
           </a:lstStyle>
-          <a:p/>
+          <a:p>
+            <a:endParaRPr/>
+          </a:p>
         </p:txBody>
       </p:sp>
       <p:sp>
         <p:nvSpPr>
           <p:cNvPr id="23" name="Shape 23"/>
-          <p:cNvSpPr txBox="1"/>
+          <p:cNvSpPr txBox="1">
+            <a:spLocks noGrp="1"/>
+          </p:cNvSpPr>
           <p:nvPr>
-            <p:ph idx="2" type="body"/>
+            <p:ph type="body" idx="2"/>
           </p:nvPr>
         </p:nvSpPr>
         <p:spPr>
@@ -1629,7 +1904,7 @@
           </a:prstGeom>
         </p:spPr>
         <p:txBody>
-          <a:bodyPr anchorCtr="0" anchor="t" bIns="91425" lIns="91425" rIns="91425" wrap="square" tIns="91425"/>
+          <a:bodyPr wrap="square" lIns="91425" tIns="91425" rIns="91425" bIns="91425" anchor="t" anchorCtr="0"/>
           <a:lstStyle>
             <a:lvl1pPr lvl="0">
               <a:spcBef>
@@ -1695,15 +1970,19 @@
               <a:defRPr sz="1200"/>
             </a:lvl9pPr>
           </a:lstStyle>
-          <a:p/>
+          <a:p>
+            <a:endParaRPr/>
+          </a:p>
         </p:txBody>
       </p:sp>
       <p:sp>
         <p:nvSpPr>
           <p:cNvPr id="24" name="Shape 24"/>
-          <p:cNvSpPr txBox="1"/>
+          <p:cNvSpPr txBox="1">
+            <a:spLocks noGrp="1"/>
+          </p:cNvSpPr>
           <p:nvPr>
-            <p:ph idx="12" type="sldNum"/>
+            <p:ph type="sldNum" idx="12"/>
           </p:nvPr>
         </p:nvSpPr>
         <p:spPr>
@@ -1716,7 +1995,7 @@
           </a:prstGeom>
         </p:spPr>
         <p:txBody>
-          <a:bodyPr anchorCtr="0" anchor="ctr" bIns="91425" lIns="91425" rIns="91425" wrap="square" tIns="91425">
+          <a:bodyPr wrap="square" lIns="91425" tIns="91425" rIns="91425" bIns="91425" anchor="ctr" anchorCtr="0">
             <a:noAutofit/>
           </a:bodyPr>
           <a:lstStyle/>
@@ -1731,6 +2010,7 @@
               <a:rPr lang="en"/>
               <a:t>‹#›</a:t>
             </a:fld>
+            <a:endParaRPr lang="en"/>
           </a:p>
         </p:txBody>
       </p:sp>
@@ -1743,11 +2023,11 @@
 </file>
 
 <file path=ppt/slideLayouts/slideLayout5.xml><?xml version="1.0" encoding="utf-8"?>
-<p:sldLayout xmlns:a="http://schemas.openxmlformats.org/drawingml/2006/main" xmlns:r="http://schemas.openxmlformats.org/officeDocument/2006/relationships" xmlns:mc="http://schemas.openxmlformats.org/markup-compatibility/2006" xmlns:mv="urn:schemas-microsoft-com:mac:vml" xmlns:p="http://schemas.openxmlformats.org/presentationml/2006/main" xmlns:c="http://schemas.openxmlformats.org/drawingml/2006/chart" xmlns:dgm="http://schemas.openxmlformats.org/drawingml/2006/diagram" xmlns:o="urn:schemas-microsoft-com:office:office" xmlns:v="urn:schemas-microsoft-com:vml" xmlns:pvml="urn:schemas-microsoft-com:office:powerpoint" xmlns:com="http://schemas.openxmlformats.org/drawingml/2006/compatibility" xmlns:p14="http://schemas.microsoft.com/office/powerpoint/2010/main" xmlns:p15="http://schemas.microsoft.com/office/powerpoint/2012/main" type="titleOnly">
+<p:sldLayout xmlns:a="http://schemas.openxmlformats.org/drawingml/2006/main" xmlns:r="http://schemas.openxmlformats.org/officeDocument/2006/relationships" xmlns:p="http://schemas.openxmlformats.org/presentationml/2006/main" type="titleOnly">
   <p:cSld name="Title only">
     <p:spTree>
       <p:nvGrpSpPr>
-        <p:cNvPr id="25" name="Shape 25"/>
+        <p:cNvPr id="1" name="Shape 25"/>
         <p:cNvGrpSpPr/>
         <p:nvPr/>
       </p:nvGrpSpPr>
@@ -1762,7 +2042,9 @@
       <p:sp>
         <p:nvSpPr>
           <p:cNvPr id="26" name="Shape 26"/>
-          <p:cNvSpPr txBox="1"/>
+          <p:cNvSpPr txBox="1">
+            <a:spLocks noGrp="1"/>
+          </p:cNvSpPr>
           <p:nvPr>
             <p:ph type="title"/>
           </p:nvPr>
@@ -1777,7 +2059,7 @@
           </a:prstGeom>
         </p:spPr>
         <p:txBody>
-          <a:bodyPr anchorCtr="0" anchor="t" bIns="91425" lIns="91425" rIns="91425" wrap="square" tIns="91425"/>
+          <a:bodyPr wrap="square" lIns="91425" tIns="91425" rIns="91425" bIns="91425" anchor="t" anchorCtr="0"/>
           <a:lstStyle>
             <a:lvl1pPr lvl="0">
               <a:spcBef>
@@ -1834,15 +2116,19 @@
               <a:defRPr/>
             </a:lvl9pPr>
           </a:lstStyle>
-          <a:p/>
+          <a:p>
+            <a:endParaRPr/>
+          </a:p>
         </p:txBody>
       </p:sp>
       <p:sp>
         <p:nvSpPr>
           <p:cNvPr id="27" name="Shape 27"/>
-          <p:cNvSpPr txBox="1"/>
+          <p:cNvSpPr txBox="1">
+            <a:spLocks noGrp="1"/>
+          </p:cNvSpPr>
           <p:nvPr>
-            <p:ph idx="12" type="sldNum"/>
+            <p:ph type="sldNum" idx="12"/>
           </p:nvPr>
         </p:nvSpPr>
         <p:spPr>
@@ -1855,7 +2141,7 @@
           </a:prstGeom>
         </p:spPr>
         <p:txBody>
-          <a:bodyPr anchorCtr="0" anchor="ctr" bIns="91425" lIns="91425" rIns="91425" wrap="square" tIns="91425">
+          <a:bodyPr wrap="square" lIns="91425" tIns="91425" rIns="91425" bIns="91425" anchor="ctr" anchorCtr="0">
             <a:noAutofit/>
           </a:bodyPr>
           <a:lstStyle/>
@@ -1870,6 +2156,7 @@
               <a:rPr lang="en"/>
               <a:t>‹#›</a:t>
             </a:fld>
+            <a:endParaRPr lang="en"/>
           </a:p>
         </p:txBody>
       </p:sp>
@@ -1882,11 +2169,11 @@
 </file>
 
 <file path=ppt/slideLayouts/slideLayout6.xml><?xml version="1.0" encoding="utf-8"?>
-<p:sldLayout xmlns:a="http://schemas.openxmlformats.org/drawingml/2006/main" xmlns:r="http://schemas.openxmlformats.org/officeDocument/2006/relationships" xmlns:mc="http://schemas.openxmlformats.org/markup-compatibility/2006" xmlns:mv="urn:schemas-microsoft-com:mac:vml" xmlns:p="http://schemas.openxmlformats.org/presentationml/2006/main" xmlns:c="http://schemas.openxmlformats.org/drawingml/2006/chart" xmlns:dgm="http://schemas.openxmlformats.org/drawingml/2006/diagram" xmlns:o="urn:schemas-microsoft-com:office:office" xmlns:v="urn:schemas-microsoft-com:vml" xmlns:pvml="urn:schemas-microsoft-com:office:powerpoint" xmlns:com="http://schemas.openxmlformats.org/drawingml/2006/compatibility" xmlns:p14="http://schemas.microsoft.com/office/powerpoint/2010/main" xmlns:p15="http://schemas.microsoft.com/office/powerpoint/2012/main">
+<p:sldLayout xmlns:a="http://schemas.openxmlformats.org/drawingml/2006/main" xmlns:r="http://schemas.openxmlformats.org/officeDocument/2006/relationships" xmlns:p="http://schemas.openxmlformats.org/presentationml/2006/main">
   <p:cSld name="One column text">
     <p:spTree>
       <p:nvGrpSpPr>
-        <p:cNvPr id="28" name="Shape 28"/>
+        <p:cNvPr id="1" name="Shape 28"/>
         <p:cNvGrpSpPr/>
         <p:nvPr/>
       </p:nvGrpSpPr>
@@ -1901,7 +2188,9 @@
       <p:sp>
         <p:nvSpPr>
           <p:cNvPr id="29" name="Shape 29"/>
-          <p:cNvSpPr txBox="1"/>
+          <p:cNvSpPr txBox="1">
+            <a:spLocks noGrp="1"/>
+          </p:cNvSpPr>
           <p:nvPr>
             <p:ph type="title"/>
           </p:nvPr>
@@ -1916,7 +2205,7 @@
           </a:prstGeom>
         </p:spPr>
         <p:txBody>
-          <a:bodyPr anchorCtr="0" anchor="b" bIns="91425" lIns="91425" rIns="91425" wrap="square" tIns="91425"/>
+          <a:bodyPr wrap="square" lIns="91425" tIns="91425" rIns="91425" bIns="91425" anchor="b" anchorCtr="0"/>
           <a:lstStyle>
             <a:lvl1pPr lvl="0">
               <a:spcBef>
@@ -1982,15 +2271,19 @@
               <a:defRPr sz="2400"/>
             </a:lvl9pPr>
           </a:lstStyle>
-          <a:p/>
+          <a:p>
+            <a:endParaRPr/>
+          </a:p>
         </p:txBody>
       </p:sp>
       <p:sp>
         <p:nvSpPr>
           <p:cNvPr id="30" name="Shape 30"/>
-          <p:cNvSpPr txBox="1"/>
+          <p:cNvSpPr txBox="1">
+            <a:spLocks noGrp="1"/>
+          </p:cNvSpPr>
           <p:nvPr>
-            <p:ph idx="1" type="body"/>
+            <p:ph type="body" idx="1"/>
           </p:nvPr>
         </p:nvSpPr>
         <p:spPr>
@@ -2003,7 +2296,7 @@
           </a:prstGeom>
         </p:spPr>
         <p:txBody>
-          <a:bodyPr anchorCtr="0" anchor="t" bIns="91425" lIns="91425" rIns="91425" wrap="square" tIns="91425"/>
+          <a:bodyPr wrap="square" lIns="91425" tIns="91425" rIns="91425" bIns="91425" anchor="t" anchorCtr="0"/>
           <a:lstStyle>
             <a:lvl1pPr lvl="0">
               <a:spcBef>
@@ -2069,15 +2362,19 @@
               <a:defRPr sz="1200"/>
             </a:lvl9pPr>
           </a:lstStyle>
-          <a:p/>
+          <a:p>
+            <a:endParaRPr/>
+          </a:p>
         </p:txBody>
       </p:sp>
       <p:sp>
         <p:nvSpPr>
           <p:cNvPr id="31" name="Shape 31"/>
-          <p:cNvSpPr txBox="1"/>
+          <p:cNvSpPr txBox="1">
+            <a:spLocks noGrp="1"/>
+          </p:cNvSpPr>
           <p:nvPr>
-            <p:ph idx="12" type="sldNum"/>
+            <p:ph type="sldNum" idx="12"/>
           </p:nvPr>
         </p:nvSpPr>
         <p:spPr>
@@ -2090,7 +2387,7 @@
           </a:prstGeom>
         </p:spPr>
         <p:txBody>
-          <a:bodyPr anchorCtr="0" anchor="ctr" bIns="91425" lIns="91425" rIns="91425" wrap="square" tIns="91425">
+          <a:bodyPr wrap="square" lIns="91425" tIns="91425" rIns="91425" bIns="91425" anchor="ctr" anchorCtr="0">
             <a:noAutofit/>
           </a:bodyPr>
           <a:lstStyle/>
@@ -2105,6 +2402,7 @@
               <a:rPr lang="en"/>
               <a:t>‹#›</a:t>
             </a:fld>
+            <a:endParaRPr lang="en"/>
           </a:p>
         </p:txBody>
       </p:sp>
@@ -2117,11 +2415,11 @@
 </file>
 
 <file path=ppt/slideLayouts/slideLayout7.xml><?xml version="1.0" encoding="utf-8"?>
-<p:sldLayout xmlns:a="http://schemas.openxmlformats.org/drawingml/2006/main" xmlns:r="http://schemas.openxmlformats.org/officeDocument/2006/relationships" xmlns:mc="http://schemas.openxmlformats.org/markup-compatibility/2006" xmlns:mv="urn:schemas-microsoft-com:mac:vml" xmlns:p="http://schemas.openxmlformats.org/presentationml/2006/main" xmlns:c="http://schemas.openxmlformats.org/drawingml/2006/chart" xmlns:dgm="http://schemas.openxmlformats.org/drawingml/2006/diagram" xmlns:o="urn:schemas-microsoft-com:office:office" xmlns:v="urn:schemas-microsoft-com:vml" xmlns:pvml="urn:schemas-microsoft-com:office:powerpoint" xmlns:com="http://schemas.openxmlformats.org/drawingml/2006/compatibility" xmlns:p14="http://schemas.microsoft.com/office/powerpoint/2010/main" xmlns:p15="http://schemas.microsoft.com/office/powerpoint/2012/main">
+<p:sldLayout xmlns:a="http://schemas.openxmlformats.org/drawingml/2006/main" xmlns:r="http://schemas.openxmlformats.org/officeDocument/2006/relationships" xmlns:p="http://schemas.openxmlformats.org/presentationml/2006/main">
   <p:cSld name="Main point">
     <p:spTree>
       <p:nvGrpSpPr>
-        <p:cNvPr id="32" name="Shape 32"/>
+        <p:cNvPr id="1" name="Shape 32"/>
         <p:cNvGrpSpPr/>
         <p:nvPr/>
       </p:nvGrpSpPr>
@@ -2136,7 +2434,9 @@
       <p:sp>
         <p:nvSpPr>
           <p:cNvPr id="33" name="Shape 33"/>
-          <p:cNvSpPr txBox="1"/>
+          <p:cNvSpPr txBox="1">
+            <a:spLocks noGrp="1"/>
+          </p:cNvSpPr>
           <p:nvPr>
             <p:ph type="title"/>
           </p:nvPr>
@@ -2151,7 +2451,7 @@
           </a:prstGeom>
         </p:spPr>
         <p:txBody>
-          <a:bodyPr anchorCtr="0" anchor="ctr" bIns="91425" lIns="91425" rIns="91425" wrap="square" tIns="91425"/>
+          <a:bodyPr wrap="square" lIns="91425" tIns="91425" rIns="91425" bIns="91425" anchor="ctr" anchorCtr="0"/>
           <a:lstStyle>
             <a:lvl1pPr lvl="0">
               <a:spcBef>
@@ -2217,15 +2517,19 @@
               <a:defRPr sz="4800"/>
             </a:lvl9pPr>
           </a:lstStyle>
-          <a:p/>
+          <a:p>
+            <a:endParaRPr/>
+          </a:p>
         </p:txBody>
       </p:sp>
       <p:sp>
         <p:nvSpPr>
           <p:cNvPr id="34" name="Shape 34"/>
-          <p:cNvSpPr txBox="1"/>
+          <p:cNvSpPr txBox="1">
+            <a:spLocks noGrp="1"/>
+          </p:cNvSpPr>
           <p:nvPr>
-            <p:ph idx="12" type="sldNum"/>
+            <p:ph type="sldNum" idx="12"/>
           </p:nvPr>
         </p:nvSpPr>
         <p:spPr>
@@ -2238,7 +2542,7 @@
           </a:prstGeom>
         </p:spPr>
         <p:txBody>
-          <a:bodyPr anchorCtr="0" anchor="ctr" bIns="91425" lIns="91425" rIns="91425" wrap="square" tIns="91425">
+          <a:bodyPr wrap="square" lIns="91425" tIns="91425" rIns="91425" bIns="91425" anchor="ctr" anchorCtr="0">
             <a:noAutofit/>
           </a:bodyPr>
           <a:lstStyle/>
@@ -2253,6 +2557,7 @@
               <a:rPr lang="en"/>
               <a:t>‹#›</a:t>
             </a:fld>
+            <a:endParaRPr lang="en"/>
           </a:p>
         </p:txBody>
       </p:sp>
@@ -2265,11 +2570,11 @@
 </file>
 
 <file path=ppt/slideLayouts/slideLayout8.xml><?xml version="1.0" encoding="utf-8"?>
-<p:sldLayout xmlns:a="http://schemas.openxmlformats.org/drawingml/2006/main" xmlns:r="http://schemas.openxmlformats.org/officeDocument/2006/relationships" xmlns:mc="http://schemas.openxmlformats.org/markup-compatibility/2006" xmlns:mv="urn:schemas-microsoft-com:mac:vml" xmlns:p="http://schemas.openxmlformats.org/presentationml/2006/main" xmlns:c="http://schemas.openxmlformats.org/drawingml/2006/chart" xmlns:dgm="http://schemas.openxmlformats.org/drawingml/2006/diagram" xmlns:o="urn:schemas-microsoft-com:office:office" xmlns:v="urn:schemas-microsoft-com:vml" xmlns:pvml="urn:schemas-microsoft-com:office:powerpoint" xmlns:com="http://schemas.openxmlformats.org/drawingml/2006/compatibility" xmlns:p14="http://schemas.microsoft.com/office/powerpoint/2010/main" xmlns:p15="http://schemas.microsoft.com/office/powerpoint/2012/main">
+<p:sldLayout xmlns:a="http://schemas.openxmlformats.org/drawingml/2006/main" xmlns:r="http://schemas.openxmlformats.org/officeDocument/2006/relationships" xmlns:p="http://schemas.openxmlformats.org/presentationml/2006/main">
   <p:cSld name="Section title and description">
     <p:spTree>
       <p:nvGrpSpPr>
-        <p:cNvPr id="35" name="Shape 35"/>
+        <p:cNvPr id="1" name="Shape 35"/>
         <p:cNvGrpSpPr/>
         <p:nvPr/>
       </p:nvGrpSpPr>
@@ -2303,7 +2608,7 @@
           </a:ln>
         </p:spPr>
         <p:txBody>
-          <a:bodyPr anchorCtr="0" anchor="ctr" bIns="91425" lIns="91425" rIns="91425" wrap="square" tIns="91425">
+          <a:bodyPr wrap="square" lIns="91425" tIns="91425" rIns="91425" bIns="91425" anchor="ctr" anchorCtr="0">
             <a:noAutofit/>
           </a:bodyPr>
           <a:lstStyle/>
@@ -2314,9 +2619,6 @@
               </a:spcBef>
               <a:buNone/>
             </a:pPr>
-            <a:r>
-              <a:t/>
-            </a:r>
             <a:endParaRPr/>
           </a:p>
         </p:txBody>
@@ -2324,7 +2626,9 @@
       <p:sp>
         <p:nvSpPr>
           <p:cNvPr id="37" name="Shape 37"/>
-          <p:cNvSpPr txBox="1"/>
+          <p:cNvSpPr txBox="1">
+            <a:spLocks noGrp="1"/>
+          </p:cNvSpPr>
           <p:nvPr>
             <p:ph type="title"/>
           </p:nvPr>
@@ -2339,7 +2643,7 @@
           </a:prstGeom>
         </p:spPr>
         <p:txBody>
-          <a:bodyPr anchorCtr="0" anchor="b" bIns="91425" lIns="91425" rIns="91425" wrap="square" tIns="91425"/>
+          <a:bodyPr wrap="square" lIns="91425" tIns="91425" rIns="91425" bIns="91425" anchor="b" anchorCtr="0"/>
           <a:lstStyle>
             <a:lvl1pPr lvl="0" algn="ctr">
               <a:spcBef>
@@ -2405,15 +2709,19 @@
               <a:defRPr sz="4200"/>
             </a:lvl9pPr>
           </a:lstStyle>
-          <a:p/>
+          <a:p>
+            <a:endParaRPr/>
+          </a:p>
         </p:txBody>
       </p:sp>
       <p:sp>
         <p:nvSpPr>
           <p:cNvPr id="38" name="Shape 38"/>
-          <p:cNvSpPr txBox="1"/>
+          <p:cNvSpPr txBox="1">
+            <a:spLocks noGrp="1"/>
+          </p:cNvSpPr>
           <p:nvPr>
-            <p:ph idx="1" type="subTitle"/>
+            <p:ph type="subTitle" idx="1"/>
           </p:nvPr>
         </p:nvSpPr>
         <p:spPr>
@@ -2426,7 +2734,7 @@
           </a:prstGeom>
         </p:spPr>
         <p:txBody>
-          <a:bodyPr anchorCtr="0" anchor="t" bIns="91425" lIns="91425" rIns="91425" wrap="square" tIns="91425"/>
+          <a:bodyPr wrap="square" lIns="91425" tIns="91425" rIns="91425" bIns="91425" anchor="t" anchorCtr="0"/>
           <a:lstStyle>
             <a:lvl1pPr lvl="0" algn="ctr">
               <a:lnSpc>
@@ -2555,15 +2863,19 @@
               <a:defRPr sz="2100"/>
             </a:lvl9pPr>
           </a:lstStyle>
-          <a:p/>
+          <a:p>
+            <a:endParaRPr/>
+          </a:p>
         </p:txBody>
       </p:sp>
       <p:sp>
         <p:nvSpPr>
           <p:cNvPr id="39" name="Shape 39"/>
-          <p:cNvSpPr txBox="1"/>
+          <p:cNvSpPr txBox="1">
+            <a:spLocks noGrp="1"/>
+          </p:cNvSpPr>
           <p:nvPr>
-            <p:ph idx="2" type="body"/>
+            <p:ph type="body" idx="2"/>
           </p:nvPr>
         </p:nvSpPr>
         <p:spPr>
@@ -2576,7 +2888,7 @@
           </a:prstGeom>
         </p:spPr>
         <p:txBody>
-          <a:bodyPr anchorCtr="0" anchor="ctr" bIns="91425" lIns="91425" rIns="91425" wrap="square" tIns="91425"/>
+          <a:bodyPr wrap="square" lIns="91425" tIns="91425" rIns="91425" bIns="91425" anchor="ctr" anchorCtr="0"/>
           <a:lstStyle>
             <a:lvl1pPr lvl="0">
               <a:spcBef>
@@ -2633,15 +2945,19 @@
               <a:defRPr/>
             </a:lvl9pPr>
           </a:lstStyle>
-          <a:p/>
+          <a:p>
+            <a:endParaRPr/>
+          </a:p>
         </p:txBody>
       </p:sp>
       <p:sp>
         <p:nvSpPr>
           <p:cNvPr id="40" name="Shape 40"/>
-          <p:cNvSpPr txBox="1"/>
+          <p:cNvSpPr txBox="1">
+            <a:spLocks noGrp="1"/>
+          </p:cNvSpPr>
           <p:nvPr>
-            <p:ph idx="12" type="sldNum"/>
+            <p:ph type="sldNum" idx="12"/>
           </p:nvPr>
         </p:nvSpPr>
         <p:spPr>
@@ -2654,7 +2970,7 @@
           </a:prstGeom>
         </p:spPr>
         <p:txBody>
-          <a:bodyPr anchorCtr="0" anchor="ctr" bIns="91425" lIns="91425" rIns="91425" wrap="square" tIns="91425">
+          <a:bodyPr wrap="square" lIns="91425" tIns="91425" rIns="91425" bIns="91425" anchor="ctr" anchorCtr="0">
             <a:noAutofit/>
           </a:bodyPr>
           <a:lstStyle/>
@@ -2669,6 +2985,7 @@
               <a:rPr lang="en"/>
               <a:t>‹#›</a:t>
             </a:fld>
+            <a:endParaRPr lang="en"/>
           </a:p>
         </p:txBody>
       </p:sp>
@@ -2681,11 +2998,11 @@
 </file>
 
 <file path=ppt/slideLayouts/slideLayout9.xml><?xml version="1.0" encoding="utf-8"?>
-<p:sldLayout xmlns:a="http://schemas.openxmlformats.org/drawingml/2006/main" xmlns:r="http://schemas.openxmlformats.org/officeDocument/2006/relationships" xmlns:mc="http://schemas.openxmlformats.org/markup-compatibility/2006" xmlns:mv="urn:schemas-microsoft-com:mac:vml" xmlns:p="http://schemas.openxmlformats.org/presentationml/2006/main" xmlns:c="http://schemas.openxmlformats.org/drawingml/2006/chart" xmlns:dgm="http://schemas.openxmlformats.org/drawingml/2006/diagram" xmlns:o="urn:schemas-microsoft-com:office:office" xmlns:v="urn:schemas-microsoft-com:vml" xmlns:pvml="urn:schemas-microsoft-com:office:powerpoint" xmlns:com="http://schemas.openxmlformats.org/drawingml/2006/compatibility" xmlns:p14="http://schemas.microsoft.com/office/powerpoint/2010/main" xmlns:p15="http://schemas.microsoft.com/office/powerpoint/2012/main">
+<p:sldLayout xmlns:a="http://schemas.openxmlformats.org/drawingml/2006/main" xmlns:r="http://schemas.openxmlformats.org/officeDocument/2006/relationships" xmlns:p="http://schemas.openxmlformats.org/presentationml/2006/main">
   <p:cSld name="Caption">
     <p:spTree>
       <p:nvGrpSpPr>
-        <p:cNvPr id="41" name="Shape 41"/>
+        <p:cNvPr id="1" name="Shape 41"/>
         <p:cNvGrpSpPr/>
         <p:nvPr/>
       </p:nvGrpSpPr>
@@ -2700,9 +3017,11 @@
       <p:sp>
         <p:nvSpPr>
           <p:cNvPr id="42" name="Shape 42"/>
-          <p:cNvSpPr txBox="1"/>
+          <p:cNvSpPr txBox="1">
+            <a:spLocks noGrp="1"/>
+          </p:cNvSpPr>
           <p:nvPr>
-            <p:ph idx="1" type="body"/>
+            <p:ph type="body" idx="1"/>
           </p:nvPr>
         </p:nvSpPr>
         <p:spPr>
@@ -2715,7 +3034,7 @@
           </a:prstGeom>
         </p:spPr>
         <p:txBody>
-          <a:bodyPr anchorCtr="0" anchor="ctr" bIns="91425" lIns="91425" rIns="91425" wrap="square" tIns="91425"/>
+          <a:bodyPr wrap="square" lIns="91425" tIns="91425" rIns="91425" bIns="91425" anchor="ctr" anchorCtr="0"/>
           <a:lstStyle>
             <a:lvl1pPr lvl="0">
               <a:lnSpc>
@@ -2731,15 +3050,19 @@
               <a:defRPr/>
             </a:lvl1pPr>
           </a:lstStyle>
-          <a:p/>
+          <a:p>
+            <a:endParaRPr/>
+          </a:p>
         </p:txBody>
       </p:sp>
       <p:sp>
         <p:nvSpPr>
           <p:cNvPr id="43" name="Shape 43"/>
-          <p:cNvSpPr txBox="1"/>
+          <p:cNvSpPr txBox="1">
+            <a:spLocks noGrp="1"/>
+          </p:cNvSpPr>
           <p:nvPr>
-            <p:ph idx="12" type="sldNum"/>
+            <p:ph type="sldNum" idx="12"/>
           </p:nvPr>
         </p:nvSpPr>
         <p:spPr>
@@ -2752,7 +3075,7 @@
           </a:prstGeom>
         </p:spPr>
         <p:txBody>
-          <a:bodyPr anchorCtr="0" anchor="ctr" bIns="91425" lIns="91425" rIns="91425" wrap="square" tIns="91425">
+          <a:bodyPr wrap="square" lIns="91425" tIns="91425" rIns="91425" bIns="91425" anchor="ctr" anchorCtr="0">
             <a:noAutofit/>
           </a:bodyPr>
           <a:lstStyle/>
@@ -2767,6 +3090,7 @@
               <a:rPr lang="en"/>
               <a:t>‹#›</a:t>
             </a:fld>
+            <a:endParaRPr lang="en"/>
           </a:p>
         </p:txBody>
       </p:sp>
@@ -2779,18 +3103,19 @@
 </file>
 
 <file path=ppt/slideMasters/slideMaster1.xml><?xml version="1.0" encoding="utf-8"?>
-<p:sldMaster xmlns:a="http://schemas.openxmlformats.org/drawingml/2006/main" xmlns:r="http://schemas.openxmlformats.org/officeDocument/2006/relationships" xmlns:mc="http://schemas.openxmlformats.org/markup-compatibility/2006" xmlns:mv="urn:schemas-microsoft-com:mac:vml" xmlns:p="http://schemas.openxmlformats.org/presentationml/2006/main" xmlns:c="http://schemas.openxmlformats.org/drawingml/2006/chart" xmlns:dgm="http://schemas.openxmlformats.org/drawingml/2006/diagram" xmlns:o="urn:schemas-microsoft-com:office:office" xmlns:v="urn:schemas-microsoft-com:vml" xmlns:pvml="urn:schemas-microsoft-com:office:powerpoint" xmlns:com="http://schemas.openxmlformats.org/drawingml/2006/compatibility" xmlns:p14="http://schemas.microsoft.com/office/powerpoint/2010/main" xmlns:p15="http://schemas.microsoft.com/office/powerpoint/2012/main">
+<p:sldMaster xmlns:a="http://schemas.openxmlformats.org/drawingml/2006/main" xmlns:r="http://schemas.openxmlformats.org/officeDocument/2006/relationships" xmlns:p="http://schemas.openxmlformats.org/presentationml/2006/main">
   <p:cSld name="simple-light-2">
     <p:bg>
       <p:bgPr>
         <a:solidFill>
           <a:schemeClr val="lt1"/>
         </a:solidFill>
+        <a:effectLst/>
       </p:bgPr>
     </p:bg>
     <p:spTree>
       <p:nvGrpSpPr>
-        <p:cNvPr id="5" name="Shape 5"/>
+        <p:cNvPr id="1" name="Shape 5"/>
         <p:cNvGrpSpPr/>
         <p:nvPr/>
       </p:nvGrpSpPr>
@@ -2805,7 +3130,9 @@
       <p:sp>
         <p:nvSpPr>
           <p:cNvPr id="6" name="Shape 6"/>
-          <p:cNvSpPr txBox="1"/>
+          <p:cNvSpPr txBox="1">
+            <a:spLocks noGrp="1"/>
+          </p:cNvSpPr>
           <p:nvPr>
             <p:ph type="title"/>
           </p:nvPr>
@@ -2824,7 +3151,7 @@
           </a:ln>
         </p:spPr>
         <p:txBody>
-          <a:bodyPr anchorCtr="0" anchor="t" bIns="91425" lIns="91425" rIns="91425" wrap="square" tIns="91425"/>
+          <a:bodyPr wrap="square" lIns="91425" tIns="91425" rIns="91425" bIns="91425" anchor="t" anchorCtr="0"/>
           <a:lstStyle>
             <a:lvl1pPr lvl="0">
               <a:spcBef>
@@ -2962,15 +3289,19 @@
               </a:defRPr>
             </a:lvl9pPr>
           </a:lstStyle>
-          <a:p/>
+          <a:p>
+            <a:endParaRPr/>
+          </a:p>
         </p:txBody>
       </p:sp>
       <p:sp>
         <p:nvSpPr>
           <p:cNvPr id="7" name="Shape 7"/>
-          <p:cNvSpPr txBox="1"/>
+          <p:cNvSpPr txBox="1">
+            <a:spLocks noGrp="1"/>
+          </p:cNvSpPr>
           <p:nvPr>
-            <p:ph idx="1" type="body"/>
+            <p:ph type="body" idx="1"/>
           </p:nvPr>
         </p:nvSpPr>
         <p:spPr>
@@ -2987,7 +3318,7 @@
           </a:ln>
         </p:spPr>
         <p:txBody>
-          <a:bodyPr anchorCtr="0" anchor="t" bIns="91425" lIns="91425" rIns="91425" wrap="square" tIns="91425"/>
+          <a:bodyPr wrap="square" lIns="91425" tIns="91425" rIns="91425" bIns="91425" anchor="t" anchorCtr="0"/>
           <a:lstStyle>
             <a:lvl1pPr lvl="0">
               <a:lnSpc>
@@ -3171,15 +3502,19 @@
               </a:defRPr>
             </a:lvl9pPr>
           </a:lstStyle>
-          <a:p/>
+          <a:p>
+            <a:endParaRPr/>
+          </a:p>
         </p:txBody>
       </p:sp>
       <p:sp>
         <p:nvSpPr>
           <p:cNvPr id="8" name="Shape 8"/>
-          <p:cNvSpPr txBox="1"/>
+          <p:cNvSpPr txBox="1">
+            <a:spLocks noGrp="1"/>
+          </p:cNvSpPr>
           <p:nvPr>
-            <p:ph idx="12" type="sldNum"/>
+            <p:ph type="sldNum" idx="12"/>
           </p:nvPr>
         </p:nvSpPr>
         <p:spPr>
@@ -3196,7 +3531,7 @@
           </a:ln>
         </p:spPr>
         <p:txBody>
-          <a:bodyPr anchorCtr="0" anchor="ctr" bIns="91425" lIns="91425" rIns="91425" wrap="square" tIns="91425">
+          <a:bodyPr wrap="square" lIns="91425" tIns="91425" rIns="91425" bIns="91425" anchor="ctr" anchorCtr="0">
             <a:noAutofit/>
           </a:bodyPr>
           <a:lstStyle/>
@@ -3215,12 +3550,17 @@
               </a:rPr>
               <a:t>‹#›</a:t>
             </a:fld>
+            <a:endParaRPr lang="en" sz="1000">
+              <a:solidFill>
+                <a:schemeClr val="dk2"/>
+              </a:solidFill>
+            </a:endParaRPr>
           </a:p>
         </p:txBody>
       </p:sp>
     </p:spTree>
   </p:cSld>
-  <p:clrMap accent1="accent1" accent2="accent2" accent3="accent3" accent4="accent4" accent5="accent5" accent6="accent6" bg1="lt1" bg2="dk2" tx1="dk1" tx2="lt2" folHlink="folHlink" hlink="hlink"/>
+  <p:clrMap bg1="lt1" tx1="dk1" bg2="dk2" tx2="lt2" accent1="accent1" accent2="accent2" accent3="accent3" accent4="accent4" accent5="accent5" accent6="accent6" hlink="hlink" folHlink="folHlink"/>
   <p:sldLayoutIdLst>
     <p:sldLayoutId id="2147483648" r:id="rId1"/>
     <p:sldLayoutId id="2147483649" r:id="rId2"/>
@@ -3234,10 +3574,10 @@
     <p:sldLayoutId id="2147483657" r:id="rId10"/>
     <p:sldLayoutId id="2147483658" r:id="rId11"/>
   </p:sldLayoutIdLst>
-  <p:hf dt="0" ftr="0" hdr="0" sldNum="0"/>
+  <p:hf sldNum="0" hdr="0" ftr="0" dt="0"/>
   <p:txStyles>
     <p:titleStyle>
-      <a:defPPr lvl="0" marR="0" rtl="0" algn="l">
+      <a:defPPr marR="0" lvl="0" algn="l" rtl="0">
         <a:lnSpc>
           <a:spcPct val="100000"/>
         </a:lnSpc>
@@ -3248,7 +3588,7 @@
           <a:spcPts val="0"/>
         </a:spcAft>
       </a:defPPr>
-      <a:lvl1pPr lvl="0" marR="0" rtl="0" algn="l">
+      <a:lvl1pPr marR="0" lvl="0" algn="l" rtl="0">
         <a:lnSpc>
           <a:spcPct val="100000"/>
         </a:lnSpc>
@@ -3259,7 +3599,7 @@
           <a:spcPts val="0"/>
         </a:spcAft>
         <a:buNone/>
-        <a:defRPr b="0" i="0" sz="1400" u="none" cap="none" strike="noStrike">
+        <a:defRPr sz="1400" b="0" i="0" u="none" strike="noStrike" cap="none">
           <a:solidFill>
             <a:srgbClr val="000000"/>
           </a:solidFill>
@@ -3271,7 +3611,7 @@
       </a:lvl1pPr>
     </p:titleStyle>
     <p:bodyStyle>
-      <a:defPPr lvl="0" marR="0" rtl="0" algn="l">
+      <a:defPPr marR="0" lvl="0" algn="l" rtl="0">
         <a:lnSpc>
           <a:spcPct val="100000"/>
         </a:lnSpc>
@@ -3282,7 +3622,7 @@
           <a:spcPts val="0"/>
         </a:spcAft>
       </a:defPPr>
-      <a:lvl1pPr lvl="0" marR="0" rtl="0" algn="l">
+      <a:lvl1pPr marR="0" lvl="0" algn="l" rtl="0">
         <a:lnSpc>
           <a:spcPct val="100000"/>
         </a:lnSpc>
@@ -3293,7 +3633,7 @@
           <a:spcPts val="0"/>
         </a:spcAft>
         <a:buNone/>
-        <a:defRPr b="0" i="0" sz="1400" u="none" cap="none" strike="noStrike">
+        <a:defRPr sz="1400" b="0" i="0" u="none" strike="noStrike" cap="none">
           <a:solidFill>
             <a:srgbClr val="000000"/>
           </a:solidFill>
@@ -3303,7 +3643,7 @@
           <a:sym typeface="Arial"/>
         </a:defRPr>
       </a:lvl1pPr>
-      <a:lvl2pPr lvl="1" marR="0" rtl="0" algn="l">
+      <a:lvl2pPr marR="0" lvl="1" algn="l" rtl="0">
         <a:lnSpc>
           <a:spcPct val="100000"/>
         </a:lnSpc>
@@ -3314,7 +3654,7 @@
           <a:spcPts val="0"/>
         </a:spcAft>
         <a:buNone/>
-        <a:defRPr b="0" i="0" sz="1400" u="none" cap="none" strike="noStrike">
+        <a:defRPr sz="1400" b="0" i="0" u="none" strike="noStrike" cap="none">
           <a:solidFill>
             <a:srgbClr val="000000"/>
           </a:solidFill>
@@ -3324,7 +3664,7 @@
           <a:sym typeface="Arial"/>
         </a:defRPr>
       </a:lvl2pPr>
-      <a:lvl3pPr lvl="2" marR="0" rtl="0" algn="l">
+      <a:lvl3pPr marR="0" lvl="2" algn="l" rtl="0">
         <a:lnSpc>
           <a:spcPct val="100000"/>
         </a:lnSpc>
@@ -3335,7 +3675,7 @@
           <a:spcPts val="0"/>
         </a:spcAft>
         <a:buNone/>
-        <a:defRPr b="0" i="0" sz="1400" u="none" cap="none" strike="noStrike">
+        <a:defRPr sz="1400" b="0" i="0" u="none" strike="noStrike" cap="none">
           <a:solidFill>
             <a:srgbClr val="000000"/>
           </a:solidFill>
@@ -3345,7 +3685,7 @@
           <a:sym typeface="Arial"/>
         </a:defRPr>
       </a:lvl3pPr>
-      <a:lvl4pPr lvl="3" marR="0" rtl="0" algn="l">
+      <a:lvl4pPr marR="0" lvl="3" algn="l" rtl="0">
         <a:lnSpc>
           <a:spcPct val="100000"/>
         </a:lnSpc>
@@ -3356,7 +3696,7 @@
           <a:spcPts val="0"/>
         </a:spcAft>
         <a:buNone/>
-        <a:defRPr b="0" i="0" sz="1400" u="none" cap="none" strike="noStrike">
+        <a:defRPr sz="1400" b="0" i="0" u="none" strike="noStrike" cap="none">
           <a:solidFill>
             <a:srgbClr val="000000"/>
           </a:solidFill>
@@ -3366,7 +3706,7 @@
           <a:sym typeface="Arial"/>
         </a:defRPr>
       </a:lvl4pPr>
-      <a:lvl5pPr lvl="4" marR="0" rtl="0" algn="l">
+      <a:lvl5pPr marR="0" lvl="4" algn="l" rtl="0">
         <a:lnSpc>
           <a:spcPct val="100000"/>
         </a:lnSpc>
@@ -3377,7 +3717,7 @@
           <a:spcPts val="0"/>
         </a:spcAft>
         <a:buNone/>
-        <a:defRPr b="0" i="0" sz="1400" u="none" cap="none" strike="noStrike">
+        <a:defRPr sz="1400" b="0" i="0" u="none" strike="noStrike" cap="none">
           <a:solidFill>
             <a:srgbClr val="000000"/>
           </a:solidFill>
@@ -3387,7 +3727,7 @@
           <a:sym typeface="Arial"/>
         </a:defRPr>
       </a:lvl5pPr>
-      <a:lvl6pPr lvl="5" marR="0" rtl="0" algn="l">
+      <a:lvl6pPr marR="0" lvl="5" algn="l" rtl="0">
         <a:lnSpc>
           <a:spcPct val="100000"/>
         </a:lnSpc>
@@ -3398,7 +3738,7 @@
           <a:spcPts val="0"/>
         </a:spcAft>
         <a:buNone/>
-        <a:defRPr b="0" i="0" sz="1400" u="none" cap="none" strike="noStrike">
+        <a:defRPr sz="1400" b="0" i="0" u="none" strike="noStrike" cap="none">
           <a:solidFill>
             <a:srgbClr val="000000"/>
           </a:solidFill>
@@ -3408,7 +3748,7 @@
           <a:sym typeface="Arial"/>
         </a:defRPr>
       </a:lvl6pPr>
-      <a:lvl7pPr lvl="6" marR="0" rtl="0" algn="l">
+      <a:lvl7pPr marR="0" lvl="6" algn="l" rtl="0">
         <a:lnSpc>
           <a:spcPct val="100000"/>
         </a:lnSpc>
@@ -3419,7 +3759,7 @@
           <a:spcPts val="0"/>
         </a:spcAft>
         <a:buNone/>
-        <a:defRPr b="0" i="0" sz="1400" u="none" cap="none" strike="noStrike">
+        <a:defRPr sz="1400" b="0" i="0" u="none" strike="noStrike" cap="none">
           <a:solidFill>
             <a:srgbClr val="000000"/>
           </a:solidFill>
@@ -3429,7 +3769,7 @@
           <a:sym typeface="Arial"/>
         </a:defRPr>
       </a:lvl7pPr>
-      <a:lvl8pPr lvl="7" marR="0" rtl="0" algn="l">
+      <a:lvl8pPr marR="0" lvl="7" algn="l" rtl="0">
         <a:lnSpc>
           <a:spcPct val="100000"/>
         </a:lnSpc>
@@ -3440,7 +3780,7 @@
           <a:spcPts val="0"/>
         </a:spcAft>
         <a:buNone/>
-        <a:defRPr b="0" i="0" sz="1400" u="none" cap="none" strike="noStrike">
+        <a:defRPr sz="1400" b="0" i="0" u="none" strike="noStrike" cap="none">
           <a:solidFill>
             <a:srgbClr val="000000"/>
           </a:solidFill>
@@ -3450,7 +3790,7 @@
           <a:sym typeface="Arial"/>
         </a:defRPr>
       </a:lvl8pPr>
-      <a:lvl9pPr lvl="8" marR="0" rtl="0" algn="l">
+      <a:lvl9pPr marR="0" lvl="8" algn="l" rtl="0">
         <a:lnSpc>
           <a:spcPct val="100000"/>
         </a:lnSpc>
@@ -3461,7 +3801,7 @@
           <a:spcPts val="0"/>
         </a:spcAft>
         <a:buNone/>
-        <a:defRPr b="0" i="0" sz="1400" u="none" cap="none" strike="noStrike">
+        <a:defRPr sz="1400" b="0" i="0" u="none" strike="noStrike" cap="none">
           <a:solidFill>
             <a:srgbClr val="000000"/>
           </a:solidFill>
@@ -3473,7 +3813,7 @@
       </a:lvl9pPr>
     </p:bodyStyle>
     <p:otherStyle>
-      <a:defPPr lvl="0" marR="0" rtl="0" algn="l">
+      <a:defPPr marR="0" lvl="0" algn="l" rtl="0">
         <a:lnSpc>
           <a:spcPct val="100000"/>
         </a:lnSpc>
@@ -3484,7 +3824,7 @@
           <a:spcPts val="0"/>
         </a:spcAft>
       </a:defPPr>
-      <a:lvl1pPr lvl="0" marR="0" rtl="0" algn="l">
+      <a:lvl1pPr marR="0" lvl="0" algn="l" rtl="0">
         <a:lnSpc>
           <a:spcPct val="100000"/>
         </a:lnSpc>
@@ -3495,7 +3835,7 @@
           <a:spcPts val="0"/>
         </a:spcAft>
         <a:buNone/>
-        <a:defRPr b="0" i="0" sz="1400" u="none" cap="none" strike="noStrike">
+        <a:defRPr sz="1400" b="0" i="0" u="none" strike="noStrike" cap="none">
           <a:solidFill>
             <a:srgbClr val="000000"/>
           </a:solidFill>
@@ -3505,7 +3845,7 @@
           <a:sym typeface="Arial"/>
         </a:defRPr>
       </a:lvl1pPr>
-      <a:lvl2pPr lvl="1" marR="0" rtl="0" algn="l">
+      <a:lvl2pPr marR="0" lvl="1" algn="l" rtl="0">
         <a:lnSpc>
           <a:spcPct val="100000"/>
         </a:lnSpc>
@@ -3516,7 +3856,7 @@
           <a:spcPts val="0"/>
         </a:spcAft>
         <a:buNone/>
-        <a:defRPr b="0" i="0" sz="1400" u="none" cap="none" strike="noStrike">
+        <a:defRPr sz="1400" b="0" i="0" u="none" strike="noStrike" cap="none">
           <a:solidFill>
             <a:srgbClr val="000000"/>
           </a:solidFill>
@@ -3526,7 +3866,7 @@
           <a:sym typeface="Arial"/>
         </a:defRPr>
       </a:lvl2pPr>
-      <a:lvl3pPr lvl="2" marR="0" rtl="0" algn="l">
+      <a:lvl3pPr marR="0" lvl="2" algn="l" rtl="0">
         <a:lnSpc>
           <a:spcPct val="100000"/>
         </a:lnSpc>
@@ -3537,7 +3877,7 @@
           <a:spcPts val="0"/>
         </a:spcAft>
         <a:buNone/>
-        <a:defRPr b="0" i="0" sz="1400" u="none" cap="none" strike="noStrike">
+        <a:defRPr sz="1400" b="0" i="0" u="none" strike="noStrike" cap="none">
           <a:solidFill>
             <a:srgbClr val="000000"/>
           </a:solidFill>
@@ -3547,7 +3887,7 @@
           <a:sym typeface="Arial"/>
         </a:defRPr>
       </a:lvl3pPr>
-      <a:lvl4pPr lvl="3" marR="0" rtl="0" algn="l">
+      <a:lvl4pPr marR="0" lvl="3" algn="l" rtl="0">
         <a:lnSpc>
           <a:spcPct val="100000"/>
         </a:lnSpc>
@@ -3558,7 +3898,7 @@
           <a:spcPts val="0"/>
         </a:spcAft>
         <a:buNone/>
-        <a:defRPr b="0" i="0" sz="1400" u="none" cap="none" strike="noStrike">
+        <a:defRPr sz="1400" b="0" i="0" u="none" strike="noStrike" cap="none">
           <a:solidFill>
             <a:srgbClr val="000000"/>
           </a:solidFill>
@@ -3568,7 +3908,7 @@
           <a:sym typeface="Arial"/>
         </a:defRPr>
       </a:lvl4pPr>
-      <a:lvl5pPr lvl="4" marR="0" rtl="0" algn="l">
+      <a:lvl5pPr marR="0" lvl="4" algn="l" rtl="0">
         <a:lnSpc>
           <a:spcPct val="100000"/>
         </a:lnSpc>
@@ -3579,7 +3919,7 @@
           <a:spcPts val="0"/>
         </a:spcAft>
         <a:buNone/>
-        <a:defRPr b="0" i="0" sz="1400" u="none" cap="none" strike="noStrike">
+        <a:defRPr sz="1400" b="0" i="0" u="none" strike="noStrike" cap="none">
           <a:solidFill>
             <a:srgbClr val="000000"/>
           </a:solidFill>
@@ -3589,7 +3929,7 @@
           <a:sym typeface="Arial"/>
         </a:defRPr>
       </a:lvl5pPr>
-      <a:lvl6pPr lvl="5" marR="0" rtl="0" algn="l">
+      <a:lvl6pPr marR="0" lvl="5" algn="l" rtl="0">
         <a:lnSpc>
           <a:spcPct val="100000"/>
         </a:lnSpc>
@@ -3600,7 +3940,7 @@
           <a:spcPts val="0"/>
         </a:spcAft>
         <a:buNone/>
-        <a:defRPr b="0" i="0" sz="1400" u="none" cap="none" strike="noStrike">
+        <a:defRPr sz="1400" b="0" i="0" u="none" strike="noStrike" cap="none">
           <a:solidFill>
             <a:srgbClr val="000000"/>
           </a:solidFill>
@@ -3610,7 +3950,7 @@
           <a:sym typeface="Arial"/>
         </a:defRPr>
       </a:lvl6pPr>
-      <a:lvl7pPr lvl="6" marR="0" rtl="0" algn="l">
+      <a:lvl7pPr marR="0" lvl="6" algn="l" rtl="0">
         <a:lnSpc>
           <a:spcPct val="100000"/>
         </a:lnSpc>
@@ -3621,7 +3961,7 @@
           <a:spcPts val="0"/>
         </a:spcAft>
         <a:buNone/>
-        <a:defRPr b="0" i="0" sz="1400" u="none" cap="none" strike="noStrike">
+        <a:defRPr sz="1400" b="0" i="0" u="none" strike="noStrike" cap="none">
           <a:solidFill>
             <a:srgbClr val="000000"/>
           </a:solidFill>
@@ -3631,7 +3971,7 @@
           <a:sym typeface="Arial"/>
         </a:defRPr>
       </a:lvl7pPr>
-      <a:lvl8pPr lvl="7" marR="0" rtl="0" algn="l">
+      <a:lvl8pPr marR="0" lvl="7" algn="l" rtl="0">
         <a:lnSpc>
           <a:spcPct val="100000"/>
         </a:lnSpc>
@@ -3642,7 +3982,7 @@
           <a:spcPts val="0"/>
         </a:spcAft>
         <a:buNone/>
-        <a:defRPr b="0" i="0" sz="1400" u="none" cap="none" strike="noStrike">
+        <a:defRPr sz="1400" b="0" i="0" u="none" strike="noStrike" cap="none">
           <a:solidFill>
             <a:srgbClr val="000000"/>
           </a:solidFill>
@@ -3652,7 +3992,7 @@
           <a:sym typeface="Arial"/>
         </a:defRPr>
       </a:lvl8pPr>
-      <a:lvl9pPr lvl="8" marR="0" rtl="0" algn="l">
+      <a:lvl9pPr marR="0" lvl="8" algn="l" rtl="0">
         <a:lnSpc>
           <a:spcPct val="100000"/>
         </a:lnSpc>
@@ -3663,7 +4003,7 @@
           <a:spcPts val="0"/>
         </a:spcAft>
         <a:buNone/>
-        <a:defRPr b="0" i="0" sz="1400" u="none" cap="none" strike="noStrike">
+        <a:defRPr sz="1400" b="0" i="0" u="none" strike="noStrike" cap="none">
           <a:solidFill>
             <a:srgbClr val="000000"/>
           </a:solidFill>
@@ -3679,11 +4019,120 @@
 </file>
 
 <file path=ppt/slides/slide1.xml><?xml version="1.0" encoding="utf-8"?>
-<p:sld xmlns:a="http://schemas.openxmlformats.org/drawingml/2006/main" xmlns:r="http://schemas.openxmlformats.org/officeDocument/2006/relationships" xmlns:mc="http://schemas.openxmlformats.org/markup-compatibility/2006" xmlns:mv="urn:schemas-microsoft-com:mac:vml" xmlns:p="http://schemas.openxmlformats.org/presentationml/2006/main" xmlns:c="http://schemas.openxmlformats.org/drawingml/2006/chart" xmlns:dgm="http://schemas.openxmlformats.org/drawingml/2006/diagram" xmlns:o="urn:schemas-microsoft-com:office:office" xmlns:v="urn:schemas-microsoft-com:vml" xmlns:pvml="urn:schemas-microsoft-com:office:powerpoint" xmlns:com="http://schemas.openxmlformats.org/drawingml/2006/compatibility" xmlns:p14="http://schemas.microsoft.com/office/powerpoint/2010/main" xmlns:p15="http://schemas.microsoft.com/office/powerpoint/2012/main">
+<p:sld xmlns:a="http://schemas.openxmlformats.org/drawingml/2006/main" xmlns:r="http://schemas.openxmlformats.org/officeDocument/2006/relationships" xmlns:p="http://schemas.openxmlformats.org/presentationml/2006/main">
   <p:cSld>
     <p:spTree>
       <p:nvGrpSpPr>
-        <p:cNvPr id="53" name="Shape 53"/>
+        <p:cNvPr id="1" name=""/>
+        <p:cNvGrpSpPr/>
+        <p:nvPr/>
+      </p:nvGrpSpPr>
+      <p:grpSpPr>
+        <a:xfrm>
+          <a:off x="0" y="0"/>
+          <a:ext cx="0" cy="0"/>
+          <a:chOff x="0" y="0"/>
+          <a:chExt cx="0" cy="0"/>
+        </a:xfrm>
+      </p:grpSpPr>
+      <p:sp>
+        <p:nvSpPr>
+          <p:cNvPr id="5" name="标题 4">
+            <a:extLst>
+              <a:ext uri="{FF2B5EF4-FFF2-40B4-BE49-F238E27FC236}">
+                <a16:creationId xmlns:a16="http://schemas.microsoft.com/office/drawing/2014/main" id="{373B2E56-0DAE-45DF-9EB1-721DC884C53B}"/>
+              </a:ext>
+            </a:extLst>
+          </p:cNvPr>
+          <p:cNvSpPr>
+            <a:spLocks noGrp="1"/>
+          </p:cNvSpPr>
+          <p:nvPr>
+            <p:ph type="title"/>
+          </p:nvPr>
+        </p:nvSpPr>
+        <p:spPr/>
+        <p:txBody>
+          <a:bodyPr/>
+          <a:lstStyle/>
+          <a:p>
+            <a:pPr algn="ctr"/>
+            <a:r>
+              <a:rPr lang="en-US" altLang="zh-CN" dirty="0"/>
+              <a:t>Questions</a:t>
+            </a:r>
+            <a:endParaRPr lang="zh-CN" altLang="en-US" dirty="0"/>
+          </a:p>
+        </p:txBody>
+      </p:sp>
+      <p:sp>
+        <p:nvSpPr>
+          <p:cNvPr id="6" name="文本占位符 5">
+            <a:extLst>
+              <a:ext uri="{FF2B5EF4-FFF2-40B4-BE49-F238E27FC236}">
+                <a16:creationId xmlns:a16="http://schemas.microsoft.com/office/drawing/2014/main" id="{5C162B27-9CA3-4E81-BF38-54ECE6D72D95}"/>
+              </a:ext>
+            </a:extLst>
+          </p:cNvPr>
+          <p:cNvSpPr>
+            <a:spLocks noGrp="1"/>
+          </p:cNvSpPr>
+          <p:nvPr>
+            <p:ph type="body" idx="1"/>
+          </p:nvPr>
+        </p:nvSpPr>
+        <p:spPr/>
+        <p:txBody>
+          <a:bodyPr/>
+          <a:lstStyle/>
+          <a:p>
+            <a:r>
+              <a:rPr lang="zh-CN" altLang="en-US" dirty="0"/>
+              <a:t>优达学城学员的年龄分布是怎样的？</a:t>
+            </a:r>
+            <a:endParaRPr lang="en-US" altLang="zh-CN" dirty="0"/>
+          </a:p>
+          <a:p>
+            <a:r>
+              <a:rPr lang="zh-CN" altLang="en-US" dirty="0"/>
+              <a:t>为什么学员参加优达学城的课程？他们如何发现优达学城的？</a:t>
+            </a:r>
+            <a:endParaRPr lang="en-US" altLang="zh-CN" dirty="0"/>
+          </a:p>
+          <a:p>
+            <a:r>
+              <a:rPr lang="zh-CN" altLang="en-US" dirty="0"/>
+              <a:t>学员们是怎样分配时间学习优达学城的课程的？</a:t>
+            </a:r>
+            <a:endParaRPr lang="en-US" altLang="zh-CN" dirty="0"/>
+          </a:p>
+          <a:p>
+            <a:r>
+              <a:rPr lang="zh-CN" altLang="en-US" dirty="0"/>
+              <a:t>不同学历的学员在学习上有什么不同表现？</a:t>
+            </a:r>
+          </a:p>
+        </p:txBody>
+      </p:sp>
+    </p:spTree>
+    <p:extLst>
+      <p:ext uri="{BB962C8B-B14F-4D97-AF65-F5344CB8AC3E}">
+        <p14:creationId xmlns:p14="http://schemas.microsoft.com/office/powerpoint/2010/main" val="1519636226"/>
+      </p:ext>
+    </p:extLst>
+  </p:cSld>
+  <p:clrMapOvr>
+    <a:masterClrMapping/>
+  </p:clrMapOvr>
+</p:sld>
+</file>
+
+<file path=ppt/slides/slide2.xml><?xml version="1.0" encoding="utf-8"?>
+<p:sld xmlns:a="http://schemas.openxmlformats.org/drawingml/2006/main" xmlns:r="http://schemas.openxmlformats.org/officeDocument/2006/relationships" xmlns:p="http://schemas.openxmlformats.org/presentationml/2006/main">
+  <p:cSld>
+    <p:spTree>
+      <p:nvGrpSpPr>
+        <p:cNvPr id="1" name="Shape 53"/>
         <p:cNvGrpSpPr/>
         <p:nvPr/>
       </p:nvGrpSpPr>
@@ -3698,9 +4147,11 @@
       <p:sp>
         <p:nvSpPr>
           <p:cNvPr id="54" name="Shape 54"/>
-          <p:cNvSpPr txBox="1"/>
+          <p:cNvSpPr txBox="1">
+            <a:spLocks noGrp="1"/>
+          </p:cNvSpPr>
           <p:nvPr>
-            <p:ph idx="1" type="body"/>
+            <p:ph type="body" idx="1"/>
           </p:nvPr>
         </p:nvSpPr>
         <p:spPr>
@@ -3714,18 +4165,18 @@
           <a:solidFill>
             <a:srgbClr val="FFFFFF"/>
           </a:solidFill>
-          <a:ln cap="flat" cmpd="sng" w="9525">
+          <a:ln w="9525" cap="flat" cmpd="sng">
             <a:solidFill>
               <a:srgbClr val="FFFFFF"/>
             </a:solidFill>
             <a:prstDash val="solid"/>
             <a:round/>
-            <a:headEnd len="med" w="med" type="none"/>
-            <a:tailEnd len="med" w="med" type="none"/>
+            <a:headEnd type="none" w="med" len="med"/>
+            <a:tailEnd type="none" w="med" len="med"/>
           </a:ln>
         </p:spPr>
         <p:txBody>
-          <a:bodyPr anchorCtr="0" anchor="t" bIns="91425" lIns="91425" rIns="91425" wrap="square" tIns="91425">
+          <a:bodyPr wrap="square" lIns="91425" tIns="91425" rIns="91425" bIns="91425" anchor="t" anchorCtr="0">
             <a:noAutofit/>
           </a:bodyPr>
           <a:lstStyle/>
@@ -3751,7 +4202,9 @@
       <p:sp>
         <p:nvSpPr>
           <p:cNvPr id="55" name="Shape 55"/>
-          <p:cNvSpPr txBox="1"/>
+          <p:cNvSpPr txBox="1">
+            <a:spLocks noGrp="1"/>
+          </p:cNvSpPr>
           <p:nvPr>
             <p:ph type="title"/>
           </p:nvPr>
@@ -3769,28 +4222,38 @@
           </a:solidFill>
         </p:spPr>
         <p:txBody>
-          <a:bodyPr anchorCtr="0" anchor="ctr" bIns="91425" lIns="91425" rIns="91425" wrap="square" tIns="91425">
+          <a:bodyPr wrap="square" lIns="91425" tIns="91425" rIns="91425" bIns="91425" anchor="ctr" anchorCtr="0">
             <a:noAutofit/>
           </a:bodyPr>
           <a:lstStyle/>
           <a:p>
-            <a:pPr lvl="0" rtl="0">
-              <a:spcBef>
-                <a:spcPts val="0"/>
-              </a:spcBef>
-              <a:buNone/>
-            </a:pPr>
             <a:r>
-              <a:rPr lang="en">
+              <a:rPr lang="en-US" altLang="zh-CN" dirty="0">
                 <a:solidFill>
-                  <a:srgbClr val="FFFFFF"/>
+                  <a:schemeClr val="bg1"/>
+                </a:solidFill>
+              </a:rPr>
+              <a:t>Q1</a:t>
+            </a:r>
+            <a:r>
+              <a:rPr lang="zh-CN" altLang="en-US" dirty="0">
+                <a:solidFill>
+                  <a:schemeClr val="bg1"/>
+                </a:solidFill>
+              </a:rPr>
+              <a:t>：优达学城学员的年龄分布是怎样的</a:t>
+            </a:r>
+            <a:r>
+              <a:rPr lang="en" dirty="0">
+                <a:solidFill>
+                  <a:schemeClr val="bg1"/>
                 </a:solidFill>
                 <a:latin typeface="Open Sans"/>
                 <a:ea typeface="Open Sans"/>
                 <a:cs typeface="Open Sans"/>
                 <a:sym typeface="Open Sans"/>
               </a:rPr>
-              <a:t>Example: Does the Number of Books read vary based on Employment?</a:t>
+              <a:t>?</a:t>
             </a:r>
           </a:p>
         </p:txBody>
@@ -3803,7 +4266,7 @@
         </p:nvGraphicFramePr>
         <p:xfrm>
           <a:off x="112925" y="1223729"/>
-          <a:ext cx="3000000" cy="3000000"/>
+          <a:ext cx="3829425" cy="2510075"/>
         </p:xfrm>
         <a:graphic>
           <a:graphicData uri="http://schemas.openxmlformats.org/drawingml/2006/table">
@@ -3813,16 +4276,48 @@
                 <a:tableStyleId>{EED877B6-9551-4359-846F-FAFF3EFF04A8}</a:tableStyleId>
               </a:tblPr>
               <a:tblGrid>
-                <a:gridCol w="1276475"/>
-                <a:gridCol w="1276475"/>
-                <a:gridCol w="1276475"/>
+                <a:gridCol w="1276475">
+                  <a:extLst>
+                    <a:ext uri="{9D8B030D-6E8A-4147-A177-3AD203B41FA5}">
+                      <a16:colId xmlns:a16="http://schemas.microsoft.com/office/drawing/2014/main" val="20000"/>
+                    </a:ext>
+                  </a:extLst>
+                </a:gridCol>
+                <a:gridCol w="1276475">
+                  <a:extLst>
+                    <a:ext uri="{9D8B030D-6E8A-4147-A177-3AD203B41FA5}">
+                      <a16:colId xmlns:a16="http://schemas.microsoft.com/office/drawing/2014/main" val="20001"/>
+                    </a:ext>
+                  </a:extLst>
+                </a:gridCol>
+                <a:gridCol w="1276475">
+                  <a:extLst>
+                    <a:ext uri="{9D8B030D-6E8A-4147-A177-3AD203B41FA5}">
+                      <a16:colId xmlns:a16="http://schemas.microsoft.com/office/drawing/2014/main" val="20002"/>
+                    </a:ext>
+                  </a:extLst>
+                </a:gridCol>
               </a:tblGrid>
               <a:tr h="529025">
                 <a:tc>
                   <a:txBody>
-                    <a:bodyPr>
-                      <a:noAutofit/>
-                    </a:bodyPr>
+                    <a:bodyPr/>
+                    <a:lstStyle/>
+                    <a:p>
+                      <a:pPr lvl="0">
+                        <a:spcBef>
+                          <a:spcPts val="0"/>
+                        </a:spcBef>
+                        <a:buNone/>
+                      </a:pPr>
+                      <a:endParaRPr b="1"/>
+                    </a:p>
+                  </a:txBody>
+                  <a:tcPr marL="91425" marR="91425" marT="91425" marB="91425"/>
+                </a:tc>
+                <a:tc>
+                  <a:txBody>
+                    <a:bodyPr/>
                     <a:lstStyle/>
                     <a:p>
                       <a:pPr lvl="0">
@@ -3832,18 +4327,16 @@
                         <a:buNone/>
                       </a:pPr>
                       <a:r>
-                        <a:t/>
+                        <a:rPr lang="en" b="1"/>
+                        <a:t>Employed</a:t>
                       </a:r>
-                      <a:endParaRPr b="1"/>
                     </a:p>
                   </a:txBody>
-                  <a:tcPr marT="91425" marB="91425" marR="91425" marL="91425"/>
+                  <a:tcPr marL="91425" marR="91425" marT="91425" marB="91425"/>
                 </a:tc>
                 <a:tc>
                   <a:txBody>
-                    <a:bodyPr>
-                      <a:noAutofit/>
-                    </a:bodyPr>
+                    <a:bodyPr/>
                     <a:lstStyle/>
                     <a:p>
                       <a:pPr lvl="0">
@@ -3853,18 +4346,23 @@
                         <a:buNone/>
                       </a:pPr>
                       <a:r>
-                        <a:rPr b="1" lang="en"/>
-                        <a:t>Employed</a:t>
+                        <a:rPr lang="en" b="1"/>
+                        <a:t>Unemployed</a:t>
                       </a:r>
                     </a:p>
                   </a:txBody>
-                  <a:tcPr marT="91425" marB="91425" marR="91425" marL="91425"/>
+                  <a:tcPr marL="91425" marR="91425" marT="91425" marB="91425"/>
                 </a:tc>
+                <a:extLst>
+                  <a:ext uri="{0D108BD9-81ED-4DB2-BD59-A6C34878D82A}">
+                    <a16:rowId xmlns:a16="http://schemas.microsoft.com/office/drawing/2014/main" val="10000"/>
+                  </a:ext>
+                </a:extLst>
+              </a:tr>
+              <a:tr h="392500">
                 <a:tc>
                   <a:txBody>
-                    <a:bodyPr>
-                      <a:noAutofit/>
-                    </a:bodyPr>
+                    <a:bodyPr/>
                     <a:lstStyle/>
                     <a:p>
                       <a:pPr lvl="0">
@@ -3874,41 +4372,16 @@
                         <a:buNone/>
                       </a:pPr>
                       <a:r>
-                        <a:rPr b="1" lang="en"/>
-                        <a:t>Unemployed</a:t>
-                      </a:r>
-                    </a:p>
-                  </a:txBody>
-                  <a:tcPr marT="91425" marB="91425" marR="91425" marL="91425"/>
-                </a:tc>
-              </a:tr>
-              <a:tr h="392500">
-                <a:tc>
-                  <a:txBody>
-                    <a:bodyPr>
-                      <a:noAutofit/>
-                    </a:bodyPr>
-                    <a:lstStyle/>
-                    <a:p>
-                      <a:pPr lvl="0">
-                        <a:spcBef>
-                          <a:spcPts val="0"/>
-                        </a:spcBef>
-                        <a:buNone/>
-                      </a:pPr>
-                      <a:r>
-                        <a:rPr b="1" lang="en"/>
+                        <a:rPr lang="en" b="1"/>
                         <a:t>Minimum</a:t>
                       </a:r>
                     </a:p>
                   </a:txBody>
-                  <a:tcPr marT="91425" marB="91425" marR="91425" marL="91425"/>
+                  <a:tcPr marL="91425" marR="91425" marT="91425" marB="91425"/>
                 </a:tc>
                 <a:tc>
                   <a:txBody>
-                    <a:bodyPr>
-                      <a:noAutofit/>
-                    </a:bodyPr>
+                    <a:bodyPr/>
                     <a:lstStyle/>
                     <a:p>
                       <a:pPr lvl="0">
@@ -3923,13 +4396,11 @@
                       </a:r>
                     </a:p>
                   </a:txBody>
-                  <a:tcPr marT="91425" marB="91425" marR="91425" marL="91425"/>
+                  <a:tcPr marL="91425" marR="91425" marT="91425" marB="91425"/>
                 </a:tc>
                 <a:tc>
                   <a:txBody>
-                    <a:bodyPr>
-                      <a:noAutofit/>
-                    </a:bodyPr>
+                    <a:bodyPr/>
                     <a:lstStyle/>
                     <a:p>
                       <a:pPr lvl="0">
@@ -3944,15 +4415,18 @@
                       </a:r>
                     </a:p>
                   </a:txBody>
-                  <a:tcPr marT="91425" marB="91425" marR="91425" marL="91425"/>
+                  <a:tcPr marL="91425" marR="91425" marT="91425" marB="91425"/>
                 </a:tc>
+                <a:extLst>
+                  <a:ext uri="{0D108BD9-81ED-4DB2-BD59-A6C34878D82A}">
+                    <a16:rowId xmlns:a16="http://schemas.microsoft.com/office/drawing/2014/main" val="10001"/>
+                  </a:ext>
+                </a:extLst>
               </a:tr>
               <a:tr h="388700">
                 <a:tc>
                   <a:txBody>
-                    <a:bodyPr>
-                      <a:noAutofit/>
-                    </a:bodyPr>
+                    <a:bodyPr/>
                     <a:lstStyle/>
                     <a:p>
                       <a:pPr lvl="0">
@@ -3962,18 +4436,16 @@
                         <a:buNone/>
                       </a:pPr>
                       <a:r>
-                        <a:rPr b="1" lang="en"/>
+                        <a:rPr lang="en" b="1"/>
                         <a:t>Q1</a:t>
                       </a:r>
                     </a:p>
                   </a:txBody>
-                  <a:tcPr marT="91425" marB="91425" marR="91425" marL="91425"/>
+                  <a:tcPr marL="91425" marR="91425" marT="91425" marB="91425"/>
                 </a:tc>
                 <a:tc>
                   <a:txBody>
-                    <a:bodyPr>
-                      <a:noAutofit/>
-                    </a:bodyPr>
+                    <a:bodyPr/>
                     <a:lstStyle/>
                     <a:p>
                       <a:pPr lvl="0">
@@ -3988,13 +4460,11 @@
                       </a:r>
                     </a:p>
                   </a:txBody>
-                  <a:tcPr marT="91425" marB="91425" marR="91425" marL="91425"/>
+                  <a:tcPr marL="91425" marR="91425" marT="91425" marB="91425"/>
                 </a:tc>
                 <a:tc>
                   <a:txBody>
-                    <a:bodyPr>
-                      <a:noAutofit/>
-                    </a:bodyPr>
+                    <a:bodyPr/>
                     <a:lstStyle/>
                     <a:p>
                       <a:pPr lvl="0">
@@ -4009,15 +4479,18 @@
                       </a:r>
                     </a:p>
                   </a:txBody>
-                  <a:tcPr marT="91425" marB="91425" marR="91425" marL="91425"/>
+                  <a:tcPr marL="91425" marR="91425" marT="91425" marB="91425"/>
                 </a:tc>
+                <a:extLst>
+                  <a:ext uri="{0D108BD9-81ED-4DB2-BD59-A6C34878D82A}">
+                    <a16:rowId xmlns:a16="http://schemas.microsoft.com/office/drawing/2014/main" val="10002"/>
+                  </a:ext>
+                </a:extLst>
               </a:tr>
               <a:tr h="388700">
                 <a:tc>
                   <a:txBody>
-                    <a:bodyPr>
-                      <a:noAutofit/>
-                    </a:bodyPr>
+                    <a:bodyPr/>
                     <a:lstStyle/>
                     <a:p>
                       <a:pPr lvl="0">
@@ -4027,18 +4500,16 @@
                         <a:buNone/>
                       </a:pPr>
                       <a:r>
-                        <a:rPr b="1" lang="en"/>
+                        <a:rPr lang="en" b="1"/>
                         <a:t>Q2</a:t>
                       </a:r>
                     </a:p>
                   </a:txBody>
-                  <a:tcPr marT="91425" marB="91425" marR="91425" marL="91425"/>
+                  <a:tcPr marL="91425" marR="91425" marT="91425" marB="91425"/>
                 </a:tc>
                 <a:tc>
                   <a:txBody>
-                    <a:bodyPr>
-                      <a:noAutofit/>
-                    </a:bodyPr>
+                    <a:bodyPr/>
                     <a:lstStyle/>
                     <a:p>
                       <a:pPr lvl="0">
@@ -4053,13 +4524,11 @@
                       </a:r>
                     </a:p>
                   </a:txBody>
-                  <a:tcPr marT="91425" marB="91425" marR="91425" marL="91425"/>
+                  <a:tcPr marL="91425" marR="91425" marT="91425" marB="91425"/>
                 </a:tc>
                 <a:tc>
                   <a:txBody>
-                    <a:bodyPr>
-                      <a:noAutofit/>
-                    </a:bodyPr>
+                    <a:bodyPr/>
                     <a:lstStyle/>
                     <a:p>
                       <a:pPr lvl="0">
@@ -4074,15 +4543,18 @@
                       </a:r>
                     </a:p>
                   </a:txBody>
-                  <a:tcPr marT="91425" marB="91425" marR="91425" marL="91425"/>
+                  <a:tcPr marL="91425" marR="91425" marT="91425" marB="91425"/>
                 </a:tc>
+                <a:extLst>
+                  <a:ext uri="{0D108BD9-81ED-4DB2-BD59-A6C34878D82A}">
+                    <a16:rowId xmlns:a16="http://schemas.microsoft.com/office/drawing/2014/main" val="10003"/>
+                  </a:ext>
+                </a:extLst>
               </a:tr>
               <a:tr h="388700">
                 <a:tc>
                   <a:txBody>
-                    <a:bodyPr>
-                      <a:noAutofit/>
-                    </a:bodyPr>
+                    <a:bodyPr/>
                     <a:lstStyle/>
                     <a:p>
                       <a:pPr lvl="0">
@@ -4092,18 +4564,16 @@
                         <a:buNone/>
                       </a:pPr>
                       <a:r>
-                        <a:rPr b="1" lang="en"/>
+                        <a:rPr lang="en" b="1"/>
                         <a:t>Q3</a:t>
                       </a:r>
                     </a:p>
                   </a:txBody>
-                  <a:tcPr marT="91425" marB="91425" marR="91425" marL="91425"/>
+                  <a:tcPr marL="91425" marR="91425" marT="91425" marB="91425"/>
                 </a:tc>
                 <a:tc>
                   <a:txBody>
-                    <a:bodyPr>
-                      <a:noAutofit/>
-                    </a:bodyPr>
+                    <a:bodyPr/>
                     <a:lstStyle/>
                     <a:p>
                       <a:pPr lvl="0">
@@ -4118,13 +4588,11 @@
                       </a:r>
                     </a:p>
                   </a:txBody>
-                  <a:tcPr marT="91425" marB="91425" marR="91425" marL="91425"/>
+                  <a:tcPr marL="91425" marR="91425" marT="91425" marB="91425"/>
                 </a:tc>
                 <a:tc>
                   <a:txBody>
-                    <a:bodyPr>
-                      <a:noAutofit/>
-                    </a:bodyPr>
+                    <a:bodyPr/>
                     <a:lstStyle/>
                     <a:p>
                       <a:pPr lvl="0">
@@ -4139,15 +4607,18 @@
                       </a:r>
                     </a:p>
                   </a:txBody>
-                  <a:tcPr marT="91425" marB="91425" marR="91425" marL="91425"/>
+                  <a:tcPr marL="91425" marR="91425" marT="91425" marB="91425"/>
                 </a:tc>
+                <a:extLst>
+                  <a:ext uri="{0D108BD9-81ED-4DB2-BD59-A6C34878D82A}">
+                    <a16:rowId xmlns:a16="http://schemas.microsoft.com/office/drawing/2014/main" val="10004"/>
+                  </a:ext>
+                </a:extLst>
               </a:tr>
               <a:tr h="392500">
                 <a:tc>
                   <a:txBody>
-                    <a:bodyPr>
-                      <a:noAutofit/>
-                    </a:bodyPr>
+                    <a:bodyPr/>
                     <a:lstStyle/>
                     <a:p>
                       <a:pPr lvl="0">
@@ -4157,18 +4628,16 @@
                         <a:buNone/>
                       </a:pPr>
                       <a:r>
-                        <a:rPr b="1" lang="en"/>
+                        <a:rPr lang="en" b="1"/>
                         <a:t>Maximum</a:t>
                       </a:r>
                     </a:p>
                   </a:txBody>
-                  <a:tcPr marT="91425" marB="91425" marR="91425" marL="91425"/>
+                  <a:tcPr marL="91425" marR="91425" marT="91425" marB="91425"/>
                 </a:tc>
                 <a:tc>
                   <a:txBody>
-                    <a:bodyPr>
-                      <a:noAutofit/>
-                    </a:bodyPr>
+                    <a:bodyPr/>
                     <a:lstStyle/>
                     <a:p>
                       <a:pPr lvl="0">
@@ -4183,13 +4652,11 @@
                       </a:r>
                     </a:p>
                   </a:txBody>
-                  <a:tcPr marT="91425" marB="91425" marR="91425" marL="91425"/>
+                  <a:tcPr marL="91425" marR="91425" marT="91425" marB="91425"/>
                 </a:tc>
                 <a:tc>
                   <a:txBody>
-                    <a:bodyPr>
-                      <a:noAutofit/>
-                    </a:bodyPr>
+                    <a:bodyPr/>
                     <a:lstStyle/>
                     <a:p>
                       <a:pPr lvl="0">
@@ -4204,8 +4671,13 @@
                       </a:r>
                     </a:p>
                   </a:txBody>
-                  <a:tcPr marT="91425" marB="91425" marR="91425" marL="91425"/>
+                  <a:tcPr marL="91425" marR="91425" marT="91425" marB="91425"/>
                 </a:tc>
+                <a:extLst>
+                  <a:ext uri="{0D108BD9-81ED-4DB2-BD59-A6C34878D82A}">
+                    <a16:rowId xmlns:a16="http://schemas.microsoft.com/office/drawing/2014/main" val="10005"/>
+                  </a:ext>
+                </a:extLst>
               </a:tr>
             </a:tbl>
           </a:graphicData>
@@ -4231,7 +4703,7 @@
           </a:ln>
         </p:spPr>
         <p:txBody>
-          <a:bodyPr anchorCtr="0" anchor="t" bIns="91425" lIns="91425" rIns="91425" wrap="square" tIns="91425">
+          <a:bodyPr wrap="square" lIns="91425" tIns="91425" rIns="91425" bIns="91425" anchor="t" anchorCtr="0">
             <a:noAutofit/>
           </a:bodyPr>
           <a:lstStyle/>
@@ -4243,7 +4715,7 @@
               <a:buNone/>
             </a:pPr>
             <a:r>
-              <a:rPr b="1" lang="en"/>
+              <a:rPr lang="en" b="1" dirty="0"/>
               <a:t>Number of Books Read</a:t>
             </a:r>
           </a:p>
@@ -4272,14 +4744,14 @@
             <a:avLst/>
           </a:prstGeom>
           <a:noFill/>
-          <a:ln cap="flat" cmpd="sng" w="9525">
+          <a:ln w="9525" cap="flat" cmpd="sng">
             <a:solidFill>
               <a:schemeClr val="dk2"/>
             </a:solidFill>
             <a:prstDash val="solid"/>
             <a:round/>
-            <a:headEnd len="med" w="med" type="none"/>
-            <a:tailEnd len="med" w="med" type="none"/>
+            <a:headEnd type="none" w="med" len="med"/>
+            <a:tailEnd type="none" w="med" len="med"/>
           </a:ln>
         </p:spPr>
       </p:pic>
@@ -4291,8 +4763,920 @@
 </p:sld>
 </file>
 
+<file path=ppt/slides/slide3.xml><?xml version="1.0" encoding="utf-8"?>
+<p:sld xmlns:a="http://schemas.openxmlformats.org/drawingml/2006/main" xmlns:r="http://schemas.openxmlformats.org/officeDocument/2006/relationships" xmlns:p="http://schemas.openxmlformats.org/presentationml/2006/main">
+  <p:cSld>
+    <p:spTree>
+      <p:nvGrpSpPr>
+        <p:cNvPr id="1" name="Shape 53"/>
+        <p:cNvGrpSpPr/>
+        <p:nvPr/>
+      </p:nvGrpSpPr>
+      <p:grpSpPr>
+        <a:xfrm>
+          <a:off x="0" y="0"/>
+          <a:ext cx="0" cy="0"/>
+          <a:chOff x="0" y="0"/>
+          <a:chExt cx="0" cy="0"/>
+        </a:xfrm>
+      </p:grpSpPr>
+      <p:sp>
+        <p:nvSpPr>
+          <p:cNvPr id="54" name="Shape 54"/>
+          <p:cNvSpPr txBox="1">
+            <a:spLocks noGrp="1"/>
+          </p:cNvSpPr>
+          <p:nvPr>
+            <p:ph type="body" idx="1"/>
+          </p:nvPr>
+        </p:nvSpPr>
+        <p:spPr>
+          <a:xfrm>
+            <a:off x="304025" y="3945575"/>
+            <a:ext cx="7254600" cy="795600"/>
+          </a:xfrm>
+          <a:prstGeom prst="rect">
+            <a:avLst/>
+          </a:prstGeom>
+          <a:solidFill>
+            <a:srgbClr val="FFFFFF"/>
+          </a:solidFill>
+          <a:ln w="9525" cap="flat" cmpd="sng">
+            <a:solidFill>
+              <a:srgbClr val="FFFFFF"/>
+            </a:solidFill>
+            <a:prstDash val="solid"/>
+            <a:round/>
+            <a:headEnd type="none" w="med" len="med"/>
+            <a:tailEnd type="none" w="med" len="med"/>
+          </a:ln>
+        </p:spPr>
+        <p:txBody>
+          <a:bodyPr wrap="square" lIns="91425" tIns="91425" rIns="91425" bIns="91425" anchor="t" anchorCtr="0">
+            <a:noAutofit/>
+          </a:bodyPr>
+          <a:lstStyle/>
+          <a:p>
+            <a:pPr lvl="0" rtl="0">
+              <a:spcBef>
+                <a:spcPts val="0"/>
+              </a:spcBef>
+              <a:buNone/>
+            </a:pPr>
+            <a:r>
+              <a:rPr lang="en">
+                <a:latin typeface="Open Sans"/>
+                <a:ea typeface="Open Sans"/>
+                <a:cs typeface="Open Sans"/>
+                <a:sym typeface="Open Sans"/>
+              </a:rPr>
+              <a:t>Comparing the employed to unemployed, there does not appear to be much of a difference between the number of books they read.  If we didn’t pay attention to the extreme readers (those that read a ton) in each group, they are very similar in distribution and summary statistics.</a:t>
+            </a:r>
+          </a:p>
+        </p:txBody>
+      </p:sp>
+      <p:sp>
+        <p:nvSpPr>
+          <p:cNvPr id="55" name="Shape 55"/>
+          <p:cNvSpPr txBox="1">
+            <a:spLocks noGrp="1"/>
+          </p:cNvSpPr>
+          <p:nvPr>
+            <p:ph type="title"/>
+          </p:nvPr>
+        </p:nvSpPr>
+        <p:spPr>
+          <a:xfrm>
+            <a:off x="0" y="0"/>
+            <a:ext cx="9144000" cy="795600"/>
+          </a:xfrm>
+          <a:prstGeom prst="rect">
+            <a:avLst/>
+          </a:prstGeom>
+          <a:solidFill>
+            <a:srgbClr val="073763"/>
+          </a:solidFill>
+        </p:spPr>
+        <p:txBody>
+          <a:bodyPr wrap="square" lIns="91425" tIns="91425" rIns="91425" bIns="91425" anchor="ctr" anchorCtr="0">
+            <a:noAutofit/>
+          </a:bodyPr>
+          <a:lstStyle/>
+          <a:p>
+            <a:pPr lvl="0" rtl="0">
+              <a:spcBef>
+                <a:spcPts val="0"/>
+              </a:spcBef>
+              <a:buNone/>
+            </a:pPr>
+            <a:r>
+              <a:rPr lang="en">
+                <a:solidFill>
+                  <a:srgbClr val="FFFFFF"/>
+                </a:solidFill>
+                <a:latin typeface="Open Sans"/>
+                <a:ea typeface="Open Sans"/>
+                <a:cs typeface="Open Sans"/>
+                <a:sym typeface="Open Sans"/>
+              </a:rPr>
+              <a:t>Example: Does the Number of Books read vary based on Employment?</a:t>
+            </a:r>
+          </a:p>
+        </p:txBody>
+      </p:sp>
+      <p:graphicFrame>
+        <p:nvGraphicFramePr>
+          <p:cNvPr id="56" name="Shape 56"/>
+          <p:cNvGraphicFramePr/>
+          <p:nvPr/>
+        </p:nvGraphicFramePr>
+        <p:xfrm>
+          <a:off x="112925" y="1223729"/>
+          <a:ext cx="3829425" cy="2510075"/>
+        </p:xfrm>
+        <a:graphic>
+          <a:graphicData uri="http://schemas.openxmlformats.org/drawingml/2006/table">
+            <a:tbl>
+              <a:tblPr>
+                <a:noFill/>
+                <a:tableStyleId>{EED877B6-9551-4359-846F-FAFF3EFF04A8}</a:tableStyleId>
+              </a:tblPr>
+              <a:tblGrid>
+                <a:gridCol w="1276475">
+                  <a:extLst>
+                    <a:ext uri="{9D8B030D-6E8A-4147-A177-3AD203B41FA5}">
+                      <a16:colId xmlns:a16="http://schemas.microsoft.com/office/drawing/2014/main" val="20000"/>
+                    </a:ext>
+                  </a:extLst>
+                </a:gridCol>
+                <a:gridCol w="1276475">
+                  <a:extLst>
+                    <a:ext uri="{9D8B030D-6E8A-4147-A177-3AD203B41FA5}">
+                      <a16:colId xmlns:a16="http://schemas.microsoft.com/office/drawing/2014/main" val="20001"/>
+                    </a:ext>
+                  </a:extLst>
+                </a:gridCol>
+                <a:gridCol w="1276475">
+                  <a:extLst>
+                    <a:ext uri="{9D8B030D-6E8A-4147-A177-3AD203B41FA5}">
+                      <a16:colId xmlns:a16="http://schemas.microsoft.com/office/drawing/2014/main" val="20002"/>
+                    </a:ext>
+                  </a:extLst>
+                </a:gridCol>
+              </a:tblGrid>
+              <a:tr h="529025">
+                <a:tc>
+                  <a:txBody>
+                    <a:bodyPr/>
+                    <a:lstStyle/>
+                    <a:p>
+                      <a:pPr lvl="0">
+                        <a:spcBef>
+                          <a:spcPts val="0"/>
+                        </a:spcBef>
+                        <a:buNone/>
+                      </a:pPr>
+                      <a:endParaRPr b="1"/>
+                    </a:p>
+                  </a:txBody>
+                  <a:tcPr marL="91425" marR="91425" marT="91425" marB="91425"/>
+                </a:tc>
+                <a:tc>
+                  <a:txBody>
+                    <a:bodyPr/>
+                    <a:lstStyle/>
+                    <a:p>
+                      <a:pPr lvl="0">
+                        <a:spcBef>
+                          <a:spcPts val="0"/>
+                        </a:spcBef>
+                        <a:buNone/>
+                      </a:pPr>
+                      <a:r>
+                        <a:rPr lang="en" b="1"/>
+                        <a:t>Employed</a:t>
+                      </a:r>
+                    </a:p>
+                  </a:txBody>
+                  <a:tcPr marL="91425" marR="91425" marT="91425" marB="91425"/>
+                </a:tc>
+                <a:tc>
+                  <a:txBody>
+                    <a:bodyPr/>
+                    <a:lstStyle/>
+                    <a:p>
+                      <a:pPr lvl="0">
+                        <a:spcBef>
+                          <a:spcPts val="0"/>
+                        </a:spcBef>
+                        <a:buNone/>
+                      </a:pPr>
+                      <a:r>
+                        <a:rPr lang="en" b="1"/>
+                        <a:t>Unemployed</a:t>
+                      </a:r>
+                    </a:p>
+                  </a:txBody>
+                  <a:tcPr marL="91425" marR="91425" marT="91425" marB="91425"/>
+                </a:tc>
+                <a:extLst>
+                  <a:ext uri="{0D108BD9-81ED-4DB2-BD59-A6C34878D82A}">
+                    <a16:rowId xmlns:a16="http://schemas.microsoft.com/office/drawing/2014/main" val="10000"/>
+                  </a:ext>
+                </a:extLst>
+              </a:tr>
+              <a:tr h="392500">
+                <a:tc>
+                  <a:txBody>
+                    <a:bodyPr/>
+                    <a:lstStyle/>
+                    <a:p>
+                      <a:pPr lvl="0">
+                        <a:spcBef>
+                          <a:spcPts val="0"/>
+                        </a:spcBef>
+                        <a:buNone/>
+                      </a:pPr>
+                      <a:r>
+                        <a:rPr lang="en" b="1"/>
+                        <a:t>Minimum</a:t>
+                      </a:r>
+                    </a:p>
+                  </a:txBody>
+                  <a:tcPr marL="91425" marR="91425" marT="91425" marB="91425"/>
+                </a:tc>
+                <a:tc>
+                  <a:txBody>
+                    <a:bodyPr/>
+                    <a:lstStyle/>
+                    <a:p>
+                      <a:pPr lvl="0">
+                        <a:spcBef>
+                          <a:spcPts val="0"/>
+                        </a:spcBef>
+                        <a:buNone/>
+                      </a:pPr>
+                      <a:r>
+                        <a:rPr lang="en"/>
+                        <a:t>0</a:t>
+                      </a:r>
+                    </a:p>
+                  </a:txBody>
+                  <a:tcPr marL="91425" marR="91425" marT="91425" marB="91425"/>
+                </a:tc>
+                <a:tc>
+                  <a:txBody>
+                    <a:bodyPr/>
+                    <a:lstStyle/>
+                    <a:p>
+                      <a:pPr lvl="0">
+                        <a:spcBef>
+                          <a:spcPts val="0"/>
+                        </a:spcBef>
+                        <a:buNone/>
+                      </a:pPr>
+                      <a:r>
+                        <a:rPr lang="en"/>
+                        <a:t>0</a:t>
+                      </a:r>
+                    </a:p>
+                  </a:txBody>
+                  <a:tcPr marL="91425" marR="91425" marT="91425" marB="91425"/>
+                </a:tc>
+                <a:extLst>
+                  <a:ext uri="{0D108BD9-81ED-4DB2-BD59-A6C34878D82A}">
+                    <a16:rowId xmlns:a16="http://schemas.microsoft.com/office/drawing/2014/main" val="10001"/>
+                  </a:ext>
+                </a:extLst>
+              </a:tr>
+              <a:tr h="388700">
+                <a:tc>
+                  <a:txBody>
+                    <a:bodyPr/>
+                    <a:lstStyle/>
+                    <a:p>
+                      <a:pPr lvl="0">
+                        <a:spcBef>
+                          <a:spcPts val="0"/>
+                        </a:spcBef>
+                        <a:buNone/>
+                      </a:pPr>
+                      <a:r>
+                        <a:rPr lang="en" b="1"/>
+                        <a:t>Q1</a:t>
+                      </a:r>
+                    </a:p>
+                  </a:txBody>
+                  <a:tcPr marL="91425" marR="91425" marT="91425" marB="91425"/>
+                </a:tc>
+                <a:tc>
+                  <a:txBody>
+                    <a:bodyPr/>
+                    <a:lstStyle/>
+                    <a:p>
+                      <a:pPr lvl="0">
+                        <a:spcBef>
+                          <a:spcPts val="0"/>
+                        </a:spcBef>
+                        <a:buNone/>
+                      </a:pPr>
+                      <a:r>
+                        <a:rPr lang="en"/>
+                        <a:t>4</a:t>
+                      </a:r>
+                    </a:p>
+                  </a:txBody>
+                  <a:tcPr marL="91425" marR="91425" marT="91425" marB="91425"/>
+                </a:tc>
+                <a:tc>
+                  <a:txBody>
+                    <a:bodyPr/>
+                    <a:lstStyle/>
+                    <a:p>
+                      <a:pPr lvl="0">
+                        <a:spcBef>
+                          <a:spcPts val="0"/>
+                        </a:spcBef>
+                        <a:buNone/>
+                      </a:pPr>
+                      <a:r>
+                        <a:rPr lang="en"/>
+                        <a:t>4</a:t>
+                      </a:r>
+                    </a:p>
+                  </a:txBody>
+                  <a:tcPr marL="91425" marR="91425" marT="91425" marB="91425"/>
+                </a:tc>
+                <a:extLst>
+                  <a:ext uri="{0D108BD9-81ED-4DB2-BD59-A6C34878D82A}">
+                    <a16:rowId xmlns:a16="http://schemas.microsoft.com/office/drawing/2014/main" val="10002"/>
+                  </a:ext>
+                </a:extLst>
+              </a:tr>
+              <a:tr h="388700">
+                <a:tc>
+                  <a:txBody>
+                    <a:bodyPr/>
+                    <a:lstStyle/>
+                    <a:p>
+                      <a:pPr lvl="0">
+                        <a:spcBef>
+                          <a:spcPts val="0"/>
+                        </a:spcBef>
+                        <a:buNone/>
+                      </a:pPr>
+                      <a:r>
+                        <a:rPr lang="en" b="1"/>
+                        <a:t>Q2</a:t>
+                      </a:r>
+                    </a:p>
+                  </a:txBody>
+                  <a:tcPr marL="91425" marR="91425" marT="91425" marB="91425"/>
+                </a:tc>
+                <a:tc>
+                  <a:txBody>
+                    <a:bodyPr/>
+                    <a:lstStyle/>
+                    <a:p>
+                      <a:pPr lvl="0">
+                        <a:spcBef>
+                          <a:spcPts val="0"/>
+                        </a:spcBef>
+                        <a:buNone/>
+                      </a:pPr>
+                      <a:r>
+                        <a:rPr lang="en"/>
+                        <a:t>8</a:t>
+                      </a:r>
+                    </a:p>
+                  </a:txBody>
+                  <a:tcPr marL="91425" marR="91425" marT="91425" marB="91425"/>
+                </a:tc>
+                <a:tc>
+                  <a:txBody>
+                    <a:bodyPr/>
+                    <a:lstStyle/>
+                    <a:p>
+                      <a:pPr lvl="0">
+                        <a:spcBef>
+                          <a:spcPts val="0"/>
+                        </a:spcBef>
+                        <a:buNone/>
+                      </a:pPr>
+                      <a:r>
+                        <a:rPr lang="en"/>
+                        <a:t>6</a:t>
+                      </a:r>
+                    </a:p>
+                  </a:txBody>
+                  <a:tcPr marL="91425" marR="91425" marT="91425" marB="91425"/>
+                </a:tc>
+                <a:extLst>
+                  <a:ext uri="{0D108BD9-81ED-4DB2-BD59-A6C34878D82A}">
+                    <a16:rowId xmlns:a16="http://schemas.microsoft.com/office/drawing/2014/main" val="10003"/>
+                  </a:ext>
+                </a:extLst>
+              </a:tr>
+              <a:tr h="388700">
+                <a:tc>
+                  <a:txBody>
+                    <a:bodyPr/>
+                    <a:lstStyle/>
+                    <a:p>
+                      <a:pPr lvl="0">
+                        <a:spcBef>
+                          <a:spcPts val="0"/>
+                        </a:spcBef>
+                        <a:buNone/>
+                      </a:pPr>
+                      <a:r>
+                        <a:rPr lang="en" b="1"/>
+                        <a:t>Q3</a:t>
+                      </a:r>
+                    </a:p>
+                  </a:txBody>
+                  <a:tcPr marL="91425" marR="91425" marT="91425" marB="91425"/>
+                </a:tc>
+                <a:tc>
+                  <a:txBody>
+                    <a:bodyPr/>
+                    <a:lstStyle/>
+                    <a:p>
+                      <a:pPr lvl="0">
+                        <a:spcBef>
+                          <a:spcPts val="0"/>
+                        </a:spcBef>
+                        <a:buNone/>
+                      </a:pPr>
+                      <a:r>
+                        <a:rPr lang="en"/>
+                        <a:t>15</a:t>
+                      </a:r>
+                    </a:p>
+                  </a:txBody>
+                  <a:tcPr marL="91425" marR="91425" marT="91425" marB="91425"/>
+                </a:tc>
+                <a:tc>
+                  <a:txBody>
+                    <a:bodyPr/>
+                    <a:lstStyle/>
+                    <a:p>
+                      <a:pPr lvl="0">
+                        <a:spcBef>
+                          <a:spcPts val="0"/>
+                        </a:spcBef>
+                        <a:buNone/>
+                      </a:pPr>
+                      <a:r>
+                        <a:rPr lang="en"/>
+                        <a:t>15</a:t>
+                      </a:r>
+                    </a:p>
+                  </a:txBody>
+                  <a:tcPr marL="91425" marR="91425" marT="91425" marB="91425"/>
+                </a:tc>
+                <a:extLst>
+                  <a:ext uri="{0D108BD9-81ED-4DB2-BD59-A6C34878D82A}">
+                    <a16:rowId xmlns:a16="http://schemas.microsoft.com/office/drawing/2014/main" val="10004"/>
+                  </a:ext>
+                </a:extLst>
+              </a:tr>
+              <a:tr h="392500">
+                <a:tc>
+                  <a:txBody>
+                    <a:bodyPr/>
+                    <a:lstStyle/>
+                    <a:p>
+                      <a:pPr lvl="0">
+                        <a:spcBef>
+                          <a:spcPts val="0"/>
+                        </a:spcBef>
+                        <a:buNone/>
+                      </a:pPr>
+                      <a:r>
+                        <a:rPr lang="en" b="1"/>
+                        <a:t>Maximum</a:t>
+                      </a:r>
+                    </a:p>
+                  </a:txBody>
+                  <a:tcPr marL="91425" marR="91425" marT="91425" marB="91425"/>
+                </a:tc>
+                <a:tc>
+                  <a:txBody>
+                    <a:bodyPr/>
+                    <a:lstStyle/>
+                    <a:p>
+                      <a:pPr lvl="0">
+                        <a:spcBef>
+                          <a:spcPts val="0"/>
+                        </a:spcBef>
+                        <a:buNone/>
+                      </a:pPr>
+                      <a:r>
+                        <a:rPr lang="en"/>
+                        <a:t>600</a:t>
+                      </a:r>
+                    </a:p>
+                  </a:txBody>
+                  <a:tcPr marL="91425" marR="91425" marT="91425" marB="91425"/>
+                </a:tc>
+                <a:tc>
+                  <a:txBody>
+                    <a:bodyPr/>
+                    <a:lstStyle/>
+                    <a:p>
+                      <a:pPr lvl="0">
+                        <a:spcBef>
+                          <a:spcPts val="0"/>
+                        </a:spcBef>
+                        <a:buNone/>
+                      </a:pPr>
+                      <a:r>
+                        <a:rPr lang="en"/>
+                        <a:t>100</a:t>
+                      </a:r>
+                    </a:p>
+                  </a:txBody>
+                  <a:tcPr marL="91425" marR="91425" marT="91425" marB="91425"/>
+                </a:tc>
+                <a:extLst>
+                  <a:ext uri="{0D108BD9-81ED-4DB2-BD59-A6C34878D82A}">
+                    <a16:rowId xmlns:a16="http://schemas.microsoft.com/office/drawing/2014/main" val="10005"/>
+                  </a:ext>
+                </a:extLst>
+              </a:tr>
+            </a:tbl>
+          </a:graphicData>
+        </a:graphic>
+      </p:graphicFrame>
+      <p:sp>
+        <p:nvSpPr>
+          <p:cNvPr id="57" name="Shape 57"/>
+          <p:cNvSpPr txBox="1"/>
+          <p:nvPr/>
+        </p:nvSpPr>
+        <p:spPr>
+          <a:xfrm>
+            <a:off x="223250" y="902750"/>
+            <a:ext cx="3222600" cy="213600"/>
+          </a:xfrm>
+          <a:prstGeom prst="rect">
+            <a:avLst/>
+          </a:prstGeom>
+          <a:noFill/>
+          <a:ln>
+            <a:noFill/>
+          </a:ln>
+        </p:spPr>
+        <p:txBody>
+          <a:bodyPr wrap="square" lIns="91425" tIns="91425" rIns="91425" bIns="91425" anchor="t" anchorCtr="0">
+            <a:noAutofit/>
+          </a:bodyPr>
+          <a:lstStyle/>
+          <a:p>
+            <a:pPr lvl="0">
+              <a:spcBef>
+                <a:spcPts val="0"/>
+              </a:spcBef>
+              <a:buNone/>
+            </a:pPr>
+            <a:r>
+              <a:rPr lang="en" b="1"/>
+              <a:t>Number of Books Read</a:t>
+            </a:r>
+          </a:p>
+        </p:txBody>
+      </p:sp>
+      <p:pic>
+        <p:nvPicPr>
+          <p:cNvPr id="58" name="Shape 58"/>
+          <p:cNvPicPr preferRelativeResize="0"/>
+          <p:nvPr/>
+        </p:nvPicPr>
+        <p:blipFill>
+          <a:blip r:embed="rId3">
+            <a:alphaModFix/>
+          </a:blip>
+          <a:stretch>
+            <a:fillRect/>
+          </a:stretch>
+        </p:blipFill>
+        <p:spPr>
+          <a:xfrm>
+            <a:off x="4785324" y="902756"/>
+            <a:ext cx="3829425" cy="2935667"/>
+          </a:xfrm>
+          <a:prstGeom prst="rect">
+            <a:avLst/>
+          </a:prstGeom>
+          <a:noFill/>
+          <a:ln w="9525" cap="flat" cmpd="sng">
+            <a:solidFill>
+              <a:schemeClr val="dk2"/>
+            </a:solidFill>
+            <a:prstDash val="solid"/>
+            <a:round/>
+            <a:headEnd type="none" w="med" len="med"/>
+            <a:tailEnd type="none" w="med" len="med"/>
+          </a:ln>
+        </p:spPr>
+      </p:pic>
+    </p:spTree>
+    <p:extLst>
+      <p:ext uri="{BB962C8B-B14F-4D97-AF65-F5344CB8AC3E}">
+        <p14:creationId xmlns:p14="http://schemas.microsoft.com/office/powerpoint/2010/main" val="864674847"/>
+      </p:ext>
+    </p:extLst>
+  </p:cSld>
+  <p:clrMapOvr>
+    <a:masterClrMapping/>
+  </p:clrMapOvr>
+</p:sld>
+</file>
+
 <file path=ppt/theme/theme1.xml><?xml version="1.0" encoding="utf-8"?>
-<a:theme xmlns:a="http://schemas.openxmlformats.org/drawingml/2006/main" xmlns:r="http://schemas.openxmlformats.org/officeDocument/2006/relationships" name="Custom Theme">
+<a:theme xmlns:a="http://schemas.openxmlformats.org/drawingml/2006/main" name="Simple Light">
+  <a:themeElements>
+    <a:clrScheme name="Simple Light">
+      <a:dk1>
+        <a:srgbClr val="000000"/>
+      </a:dk1>
+      <a:lt1>
+        <a:srgbClr val="FFFFFF"/>
+      </a:lt1>
+      <a:dk2>
+        <a:srgbClr val="595959"/>
+      </a:dk2>
+      <a:lt2>
+        <a:srgbClr val="EEEEEE"/>
+      </a:lt2>
+      <a:accent1>
+        <a:srgbClr val="FFAB40"/>
+      </a:accent1>
+      <a:accent2>
+        <a:srgbClr val="212121"/>
+      </a:accent2>
+      <a:accent3>
+        <a:srgbClr val="78909C"/>
+      </a:accent3>
+      <a:accent4>
+        <a:srgbClr val="FFAB40"/>
+      </a:accent4>
+      <a:accent5>
+        <a:srgbClr val="0097A7"/>
+      </a:accent5>
+      <a:accent6>
+        <a:srgbClr val="EEFF41"/>
+      </a:accent6>
+      <a:hlink>
+        <a:srgbClr val="0097A7"/>
+      </a:hlink>
+      <a:folHlink>
+        <a:srgbClr val="0097A7"/>
+      </a:folHlink>
+    </a:clrScheme>
+    <a:fontScheme name="Office">
+      <a:majorFont>
+        <a:latin typeface="Arial"/>
+        <a:ea typeface=""/>
+        <a:cs typeface=""/>
+        <a:font script="Jpan" typeface="ＭＳ Ｐゴシック"/>
+        <a:font script="Hang" typeface="맑은 고딕"/>
+        <a:font script="Hans" typeface="宋体"/>
+        <a:font script="Hant" typeface="新細明體"/>
+        <a:font script="Arab" typeface="Times New Roman"/>
+        <a:font script="Hebr" typeface="Times New Roman"/>
+        <a:font script="Thai" typeface="Angsana New"/>
+        <a:font script="Ethi" typeface="Nyala"/>
+        <a:font script="Beng" typeface="Vrinda"/>
+        <a:font script="Gujr" typeface="Shruti"/>
+        <a:font script="Khmr" typeface="MoolBoran"/>
+        <a:font script="Knda" typeface="Tunga"/>
+        <a:font script="Guru" typeface="Raavi"/>
+        <a:font script="Cans" typeface="Euphemia"/>
+        <a:font script="Cher" typeface="Plantagenet Cherokee"/>
+        <a:font script="Yiii" typeface="Microsoft Yi Baiti"/>
+        <a:font script="Tibt" typeface="Microsoft Himalaya"/>
+        <a:font script="Thaa" typeface="MV Boli"/>
+        <a:font script="Deva" typeface="Mangal"/>
+        <a:font script="Telu" typeface="Gautami"/>
+        <a:font script="Taml" typeface="Latha"/>
+        <a:font script="Syrc" typeface="Estrangelo Edessa"/>
+        <a:font script="Orya" typeface="Kalinga"/>
+        <a:font script="Mlym" typeface="Kartika"/>
+        <a:font script="Laoo" typeface="DokChampa"/>
+        <a:font script="Sinh" typeface="Iskoola Pota"/>
+        <a:font script="Mong" typeface="Mongolian Baiti"/>
+        <a:font script="Viet" typeface="Times New Roman"/>
+        <a:font script="Uigh" typeface="Microsoft Uighur"/>
+        <a:font script="Geor" typeface="Sylfaen"/>
+      </a:majorFont>
+      <a:minorFont>
+        <a:latin typeface="Arial"/>
+        <a:ea typeface=""/>
+        <a:cs typeface=""/>
+        <a:font script="Jpan" typeface="ＭＳ Ｐゴシック"/>
+        <a:font script="Hang" typeface="맑은 고딕"/>
+        <a:font script="Hans" typeface="宋体"/>
+        <a:font script="Hant" typeface="新細明體"/>
+        <a:font script="Arab" typeface="Arial"/>
+        <a:font script="Hebr" typeface="Arial"/>
+        <a:font script="Thai" typeface="Cordia New"/>
+        <a:font script="Ethi" typeface="Nyala"/>
+        <a:font script="Beng" typeface="Vrinda"/>
+        <a:font script="Gujr" typeface="Shruti"/>
+        <a:font script="Khmr" typeface="DaunPenh"/>
+        <a:font script="Knda" typeface="Tunga"/>
+        <a:font script="Guru" typeface="Raavi"/>
+        <a:font script="Cans" typeface="Euphemia"/>
+        <a:font script="Cher" typeface="Plantagenet Cherokee"/>
+        <a:font script="Yiii" typeface="Microsoft Yi Baiti"/>
+        <a:font script="Tibt" typeface="Microsoft Himalaya"/>
+        <a:font script="Thaa" typeface="MV Boli"/>
+        <a:font script="Deva" typeface="Mangal"/>
+        <a:font script="Telu" typeface="Gautami"/>
+        <a:font script="Taml" typeface="Latha"/>
+        <a:font script="Syrc" typeface="Estrangelo Edessa"/>
+        <a:font script="Orya" typeface="Kalinga"/>
+        <a:font script="Mlym" typeface="Kartika"/>
+        <a:font script="Laoo" typeface="DokChampa"/>
+        <a:font script="Sinh" typeface="Iskoola Pota"/>
+        <a:font script="Mong" typeface="Mongolian Baiti"/>
+        <a:font script="Viet" typeface="Arial"/>
+        <a:font script="Uigh" typeface="Microsoft Uighur"/>
+        <a:font script="Geor" typeface="Sylfaen"/>
+      </a:minorFont>
+    </a:fontScheme>
+    <a:fmtScheme name="Office">
+      <a:fillStyleLst>
+        <a:solidFill>
+          <a:schemeClr val="phClr"/>
+        </a:solidFill>
+        <a:gradFill rotWithShape="1">
+          <a:gsLst>
+            <a:gs pos="0">
+              <a:schemeClr val="phClr">
+                <a:tint val="50000"/>
+                <a:satMod val="300000"/>
+              </a:schemeClr>
+            </a:gs>
+            <a:gs pos="35000">
+              <a:schemeClr val="phClr">
+                <a:tint val="37000"/>
+                <a:satMod val="300000"/>
+              </a:schemeClr>
+            </a:gs>
+            <a:gs pos="100000">
+              <a:schemeClr val="phClr">
+                <a:tint val="15000"/>
+                <a:satMod val="350000"/>
+              </a:schemeClr>
+            </a:gs>
+          </a:gsLst>
+          <a:lin ang="16200000" scaled="1"/>
+        </a:gradFill>
+        <a:gradFill rotWithShape="1">
+          <a:gsLst>
+            <a:gs pos="0">
+              <a:schemeClr val="phClr">
+                <a:tint val="100000"/>
+                <a:shade val="100000"/>
+                <a:satMod val="130000"/>
+              </a:schemeClr>
+            </a:gs>
+            <a:gs pos="100000">
+              <a:schemeClr val="phClr">
+                <a:tint val="50000"/>
+                <a:shade val="100000"/>
+                <a:satMod val="350000"/>
+              </a:schemeClr>
+            </a:gs>
+          </a:gsLst>
+          <a:lin ang="16200000" scaled="0"/>
+        </a:gradFill>
+      </a:fillStyleLst>
+      <a:lnStyleLst>
+        <a:ln w="9525" cap="flat" cmpd="sng" algn="ctr">
+          <a:solidFill>
+            <a:schemeClr val="phClr">
+              <a:shade val="95000"/>
+              <a:satMod val="105000"/>
+            </a:schemeClr>
+          </a:solidFill>
+          <a:prstDash val="solid"/>
+        </a:ln>
+        <a:ln w="25400" cap="flat" cmpd="sng" algn="ctr">
+          <a:solidFill>
+            <a:schemeClr val="phClr"/>
+          </a:solidFill>
+          <a:prstDash val="solid"/>
+        </a:ln>
+        <a:ln w="38100" cap="flat" cmpd="sng" algn="ctr">
+          <a:solidFill>
+            <a:schemeClr val="phClr"/>
+          </a:solidFill>
+          <a:prstDash val="solid"/>
+        </a:ln>
+      </a:lnStyleLst>
+      <a:effectStyleLst>
+        <a:effectStyle>
+          <a:effectLst>
+            <a:outerShdw blurRad="40000" dist="20000" dir="5400000" rotWithShape="0">
+              <a:srgbClr val="000000">
+                <a:alpha val="38000"/>
+              </a:srgbClr>
+            </a:outerShdw>
+          </a:effectLst>
+        </a:effectStyle>
+        <a:effectStyle>
+          <a:effectLst>
+            <a:outerShdw blurRad="40000" dist="23000" dir="5400000" rotWithShape="0">
+              <a:srgbClr val="000000">
+                <a:alpha val="35000"/>
+              </a:srgbClr>
+            </a:outerShdw>
+          </a:effectLst>
+        </a:effectStyle>
+        <a:effectStyle>
+          <a:effectLst>
+            <a:outerShdw blurRad="40000" dist="23000" dir="5400000" rotWithShape="0">
+              <a:srgbClr val="000000">
+                <a:alpha val="35000"/>
+              </a:srgbClr>
+            </a:outerShdw>
+          </a:effectLst>
+          <a:scene3d>
+            <a:camera prst="orthographicFront">
+              <a:rot lat="0" lon="0" rev="0"/>
+            </a:camera>
+            <a:lightRig rig="threePt" dir="t">
+              <a:rot lat="0" lon="0" rev="1200000"/>
+            </a:lightRig>
+          </a:scene3d>
+          <a:sp3d>
+            <a:bevelT w="63500" h="25400"/>
+          </a:sp3d>
+        </a:effectStyle>
+      </a:effectStyleLst>
+      <a:bgFillStyleLst>
+        <a:solidFill>
+          <a:schemeClr val="phClr"/>
+        </a:solidFill>
+        <a:gradFill rotWithShape="1">
+          <a:gsLst>
+            <a:gs pos="0">
+              <a:schemeClr val="phClr">
+                <a:tint val="40000"/>
+                <a:satMod val="350000"/>
+              </a:schemeClr>
+            </a:gs>
+            <a:gs pos="40000">
+              <a:schemeClr val="phClr">
+                <a:tint val="45000"/>
+                <a:shade val="99000"/>
+                <a:satMod val="350000"/>
+              </a:schemeClr>
+            </a:gs>
+            <a:gs pos="100000">
+              <a:schemeClr val="phClr">
+                <a:shade val="20000"/>
+                <a:satMod val="255000"/>
+              </a:schemeClr>
+            </a:gs>
+          </a:gsLst>
+          <a:path path="circle">
+            <a:fillToRect l="50000" t="-80000" r="50000" b="180000"/>
+          </a:path>
+        </a:gradFill>
+        <a:gradFill rotWithShape="1">
+          <a:gsLst>
+            <a:gs pos="0">
+              <a:schemeClr val="phClr">
+                <a:tint val="80000"/>
+                <a:satMod val="300000"/>
+              </a:schemeClr>
+            </a:gs>
+            <a:gs pos="100000">
+              <a:schemeClr val="phClr">
+                <a:shade val="30000"/>
+                <a:satMod val="200000"/>
+              </a:schemeClr>
+            </a:gs>
+          </a:gsLst>
+          <a:path path="circle">
+            <a:fillToRect l="50000" t="50000" r="50000" b="50000"/>
+          </a:path>
+        </a:gradFill>
+      </a:bgFillStyleLst>
+    </a:fmtScheme>
+  </a:themeElements>
+  <a:objectDefaults/>
+  <a:extraClrSchemeLst/>
+</a:theme>
+</file>
+
+<file path=ppt/theme/theme2.xml><?xml version="1.0" encoding="utf-8"?>
+<a:theme xmlns:a="http://schemas.openxmlformats.org/drawingml/2006/main" name="Custom Theme">
   <a:themeElements>
     <a:clrScheme name="Default">
       <a:dk1>
@@ -4567,284 +5951,7 @@
       </a:bgFillStyleLst>
     </a:fmtScheme>
   </a:themeElements>
-</a:theme>
-</file>
-
-<file path=ppt/theme/theme2.xml><?xml version="1.0" encoding="utf-8"?>
-<a:theme xmlns:a="http://schemas.openxmlformats.org/drawingml/2006/main" xmlns:r="http://schemas.openxmlformats.org/officeDocument/2006/relationships" name="Simple Light">
-  <a:themeElements>
-    <a:clrScheme name="Simple Light">
-      <a:dk1>
-        <a:srgbClr val="000000"/>
-      </a:dk1>
-      <a:lt1>
-        <a:srgbClr val="FFFFFF"/>
-      </a:lt1>
-      <a:dk2>
-        <a:srgbClr val="595959"/>
-      </a:dk2>
-      <a:lt2>
-        <a:srgbClr val="EEEEEE"/>
-      </a:lt2>
-      <a:accent1>
-        <a:srgbClr val="FFAB40"/>
-      </a:accent1>
-      <a:accent2>
-        <a:srgbClr val="212121"/>
-      </a:accent2>
-      <a:accent3>
-        <a:srgbClr val="78909C"/>
-      </a:accent3>
-      <a:accent4>
-        <a:srgbClr val="FFAB40"/>
-      </a:accent4>
-      <a:accent5>
-        <a:srgbClr val="0097A7"/>
-      </a:accent5>
-      <a:accent6>
-        <a:srgbClr val="EEFF41"/>
-      </a:accent6>
-      <a:hlink>
-        <a:srgbClr val="0097A7"/>
-      </a:hlink>
-      <a:folHlink>
-        <a:srgbClr val="0097A7"/>
-      </a:folHlink>
-    </a:clrScheme>
-    <a:fontScheme name="Office">
-      <a:majorFont>
-        <a:latin typeface="Arial"/>
-        <a:ea typeface=""/>
-        <a:cs typeface=""/>
-        <a:font script="Jpan" typeface="ＭＳ Ｐゴシック"/>
-        <a:font script="Hang" typeface="맑은 고딕"/>
-        <a:font script="Hans" typeface="宋体"/>
-        <a:font script="Hant" typeface="新細明體"/>
-        <a:font script="Arab" typeface="Times New Roman"/>
-        <a:font script="Hebr" typeface="Times New Roman"/>
-        <a:font script="Thai" typeface="Angsana New"/>
-        <a:font script="Ethi" typeface="Nyala"/>
-        <a:font script="Beng" typeface="Vrinda"/>
-        <a:font script="Gujr" typeface="Shruti"/>
-        <a:font script="Khmr" typeface="MoolBoran"/>
-        <a:font script="Knda" typeface="Tunga"/>
-        <a:font script="Guru" typeface="Raavi"/>
-        <a:font script="Cans" typeface="Euphemia"/>
-        <a:font script="Cher" typeface="Plantagenet Cherokee"/>
-        <a:font script="Yiii" typeface="Microsoft Yi Baiti"/>
-        <a:font script="Tibt" typeface="Microsoft Himalaya"/>
-        <a:font script="Thaa" typeface="MV Boli"/>
-        <a:font script="Deva" typeface="Mangal"/>
-        <a:font script="Telu" typeface="Gautami"/>
-        <a:font script="Taml" typeface="Latha"/>
-        <a:font script="Syrc" typeface="Estrangelo Edessa"/>
-        <a:font script="Orya" typeface="Kalinga"/>
-        <a:font script="Mlym" typeface="Kartika"/>
-        <a:font script="Laoo" typeface="DokChampa"/>
-        <a:font script="Sinh" typeface="Iskoola Pota"/>
-        <a:font script="Mong" typeface="Mongolian Baiti"/>
-        <a:font script="Viet" typeface="Times New Roman"/>
-        <a:font script="Uigh" typeface="Microsoft Uighur"/>
-        <a:font script="Geor" typeface="Sylfaen"/>
-      </a:majorFont>
-      <a:minorFont>
-        <a:latin typeface="Arial"/>
-        <a:ea typeface=""/>
-        <a:cs typeface=""/>
-        <a:font script="Jpan" typeface="ＭＳ Ｐゴシック"/>
-        <a:font script="Hang" typeface="맑은 고딕"/>
-        <a:font script="Hans" typeface="宋体"/>
-        <a:font script="Hant" typeface="新細明體"/>
-        <a:font script="Arab" typeface="Arial"/>
-        <a:font script="Hebr" typeface="Arial"/>
-        <a:font script="Thai" typeface="Cordia New"/>
-        <a:font script="Ethi" typeface="Nyala"/>
-        <a:font script="Beng" typeface="Vrinda"/>
-        <a:font script="Gujr" typeface="Shruti"/>
-        <a:font script="Khmr" typeface="DaunPenh"/>
-        <a:font script="Knda" typeface="Tunga"/>
-        <a:font script="Guru" typeface="Raavi"/>
-        <a:font script="Cans" typeface="Euphemia"/>
-        <a:font script="Cher" typeface="Plantagenet Cherokee"/>
-        <a:font script="Yiii" typeface="Microsoft Yi Baiti"/>
-        <a:font script="Tibt" typeface="Microsoft Himalaya"/>
-        <a:font script="Thaa" typeface="MV Boli"/>
-        <a:font script="Deva" typeface="Mangal"/>
-        <a:font script="Telu" typeface="Gautami"/>
-        <a:font script="Taml" typeface="Latha"/>
-        <a:font script="Syrc" typeface="Estrangelo Edessa"/>
-        <a:font script="Orya" typeface="Kalinga"/>
-        <a:font script="Mlym" typeface="Kartika"/>
-        <a:font script="Laoo" typeface="DokChampa"/>
-        <a:font script="Sinh" typeface="Iskoola Pota"/>
-        <a:font script="Mong" typeface="Mongolian Baiti"/>
-        <a:font script="Viet" typeface="Arial"/>
-        <a:font script="Uigh" typeface="Microsoft Uighur"/>
-        <a:font script="Geor" typeface="Sylfaen"/>
-      </a:minorFont>
-    </a:fontScheme>
-    <a:fmtScheme name="Office">
-      <a:fillStyleLst>
-        <a:solidFill>
-          <a:schemeClr val="phClr"/>
-        </a:solidFill>
-        <a:gradFill rotWithShape="1">
-          <a:gsLst>
-            <a:gs pos="0">
-              <a:schemeClr val="phClr">
-                <a:tint val="50000"/>
-                <a:satMod val="300000"/>
-              </a:schemeClr>
-            </a:gs>
-            <a:gs pos="35000">
-              <a:schemeClr val="phClr">
-                <a:tint val="37000"/>
-                <a:satMod val="300000"/>
-              </a:schemeClr>
-            </a:gs>
-            <a:gs pos="100000">
-              <a:schemeClr val="phClr">
-                <a:tint val="15000"/>
-                <a:satMod val="350000"/>
-              </a:schemeClr>
-            </a:gs>
-          </a:gsLst>
-          <a:lin ang="16200000" scaled="1"/>
-        </a:gradFill>
-        <a:gradFill rotWithShape="1">
-          <a:gsLst>
-            <a:gs pos="0">
-              <a:schemeClr val="phClr">
-                <a:tint val="100000"/>
-                <a:shade val="100000"/>
-                <a:satMod val="130000"/>
-              </a:schemeClr>
-            </a:gs>
-            <a:gs pos="100000">
-              <a:schemeClr val="phClr">
-                <a:tint val="50000"/>
-                <a:shade val="100000"/>
-                <a:satMod val="350000"/>
-              </a:schemeClr>
-            </a:gs>
-          </a:gsLst>
-          <a:lin ang="16200000" scaled="0"/>
-        </a:gradFill>
-      </a:fillStyleLst>
-      <a:lnStyleLst>
-        <a:ln w="9525" cap="flat" cmpd="sng" algn="ctr">
-          <a:solidFill>
-            <a:schemeClr val="phClr">
-              <a:shade val="95000"/>
-              <a:satMod val="105000"/>
-            </a:schemeClr>
-          </a:solidFill>
-          <a:prstDash val="solid"/>
-        </a:ln>
-        <a:ln w="25400" cap="flat" cmpd="sng" algn="ctr">
-          <a:solidFill>
-            <a:schemeClr val="phClr"/>
-          </a:solidFill>
-          <a:prstDash val="solid"/>
-        </a:ln>
-        <a:ln w="38100" cap="flat" cmpd="sng" algn="ctr">
-          <a:solidFill>
-            <a:schemeClr val="phClr"/>
-          </a:solidFill>
-          <a:prstDash val="solid"/>
-        </a:ln>
-      </a:lnStyleLst>
-      <a:effectStyleLst>
-        <a:effectStyle>
-          <a:effectLst>
-            <a:outerShdw blurRad="40000" dist="20000" dir="5400000" rotWithShape="0">
-              <a:srgbClr val="000000">
-                <a:alpha val="38000"/>
-              </a:srgbClr>
-            </a:outerShdw>
-          </a:effectLst>
-        </a:effectStyle>
-        <a:effectStyle>
-          <a:effectLst>
-            <a:outerShdw blurRad="40000" dist="23000" dir="5400000" rotWithShape="0">
-              <a:srgbClr val="000000">
-                <a:alpha val="35000"/>
-              </a:srgbClr>
-            </a:outerShdw>
-          </a:effectLst>
-        </a:effectStyle>
-        <a:effectStyle>
-          <a:effectLst>
-            <a:outerShdw blurRad="40000" dist="23000" dir="5400000" rotWithShape="0">
-              <a:srgbClr val="000000">
-                <a:alpha val="35000"/>
-              </a:srgbClr>
-            </a:outerShdw>
-          </a:effectLst>
-          <a:scene3d>
-            <a:camera prst="orthographicFront">
-              <a:rot lat="0" lon="0" rev="0"/>
-            </a:camera>
-            <a:lightRig rig="threePt" dir="t">
-              <a:rot lat="0" lon="0" rev="1200000"/>
-            </a:lightRig>
-          </a:scene3d>
-          <a:sp3d>
-            <a:bevelT w="63500" h="25400"/>
-          </a:sp3d>
-        </a:effectStyle>
-      </a:effectStyleLst>
-      <a:bgFillStyleLst>
-        <a:solidFill>
-          <a:schemeClr val="phClr"/>
-        </a:solidFill>
-        <a:gradFill rotWithShape="1">
-          <a:gsLst>
-            <a:gs pos="0">
-              <a:schemeClr val="phClr">
-                <a:tint val="40000"/>
-                <a:satMod val="350000"/>
-              </a:schemeClr>
-            </a:gs>
-            <a:gs pos="40000">
-              <a:schemeClr val="phClr">
-                <a:tint val="45000"/>
-                <a:shade val="99000"/>
-                <a:satMod val="350000"/>
-              </a:schemeClr>
-            </a:gs>
-            <a:gs pos="100000">
-              <a:schemeClr val="phClr">
-                <a:shade val="20000"/>
-                <a:satMod val="255000"/>
-              </a:schemeClr>
-            </a:gs>
-          </a:gsLst>
-          <a:path path="circle">
-            <a:fillToRect l="50000" t="-80000" r="50000" b="180000"/>
-          </a:path>
-        </a:gradFill>
-        <a:gradFill rotWithShape="1">
-          <a:gsLst>
-            <a:gs pos="0">
-              <a:schemeClr val="phClr">
-                <a:tint val="80000"/>
-                <a:satMod val="300000"/>
-              </a:schemeClr>
-            </a:gs>
-            <a:gs pos="100000">
-              <a:schemeClr val="phClr">
-                <a:shade val="30000"/>
-                <a:satMod val="200000"/>
-              </a:schemeClr>
-            </a:gs>
-          </a:gsLst>
-          <a:path path="circle">
-            <a:fillToRect l="50000" t="50000" r="50000" b="50000"/>
-          </a:path>
-        </a:gradFill>
-      </a:bgFillStyleLst>
-    </a:fmtScheme>
-  </a:themeElements>
+  <a:objectDefaults/>
+  <a:extraClrSchemeLst/>
 </a:theme>
 </file>
--- a/DA_Business/project/p1_survey/项目一：调查问卷数据/survey-project-submission-template.pptx
+++ b/DA_Business/project/p1_survey/项目一：调查问卷数据/survey-project-submission-template.pptx
@@ -16,11 +16,23 @@
   <p:notesSz cx="6858000" cy="9144000"/>
   <p:embeddedFontLst>
     <p:embeddedFont>
-      <p:font typeface="Open Sans" panose="02010600030101010101" charset="0"/>
+      <p:font typeface="等线" panose="02010600030101010101" pitchFamily="2" charset="-122"/>
       <p:regular r:id="rId6"/>
       <p:bold r:id="rId7"/>
-      <p:italic r:id="rId8"/>
-      <p:boldItalic r:id="rId9"/>
+    </p:embeddedFont>
+    <p:embeddedFont>
+      <p:font typeface="Calibri" panose="020F0502020204030204" pitchFamily="34" charset="0"/>
+      <p:regular r:id="rId8"/>
+      <p:bold r:id="rId9"/>
+      <p:italic r:id="rId10"/>
+      <p:boldItalic r:id="rId11"/>
+    </p:embeddedFont>
+    <p:embeddedFont>
+      <p:font typeface="Open Sans" panose="02010600030101010101" charset="0"/>
+      <p:regular r:id="rId12"/>
+      <p:bold r:id="rId13"/>
+      <p:italic r:id="rId14"/>
+      <p:boldItalic r:id="rId15"/>
     </p:embeddedFont>
   </p:embeddedFontLst>
   <p:defaultTextStyle>
@@ -225,7 +237,1392 @@
       </a:defRPr>
     </a:lvl9pPr>
   </p:defaultTextStyle>
+  <p:extLst>
+    <p:ext uri="{EFAFB233-063F-42B5-8137-9DF3F51BA10A}">
+      <p15:sldGuideLst xmlns:p15="http://schemas.microsoft.com/office/powerpoint/2012/main"/>
+    </p:ext>
+  </p:extLst>
 </p:presentation>
+</file>
+
+<file path=ppt/charts/chartEx1.xml><?xml version="1.0" encoding="utf-8"?>
+<cx:chartSpace xmlns:a="http://schemas.openxmlformats.org/drawingml/2006/main" xmlns:r="http://schemas.openxmlformats.org/officeDocument/2006/relationships" xmlns:cx="http://schemas.microsoft.com/office/drawing/2014/chartex">
+  <cx:chartData>
+    <cx:externalData r:id="rId1" cx:autoUpdate="0"/>
+    <cx:data id="0">
+      <cx:numDim type="val">
+        <cx:f>'Q1'!$A$2:$A$755</cx:f>
+        <cx:lvl ptCount="754" formatCode="G/通用格式">
+          <cx:pt idx="0">19</cx:pt>
+          <cx:pt idx="1">20</cx:pt>
+          <cx:pt idx="2">20</cx:pt>
+          <cx:pt idx="3">20</cx:pt>
+          <cx:pt idx="4">21</cx:pt>
+          <cx:pt idx="5">21</cx:pt>
+          <cx:pt idx="6">21</cx:pt>
+          <cx:pt idx="7">21</cx:pt>
+          <cx:pt idx="8">21</cx:pt>
+          <cx:pt idx="9">21</cx:pt>
+          <cx:pt idx="10">21</cx:pt>
+          <cx:pt idx="11">21</cx:pt>
+          <cx:pt idx="12">21</cx:pt>
+          <cx:pt idx="13">21</cx:pt>
+          <cx:pt idx="14">21</cx:pt>
+          <cx:pt idx="15">21</cx:pt>
+          <cx:pt idx="16">22</cx:pt>
+          <cx:pt idx="17">22</cx:pt>
+          <cx:pt idx="18">22</cx:pt>
+          <cx:pt idx="19">22</cx:pt>
+          <cx:pt idx="20">22</cx:pt>
+          <cx:pt idx="21">22</cx:pt>
+          <cx:pt idx="22">22</cx:pt>
+          <cx:pt idx="23">22</cx:pt>
+          <cx:pt idx="24">22</cx:pt>
+          <cx:pt idx="25">22</cx:pt>
+          <cx:pt idx="26">22</cx:pt>
+          <cx:pt idx="27">22</cx:pt>
+          <cx:pt idx="28">22</cx:pt>
+          <cx:pt idx="29">22</cx:pt>
+          <cx:pt idx="30">22</cx:pt>
+          <cx:pt idx="31">22</cx:pt>
+          <cx:pt idx="32">22</cx:pt>
+          <cx:pt idx="33">22</cx:pt>
+          <cx:pt idx="34">22</cx:pt>
+          <cx:pt idx="35">22</cx:pt>
+          <cx:pt idx="36">22</cx:pt>
+          <cx:pt idx="37">22</cx:pt>
+          <cx:pt idx="38">22</cx:pt>
+          <cx:pt idx="39">22</cx:pt>
+          <cx:pt idx="40">22</cx:pt>
+          <cx:pt idx="41">23</cx:pt>
+          <cx:pt idx="42">23</cx:pt>
+          <cx:pt idx="43">23</cx:pt>
+          <cx:pt idx="44">23</cx:pt>
+          <cx:pt idx="45">23</cx:pt>
+          <cx:pt idx="46">23</cx:pt>
+          <cx:pt idx="47">23</cx:pt>
+          <cx:pt idx="48">23</cx:pt>
+          <cx:pt idx="49">23</cx:pt>
+          <cx:pt idx="50">23</cx:pt>
+          <cx:pt idx="51">23</cx:pt>
+          <cx:pt idx="52">23</cx:pt>
+          <cx:pt idx="53">23</cx:pt>
+          <cx:pt idx="54">23</cx:pt>
+          <cx:pt idx="55">23</cx:pt>
+          <cx:pt idx="56">23</cx:pt>
+          <cx:pt idx="57">23</cx:pt>
+          <cx:pt idx="58">23</cx:pt>
+          <cx:pt idx="59">23</cx:pt>
+          <cx:pt idx="60">23</cx:pt>
+          <cx:pt idx="61">23</cx:pt>
+          <cx:pt idx="62">23</cx:pt>
+          <cx:pt idx="63">23</cx:pt>
+          <cx:pt idx="64">23</cx:pt>
+          <cx:pt idx="65">24</cx:pt>
+          <cx:pt idx="66">24</cx:pt>
+          <cx:pt idx="67">24</cx:pt>
+          <cx:pt idx="68">24</cx:pt>
+          <cx:pt idx="69">24</cx:pt>
+          <cx:pt idx="70">24</cx:pt>
+          <cx:pt idx="71">24</cx:pt>
+          <cx:pt idx="72">24</cx:pt>
+          <cx:pt idx="73">24</cx:pt>
+          <cx:pt idx="74">24</cx:pt>
+          <cx:pt idx="75">24</cx:pt>
+          <cx:pt idx="76">24</cx:pt>
+          <cx:pt idx="77">24</cx:pt>
+          <cx:pt idx="78">24</cx:pt>
+          <cx:pt idx="79">24</cx:pt>
+          <cx:pt idx="80">24</cx:pt>
+          <cx:pt idx="81">24</cx:pt>
+          <cx:pt idx="82">24</cx:pt>
+          <cx:pt idx="83">24</cx:pt>
+          <cx:pt idx="84">24</cx:pt>
+          <cx:pt idx="85">24</cx:pt>
+          <cx:pt idx="86">25</cx:pt>
+          <cx:pt idx="87">25</cx:pt>
+          <cx:pt idx="88">25</cx:pt>
+          <cx:pt idx="89">25</cx:pt>
+          <cx:pt idx="90">25</cx:pt>
+          <cx:pt idx="91">25</cx:pt>
+          <cx:pt idx="92">25</cx:pt>
+          <cx:pt idx="93">25</cx:pt>
+          <cx:pt idx="94">25</cx:pt>
+          <cx:pt idx="95">25</cx:pt>
+          <cx:pt idx="96">25</cx:pt>
+          <cx:pt idx="97">25</cx:pt>
+          <cx:pt idx="98">25</cx:pt>
+          <cx:pt idx="99">25</cx:pt>
+          <cx:pt idx="100">25</cx:pt>
+          <cx:pt idx="101">25</cx:pt>
+          <cx:pt idx="102">25</cx:pt>
+          <cx:pt idx="103">25</cx:pt>
+          <cx:pt idx="104">25</cx:pt>
+          <cx:pt idx="105">25</cx:pt>
+          <cx:pt idx="106">25</cx:pt>
+          <cx:pt idx="107">25</cx:pt>
+          <cx:pt idx="108">25</cx:pt>
+          <cx:pt idx="109">25</cx:pt>
+          <cx:pt idx="110">25</cx:pt>
+          <cx:pt idx="111">25</cx:pt>
+          <cx:pt idx="112">25</cx:pt>
+          <cx:pt idx="113">25</cx:pt>
+          <cx:pt idx="114">25</cx:pt>
+          <cx:pt idx="115">25</cx:pt>
+          <cx:pt idx="116">25</cx:pt>
+          <cx:pt idx="117">25</cx:pt>
+          <cx:pt idx="118">25</cx:pt>
+          <cx:pt idx="119">25</cx:pt>
+          <cx:pt idx="120">25</cx:pt>
+          <cx:pt idx="121">26</cx:pt>
+          <cx:pt idx="122">26</cx:pt>
+          <cx:pt idx="123">26</cx:pt>
+          <cx:pt idx="124">26</cx:pt>
+          <cx:pt idx="125">26</cx:pt>
+          <cx:pt idx="126">26</cx:pt>
+          <cx:pt idx="127">26</cx:pt>
+          <cx:pt idx="128">26</cx:pt>
+          <cx:pt idx="129">26</cx:pt>
+          <cx:pt idx="130">26</cx:pt>
+          <cx:pt idx="131">26</cx:pt>
+          <cx:pt idx="132">26</cx:pt>
+          <cx:pt idx="133">26</cx:pt>
+          <cx:pt idx="134">26</cx:pt>
+          <cx:pt idx="135">26</cx:pt>
+          <cx:pt idx="136">26</cx:pt>
+          <cx:pt idx="137">26</cx:pt>
+          <cx:pt idx="138">26</cx:pt>
+          <cx:pt idx="139">26</cx:pt>
+          <cx:pt idx="140">26</cx:pt>
+          <cx:pt idx="141">26</cx:pt>
+          <cx:pt idx="142">26</cx:pt>
+          <cx:pt idx="143">26</cx:pt>
+          <cx:pt idx="144">26</cx:pt>
+          <cx:pt idx="145">26</cx:pt>
+          <cx:pt idx="146">26</cx:pt>
+          <cx:pt idx="147">26</cx:pt>
+          <cx:pt idx="148">26</cx:pt>
+          <cx:pt idx="149">26</cx:pt>
+          <cx:pt idx="150">26</cx:pt>
+          <cx:pt idx="151">26</cx:pt>
+          <cx:pt idx="152">26</cx:pt>
+          <cx:pt idx="153">26</cx:pt>
+          <cx:pt idx="154">26</cx:pt>
+          <cx:pt idx="155">26</cx:pt>
+          <cx:pt idx="156">26</cx:pt>
+          <cx:pt idx="157">26</cx:pt>
+          <cx:pt idx="158">26</cx:pt>
+          <cx:pt idx="159">27</cx:pt>
+          <cx:pt idx="160">27</cx:pt>
+          <cx:pt idx="161">27</cx:pt>
+          <cx:pt idx="162">27</cx:pt>
+          <cx:pt idx="163">27</cx:pt>
+          <cx:pt idx="164">27</cx:pt>
+          <cx:pt idx="165">27</cx:pt>
+          <cx:pt idx="166">27</cx:pt>
+          <cx:pt idx="167">27</cx:pt>
+          <cx:pt idx="168">27</cx:pt>
+          <cx:pt idx="169">27</cx:pt>
+          <cx:pt idx="170">27</cx:pt>
+          <cx:pt idx="171">27</cx:pt>
+          <cx:pt idx="172">27</cx:pt>
+          <cx:pt idx="173">27</cx:pt>
+          <cx:pt idx="174">27</cx:pt>
+          <cx:pt idx="175">27</cx:pt>
+          <cx:pt idx="176">27</cx:pt>
+          <cx:pt idx="177">27</cx:pt>
+          <cx:pt idx="178">27</cx:pt>
+          <cx:pt idx="179">27</cx:pt>
+          <cx:pt idx="180">27</cx:pt>
+          <cx:pt idx="181">27</cx:pt>
+          <cx:pt idx="182">27</cx:pt>
+          <cx:pt idx="183">27</cx:pt>
+          <cx:pt idx="184">27</cx:pt>
+          <cx:pt idx="185">27</cx:pt>
+          <cx:pt idx="186">27</cx:pt>
+          <cx:pt idx="187">27</cx:pt>
+          <cx:pt idx="188">27</cx:pt>
+          <cx:pt idx="189">27</cx:pt>
+          <cx:pt idx="190">27</cx:pt>
+          <cx:pt idx="191">27</cx:pt>
+          <cx:pt idx="192">28</cx:pt>
+          <cx:pt idx="193">28</cx:pt>
+          <cx:pt idx="194">28</cx:pt>
+          <cx:pt idx="195">28</cx:pt>
+          <cx:pt idx="196">28</cx:pt>
+          <cx:pt idx="197">28</cx:pt>
+          <cx:pt idx="198">28</cx:pt>
+          <cx:pt idx="199">28</cx:pt>
+          <cx:pt idx="200">28</cx:pt>
+          <cx:pt idx="201">28</cx:pt>
+          <cx:pt idx="202">28</cx:pt>
+          <cx:pt idx="203">28</cx:pt>
+          <cx:pt idx="204">28</cx:pt>
+          <cx:pt idx="205">28</cx:pt>
+          <cx:pt idx="206">28</cx:pt>
+          <cx:pt idx="207">28</cx:pt>
+          <cx:pt idx="208">28</cx:pt>
+          <cx:pt idx="209">28</cx:pt>
+          <cx:pt idx="210">28</cx:pt>
+          <cx:pt idx="211">28</cx:pt>
+          <cx:pt idx="212">28</cx:pt>
+          <cx:pt idx="213">28</cx:pt>
+          <cx:pt idx="214">28</cx:pt>
+          <cx:pt idx="215">28</cx:pt>
+          <cx:pt idx="216">28</cx:pt>
+          <cx:pt idx="217">28</cx:pt>
+          <cx:pt idx="218">28</cx:pt>
+          <cx:pt idx="219">28</cx:pt>
+          <cx:pt idx="220">28</cx:pt>
+          <cx:pt idx="221">28</cx:pt>
+          <cx:pt idx="222">28</cx:pt>
+          <cx:pt idx="223">28</cx:pt>
+          <cx:pt idx="224">28</cx:pt>
+          <cx:pt idx="225">28</cx:pt>
+          <cx:pt idx="226">28</cx:pt>
+          <cx:pt idx="227">28</cx:pt>
+          <cx:pt idx="228">28</cx:pt>
+          <cx:pt idx="229">28</cx:pt>
+          <cx:pt idx="230">28</cx:pt>
+          <cx:pt idx="231">29</cx:pt>
+          <cx:pt idx="232">29</cx:pt>
+          <cx:pt idx="233">29</cx:pt>
+          <cx:pt idx="234">29</cx:pt>
+          <cx:pt idx="235">29</cx:pt>
+          <cx:pt idx="236">29</cx:pt>
+          <cx:pt idx="237">29</cx:pt>
+          <cx:pt idx="238">29</cx:pt>
+          <cx:pt idx="239">29</cx:pt>
+          <cx:pt idx="240">29</cx:pt>
+          <cx:pt idx="241">29</cx:pt>
+          <cx:pt idx="242">29</cx:pt>
+          <cx:pt idx="243">29</cx:pt>
+          <cx:pt idx="244">29</cx:pt>
+          <cx:pt idx="245">29</cx:pt>
+          <cx:pt idx="246">29</cx:pt>
+          <cx:pt idx="247">29</cx:pt>
+          <cx:pt idx="248">29</cx:pt>
+          <cx:pt idx="249">29</cx:pt>
+          <cx:pt idx="250">29</cx:pt>
+          <cx:pt idx="251">29</cx:pt>
+          <cx:pt idx="252">29</cx:pt>
+          <cx:pt idx="253">29</cx:pt>
+          <cx:pt idx="254">29</cx:pt>
+          <cx:pt idx="255">29</cx:pt>
+          <cx:pt idx="256">29</cx:pt>
+          <cx:pt idx="257">29</cx:pt>
+          <cx:pt idx="258">29</cx:pt>
+          <cx:pt idx="259">29</cx:pt>
+          <cx:pt idx="260">29</cx:pt>
+          <cx:pt idx="261">29</cx:pt>
+          <cx:pt idx="262">29</cx:pt>
+          <cx:pt idx="263">29</cx:pt>
+          <cx:pt idx="264">29</cx:pt>
+          <cx:pt idx="265">29</cx:pt>
+          <cx:pt idx="266">29</cx:pt>
+          <cx:pt idx="267">29</cx:pt>
+          <cx:pt idx="268">29</cx:pt>
+          <cx:pt idx="269">29</cx:pt>
+          <cx:pt idx="270">29</cx:pt>
+          <cx:pt idx="271">29</cx:pt>
+          <cx:pt idx="272">29</cx:pt>
+          <cx:pt idx="273">29</cx:pt>
+          <cx:pt idx="274">30</cx:pt>
+          <cx:pt idx="275">30</cx:pt>
+          <cx:pt idx="276">30</cx:pt>
+          <cx:pt idx="277">30</cx:pt>
+          <cx:pt idx="278">30</cx:pt>
+          <cx:pt idx="279">30</cx:pt>
+          <cx:pt idx="280">30</cx:pt>
+          <cx:pt idx="281">30</cx:pt>
+          <cx:pt idx="282">30</cx:pt>
+          <cx:pt idx="283">30</cx:pt>
+          <cx:pt idx="284">30</cx:pt>
+          <cx:pt idx="285">30</cx:pt>
+          <cx:pt idx="286">30</cx:pt>
+          <cx:pt idx="287">30</cx:pt>
+          <cx:pt idx="288">30</cx:pt>
+          <cx:pt idx="289">30</cx:pt>
+          <cx:pt idx="290">30</cx:pt>
+          <cx:pt idx="291">30</cx:pt>
+          <cx:pt idx="292">30</cx:pt>
+          <cx:pt idx="293">30</cx:pt>
+          <cx:pt idx="294">30</cx:pt>
+          <cx:pt idx="295">30</cx:pt>
+          <cx:pt idx="296">30</cx:pt>
+          <cx:pt idx="297">30</cx:pt>
+          <cx:pt idx="298">30</cx:pt>
+          <cx:pt idx="299">30</cx:pt>
+          <cx:pt idx="300">30</cx:pt>
+          <cx:pt idx="301">30</cx:pt>
+          <cx:pt idx="302">30</cx:pt>
+          <cx:pt idx="303">30</cx:pt>
+          <cx:pt idx="304">30</cx:pt>
+          <cx:pt idx="305">30</cx:pt>
+          <cx:pt idx="306">30</cx:pt>
+          <cx:pt idx="307">30</cx:pt>
+          <cx:pt idx="308">30</cx:pt>
+          <cx:pt idx="309">30</cx:pt>
+          <cx:pt idx="310">31</cx:pt>
+          <cx:pt idx="311">31</cx:pt>
+          <cx:pt idx="312">31</cx:pt>
+          <cx:pt idx="313">31</cx:pt>
+          <cx:pt idx="314">31</cx:pt>
+          <cx:pt idx="315">31</cx:pt>
+          <cx:pt idx="316">31</cx:pt>
+          <cx:pt idx="317">31</cx:pt>
+          <cx:pt idx="318">31</cx:pt>
+          <cx:pt idx="319">31</cx:pt>
+          <cx:pt idx="320">31</cx:pt>
+          <cx:pt idx="321">31</cx:pt>
+          <cx:pt idx="322">31</cx:pt>
+          <cx:pt idx="323">31</cx:pt>
+          <cx:pt idx="324">31</cx:pt>
+          <cx:pt idx="325">31</cx:pt>
+          <cx:pt idx="326">31</cx:pt>
+          <cx:pt idx="327">31</cx:pt>
+          <cx:pt idx="328">31</cx:pt>
+          <cx:pt idx="329">31</cx:pt>
+          <cx:pt idx="330">31</cx:pt>
+          <cx:pt idx="331">31</cx:pt>
+          <cx:pt idx="332">31</cx:pt>
+          <cx:pt idx="333">31</cx:pt>
+          <cx:pt idx="334">31</cx:pt>
+          <cx:pt idx="335">31</cx:pt>
+          <cx:pt idx="336">31</cx:pt>
+          <cx:pt idx="337">31</cx:pt>
+          <cx:pt idx="338">31</cx:pt>
+          <cx:pt idx="339">31</cx:pt>
+          <cx:pt idx="340">31</cx:pt>
+          <cx:pt idx="341">31</cx:pt>
+          <cx:pt idx="342">31</cx:pt>
+          <cx:pt idx="343">31</cx:pt>
+          <cx:pt idx="344">31</cx:pt>
+          <cx:pt idx="345">31</cx:pt>
+          <cx:pt idx="346">31</cx:pt>
+          <cx:pt idx="347">31</cx:pt>
+          <cx:pt idx="348">31</cx:pt>
+          <cx:pt idx="349">31</cx:pt>
+          <cx:pt idx="350">31</cx:pt>
+          <cx:pt idx="351">32</cx:pt>
+          <cx:pt idx="352">32</cx:pt>
+          <cx:pt idx="353">32</cx:pt>
+          <cx:pt idx="354">32</cx:pt>
+          <cx:pt idx="355">32</cx:pt>
+          <cx:pt idx="356">32</cx:pt>
+          <cx:pt idx="357">32</cx:pt>
+          <cx:pt idx="358">32</cx:pt>
+          <cx:pt idx="359">32</cx:pt>
+          <cx:pt idx="360">32</cx:pt>
+          <cx:pt idx="361">32</cx:pt>
+          <cx:pt idx="362">32</cx:pt>
+          <cx:pt idx="363">32</cx:pt>
+          <cx:pt idx="364">32</cx:pt>
+          <cx:pt idx="365">32</cx:pt>
+          <cx:pt idx="366">32</cx:pt>
+          <cx:pt idx="367">32</cx:pt>
+          <cx:pt idx="368">32</cx:pt>
+          <cx:pt idx="369">32</cx:pt>
+          <cx:pt idx="370">32</cx:pt>
+          <cx:pt idx="371">32</cx:pt>
+          <cx:pt idx="372">32</cx:pt>
+          <cx:pt idx="373">32</cx:pt>
+          <cx:pt idx="374">32</cx:pt>
+          <cx:pt idx="375">32</cx:pt>
+          <cx:pt idx="376">32</cx:pt>
+          <cx:pt idx="377">32</cx:pt>
+          <cx:pt idx="378">32</cx:pt>
+          <cx:pt idx="379">32</cx:pt>
+          <cx:pt idx="380">32</cx:pt>
+          <cx:pt idx="381">33</cx:pt>
+          <cx:pt idx="382">33</cx:pt>
+          <cx:pt idx="383">33</cx:pt>
+          <cx:pt idx="384">33</cx:pt>
+          <cx:pt idx="385">33</cx:pt>
+          <cx:pt idx="386">33</cx:pt>
+          <cx:pt idx="387">33</cx:pt>
+          <cx:pt idx="388">33</cx:pt>
+          <cx:pt idx="389">33</cx:pt>
+          <cx:pt idx="390">33</cx:pt>
+          <cx:pt idx="391">33</cx:pt>
+          <cx:pt idx="392">33</cx:pt>
+          <cx:pt idx="393">33</cx:pt>
+          <cx:pt idx="394">33</cx:pt>
+          <cx:pt idx="395">33</cx:pt>
+          <cx:pt idx="396">33</cx:pt>
+          <cx:pt idx="397">33</cx:pt>
+          <cx:pt idx="398">33</cx:pt>
+          <cx:pt idx="399">33</cx:pt>
+          <cx:pt idx="400">33</cx:pt>
+          <cx:pt idx="401">33</cx:pt>
+          <cx:pt idx="402">33</cx:pt>
+          <cx:pt idx="403">33</cx:pt>
+          <cx:pt idx="404">33</cx:pt>
+          <cx:pt idx="405">33</cx:pt>
+          <cx:pt idx="406">33</cx:pt>
+          <cx:pt idx="407">33</cx:pt>
+          <cx:pt idx="408">33</cx:pt>
+          <cx:pt idx="409">33</cx:pt>
+          <cx:pt idx="410">33</cx:pt>
+          <cx:pt idx="411">33</cx:pt>
+          <cx:pt idx="412">33</cx:pt>
+          <cx:pt idx="413">34</cx:pt>
+          <cx:pt idx="414">34</cx:pt>
+          <cx:pt idx="415">34</cx:pt>
+          <cx:pt idx="416">34</cx:pt>
+          <cx:pt idx="417">34</cx:pt>
+          <cx:pt idx="418">34</cx:pt>
+          <cx:pt idx="419">34</cx:pt>
+          <cx:pt idx="420">34</cx:pt>
+          <cx:pt idx="421">34</cx:pt>
+          <cx:pt idx="422">34</cx:pt>
+          <cx:pt idx="423">34</cx:pt>
+          <cx:pt idx="424">34</cx:pt>
+          <cx:pt idx="425">34</cx:pt>
+          <cx:pt idx="426">34</cx:pt>
+          <cx:pt idx="427">34</cx:pt>
+          <cx:pt idx="428">34</cx:pt>
+          <cx:pt idx="429">34</cx:pt>
+          <cx:pt idx="430">34</cx:pt>
+          <cx:pt idx="431">34</cx:pt>
+          <cx:pt idx="432">34</cx:pt>
+          <cx:pt idx="433">34</cx:pt>
+          <cx:pt idx="434">34</cx:pt>
+          <cx:pt idx="435">34</cx:pt>
+          <cx:pt idx="436">34</cx:pt>
+          <cx:pt idx="437">34</cx:pt>
+          <cx:pt idx="438">35</cx:pt>
+          <cx:pt idx="439">35</cx:pt>
+          <cx:pt idx="440">35</cx:pt>
+          <cx:pt idx="441">35</cx:pt>
+          <cx:pt idx="442">35</cx:pt>
+          <cx:pt idx="443">35</cx:pt>
+          <cx:pt idx="444">35</cx:pt>
+          <cx:pt idx="445">35</cx:pt>
+          <cx:pt idx="446">35</cx:pt>
+          <cx:pt idx="447">35</cx:pt>
+          <cx:pt idx="448">35</cx:pt>
+          <cx:pt idx="449">35</cx:pt>
+          <cx:pt idx="450">35</cx:pt>
+          <cx:pt idx="451">35</cx:pt>
+          <cx:pt idx="452">35</cx:pt>
+          <cx:pt idx="453">35</cx:pt>
+          <cx:pt idx="454">35</cx:pt>
+          <cx:pt idx="455">35</cx:pt>
+          <cx:pt idx="456">35</cx:pt>
+          <cx:pt idx="457">35</cx:pt>
+          <cx:pt idx="458">35</cx:pt>
+          <cx:pt idx="459">35</cx:pt>
+          <cx:pt idx="460">35</cx:pt>
+          <cx:pt idx="461">35</cx:pt>
+          <cx:pt idx="462">35</cx:pt>
+          <cx:pt idx="463">35</cx:pt>
+          <cx:pt idx="464">35</cx:pt>
+          <cx:pt idx="465">35</cx:pt>
+          <cx:pt idx="466">35</cx:pt>
+          <cx:pt idx="467">35</cx:pt>
+          <cx:pt idx="468">35</cx:pt>
+          <cx:pt idx="469">35</cx:pt>
+          <cx:pt idx="470">36</cx:pt>
+          <cx:pt idx="471">36</cx:pt>
+          <cx:pt idx="472">36</cx:pt>
+          <cx:pt idx="473">36</cx:pt>
+          <cx:pt idx="474">36</cx:pt>
+          <cx:pt idx="475">36</cx:pt>
+          <cx:pt idx="476">36</cx:pt>
+          <cx:pt idx="477">36</cx:pt>
+          <cx:pt idx="478">36</cx:pt>
+          <cx:pt idx="479">36</cx:pt>
+          <cx:pt idx="480">36</cx:pt>
+          <cx:pt idx="481">36</cx:pt>
+          <cx:pt idx="482">36</cx:pt>
+          <cx:pt idx="483">36</cx:pt>
+          <cx:pt idx="484">36</cx:pt>
+          <cx:pt idx="485">36</cx:pt>
+          <cx:pt idx="486">36</cx:pt>
+          <cx:pt idx="487">36</cx:pt>
+          <cx:pt idx="488">36</cx:pt>
+          <cx:pt idx="489">36</cx:pt>
+          <cx:pt idx="490">36</cx:pt>
+          <cx:pt idx="491">36</cx:pt>
+          <cx:pt idx="492">36</cx:pt>
+          <cx:pt idx="493">36</cx:pt>
+          <cx:pt idx="494">36</cx:pt>
+          <cx:pt idx="495">36</cx:pt>
+          <cx:pt idx="496">36</cx:pt>
+          <cx:pt idx="497">36</cx:pt>
+          <cx:pt idx="498">36</cx:pt>
+          <cx:pt idx="499">36</cx:pt>
+          <cx:pt idx="500">36</cx:pt>
+          <cx:pt idx="501">36</cx:pt>
+          <cx:pt idx="502">37</cx:pt>
+          <cx:pt idx="503">37</cx:pt>
+          <cx:pt idx="504">37</cx:pt>
+          <cx:pt idx="505">37</cx:pt>
+          <cx:pt idx="506">37</cx:pt>
+          <cx:pt idx="507">37</cx:pt>
+          <cx:pt idx="508">37</cx:pt>
+          <cx:pt idx="509">37</cx:pt>
+          <cx:pt idx="510">37</cx:pt>
+          <cx:pt idx="511">37</cx:pt>
+          <cx:pt idx="512">37</cx:pt>
+          <cx:pt idx="513">37</cx:pt>
+          <cx:pt idx="514">37</cx:pt>
+          <cx:pt idx="515">37</cx:pt>
+          <cx:pt idx="516">37</cx:pt>
+          <cx:pt idx="517">37</cx:pt>
+          <cx:pt idx="518">37</cx:pt>
+          <cx:pt idx="519">37</cx:pt>
+          <cx:pt idx="520">37</cx:pt>
+          <cx:pt idx="521">37</cx:pt>
+          <cx:pt idx="522">37</cx:pt>
+          <cx:pt idx="523">37</cx:pt>
+          <cx:pt idx="524">37</cx:pt>
+          <cx:pt idx="525">37</cx:pt>
+          <cx:pt idx="526">37</cx:pt>
+          <cx:pt idx="527">37</cx:pt>
+          <cx:pt idx="528">37</cx:pt>
+          <cx:pt idx="529">37</cx:pt>
+          <cx:pt idx="530">37</cx:pt>
+          <cx:pt idx="531">37</cx:pt>
+          <cx:pt idx="532">37</cx:pt>
+          <cx:pt idx="533">38</cx:pt>
+          <cx:pt idx="534">38</cx:pt>
+          <cx:pt idx="535">38</cx:pt>
+          <cx:pt idx="536">38</cx:pt>
+          <cx:pt idx="537">38</cx:pt>
+          <cx:pt idx="538">38</cx:pt>
+          <cx:pt idx="539">38</cx:pt>
+          <cx:pt idx="540">38</cx:pt>
+          <cx:pt idx="541">38</cx:pt>
+          <cx:pt idx="542">38</cx:pt>
+          <cx:pt idx="543">38</cx:pt>
+          <cx:pt idx="544">38</cx:pt>
+          <cx:pt idx="545">38</cx:pt>
+          <cx:pt idx="546">38</cx:pt>
+          <cx:pt idx="547">38</cx:pt>
+          <cx:pt idx="548">38</cx:pt>
+          <cx:pt idx="549">38</cx:pt>
+          <cx:pt idx="550">38</cx:pt>
+          <cx:pt idx="551">38</cx:pt>
+          <cx:pt idx="552">39</cx:pt>
+          <cx:pt idx="553">39</cx:pt>
+          <cx:pt idx="554">39</cx:pt>
+          <cx:pt idx="555">39</cx:pt>
+          <cx:pt idx="556">39</cx:pt>
+          <cx:pt idx="557">39</cx:pt>
+          <cx:pt idx="558">39</cx:pt>
+          <cx:pt idx="559">39</cx:pt>
+          <cx:pt idx="560">39</cx:pt>
+          <cx:pt idx="561">39</cx:pt>
+          <cx:pt idx="562">39</cx:pt>
+          <cx:pt idx="563">39</cx:pt>
+          <cx:pt idx="564">39</cx:pt>
+          <cx:pt idx="565">39</cx:pt>
+          <cx:pt idx="566">39</cx:pt>
+          <cx:pt idx="567">39</cx:pt>
+          <cx:pt idx="568">39</cx:pt>
+          <cx:pt idx="569">39</cx:pt>
+          <cx:pt idx="570">39</cx:pt>
+          <cx:pt idx="571">39</cx:pt>
+          <cx:pt idx="572">39</cx:pt>
+          <cx:pt idx="573">39</cx:pt>
+          <cx:pt idx="574">39</cx:pt>
+          <cx:pt idx="575">40</cx:pt>
+          <cx:pt idx="576">40</cx:pt>
+          <cx:pt idx="577">40</cx:pt>
+          <cx:pt idx="578">40</cx:pt>
+          <cx:pt idx="579">40</cx:pt>
+          <cx:pt idx="580">40</cx:pt>
+          <cx:pt idx="581">40</cx:pt>
+          <cx:pt idx="582">40</cx:pt>
+          <cx:pt idx="583">40</cx:pt>
+          <cx:pt idx="584">40</cx:pt>
+          <cx:pt idx="585">40</cx:pt>
+          <cx:pt idx="586">41</cx:pt>
+          <cx:pt idx="587">41</cx:pt>
+          <cx:pt idx="588">41</cx:pt>
+          <cx:pt idx="589">41</cx:pt>
+          <cx:pt idx="590">41</cx:pt>
+          <cx:pt idx="591">41</cx:pt>
+          <cx:pt idx="592">41</cx:pt>
+          <cx:pt idx="593">41</cx:pt>
+          <cx:pt idx="594">41</cx:pt>
+          <cx:pt idx="595">41</cx:pt>
+          <cx:pt idx="596">41</cx:pt>
+          <cx:pt idx="597">41</cx:pt>
+          <cx:pt idx="598">41</cx:pt>
+          <cx:pt idx="599">41</cx:pt>
+          <cx:pt idx="600">42</cx:pt>
+          <cx:pt idx="601">42</cx:pt>
+          <cx:pt idx="602">42</cx:pt>
+          <cx:pt idx="603">42</cx:pt>
+          <cx:pt idx="604">42</cx:pt>
+          <cx:pt idx="605">42</cx:pt>
+          <cx:pt idx="606">42</cx:pt>
+          <cx:pt idx="607">42</cx:pt>
+          <cx:pt idx="608">42</cx:pt>
+          <cx:pt idx="609">42</cx:pt>
+          <cx:pt idx="610">42</cx:pt>
+          <cx:pt idx="611">42</cx:pt>
+          <cx:pt idx="612">43</cx:pt>
+          <cx:pt idx="613">43</cx:pt>
+          <cx:pt idx="614">43</cx:pt>
+          <cx:pt idx="615">43</cx:pt>
+          <cx:pt idx="616">43</cx:pt>
+          <cx:pt idx="617">43</cx:pt>
+          <cx:pt idx="618">43</cx:pt>
+          <cx:pt idx="619">44</cx:pt>
+          <cx:pt idx="620">44</cx:pt>
+          <cx:pt idx="621">44</cx:pt>
+          <cx:pt idx="622">44</cx:pt>
+          <cx:pt idx="623">44</cx:pt>
+          <cx:pt idx="624">44</cx:pt>
+          <cx:pt idx="625">44</cx:pt>
+          <cx:pt idx="626">44</cx:pt>
+          <cx:pt idx="627">44</cx:pt>
+          <cx:pt idx="628">44</cx:pt>
+          <cx:pt idx="629">44</cx:pt>
+          <cx:pt idx="630">44</cx:pt>
+          <cx:pt idx="631">44</cx:pt>
+          <cx:pt idx="632">44</cx:pt>
+          <cx:pt idx="633">45</cx:pt>
+          <cx:pt idx="634">45</cx:pt>
+          <cx:pt idx="635">45</cx:pt>
+          <cx:pt idx="636">45</cx:pt>
+          <cx:pt idx="637">45</cx:pt>
+          <cx:pt idx="638">45</cx:pt>
+          <cx:pt idx="639">45</cx:pt>
+          <cx:pt idx="640">45</cx:pt>
+          <cx:pt idx="641">45</cx:pt>
+          <cx:pt idx="642">45</cx:pt>
+          <cx:pt idx="643">46</cx:pt>
+          <cx:pt idx="644">46</cx:pt>
+          <cx:pt idx="645">46</cx:pt>
+          <cx:pt idx="646">46</cx:pt>
+          <cx:pt idx="647">46</cx:pt>
+          <cx:pt idx="648">46</cx:pt>
+          <cx:pt idx="649">46</cx:pt>
+          <cx:pt idx="650">47</cx:pt>
+          <cx:pt idx="651">47</cx:pt>
+          <cx:pt idx="652">47</cx:pt>
+          <cx:pt idx="653">47</cx:pt>
+          <cx:pt idx="654">47</cx:pt>
+          <cx:pt idx="655">48</cx:pt>
+          <cx:pt idx="656">48</cx:pt>
+          <cx:pt idx="657">48</cx:pt>
+          <cx:pt idx="658">48</cx:pt>
+          <cx:pt idx="659">48</cx:pt>
+          <cx:pt idx="660">49</cx:pt>
+          <cx:pt idx="661">49</cx:pt>
+          <cx:pt idx="662">49</cx:pt>
+          <cx:pt idx="663">49</cx:pt>
+          <cx:pt idx="664">49</cx:pt>
+          <cx:pt idx="665">49</cx:pt>
+          <cx:pt idx="666">49</cx:pt>
+          <cx:pt idx="667">49</cx:pt>
+          <cx:pt idx="668">50</cx:pt>
+          <cx:pt idx="669">50</cx:pt>
+          <cx:pt idx="670">51</cx:pt>
+          <cx:pt idx="671">51</cx:pt>
+          <cx:pt idx="672">51</cx:pt>
+          <cx:pt idx="673">51</cx:pt>
+          <cx:pt idx="674">52</cx:pt>
+          <cx:pt idx="675">52</cx:pt>
+          <cx:pt idx="676">52</cx:pt>
+          <cx:pt idx="677">53</cx:pt>
+          <cx:pt idx="678">53</cx:pt>
+          <cx:pt idx="679">53</cx:pt>
+          <cx:pt idx="680">54</cx:pt>
+          <cx:pt idx="681">54</cx:pt>
+          <cx:pt idx="682">55</cx:pt>
+          <cx:pt idx="683">55</cx:pt>
+          <cx:pt idx="684">55</cx:pt>
+          <cx:pt idx="685">56</cx:pt>
+          <cx:pt idx="686">56</cx:pt>
+          <cx:pt idx="687">56</cx:pt>
+          <cx:pt idx="688">56</cx:pt>
+          <cx:pt idx="689">57</cx:pt>
+          <cx:pt idx="690">57</cx:pt>
+          <cx:pt idx="691">57</cx:pt>
+          <cx:pt idx="692">58</cx:pt>
+          <cx:pt idx="693">58</cx:pt>
+          <cx:pt idx="694">59</cx:pt>
+          <cx:pt idx="695">59</cx:pt>
+          <cx:pt idx="696">63</cx:pt>
+          <cx:pt idx="697">65</cx:pt>
+          <cx:pt idx="698">65</cx:pt>
+          <cx:pt idx="699">78</cx:pt>
+        </cx:lvl>
+      </cx:numDim>
+    </cx:data>
+  </cx:chartData>
+  <cx:chart>
+    <cx:title pos="t" align="ctr" overlay="0">
+      <cx:tx>
+        <cx:rich>
+          <a:bodyPr spcFirstLastPara="1" vertOverflow="ellipsis" horzOverflow="overflow" wrap="square" lIns="0" tIns="0" rIns="0" bIns="0" anchor="ctr" anchorCtr="1"/>
+          <a:lstStyle/>
+          <a:p>
+            <a:pPr algn="ctr" rtl="0">
+              <a:defRPr/>
+            </a:pPr>
+            <a:r>
+              <a:rPr lang="zh-CN" altLang="en-US" sz="1400" b="0" i="0" u="none" strike="noStrike" baseline="0" dirty="0">
+                <a:solidFill>
+                  <a:srgbClr val="000000">
+                    <a:lumMod val="65000"/>
+                    <a:lumOff val="35000"/>
+                  </a:srgbClr>
+                </a:solidFill>
+                <a:latin typeface="Arial"/>
+                <a:ea typeface="宋体" panose="02010600030101010101" pitchFamily="2" charset="-122"/>
+              </a:rPr>
+              <a:t>学员年龄分布直方图</a:t>
+            </a:r>
+          </a:p>
+        </cx:rich>
+      </cx:tx>
+    </cx:title>
+    <cx:plotArea>
+      <cx:plotAreaRegion>
+        <cx:series layoutId="clusteredColumn" uniqueId="{50B7335E-C15D-4400-B0A8-11C54A9DB2CF}">
+          <cx:tx>
+            <cx:txData>
+              <cx:f>'Q1'!$A$1</cx:f>
+              <cx:v>age</cx:v>
+            </cx:txData>
+          </cx:tx>
+          <cx:spPr>
+            <a:solidFill>
+              <a:schemeClr val="bg1">
+                <a:lumMod val="65000"/>
+              </a:schemeClr>
+            </a:solidFill>
+          </cx:spPr>
+          <cx:dataLabels pos="inEnd">
+            <cx:visibility seriesName="0" categoryName="0" value="1"/>
+          </cx:dataLabels>
+          <cx:dataId val="0"/>
+          <cx:layoutPr>
+            <cx:binning intervalClosed="r">
+              <cx:binSize val="3"/>
+            </cx:binning>
+          </cx:layoutPr>
+        </cx:series>
+      </cx:plotAreaRegion>
+      <cx:axis id="0">
+        <cx:catScaling gapWidth="0"/>
+        <cx:title>
+          <cx:tx>
+            <cx:rich>
+              <a:bodyPr spcFirstLastPara="1" vertOverflow="ellipsis" horzOverflow="overflow" wrap="square" lIns="0" tIns="0" rIns="0" bIns="0" anchor="ctr" anchorCtr="1"/>
+              <a:lstStyle/>
+              <a:p>
+                <a:pPr algn="ctr" rtl="0">
+                  <a:defRPr/>
+                </a:pPr>
+                <a:r>
+                  <a:rPr lang="zh-CN" altLang="en-US" sz="900" b="0" i="0" u="none" strike="noStrike" baseline="0" dirty="0">
+                    <a:solidFill>
+                      <a:srgbClr val="000000">
+                        <a:lumMod val="65000"/>
+                        <a:lumOff val="35000"/>
+                      </a:srgbClr>
+                    </a:solidFill>
+                    <a:latin typeface="Arial"/>
+                    <a:ea typeface="宋体" panose="02010600030101010101" pitchFamily="2" charset="-122"/>
+                  </a:rPr>
+                  <a:t>年龄</a:t>
+                </a:r>
+              </a:p>
+            </cx:rich>
+          </cx:tx>
+        </cx:title>
+        <cx:tickLabels/>
+      </cx:axis>
+      <cx:axis id="1">
+        <cx:valScaling/>
+        <cx:title>
+          <cx:tx>
+            <cx:rich>
+              <a:bodyPr spcFirstLastPara="1" vertOverflow="ellipsis" horzOverflow="overflow" wrap="square" lIns="0" tIns="0" rIns="0" bIns="0" anchor="ctr" anchorCtr="1"/>
+              <a:lstStyle/>
+              <a:p>
+                <a:pPr algn="ctr" rtl="0">
+                  <a:defRPr/>
+                </a:pPr>
+                <a:r>
+                  <a:rPr lang="zh-CN" altLang="en-US" sz="900" b="0" i="0" u="none" strike="noStrike" baseline="0" dirty="0">
+                    <a:solidFill>
+                      <a:srgbClr val="000000">
+                        <a:lumMod val="65000"/>
+                        <a:lumOff val="35000"/>
+                      </a:srgbClr>
+                    </a:solidFill>
+                    <a:latin typeface="Arial"/>
+                    <a:ea typeface="宋体" panose="02010600030101010101" pitchFamily="2" charset="-122"/>
+                  </a:rPr>
+                  <a:t>人数</a:t>
+                </a:r>
+              </a:p>
+            </cx:rich>
+          </cx:tx>
+        </cx:title>
+        <cx:majorGridlines/>
+        <cx:tickLabels/>
+      </cx:axis>
+    </cx:plotArea>
+  </cx:chart>
+</cx:chartSpace>
+</file>
+
+<file path=ppt/charts/colors1.xml><?xml version="1.0" encoding="utf-8"?>
+<cs:colorStyle xmlns:cs="http://schemas.microsoft.com/office/drawing/2012/chartStyle" xmlns:a="http://schemas.openxmlformats.org/drawingml/2006/main" meth="cycle" id="10">
+  <a:schemeClr val="accent1"/>
+  <a:schemeClr val="accent2"/>
+  <a:schemeClr val="accent3"/>
+  <a:schemeClr val="accent4"/>
+  <a:schemeClr val="accent5"/>
+  <a:schemeClr val="accent6"/>
+  <cs:variation/>
+  <cs:variation>
+    <a:lumMod val="60000"/>
+  </cs:variation>
+  <cs:variation>
+    <a:lumMod val="80000"/>
+    <a:lumOff val="20000"/>
+  </cs:variation>
+  <cs:variation>
+    <a:lumMod val="80000"/>
+  </cs:variation>
+  <cs:variation>
+    <a:lumMod val="60000"/>
+    <a:lumOff val="40000"/>
+  </cs:variation>
+  <cs:variation>
+    <a:lumMod val="50000"/>
+  </cs:variation>
+  <cs:variation>
+    <a:lumMod val="70000"/>
+    <a:lumOff val="30000"/>
+  </cs:variation>
+  <cs:variation>
+    <a:lumMod val="70000"/>
+  </cs:variation>
+  <cs:variation>
+    <a:lumMod val="50000"/>
+    <a:lumOff val="50000"/>
+  </cs:variation>
+</cs:colorStyle>
+</file>
+
+<file path=ppt/charts/style1.xml><?xml version="1.0" encoding="utf-8"?>
+<cs:chartStyle xmlns:cs="http://schemas.microsoft.com/office/drawing/2012/chartStyle" xmlns:a="http://schemas.openxmlformats.org/drawingml/2006/main" id="366">
+  <cs:axisTitle>
+    <cs:lnRef idx="0"/>
+    <cs:fillRef idx="0"/>
+    <cs:effectRef idx="0"/>
+    <cs:fontRef idx="minor">
+      <a:schemeClr val="tx1">
+        <a:lumMod val="65000"/>
+        <a:lumOff val="35000"/>
+      </a:schemeClr>
+    </cs:fontRef>
+    <cs:defRPr sz="900"/>
+  </cs:axisTitle>
+  <cs:categoryAxis>
+    <cs:lnRef idx="0"/>
+    <cs:fillRef idx="0"/>
+    <cs:effectRef idx="0"/>
+    <cs:fontRef idx="minor">
+      <a:schemeClr val="tx1">
+        <a:lumMod val="65000"/>
+        <a:lumOff val="35000"/>
+      </a:schemeClr>
+    </cs:fontRef>
+    <cs:spPr>
+      <a:ln w="9525" cap="flat" cmpd="sng" algn="ctr">
+        <a:solidFill>
+          <a:schemeClr val="tx1">
+            <a:lumMod val="15000"/>
+            <a:lumOff val="85000"/>
+          </a:schemeClr>
+        </a:solidFill>
+        <a:round/>
+      </a:ln>
+    </cs:spPr>
+    <cs:defRPr sz="900"/>
+  </cs:categoryAxis>
+  <cs:chartArea mods="allowNoFillOverride allowNoLineOverride">
+    <cs:lnRef idx="0"/>
+    <cs:fillRef idx="0"/>
+    <cs:effectRef idx="0"/>
+    <cs:fontRef idx="minor">
+      <a:schemeClr val="tx1"/>
+    </cs:fontRef>
+    <cs:spPr>
+      <a:solidFill>
+        <a:schemeClr val="bg1"/>
+      </a:solidFill>
+      <a:ln w="9525" cap="flat" cmpd="sng" algn="ctr">
+        <a:solidFill>
+          <a:schemeClr val="tx1">
+            <a:lumMod val="15000"/>
+            <a:lumOff val="85000"/>
+          </a:schemeClr>
+        </a:solidFill>
+        <a:round/>
+      </a:ln>
+    </cs:spPr>
+    <cs:defRPr sz="1000"/>
+  </cs:chartArea>
+  <cs:dataLabel>
+    <cs:lnRef idx="0"/>
+    <cs:fillRef idx="0"/>
+    <cs:effectRef idx="0"/>
+    <cs:fontRef idx="minor">
+      <a:schemeClr val="tx1">
+        <a:lumMod val="65000"/>
+        <a:lumOff val="35000"/>
+      </a:schemeClr>
+    </cs:fontRef>
+    <cs:defRPr sz="900"/>
+  </cs:dataLabel>
+  <cs:dataLabelCallout>
+    <cs:lnRef idx="0"/>
+    <cs:fillRef idx="0"/>
+    <cs:effectRef idx="0"/>
+    <cs:fontRef idx="minor">
+      <a:schemeClr val="dk1">
+        <a:lumMod val="65000"/>
+        <a:lumOff val="35000"/>
+      </a:schemeClr>
+    </cs:fontRef>
+    <cs:spPr>
+      <a:solidFill>
+        <a:schemeClr val="lt1"/>
+      </a:solidFill>
+      <a:ln>
+        <a:solidFill>
+          <a:schemeClr val="dk1">
+            <a:lumMod val="25000"/>
+            <a:lumOff val="75000"/>
+          </a:schemeClr>
+        </a:solidFill>
+      </a:ln>
+    </cs:spPr>
+    <cs:defRPr sz="900"/>
+    <cs:bodyPr rot="0" spcFirstLastPara="1" vertOverflow="clip" horzOverflow="clip" vert="horz" wrap="square" lIns="36576" tIns="18288" rIns="36576" bIns="18288" anchor="ctr" anchorCtr="1">
+      <a:spAutoFit/>
+    </cs:bodyPr>
+  </cs:dataLabelCallout>
+  <cs:dataPoint>
+    <cs:lnRef idx="0"/>
+    <cs:fillRef idx="0">
+      <cs:styleClr val="auto"/>
+    </cs:fillRef>
+    <cs:effectRef idx="0"/>
+    <cs:fontRef idx="minor">
+      <a:schemeClr val="tx1"/>
+    </cs:fontRef>
+    <cs:spPr>
+      <a:solidFill>
+        <a:schemeClr val="phClr"/>
+      </a:solidFill>
+    </cs:spPr>
+  </cs:dataPoint>
+  <cs:dataPoint3D>
+    <cs:lnRef idx="0"/>
+    <cs:fillRef idx="0">
+      <cs:styleClr val="auto"/>
+    </cs:fillRef>
+    <cs:effectRef idx="0"/>
+    <cs:fontRef idx="minor">
+      <a:schemeClr val="tx1"/>
+    </cs:fontRef>
+    <cs:spPr>
+      <a:solidFill>
+        <a:schemeClr val="phClr"/>
+      </a:solidFill>
+    </cs:spPr>
+  </cs:dataPoint3D>
+  <cs:dataPointLine>
+    <cs:lnRef idx="0">
+      <cs:styleClr val="auto"/>
+    </cs:lnRef>
+    <cs:fillRef idx="0"/>
+    <cs:effectRef idx="0"/>
+    <cs:fontRef idx="minor">
+      <a:schemeClr val="tx1"/>
+    </cs:fontRef>
+    <cs:spPr>
+      <a:ln w="28575" cap="rnd">
+        <a:solidFill>
+          <a:schemeClr val="phClr"/>
+        </a:solidFill>
+        <a:round/>
+      </a:ln>
+    </cs:spPr>
+  </cs:dataPointLine>
+  <cs:dataPointMarker>
+    <cs:lnRef idx="0"/>
+    <cs:fillRef idx="0">
+      <cs:styleClr val="auto"/>
+    </cs:fillRef>
+    <cs:effectRef idx="0"/>
+    <cs:fontRef idx="minor">
+      <a:schemeClr val="tx1"/>
+    </cs:fontRef>
+    <cs:spPr>
+      <a:solidFill>
+        <a:schemeClr val="phClr"/>
+      </a:solidFill>
+      <a:ln w="9525">
+        <a:solidFill>
+          <a:schemeClr val="lt1"/>
+        </a:solidFill>
+      </a:ln>
+    </cs:spPr>
+  </cs:dataPointMarker>
+  <cs:dataPointMarkerLayout symbol="circle" size="5"/>
+  <cs:dataPointWireframe>
+    <cs:lnRef idx="0">
+      <cs:styleClr val="auto"/>
+    </cs:lnRef>
+    <cs:fillRef idx="0"/>
+    <cs:effectRef idx="0"/>
+    <cs:fontRef idx="minor">
+      <a:schemeClr val="tx1"/>
+    </cs:fontRef>
+    <cs:spPr>
+      <a:ln w="28575" cap="rnd">
+        <a:solidFill>
+          <a:schemeClr val="phClr"/>
+        </a:solidFill>
+        <a:round/>
+      </a:ln>
+    </cs:spPr>
+  </cs:dataPointWireframe>
+  <cs:dataTable>
+    <cs:lnRef idx="0"/>
+    <cs:fillRef idx="0"/>
+    <cs:effectRef idx="0"/>
+    <cs:fontRef idx="minor">
+      <a:schemeClr val="tx1">
+        <a:lumMod val="65000"/>
+        <a:lumOff val="35000"/>
+      </a:schemeClr>
+    </cs:fontRef>
+    <cs:spPr>
+      <a:ln w="9525">
+        <a:solidFill>
+          <a:schemeClr val="tx1">
+            <a:lumMod val="15000"/>
+            <a:lumOff val="85000"/>
+          </a:schemeClr>
+        </a:solidFill>
+      </a:ln>
+    </cs:spPr>
+    <cs:defRPr sz="900"/>
+  </cs:dataTable>
+  <cs:downBar>
+    <cs:lnRef idx="0"/>
+    <cs:fillRef idx="0"/>
+    <cs:effectRef idx="0"/>
+    <cs:fontRef idx="minor">
+      <a:schemeClr val="dk1"/>
+    </cs:fontRef>
+    <cs:spPr>
+      <a:solidFill>
+        <a:schemeClr val="dk1">
+          <a:lumMod val="65000"/>
+          <a:lumOff val="35000"/>
+        </a:schemeClr>
+      </a:solidFill>
+      <a:ln w="9525">
+        <a:solidFill>
+          <a:schemeClr val="tx1">
+            <a:lumMod val="65000"/>
+            <a:lumOff val="35000"/>
+          </a:schemeClr>
+        </a:solidFill>
+      </a:ln>
+    </cs:spPr>
+  </cs:downBar>
+  <cs:dropLine>
+    <cs:lnRef idx="0"/>
+    <cs:fillRef idx="0"/>
+    <cs:effectRef idx="0"/>
+    <cs:fontRef idx="minor">
+      <a:schemeClr val="tx1"/>
+    </cs:fontRef>
+    <cs:spPr>
+      <a:ln w="9525" cap="flat" cmpd="sng" algn="ctr">
+        <a:solidFill>
+          <a:schemeClr val="tx1">
+            <a:lumMod val="35000"/>
+            <a:lumOff val="65000"/>
+          </a:schemeClr>
+        </a:solidFill>
+        <a:round/>
+      </a:ln>
+    </cs:spPr>
+  </cs:dropLine>
+  <cs:errorBar>
+    <cs:lnRef idx="0"/>
+    <cs:fillRef idx="0"/>
+    <cs:effectRef idx="0"/>
+    <cs:fontRef idx="minor">
+      <a:schemeClr val="tx1"/>
+    </cs:fontRef>
+    <cs:spPr>
+      <a:ln w="9525" cap="flat" cmpd="sng" algn="ctr">
+        <a:solidFill>
+          <a:schemeClr val="tx1">
+            <a:lumMod val="65000"/>
+            <a:lumOff val="35000"/>
+          </a:schemeClr>
+        </a:solidFill>
+        <a:round/>
+      </a:ln>
+    </cs:spPr>
+  </cs:errorBar>
+  <cs:floor>
+    <cs:lnRef idx="0"/>
+    <cs:fillRef idx="0"/>
+    <cs:effectRef idx="0"/>
+    <cs:fontRef idx="minor">
+      <a:schemeClr val="tx1"/>
+    </cs:fontRef>
+  </cs:floor>
+  <cs:gridlineMajor>
+    <cs:lnRef idx="0"/>
+    <cs:fillRef idx="0"/>
+    <cs:effectRef idx="0"/>
+    <cs:fontRef idx="minor">
+      <a:schemeClr val="tx1"/>
+    </cs:fontRef>
+    <cs:spPr>
+      <a:ln w="9525" cap="flat" cmpd="sng" algn="ctr">
+        <a:solidFill>
+          <a:schemeClr val="tx1">
+            <a:lumMod val="15000"/>
+            <a:lumOff val="85000"/>
+          </a:schemeClr>
+        </a:solidFill>
+        <a:round/>
+      </a:ln>
+    </cs:spPr>
+  </cs:gridlineMajor>
+  <cs:gridlineMinor>
+    <cs:lnRef idx="0"/>
+    <cs:fillRef idx="0"/>
+    <cs:effectRef idx="0"/>
+    <cs:fontRef idx="minor">
+      <a:schemeClr val="tx1"/>
+    </cs:fontRef>
+    <cs:spPr>
+      <a:ln w="9525" cap="flat" cmpd="sng" algn="ctr">
+        <a:solidFill>
+          <a:schemeClr val="tx1">
+            <a:lumMod val="15000"/>
+            <a:lumOff val="85000"/>
+          </a:schemeClr>
+        </a:solidFill>
+        <a:round/>
+      </a:ln>
+    </cs:spPr>
+  </cs:gridlineMinor>
+  <cs:hiLoLine>
+    <cs:lnRef idx="0"/>
+    <cs:fillRef idx="0"/>
+    <cs:effectRef idx="0"/>
+    <cs:fontRef idx="minor">
+      <a:schemeClr val="tx1"/>
+    </cs:fontRef>
+    <cs:spPr>
+      <a:ln w="9525" cap="flat" cmpd="sng" algn="ctr">
+        <a:solidFill>
+          <a:schemeClr val="tx1">
+            <a:lumMod val="75000"/>
+            <a:lumOff val="25000"/>
+          </a:schemeClr>
+        </a:solidFill>
+        <a:round/>
+      </a:ln>
+    </cs:spPr>
+  </cs:hiLoLine>
+  <cs:leaderLine>
+    <cs:lnRef idx="0"/>
+    <cs:fillRef idx="0"/>
+    <cs:effectRef idx="0"/>
+    <cs:fontRef idx="minor">
+      <a:schemeClr val="tx1"/>
+    </cs:fontRef>
+    <cs:spPr>
+      <a:ln w="9525" cap="flat" cmpd="sng" algn="ctr">
+        <a:solidFill>
+          <a:schemeClr val="tx1">
+            <a:lumMod val="35000"/>
+            <a:lumOff val="65000"/>
+          </a:schemeClr>
+        </a:solidFill>
+        <a:round/>
+      </a:ln>
+    </cs:spPr>
+  </cs:leaderLine>
+  <cs:legend>
+    <cs:lnRef idx="0"/>
+    <cs:fillRef idx="0"/>
+    <cs:effectRef idx="0"/>
+    <cs:fontRef idx="minor">
+      <a:schemeClr val="tx1">
+        <a:lumMod val="65000"/>
+        <a:lumOff val="35000"/>
+      </a:schemeClr>
+    </cs:fontRef>
+    <cs:defRPr sz="900"/>
+  </cs:legend>
+  <cs:plotArea mods="allowNoFillOverride allowNoLineOverride">
+    <cs:lnRef idx="0"/>
+    <cs:fillRef idx="0"/>
+    <cs:effectRef idx="0"/>
+    <cs:fontRef idx="minor">
+      <a:schemeClr val="tx1"/>
+    </cs:fontRef>
+  </cs:plotArea>
+  <cs:plotArea3D mods="allowNoFillOverride allowNoLineOverride">
+    <cs:lnRef idx="0"/>
+    <cs:fillRef idx="0"/>
+    <cs:effectRef idx="0"/>
+    <cs:fontRef idx="minor">
+      <a:schemeClr val="tx1"/>
+    </cs:fontRef>
+  </cs:plotArea3D>
+  <cs:seriesAxis>
+    <cs:lnRef idx="0"/>
+    <cs:fillRef idx="0"/>
+    <cs:effectRef idx="0"/>
+    <cs:fontRef idx="minor">
+      <a:schemeClr val="tx1">
+        <a:lumMod val="65000"/>
+        <a:lumOff val="35000"/>
+      </a:schemeClr>
+    </cs:fontRef>
+    <cs:spPr>
+      <a:ln w="9525" cap="flat" cmpd="sng" algn="ctr">
+        <a:solidFill>
+          <a:schemeClr val="tx1">
+            <a:lumMod val="15000"/>
+            <a:lumOff val="85000"/>
+          </a:schemeClr>
+        </a:solidFill>
+        <a:round/>
+      </a:ln>
+    </cs:spPr>
+    <cs:defRPr sz="900"/>
+  </cs:seriesAxis>
+  <cs:seriesLine>
+    <cs:lnRef idx="0"/>
+    <cs:fillRef idx="0"/>
+    <cs:effectRef idx="0"/>
+    <cs:fontRef idx="minor">
+      <a:schemeClr val="tx1"/>
+    </cs:fontRef>
+    <cs:spPr>
+      <a:ln w="9525" cap="flat">
+        <a:solidFill>
+          <a:srgbClr val="D9D9D9"/>
+        </a:solidFill>
+        <a:round/>
+      </a:ln>
+    </cs:spPr>
+  </cs:seriesLine>
+  <cs:title>
+    <cs:lnRef idx="0"/>
+    <cs:fillRef idx="0"/>
+    <cs:effectRef idx="0"/>
+    <cs:fontRef idx="minor">
+      <a:schemeClr val="tx1">
+        <a:lumMod val="65000"/>
+        <a:lumOff val="35000"/>
+      </a:schemeClr>
+    </cs:fontRef>
+    <cs:defRPr sz="1400"/>
+  </cs:title>
+  <cs:trendline>
+    <cs:lnRef idx="0">
+      <cs:styleClr val="auto"/>
+    </cs:lnRef>
+    <cs:fillRef idx="0"/>
+    <cs:effectRef idx="0"/>
+    <cs:fontRef idx="minor">
+      <a:schemeClr val="tx1"/>
+    </cs:fontRef>
+    <cs:spPr>
+      <a:ln w="19050" cap="rnd">
+        <a:solidFill>
+          <a:schemeClr val="phClr"/>
+        </a:solidFill>
+        <a:prstDash val="sysDash"/>
+      </a:ln>
+    </cs:spPr>
+  </cs:trendline>
+  <cs:trendlineLabel>
+    <cs:lnRef idx="0"/>
+    <cs:fillRef idx="0"/>
+    <cs:effectRef idx="0"/>
+    <cs:fontRef idx="minor">
+      <a:schemeClr val="tx1">
+        <a:lumMod val="65000"/>
+        <a:lumOff val="35000"/>
+      </a:schemeClr>
+    </cs:fontRef>
+    <cs:defRPr sz="900"/>
+  </cs:trendlineLabel>
+  <cs:upBar>
+    <cs:lnRef idx="0"/>
+    <cs:fillRef idx="0"/>
+    <cs:effectRef idx="0"/>
+    <cs:fontRef idx="minor">
+      <a:schemeClr val="dk1"/>
+    </cs:fontRef>
+    <cs:spPr>
+      <a:solidFill>
+        <a:schemeClr val="lt1"/>
+      </a:solidFill>
+      <a:ln w="9525">
+        <a:solidFill>
+          <a:schemeClr val="tx1">
+            <a:lumMod val="15000"/>
+            <a:lumOff val="85000"/>
+          </a:schemeClr>
+        </a:solidFill>
+      </a:ln>
+    </cs:spPr>
+  </cs:upBar>
+  <cs:valueAxis>
+    <cs:lnRef idx="0"/>
+    <cs:fillRef idx="0"/>
+    <cs:effectRef idx="0"/>
+    <cs:fontRef idx="minor">
+      <a:schemeClr val="tx1">
+        <a:lumMod val="65000"/>
+        <a:lumOff val="35000"/>
+      </a:schemeClr>
+    </cs:fontRef>
+    <cs:defRPr sz="900"/>
+  </cs:valueAxis>
+  <cs:wall>
+    <cs:lnRef idx="0"/>
+    <cs:fillRef idx="0"/>
+    <cs:effectRef idx="0"/>
+    <cs:fontRef idx="minor">
+      <a:schemeClr val="tx1"/>
+    </cs:fontRef>
+  </cs:wall>
+</cs:chartStyle>
 </file>
 
 <file path=ppt/notesMasters/notesMaster1.xml><?xml version="1.0" encoding="utf-8"?>
@@ -4094,8 +5491,8 @@
           </a:p>
           <a:p>
             <a:r>
-              <a:rPr lang="zh-CN" altLang="en-US" dirty="0"/>
-              <a:t>为什么学员参加优达学城的课程？他们如何发现优达学城的？</a:t>
+              <a:rPr lang="zh-CN" altLang="en-US"/>
+              <a:t>学员们的学历分布是如何？</a:t>
             </a:r>
             <a:endParaRPr lang="en-US" altLang="zh-CN" dirty="0"/>
           </a:p>
@@ -4188,14 +5585,92 @@
               <a:buNone/>
             </a:pPr>
             <a:r>
-              <a:rPr lang="en">
+              <a:rPr lang="zh-CN" altLang="en-US" dirty="0">
                 <a:latin typeface="Open Sans"/>
                 <a:ea typeface="Open Sans"/>
                 <a:cs typeface="Open Sans"/>
                 <a:sym typeface="Open Sans"/>
               </a:rPr>
-              <a:t>Comparing the employed to unemployed, there does not appear to be much of a difference between the number of books they read.  If we didn’t pay attention to the extreme readers (those that read a ton) in each group, they are very similar in distribution and summary statistics.</a:t>
+              <a:t>移除了一部分的异常值，因为这部分学员的年龄是不合理或不正确的。学员年龄分布直方图是右偏的，最年轻的学员是</a:t>
             </a:r>
+            <a:r>
+              <a:rPr lang="en-US" altLang="zh-CN" dirty="0">
+                <a:latin typeface="Open Sans"/>
+                <a:ea typeface="Open Sans"/>
+                <a:cs typeface="Open Sans"/>
+                <a:sym typeface="Open Sans"/>
+              </a:rPr>
+              <a:t>19</a:t>
+            </a:r>
+            <a:r>
+              <a:rPr lang="zh-CN" altLang="en-US" dirty="0">
+                <a:latin typeface="Open Sans"/>
+                <a:ea typeface="Open Sans"/>
+                <a:cs typeface="Open Sans"/>
+                <a:sym typeface="Open Sans"/>
+              </a:rPr>
+              <a:t>岁，最年长的是</a:t>
+            </a:r>
+            <a:r>
+              <a:rPr lang="en-US" altLang="zh-CN" dirty="0">
+                <a:latin typeface="Open Sans"/>
+                <a:ea typeface="Open Sans"/>
+                <a:cs typeface="Open Sans"/>
+                <a:sym typeface="Open Sans"/>
+              </a:rPr>
+              <a:t>78</a:t>
+            </a:r>
+            <a:r>
+              <a:rPr lang="zh-CN" altLang="en-US" dirty="0">
+                <a:latin typeface="Open Sans"/>
+                <a:ea typeface="Open Sans"/>
+                <a:cs typeface="Open Sans"/>
+                <a:sym typeface="Open Sans"/>
+              </a:rPr>
+              <a:t>岁。大部分学员年龄在</a:t>
+            </a:r>
+            <a:r>
+              <a:rPr lang="en-US" altLang="zh-CN" dirty="0">
+                <a:latin typeface="Open Sans"/>
+                <a:ea typeface="Open Sans"/>
+                <a:cs typeface="Open Sans"/>
+                <a:sym typeface="Open Sans"/>
+              </a:rPr>
+              <a:t>22</a:t>
+            </a:r>
+            <a:r>
+              <a:rPr lang="zh-CN" altLang="en-US" dirty="0">
+                <a:latin typeface="Open Sans"/>
+                <a:ea typeface="Open Sans"/>
+                <a:cs typeface="Open Sans"/>
+                <a:sym typeface="Open Sans"/>
+              </a:rPr>
+              <a:t>岁到</a:t>
+            </a:r>
+            <a:r>
+              <a:rPr lang="en-US" altLang="zh-CN" dirty="0">
+                <a:latin typeface="Open Sans"/>
+                <a:ea typeface="Open Sans"/>
+                <a:cs typeface="Open Sans"/>
+                <a:sym typeface="Open Sans"/>
+              </a:rPr>
+              <a:t>40</a:t>
+            </a:r>
+            <a:r>
+              <a:rPr lang="zh-CN" altLang="en-US" dirty="0">
+                <a:latin typeface="Open Sans"/>
+                <a:ea typeface="Open Sans"/>
+                <a:cs typeface="Open Sans"/>
+                <a:sym typeface="Open Sans"/>
+              </a:rPr>
+              <a:t>岁。</a:t>
+            </a:r>
+            <a:endParaRPr lang="en" dirty="0">
+              <a:latin typeface="Open Sans"/>
+              <a:ea typeface="Open Sans"/>
+              <a:cs typeface="Open Sans"/>
+              <a:sym typeface="Open Sans"/>
+            </a:endParaRPr>
           </a:p>
         </p:txBody>
       </p:sp>
@@ -4258,424 +5733,383 @@
           </a:p>
         </p:txBody>
       </p:sp>
+      <mc:AlternateContent xmlns:mc="http://schemas.openxmlformats.org/markup-compatibility/2006">
+        <mc:Choice xmlns:cx1="http://schemas.microsoft.com/office/drawing/2015/9/8/chartex" Requires="cx1">
+          <p:graphicFrame>
+            <p:nvGraphicFramePr>
+              <p:cNvPr id="7" name="图表 6">
+                <a:extLst>
+                  <a:ext uri="{FF2B5EF4-FFF2-40B4-BE49-F238E27FC236}">
+                    <a16:creationId xmlns:a16="http://schemas.microsoft.com/office/drawing/2014/main" id="{76846833-196A-4EE1-B40A-6CDCF624617F}"/>
+                  </a:ext>
+                </a:extLst>
+              </p:cNvPr>
+              <p:cNvGraphicFramePr/>
+              <p:nvPr>
+                <p:extLst>
+                  <p:ext uri="{D42A27DB-BD31-4B8C-83A1-F6EECF244321}">
+                    <p14:modId xmlns:p14="http://schemas.microsoft.com/office/powerpoint/2010/main" val="3489317234"/>
+                  </p:ext>
+                </p:extLst>
+              </p:nvPr>
+            </p:nvGraphicFramePr>
+            <p:xfrm>
+              <a:off x="304025" y="1052534"/>
+              <a:ext cx="4572000" cy="2743200"/>
+            </p:xfrm>
+            <a:graphic>
+              <a:graphicData uri="http://schemas.microsoft.com/office/drawing/2014/chartex">
+                <cx:chart xmlns:cx="http://schemas.microsoft.com/office/drawing/2014/chartex" xmlns:r="http://schemas.openxmlformats.org/officeDocument/2006/relationships" r:id="rId3"/>
+              </a:graphicData>
+            </a:graphic>
+          </p:graphicFrame>
+        </mc:Choice>
+        <mc:Fallback>
+          <p:pic>
+            <p:nvPicPr>
+              <p:cNvPr id="7" name="图表 6">
+                <a:extLst>
+                  <a:ext uri="{FF2B5EF4-FFF2-40B4-BE49-F238E27FC236}">
+                    <a16:creationId xmlns:a16="http://schemas.microsoft.com/office/drawing/2014/main" id="{76846833-196A-4EE1-B40A-6CDCF624617F}"/>
+                  </a:ext>
+                </a:extLst>
+              </p:cNvPr>
+              <p:cNvPicPr>
+                <a:picLocks noGrp="1" noRot="1" noChangeAspect="1" noMove="1" noResize="1" noEditPoints="1" noAdjustHandles="1" noChangeArrowheads="1" noChangeShapeType="1"/>
+              </p:cNvPicPr>
+              <p:nvPr/>
+            </p:nvPicPr>
+            <p:blipFill>
+              <a:blip r:embed="rId4"/>
+              <a:stretch>
+                <a:fillRect/>
+              </a:stretch>
+            </p:blipFill>
+            <p:spPr>
+              <a:xfrm>
+                <a:off x="304025" y="1052534"/>
+                <a:ext cx="4572000" cy="2743200"/>
+              </a:xfrm>
+              <a:prstGeom prst="rect">
+                <a:avLst/>
+              </a:prstGeom>
+            </p:spPr>
+          </p:pic>
+        </mc:Fallback>
+      </mc:AlternateContent>
       <p:graphicFrame>
         <p:nvGraphicFramePr>
-          <p:cNvPr id="56" name="Shape 56"/>
-          <p:cNvGraphicFramePr/>
-          <p:nvPr/>
+          <p:cNvPr id="2" name="表格 1">
+            <a:extLst>
+              <a:ext uri="{FF2B5EF4-FFF2-40B4-BE49-F238E27FC236}">
+                <a16:creationId xmlns:a16="http://schemas.microsoft.com/office/drawing/2014/main" id="{5AEF9E79-18D4-408F-A4E2-12D90557381C}"/>
+              </a:ext>
+            </a:extLst>
+          </p:cNvPr>
+          <p:cNvGraphicFramePr>
+            <a:graphicFrameLocks noGrp="1"/>
+          </p:cNvGraphicFramePr>
+          <p:nvPr>
+            <p:extLst>
+              <p:ext uri="{D42A27DB-BD31-4B8C-83A1-F6EECF244321}">
+                <p14:modId xmlns:p14="http://schemas.microsoft.com/office/powerpoint/2010/main" val="715027328"/>
+              </p:ext>
+            </p:extLst>
+          </p:nvPr>
         </p:nvGraphicFramePr>
         <p:xfrm>
-          <a:off x="112925" y="1223729"/>
-          <a:ext cx="3829425" cy="2510075"/>
+          <a:off x="6225124" y="1737046"/>
+          <a:ext cx="1934767" cy="1219375"/>
         </p:xfrm>
         <a:graphic>
           <a:graphicData uri="http://schemas.openxmlformats.org/drawingml/2006/table">
             <a:tbl>
               <a:tblPr>
-                <a:noFill/>
                 <a:tableStyleId>{EED877B6-9551-4359-846F-FAFF3EFF04A8}</a:tableStyleId>
               </a:tblPr>
               <a:tblGrid>
-                <a:gridCol w="1276475">
+                <a:gridCol w="939744">
                   <a:extLst>
                     <a:ext uri="{9D8B030D-6E8A-4147-A177-3AD203B41FA5}">
-                      <a16:colId xmlns:a16="http://schemas.microsoft.com/office/drawing/2014/main" val="20000"/>
+                      <a16:colId xmlns:a16="http://schemas.microsoft.com/office/drawing/2014/main" val="2978272357"/>
                     </a:ext>
                   </a:extLst>
                 </a:gridCol>
-                <a:gridCol w="1276475">
+                <a:gridCol w="995023">
                   <a:extLst>
                     <a:ext uri="{9D8B030D-6E8A-4147-A177-3AD203B41FA5}">
-                      <a16:colId xmlns:a16="http://schemas.microsoft.com/office/drawing/2014/main" val="20001"/>
-                    </a:ext>
-                  </a:extLst>
-                </a:gridCol>
-                <a:gridCol w="1276475">
-                  <a:extLst>
-                    <a:ext uri="{9D8B030D-6E8A-4147-A177-3AD203B41FA5}">
-                      <a16:colId xmlns:a16="http://schemas.microsoft.com/office/drawing/2014/main" val="20002"/>
+                      <a16:colId xmlns:a16="http://schemas.microsoft.com/office/drawing/2014/main" val="2954880567"/>
                     </a:ext>
                   </a:extLst>
                 </a:gridCol>
               </a:tblGrid>
-              <a:tr h="529025">
+              <a:tr h="243875">
                 <a:tc>
                   <a:txBody>
                     <a:bodyPr/>
                     <a:lstStyle/>
                     <a:p>
-                      <a:pPr lvl="0">
-                        <a:spcBef>
-                          <a:spcPts val="0"/>
-                        </a:spcBef>
-                        <a:buNone/>
-                      </a:pPr>
-                      <a:endParaRPr b="1"/>
+                      <a:pPr algn="ctr" fontAlgn="b"/>
+                      <a:r>
+                        <a:rPr lang="zh-CN" altLang="en-US" sz="1100" u="none" strike="noStrike" dirty="0">
+                          <a:effectLst/>
+                        </a:rPr>
+                        <a:t>均值</a:t>
+                      </a:r>
+                      <a:endParaRPr lang="zh-CN" altLang="en-US" sz="1100" b="1" i="0" u="none" strike="noStrike" dirty="0">
+                        <a:solidFill>
+                          <a:srgbClr val="000000"/>
+                        </a:solidFill>
+                        <a:effectLst/>
+                        <a:latin typeface="等线" panose="02010600030101010101" pitchFamily="2" charset="-122"/>
+                        <a:ea typeface="等线" panose="02010600030101010101" pitchFamily="2" charset="-122"/>
+                      </a:endParaRPr>
                     </a:p>
                   </a:txBody>
-                  <a:tcPr marL="91425" marR="91425" marT="91425" marB="91425"/>
+                  <a:tcPr marL="5443" marR="5443" marT="5443" marB="0" anchor="b"/>
                 </a:tc>
                 <a:tc>
                   <a:txBody>
                     <a:bodyPr/>
                     <a:lstStyle/>
                     <a:p>
-                      <a:pPr lvl="0">
-                        <a:spcBef>
-                          <a:spcPts val="0"/>
-                        </a:spcBef>
-                        <a:buNone/>
-                      </a:pPr>
+                      <a:pPr algn="ctr" fontAlgn="b"/>
                       <a:r>
-                        <a:rPr lang="en" b="1"/>
-                        <a:t>Employed</a:t>
+                        <a:rPr lang="en-US" altLang="zh-CN" sz="1000" u="none" strike="noStrike">
+                          <a:effectLst/>
+                        </a:rPr>
+                        <a:t>33</a:t>
                       </a:r>
+                      <a:endParaRPr lang="en-US" altLang="zh-CN" sz="1000" b="0" i="0" u="none" strike="noStrike">
+                        <a:solidFill>
+                          <a:srgbClr val="000000"/>
+                        </a:solidFill>
+                        <a:effectLst/>
+                        <a:latin typeface="Arial" panose="020B0604020202020204" pitchFamily="34" charset="0"/>
+                      </a:endParaRPr>
                     </a:p>
                   </a:txBody>
-                  <a:tcPr marL="91425" marR="91425" marT="91425" marB="91425"/>
+                  <a:tcPr marL="5443" marR="5443" marT="5443" marB="0" anchor="b"/>
+                </a:tc>
+                <a:extLst>
+                  <a:ext uri="{0D108BD9-81ED-4DB2-BD59-A6C34878D82A}">
+                    <a16:rowId xmlns:a16="http://schemas.microsoft.com/office/drawing/2014/main" val="3451918842"/>
+                  </a:ext>
+                </a:extLst>
+              </a:tr>
+              <a:tr h="243875">
+                <a:tc>
+                  <a:txBody>
+                    <a:bodyPr/>
+                    <a:lstStyle/>
+                    <a:p>
+                      <a:pPr algn="ctr" fontAlgn="b"/>
+                      <a:r>
+                        <a:rPr lang="zh-CN" altLang="en-US" sz="1100" u="none" strike="noStrike" dirty="0">
+                          <a:effectLst/>
+                        </a:rPr>
+                        <a:t>中位数</a:t>
+                      </a:r>
+                      <a:endParaRPr lang="zh-CN" altLang="en-US" sz="1100" b="1" i="0" u="none" strike="noStrike" dirty="0">
+                        <a:solidFill>
+                          <a:srgbClr val="000000"/>
+                        </a:solidFill>
+                        <a:effectLst/>
+                        <a:latin typeface="等线" panose="02010600030101010101" pitchFamily="2" charset="-122"/>
+                        <a:ea typeface="等线" panose="02010600030101010101" pitchFamily="2" charset="-122"/>
+                      </a:endParaRPr>
+                    </a:p>
+                  </a:txBody>
+                  <a:tcPr marL="5443" marR="5443" marT="5443" marB="0" anchor="b"/>
                 </a:tc>
                 <a:tc>
                   <a:txBody>
                     <a:bodyPr/>
                     <a:lstStyle/>
                     <a:p>
-                      <a:pPr lvl="0">
-                        <a:spcBef>
-                          <a:spcPts val="0"/>
-                        </a:spcBef>
-                        <a:buNone/>
-                      </a:pPr>
+                      <a:pPr algn="ctr" fontAlgn="b"/>
                       <a:r>
-                        <a:rPr lang="en" b="1"/>
-                        <a:t>Unemployed</a:t>
+                        <a:rPr lang="en-US" altLang="zh-CN" sz="1000" u="none" strike="noStrike" dirty="0">
+                          <a:effectLst/>
+                        </a:rPr>
+                        <a:t>31</a:t>
                       </a:r>
+                      <a:endParaRPr lang="en-US" altLang="zh-CN" sz="1000" b="0" i="0" u="none" strike="noStrike" dirty="0">
+                        <a:solidFill>
+                          <a:srgbClr val="000000"/>
+                        </a:solidFill>
+                        <a:effectLst/>
+                        <a:latin typeface="Arial" panose="020B0604020202020204" pitchFamily="34" charset="0"/>
+                      </a:endParaRPr>
                     </a:p>
                   </a:txBody>
-                  <a:tcPr marL="91425" marR="91425" marT="91425" marB="91425"/>
+                  <a:tcPr marL="5443" marR="5443" marT="5443" marB="0" anchor="b"/>
                 </a:tc>
                 <a:extLst>
                   <a:ext uri="{0D108BD9-81ED-4DB2-BD59-A6C34878D82A}">
-                    <a16:rowId xmlns:a16="http://schemas.microsoft.com/office/drawing/2014/main" val="10000"/>
+                    <a16:rowId xmlns:a16="http://schemas.microsoft.com/office/drawing/2014/main" val="1757362791"/>
                   </a:ext>
                 </a:extLst>
               </a:tr>
-              <a:tr h="392500">
+              <a:tr h="243875">
                 <a:tc>
                   <a:txBody>
                     <a:bodyPr/>
                     <a:lstStyle/>
                     <a:p>
-                      <a:pPr lvl="0">
-                        <a:spcBef>
-                          <a:spcPts val="0"/>
-                        </a:spcBef>
-                        <a:buNone/>
-                      </a:pPr>
+                      <a:pPr algn="ctr" fontAlgn="b"/>
                       <a:r>
-                        <a:rPr lang="en" b="1"/>
-                        <a:t>Minimum</a:t>
+                        <a:rPr lang="zh-CN" altLang="en-US" sz="1100" u="none" strike="noStrike">
+                          <a:effectLst/>
+                        </a:rPr>
+                        <a:t>众数</a:t>
                       </a:r>
+                      <a:endParaRPr lang="zh-CN" altLang="en-US" sz="1100" b="1" i="0" u="none" strike="noStrike">
+                        <a:solidFill>
+                          <a:srgbClr val="000000"/>
+                        </a:solidFill>
+                        <a:effectLst/>
+                        <a:latin typeface="等线" panose="02010600030101010101" pitchFamily="2" charset="-122"/>
+                        <a:ea typeface="等线" panose="02010600030101010101" pitchFamily="2" charset="-122"/>
+                      </a:endParaRPr>
                     </a:p>
                   </a:txBody>
-                  <a:tcPr marL="91425" marR="91425" marT="91425" marB="91425"/>
+                  <a:tcPr marL="5443" marR="5443" marT="5443" marB="0" anchor="b"/>
                 </a:tc>
                 <a:tc>
                   <a:txBody>
                     <a:bodyPr/>
                     <a:lstStyle/>
                     <a:p>
-                      <a:pPr lvl="0">
-                        <a:spcBef>
-                          <a:spcPts val="0"/>
-                        </a:spcBef>
-                        <a:buNone/>
-                      </a:pPr>
+                      <a:pPr algn="ctr" fontAlgn="b"/>
                       <a:r>
-                        <a:rPr lang="en"/>
-                        <a:t>0</a:t>
+                        <a:rPr lang="en-US" altLang="zh-CN" sz="1000" u="none" strike="noStrike" dirty="0">
+                          <a:effectLst/>
+                        </a:rPr>
+                        <a:t>29</a:t>
                       </a:r>
+                      <a:endParaRPr lang="en-US" altLang="zh-CN" sz="1000" b="0" i="0" u="none" strike="noStrike" dirty="0">
+                        <a:solidFill>
+                          <a:srgbClr val="000000"/>
+                        </a:solidFill>
+                        <a:effectLst/>
+                        <a:latin typeface="Arial" panose="020B0604020202020204" pitchFamily="34" charset="0"/>
+                      </a:endParaRPr>
                     </a:p>
                   </a:txBody>
-                  <a:tcPr marL="91425" marR="91425" marT="91425" marB="91425"/>
+                  <a:tcPr marL="5443" marR="5443" marT="5443" marB="0" anchor="b"/>
+                </a:tc>
+                <a:extLst>
+                  <a:ext uri="{0D108BD9-81ED-4DB2-BD59-A6C34878D82A}">
+                    <a16:rowId xmlns:a16="http://schemas.microsoft.com/office/drawing/2014/main" val="471569267"/>
+                  </a:ext>
+                </a:extLst>
+              </a:tr>
+              <a:tr h="243875">
+                <a:tc>
+                  <a:txBody>
+                    <a:bodyPr/>
+                    <a:lstStyle/>
+                    <a:p>
+                      <a:pPr algn="ctr" fontAlgn="b"/>
+                      <a:r>
+                        <a:rPr lang="zh-CN" altLang="en-US" sz="1100" u="none" strike="noStrike">
+                          <a:effectLst/>
+                        </a:rPr>
+                        <a:t>标准差</a:t>
+                      </a:r>
+                      <a:endParaRPr lang="zh-CN" altLang="en-US" sz="1100" b="1" i="0" u="none" strike="noStrike">
+                        <a:solidFill>
+                          <a:srgbClr val="000000"/>
+                        </a:solidFill>
+                        <a:effectLst/>
+                        <a:latin typeface="等线" panose="02010600030101010101" pitchFamily="2" charset="-122"/>
+                        <a:ea typeface="等线" panose="02010600030101010101" pitchFamily="2" charset="-122"/>
+                      </a:endParaRPr>
+                    </a:p>
+                  </a:txBody>
+                  <a:tcPr marL="5443" marR="5443" marT="5443" marB="0" anchor="b"/>
                 </a:tc>
                 <a:tc>
                   <a:txBody>
                     <a:bodyPr/>
                     <a:lstStyle/>
                     <a:p>
-                      <a:pPr lvl="0">
-                        <a:spcBef>
-                          <a:spcPts val="0"/>
-                        </a:spcBef>
-                        <a:buNone/>
-                      </a:pPr>
+                      <a:pPr algn="ctr" fontAlgn="b"/>
                       <a:r>
-                        <a:rPr lang="en"/>
-                        <a:t>0</a:t>
+                        <a:rPr lang="en-US" altLang="zh-CN" sz="1000" u="none" strike="noStrike" dirty="0">
+                          <a:effectLst/>
+                        </a:rPr>
+                        <a:t>8.35</a:t>
                       </a:r>
+                      <a:endParaRPr lang="en-US" altLang="zh-CN" sz="1000" b="0" i="0" u="none" strike="noStrike" dirty="0">
+                        <a:solidFill>
+                          <a:srgbClr val="000000"/>
+                        </a:solidFill>
+                        <a:effectLst/>
+                        <a:latin typeface="Arial" panose="020B0604020202020204" pitchFamily="34" charset="0"/>
+                      </a:endParaRPr>
                     </a:p>
                   </a:txBody>
-                  <a:tcPr marL="91425" marR="91425" marT="91425" marB="91425"/>
+                  <a:tcPr marL="5443" marR="5443" marT="5443" marB="0" anchor="b"/>
                 </a:tc>
                 <a:extLst>
                   <a:ext uri="{0D108BD9-81ED-4DB2-BD59-A6C34878D82A}">
-                    <a16:rowId xmlns:a16="http://schemas.microsoft.com/office/drawing/2014/main" val="10001"/>
+                    <a16:rowId xmlns:a16="http://schemas.microsoft.com/office/drawing/2014/main" val="725193912"/>
                   </a:ext>
                 </a:extLst>
               </a:tr>
-              <a:tr h="388700">
+              <a:tr h="243875">
                 <a:tc>
                   <a:txBody>
                     <a:bodyPr/>
                     <a:lstStyle/>
                     <a:p>
-                      <a:pPr lvl="0">
-                        <a:spcBef>
-                          <a:spcPts val="0"/>
-                        </a:spcBef>
-                        <a:buNone/>
-                      </a:pPr>
+                      <a:pPr algn="ctr" fontAlgn="b"/>
                       <a:r>
-                        <a:rPr lang="en" b="1"/>
-                        <a:t>Q1</a:t>
+                        <a:rPr lang="zh-CN" altLang="en-US" sz="1100" u="none" strike="noStrike">
+                          <a:effectLst/>
+                        </a:rPr>
+                        <a:t>值域</a:t>
                       </a:r>
+                      <a:endParaRPr lang="zh-CN" altLang="en-US" sz="1100" b="1" i="0" u="none" strike="noStrike">
+                        <a:solidFill>
+                          <a:srgbClr val="000000"/>
+                        </a:solidFill>
+                        <a:effectLst/>
+                        <a:latin typeface="等线" panose="02010600030101010101" pitchFamily="2" charset="-122"/>
+                        <a:ea typeface="等线" panose="02010600030101010101" pitchFamily="2" charset="-122"/>
+                      </a:endParaRPr>
                     </a:p>
                   </a:txBody>
-                  <a:tcPr marL="91425" marR="91425" marT="91425" marB="91425"/>
+                  <a:tcPr marL="5443" marR="5443" marT="5443" marB="0" anchor="b"/>
                 </a:tc>
                 <a:tc>
                   <a:txBody>
                     <a:bodyPr/>
                     <a:lstStyle/>
                     <a:p>
-                      <a:pPr lvl="0">
-                        <a:spcBef>
-                          <a:spcPts val="0"/>
-                        </a:spcBef>
-                        <a:buNone/>
-                      </a:pPr>
+                      <a:pPr algn="ctr" fontAlgn="b"/>
                       <a:r>
-                        <a:rPr lang="en"/>
-                        <a:t>4</a:t>
+                        <a:rPr lang="en-US" altLang="zh-CN" sz="1000" u="none" strike="noStrike" dirty="0">
+                          <a:effectLst/>
+                        </a:rPr>
+                        <a:t>59</a:t>
                       </a:r>
+                      <a:endParaRPr lang="en-US" altLang="zh-CN" sz="1000" b="0" i="0" u="none" strike="noStrike" dirty="0">
+                        <a:solidFill>
+                          <a:srgbClr val="000000"/>
+                        </a:solidFill>
+                        <a:effectLst/>
+                        <a:latin typeface="Arial" panose="020B0604020202020204" pitchFamily="34" charset="0"/>
+                      </a:endParaRPr>
                     </a:p>
                   </a:txBody>
-                  <a:tcPr marL="91425" marR="91425" marT="91425" marB="91425"/>
-                </a:tc>
-                <a:tc>
-                  <a:txBody>
-                    <a:bodyPr/>
-                    <a:lstStyle/>
-                    <a:p>
-                      <a:pPr lvl="0">
-                        <a:spcBef>
-                          <a:spcPts val="0"/>
-                        </a:spcBef>
-                        <a:buNone/>
-                      </a:pPr>
-                      <a:r>
-                        <a:rPr lang="en"/>
-                        <a:t>4</a:t>
-                      </a:r>
-                    </a:p>
-                  </a:txBody>
-                  <a:tcPr marL="91425" marR="91425" marT="91425" marB="91425"/>
+                  <a:tcPr marL="5443" marR="5443" marT="5443" marB="0" anchor="b"/>
                 </a:tc>
                 <a:extLst>
                   <a:ext uri="{0D108BD9-81ED-4DB2-BD59-A6C34878D82A}">
-                    <a16:rowId xmlns:a16="http://schemas.microsoft.com/office/drawing/2014/main" val="10002"/>
-                  </a:ext>
-                </a:extLst>
-              </a:tr>
-              <a:tr h="388700">
-                <a:tc>
-                  <a:txBody>
-                    <a:bodyPr/>
-                    <a:lstStyle/>
-                    <a:p>
-                      <a:pPr lvl="0">
-                        <a:spcBef>
-                          <a:spcPts val="0"/>
-                        </a:spcBef>
-                        <a:buNone/>
-                      </a:pPr>
-                      <a:r>
-                        <a:rPr lang="en" b="1"/>
-                        <a:t>Q2</a:t>
-                      </a:r>
-                    </a:p>
-                  </a:txBody>
-                  <a:tcPr marL="91425" marR="91425" marT="91425" marB="91425"/>
-                </a:tc>
-                <a:tc>
-                  <a:txBody>
-                    <a:bodyPr/>
-                    <a:lstStyle/>
-                    <a:p>
-                      <a:pPr lvl="0">
-                        <a:spcBef>
-                          <a:spcPts val="0"/>
-                        </a:spcBef>
-                        <a:buNone/>
-                      </a:pPr>
-                      <a:r>
-                        <a:rPr lang="en"/>
-                        <a:t>8</a:t>
-                      </a:r>
-                    </a:p>
-                  </a:txBody>
-                  <a:tcPr marL="91425" marR="91425" marT="91425" marB="91425"/>
-                </a:tc>
-                <a:tc>
-                  <a:txBody>
-                    <a:bodyPr/>
-                    <a:lstStyle/>
-                    <a:p>
-                      <a:pPr lvl="0">
-                        <a:spcBef>
-                          <a:spcPts val="0"/>
-                        </a:spcBef>
-                        <a:buNone/>
-                      </a:pPr>
-                      <a:r>
-                        <a:rPr lang="en"/>
-                        <a:t>6</a:t>
-                      </a:r>
-                    </a:p>
-                  </a:txBody>
-                  <a:tcPr marL="91425" marR="91425" marT="91425" marB="91425"/>
-                </a:tc>
-                <a:extLst>
-                  <a:ext uri="{0D108BD9-81ED-4DB2-BD59-A6C34878D82A}">
-                    <a16:rowId xmlns:a16="http://schemas.microsoft.com/office/drawing/2014/main" val="10003"/>
-                  </a:ext>
-                </a:extLst>
-              </a:tr>
-              <a:tr h="388700">
-                <a:tc>
-                  <a:txBody>
-                    <a:bodyPr/>
-                    <a:lstStyle/>
-                    <a:p>
-                      <a:pPr lvl="0">
-                        <a:spcBef>
-                          <a:spcPts val="0"/>
-                        </a:spcBef>
-                        <a:buNone/>
-                      </a:pPr>
-                      <a:r>
-                        <a:rPr lang="en" b="1"/>
-                        <a:t>Q3</a:t>
-                      </a:r>
-                    </a:p>
-                  </a:txBody>
-                  <a:tcPr marL="91425" marR="91425" marT="91425" marB="91425"/>
-                </a:tc>
-                <a:tc>
-                  <a:txBody>
-                    <a:bodyPr/>
-                    <a:lstStyle/>
-                    <a:p>
-                      <a:pPr lvl="0">
-                        <a:spcBef>
-                          <a:spcPts val="0"/>
-                        </a:spcBef>
-                        <a:buNone/>
-                      </a:pPr>
-                      <a:r>
-                        <a:rPr lang="en"/>
-                        <a:t>15</a:t>
-                      </a:r>
-                    </a:p>
-                  </a:txBody>
-                  <a:tcPr marL="91425" marR="91425" marT="91425" marB="91425"/>
-                </a:tc>
-                <a:tc>
-                  <a:txBody>
-                    <a:bodyPr/>
-                    <a:lstStyle/>
-                    <a:p>
-                      <a:pPr lvl="0">
-                        <a:spcBef>
-                          <a:spcPts val="0"/>
-                        </a:spcBef>
-                        <a:buNone/>
-                      </a:pPr>
-                      <a:r>
-                        <a:rPr lang="en"/>
-                        <a:t>15</a:t>
-                      </a:r>
-                    </a:p>
-                  </a:txBody>
-                  <a:tcPr marL="91425" marR="91425" marT="91425" marB="91425"/>
-                </a:tc>
-                <a:extLst>
-                  <a:ext uri="{0D108BD9-81ED-4DB2-BD59-A6C34878D82A}">
-                    <a16:rowId xmlns:a16="http://schemas.microsoft.com/office/drawing/2014/main" val="10004"/>
-                  </a:ext>
-                </a:extLst>
-              </a:tr>
-              <a:tr h="392500">
-                <a:tc>
-                  <a:txBody>
-                    <a:bodyPr/>
-                    <a:lstStyle/>
-                    <a:p>
-                      <a:pPr lvl="0">
-                        <a:spcBef>
-                          <a:spcPts val="0"/>
-                        </a:spcBef>
-                        <a:buNone/>
-                      </a:pPr>
-                      <a:r>
-                        <a:rPr lang="en" b="1"/>
-                        <a:t>Maximum</a:t>
-                      </a:r>
-                    </a:p>
-                  </a:txBody>
-                  <a:tcPr marL="91425" marR="91425" marT="91425" marB="91425"/>
-                </a:tc>
-                <a:tc>
-                  <a:txBody>
-                    <a:bodyPr/>
-                    <a:lstStyle/>
-                    <a:p>
-                      <a:pPr lvl="0">
-                        <a:spcBef>
-                          <a:spcPts val="0"/>
-                        </a:spcBef>
-                        <a:buNone/>
-                      </a:pPr>
-                      <a:r>
-                        <a:rPr lang="en"/>
-                        <a:t>600</a:t>
-                      </a:r>
-                    </a:p>
-                  </a:txBody>
-                  <a:tcPr marL="91425" marR="91425" marT="91425" marB="91425"/>
-                </a:tc>
-                <a:tc>
-                  <a:txBody>
-                    <a:bodyPr/>
-                    <a:lstStyle/>
-                    <a:p>
-                      <a:pPr lvl="0">
-                        <a:spcBef>
-                          <a:spcPts val="0"/>
-                        </a:spcBef>
-                        <a:buNone/>
-                      </a:pPr>
-                      <a:r>
-                        <a:rPr lang="en"/>
-                        <a:t>100</a:t>
-                      </a:r>
-                    </a:p>
-                  </a:txBody>
-                  <a:tcPr marL="91425" marR="91425" marT="91425" marB="91425"/>
-                </a:tc>
-                <a:extLst>
-                  <a:ext uri="{0D108BD9-81ED-4DB2-BD59-A6C34878D82A}">
-                    <a16:rowId xmlns:a16="http://schemas.microsoft.com/office/drawing/2014/main" val="10005"/>
+                    <a16:rowId xmlns:a16="http://schemas.microsoft.com/office/drawing/2014/main" val="1938370532"/>
                   </a:ext>
                 </a:extLst>
               </a:tr>
@@ -4683,78 +6117,6 @@
           </a:graphicData>
         </a:graphic>
       </p:graphicFrame>
-      <p:sp>
-        <p:nvSpPr>
-          <p:cNvPr id="57" name="Shape 57"/>
-          <p:cNvSpPr txBox="1"/>
-          <p:nvPr/>
-        </p:nvSpPr>
-        <p:spPr>
-          <a:xfrm>
-            <a:off x="223250" y="902750"/>
-            <a:ext cx="3222600" cy="213600"/>
-          </a:xfrm>
-          <a:prstGeom prst="rect">
-            <a:avLst/>
-          </a:prstGeom>
-          <a:noFill/>
-          <a:ln>
-            <a:noFill/>
-          </a:ln>
-        </p:spPr>
-        <p:txBody>
-          <a:bodyPr wrap="square" lIns="91425" tIns="91425" rIns="91425" bIns="91425" anchor="t" anchorCtr="0">
-            <a:noAutofit/>
-          </a:bodyPr>
-          <a:lstStyle/>
-          <a:p>
-            <a:pPr lvl="0">
-              <a:spcBef>
-                <a:spcPts val="0"/>
-              </a:spcBef>
-              <a:buNone/>
-            </a:pPr>
-            <a:r>
-              <a:rPr lang="en" b="1" dirty="0"/>
-              <a:t>Number of Books Read</a:t>
-            </a:r>
-          </a:p>
-        </p:txBody>
-      </p:sp>
-      <p:pic>
-        <p:nvPicPr>
-          <p:cNvPr id="58" name="Shape 58"/>
-          <p:cNvPicPr preferRelativeResize="0"/>
-          <p:nvPr/>
-        </p:nvPicPr>
-        <p:blipFill>
-          <a:blip r:embed="rId3">
-            <a:alphaModFix/>
-          </a:blip>
-          <a:stretch>
-            <a:fillRect/>
-          </a:stretch>
-        </p:blipFill>
-        <p:spPr>
-          <a:xfrm>
-            <a:off x="4785324" y="902756"/>
-            <a:ext cx="3829425" cy="2935667"/>
-          </a:xfrm>
-          <a:prstGeom prst="rect">
-            <a:avLst/>
-          </a:prstGeom>
-          <a:noFill/>
-          <a:ln w="9525" cap="flat" cmpd="sng">
-            <a:solidFill>
-              <a:schemeClr val="dk2"/>
-            </a:solidFill>
-            <a:prstDash val="solid"/>
-            <a:round/>
-            <a:headEnd type="none" w="med" len="med"/>
-            <a:tailEnd type="none" w="med" len="med"/>
-          </a:ln>
-        </p:spPr>
-      </p:pic>
     </p:spTree>
   </p:cSld>
   <p:clrMapOvr>

--- a/DA_Business/project/p1_survey/项目一：调查问卷数据/survey-project-submission-template.pptx
+++ b/DA_Business/project/p1_survey/项目一：调查问卷数据/survey-project-submission-template.pptx
@@ -5,34 +5,35 @@
     <p:sldMasterId id="2147483659" r:id="rId1"/>
   </p:sldMasterIdLst>
   <p:notesMasterIdLst>
-    <p:notesMasterId r:id="rId5"/>
+    <p:notesMasterId r:id="rId6"/>
   </p:notesMasterIdLst>
   <p:sldIdLst>
     <p:sldId id="257" r:id="rId2"/>
     <p:sldId id="256" r:id="rId3"/>
-    <p:sldId id="258" r:id="rId4"/>
+    <p:sldId id="259" r:id="rId4"/>
+    <p:sldId id="258" r:id="rId5"/>
   </p:sldIdLst>
   <p:sldSz cx="9144000" cy="5143500" type="screen16x9"/>
   <p:notesSz cx="6858000" cy="9144000"/>
   <p:embeddedFontLst>
     <p:embeddedFont>
-      <p:font typeface="等线" panose="02010600030101010101" pitchFamily="2" charset="-122"/>
-      <p:regular r:id="rId6"/>
-      <p:bold r:id="rId7"/>
-    </p:embeddedFont>
-    <p:embeddedFont>
       <p:font typeface="Calibri" panose="020F0502020204030204" pitchFamily="34" charset="0"/>
-      <p:regular r:id="rId8"/>
-      <p:bold r:id="rId9"/>
-      <p:italic r:id="rId10"/>
-      <p:boldItalic r:id="rId11"/>
+      <p:regular r:id="rId7"/>
+      <p:bold r:id="rId8"/>
+      <p:italic r:id="rId9"/>
+      <p:boldItalic r:id="rId10"/>
     </p:embeddedFont>
     <p:embeddedFont>
       <p:font typeface="Open Sans" panose="02010600030101010101" charset="0"/>
-      <p:regular r:id="rId12"/>
-      <p:bold r:id="rId13"/>
-      <p:italic r:id="rId14"/>
-      <p:boldItalic r:id="rId15"/>
+      <p:regular r:id="rId11"/>
+      <p:bold r:id="rId12"/>
+      <p:italic r:id="rId13"/>
+      <p:boldItalic r:id="rId14"/>
+    </p:embeddedFont>
+    <p:embeddedFont>
+      <p:font typeface="等线" panose="02010600030101010101" pitchFamily="2" charset="-122"/>
+      <p:regular r:id="rId15"/>
+      <p:bold r:id="rId16"/>
     </p:embeddedFont>
   </p:embeddedFontLst>
   <p:defaultTextStyle>
@@ -243,6 +244,401 @@
     </p:ext>
   </p:extLst>
 </p:presentation>
+</file>
+
+<file path=ppt/charts/chart1.xml><?xml version="1.0" encoding="utf-8"?>
+<c:chartSpace xmlns:c="http://schemas.openxmlformats.org/drawingml/2006/chart" xmlns:a="http://schemas.openxmlformats.org/drawingml/2006/main" xmlns:r="http://schemas.openxmlformats.org/officeDocument/2006/relationships" xmlns:c16r2="http://schemas.microsoft.com/office/drawing/2015/06/chart">
+  <c:date1904 val="0"/>
+  <c:lang val="zh-CN"/>
+  <c:roundedCorners val="0"/>
+  <mc:AlternateContent xmlns:mc="http://schemas.openxmlformats.org/markup-compatibility/2006">
+    <mc:Choice xmlns:c14="http://schemas.microsoft.com/office/drawing/2007/8/2/chart" Requires="c14">
+      <c14:style val="102"/>
+    </mc:Choice>
+    <mc:Fallback>
+      <c:style val="2"/>
+    </mc:Fallback>
+  </mc:AlternateContent>
+  <c:chart>
+    <c:title>
+      <c:tx>
+        <c:rich>
+          <a:bodyPr rot="0" spcFirstLastPara="1" vertOverflow="ellipsis" vert="horz" wrap="square" anchor="ctr" anchorCtr="1"/>
+          <a:lstStyle/>
+          <a:p>
+            <a:pPr>
+              <a:defRPr sz="1400" b="0" i="0" u="none" strike="noStrike" kern="1200" spc="0" baseline="0">
+                <a:solidFill>
+                  <a:schemeClr val="tx1">
+                    <a:lumMod val="65000"/>
+                    <a:lumOff val="35000"/>
+                  </a:schemeClr>
+                </a:solidFill>
+                <a:latin typeface="+mn-lt"/>
+                <a:ea typeface="+mn-ea"/>
+                <a:cs typeface="+mn-cs"/>
+              </a:defRPr>
+            </a:pPr>
+            <a:r>
+              <a:rPr lang="zh-CN" altLang="en-US" dirty="0"/>
+              <a:t>学员学历占比</a:t>
+            </a:r>
+          </a:p>
+        </c:rich>
+      </c:tx>
+      <c:overlay val="0"/>
+      <c:spPr>
+        <a:noFill/>
+        <a:ln>
+          <a:noFill/>
+        </a:ln>
+        <a:effectLst/>
+      </c:spPr>
+      <c:txPr>
+        <a:bodyPr rot="0" spcFirstLastPara="1" vertOverflow="ellipsis" vert="horz" wrap="square" anchor="ctr" anchorCtr="1"/>
+        <a:lstStyle/>
+        <a:p>
+          <a:pPr>
+            <a:defRPr sz="1400" b="0" i="0" u="none" strike="noStrike" kern="1200" spc="0" baseline="0">
+              <a:solidFill>
+                <a:schemeClr val="tx1">
+                  <a:lumMod val="65000"/>
+                  <a:lumOff val="35000"/>
+                </a:schemeClr>
+              </a:solidFill>
+              <a:latin typeface="+mn-lt"/>
+              <a:ea typeface="+mn-ea"/>
+              <a:cs typeface="+mn-cs"/>
+            </a:defRPr>
+          </a:pPr>
+          <a:endParaRPr lang="zh-CN"/>
+        </a:p>
+      </c:txPr>
+    </c:title>
+    <c:autoTitleDeleted val="0"/>
+    <c:plotArea>
+      <c:layout/>
+      <c:pieChart>
+        <c:varyColors val="1"/>
+        <c:ser>
+          <c:idx val="0"/>
+          <c:order val="0"/>
+          <c:dPt>
+            <c:idx val="0"/>
+            <c:bubble3D val="0"/>
+            <c:spPr>
+              <a:solidFill>
+                <a:schemeClr val="accent1"/>
+              </a:solidFill>
+              <a:ln w="19050">
+                <a:solidFill>
+                  <a:schemeClr val="lt1"/>
+                </a:solidFill>
+              </a:ln>
+              <a:effectLst/>
+            </c:spPr>
+            <c:extLst>
+              <c:ext xmlns:c16="http://schemas.microsoft.com/office/drawing/2014/chart" uri="{C3380CC4-5D6E-409C-BE32-E72D297353CC}">
+                <c16:uniqueId val="{00000001-4D6E-404D-B8DC-024F3252B709}"/>
+              </c:ext>
+            </c:extLst>
+          </c:dPt>
+          <c:dPt>
+            <c:idx val="1"/>
+            <c:bubble3D val="0"/>
+            <c:spPr>
+              <a:solidFill>
+                <a:schemeClr val="accent2"/>
+              </a:solidFill>
+              <a:ln w="19050">
+                <a:solidFill>
+                  <a:schemeClr val="lt1"/>
+                </a:solidFill>
+              </a:ln>
+              <a:effectLst/>
+            </c:spPr>
+            <c:extLst>
+              <c:ext xmlns:c16="http://schemas.microsoft.com/office/drawing/2014/chart" uri="{C3380CC4-5D6E-409C-BE32-E72D297353CC}">
+                <c16:uniqueId val="{00000003-4D6E-404D-B8DC-024F3252B709}"/>
+              </c:ext>
+            </c:extLst>
+          </c:dPt>
+          <c:dPt>
+            <c:idx val="2"/>
+            <c:bubble3D val="0"/>
+            <c:spPr>
+              <a:solidFill>
+                <a:schemeClr val="accent3"/>
+              </a:solidFill>
+              <a:ln w="19050">
+                <a:solidFill>
+                  <a:schemeClr val="lt1"/>
+                </a:solidFill>
+              </a:ln>
+              <a:effectLst/>
+            </c:spPr>
+            <c:extLst>
+              <c:ext xmlns:c16="http://schemas.microsoft.com/office/drawing/2014/chart" uri="{C3380CC4-5D6E-409C-BE32-E72D297353CC}">
+                <c16:uniqueId val="{00000005-4D6E-404D-B8DC-024F3252B709}"/>
+              </c:ext>
+            </c:extLst>
+          </c:dPt>
+          <c:dPt>
+            <c:idx val="3"/>
+            <c:bubble3D val="0"/>
+            <c:spPr>
+              <a:solidFill>
+                <a:schemeClr val="accent4"/>
+              </a:solidFill>
+              <a:ln w="19050">
+                <a:solidFill>
+                  <a:schemeClr val="lt1"/>
+                </a:solidFill>
+              </a:ln>
+              <a:effectLst/>
+            </c:spPr>
+            <c:extLst>
+              <c:ext xmlns:c16="http://schemas.microsoft.com/office/drawing/2014/chart" uri="{C3380CC4-5D6E-409C-BE32-E72D297353CC}">
+                <c16:uniqueId val="{00000007-4D6E-404D-B8DC-024F3252B709}"/>
+              </c:ext>
+            </c:extLst>
+          </c:dPt>
+          <c:dPt>
+            <c:idx val="4"/>
+            <c:bubble3D val="0"/>
+            <c:spPr>
+              <a:solidFill>
+                <a:schemeClr val="accent5"/>
+              </a:solidFill>
+              <a:ln w="19050">
+                <a:solidFill>
+                  <a:schemeClr val="lt1"/>
+                </a:solidFill>
+              </a:ln>
+              <a:effectLst/>
+            </c:spPr>
+            <c:extLst>
+              <c:ext xmlns:c16="http://schemas.microsoft.com/office/drawing/2014/chart" uri="{C3380CC4-5D6E-409C-BE32-E72D297353CC}">
+                <c16:uniqueId val="{00000009-4D6E-404D-B8DC-024F3252B709}"/>
+              </c:ext>
+            </c:extLst>
+          </c:dPt>
+          <c:dPt>
+            <c:idx val="5"/>
+            <c:bubble3D val="0"/>
+            <c:spPr>
+              <a:solidFill>
+                <a:schemeClr val="accent6"/>
+              </a:solidFill>
+              <a:ln w="19050">
+                <a:solidFill>
+                  <a:schemeClr val="lt1"/>
+                </a:solidFill>
+              </a:ln>
+              <a:effectLst/>
+            </c:spPr>
+            <c:extLst>
+              <c:ext xmlns:c16="http://schemas.microsoft.com/office/drawing/2014/chart" uri="{C3380CC4-5D6E-409C-BE32-E72D297353CC}">
+                <c16:uniqueId val="{0000000B-4D6E-404D-B8DC-024F3252B709}"/>
+              </c:ext>
+            </c:extLst>
+          </c:dPt>
+          <c:dLbls>
+            <c:spPr>
+              <a:noFill/>
+              <a:ln>
+                <a:noFill/>
+              </a:ln>
+              <a:effectLst/>
+            </c:spPr>
+            <c:txPr>
+              <a:bodyPr rot="0" spcFirstLastPara="1" vertOverflow="ellipsis" vert="horz" wrap="square" lIns="38100" tIns="19050" rIns="38100" bIns="19050" anchor="ctr" anchorCtr="1">
+                <a:spAutoFit/>
+              </a:bodyPr>
+              <a:lstStyle/>
+              <a:p>
+                <a:pPr>
+                  <a:defRPr sz="900" b="0" i="0" u="none" strike="noStrike" kern="1200" baseline="0">
+                    <a:solidFill>
+                      <a:schemeClr val="tx1">
+                        <a:lumMod val="75000"/>
+                        <a:lumOff val="25000"/>
+                      </a:schemeClr>
+                    </a:solidFill>
+                    <a:latin typeface="+mn-lt"/>
+                    <a:ea typeface="+mn-ea"/>
+                    <a:cs typeface="+mn-cs"/>
+                  </a:defRPr>
+                </a:pPr>
+                <a:endParaRPr lang="zh-CN"/>
+              </a:p>
+            </c:txPr>
+            <c:showLegendKey val="0"/>
+            <c:showVal val="0"/>
+            <c:showCatName val="0"/>
+            <c:showSerName val="0"/>
+            <c:showPercent val="1"/>
+            <c:showBubbleSize val="0"/>
+            <c:showLeaderLines val="1"/>
+            <c:leaderLines>
+              <c:spPr>
+                <a:ln w="9525" cap="flat" cmpd="sng" algn="ctr">
+                  <a:solidFill>
+                    <a:schemeClr val="tx1">
+                      <a:lumMod val="35000"/>
+                      <a:lumOff val="65000"/>
+                    </a:schemeClr>
+                  </a:solidFill>
+                  <a:round/>
+                </a:ln>
+                <a:effectLst/>
+              </c:spPr>
+            </c:leaderLines>
+            <c:extLst>
+              <c:ext xmlns:c15="http://schemas.microsoft.com/office/drawing/2012/chart" uri="{CE6537A1-D6FC-4f65-9D91-7224C49458BB}"/>
+            </c:extLst>
+          </c:dLbls>
+          <c:cat>
+            <c:strRef>
+              <c:f>'Q2'!$F$12:$F$17</c:f>
+              <c:strCache>
+                <c:ptCount val="6"/>
+                <c:pt idx="0">
+                  <c:v>Masters</c:v>
+                </c:pt>
+                <c:pt idx="1">
+                  <c:v>Bachelors</c:v>
+                </c:pt>
+                <c:pt idx="2">
+                  <c:v>PhD</c:v>
+                </c:pt>
+                <c:pt idx="3">
+                  <c:v>Nanodegree Program</c:v>
+                </c:pt>
+                <c:pt idx="4">
+                  <c:v>High school or below</c:v>
+                </c:pt>
+                <c:pt idx="5">
+                  <c:v>Associates</c:v>
+                </c:pt>
+              </c:strCache>
+            </c:strRef>
+          </c:cat>
+          <c:val>
+            <c:numRef>
+              <c:f>'Q2'!$G$12:$G$17</c:f>
+              <c:numCache>
+                <c:formatCode>General</c:formatCode>
+                <c:ptCount val="6"/>
+                <c:pt idx="0">
+                  <c:v>290</c:v>
+                </c:pt>
+                <c:pt idx="1">
+                  <c:v>265</c:v>
+                </c:pt>
+                <c:pt idx="2">
+                  <c:v>68</c:v>
+                </c:pt>
+                <c:pt idx="3">
+                  <c:v>43</c:v>
+                </c:pt>
+                <c:pt idx="4">
+                  <c:v>24</c:v>
+                </c:pt>
+                <c:pt idx="5">
+                  <c:v>10</c:v>
+                </c:pt>
+              </c:numCache>
+            </c:numRef>
+          </c:val>
+          <c:extLst>
+            <c:ext xmlns:c16="http://schemas.microsoft.com/office/drawing/2014/chart" uri="{C3380CC4-5D6E-409C-BE32-E72D297353CC}">
+              <c16:uniqueId val="{0000000C-4D6E-404D-B8DC-024F3252B709}"/>
+            </c:ext>
+          </c:extLst>
+        </c:ser>
+        <c:dLbls>
+          <c:showLegendKey val="0"/>
+          <c:showVal val="0"/>
+          <c:showCatName val="0"/>
+          <c:showSerName val="0"/>
+          <c:showPercent val="1"/>
+          <c:showBubbleSize val="0"/>
+          <c:showLeaderLines val="1"/>
+        </c:dLbls>
+        <c:firstSliceAng val="0"/>
+      </c:pieChart>
+      <c:spPr>
+        <a:noFill/>
+        <a:ln>
+          <a:noFill/>
+        </a:ln>
+        <a:effectLst/>
+      </c:spPr>
+    </c:plotArea>
+    <c:legend>
+      <c:legendPos val="r"/>
+      <c:overlay val="0"/>
+      <c:spPr>
+        <a:noFill/>
+        <a:ln>
+          <a:noFill/>
+        </a:ln>
+        <a:effectLst/>
+      </c:spPr>
+      <c:txPr>
+        <a:bodyPr rot="0" spcFirstLastPara="1" vertOverflow="ellipsis" vert="horz" wrap="square" anchor="ctr" anchorCtr="1"/>
+        <a:lstStyle/>
+        <a:p>
+          <a:pPr>
+            <a:defRPr sz="900" b="0" i="0" u="none" strike="noStrike" kern="1200" baseline="0">
+              <a:solidFill>
+                <a:schemeClr val="tx1">
+                  <a:lumMod val="65000"/>
+                  <a:lumOff val="35000"/>
+                </a:schemeClr>
+              </a:solidFill>
+              <a:latin typeface="+mn-lt"/>
+              <a:ea typeface="+mn-ea"/>
+              <a:cs typeface="+mn-cs"/>
+            </a:defRPr>
+          </a:pPr>
+          <a:endParaRPr lang="zh-CN"/>
+        </a:p>
+      </c:txPr>
+    </c:legend>
+    <c:plotVisOnly val="1"/>
+    <c:dispBlanksAs val="gap"/>
+    <c:extLst>
+      <c:ext xmlns:c16r3="http://schemas.microsoft.com/office/drawing/2017/03/chart" uri="{56B9EC1D-385E-4148-901F-78D8002777C0}">
+        <c16r3:dataDisplayOptions16>
+          <c16r3:dispNaAsBlank val="1"/>
+        </c16r3:dataDisplayOptions16>
+      </c:ext>
+    </c:extLst>
+    <c:showDLblsOverMax val="0"/>
+  </c:chart>
+  <c:spPr>
+    <a:noFill/>
+    <a:ln>
+      <a:noFill/>
+    </a:ln>
+    <a:effectLst/>
+  </c:spPr>
+  <c:txPr>
+    <a:bodyPr/>
+    <a:lstStyle/>
+    <a:p>
+      <a:pPr>
+        <a:defRPr/>
+      </a:pPr>
+      <a:endParaRPr lang="zh-CN"/>
+    </a:p>
+  </c:txPr>
+  <c:externalData r:id="rId3">
+    <c:autoUpdate val="0"/>
+  </c:externalData>
+</c:chartSpace>
 </file>
 
 <file path=ppt/charts/chartEx1.xml><?xml version="1.0" encoding="utf-8"?>
@@ -960,29 +1356,32 @@
   <cx:chart>
     <cx:title pos="t" align="ctr" overlay="0">
       <cx:tx>
-        <cx:rich>
-          <a:bodyPr spcFirstLastPara="1" vertOverflow="ellipsis" horzOverflow="overflow" wrap="square" lIns="0" tIns="0" rIns="0" bIns="0" anchor="ctr" anchorCtr="1"/>
-          <a:lstStyle/>
-          <a:p>
-            <a:pPr algn="ctr" rtl="0">
-              <a:defRPr/>
-            </a:pPr>
-            <a:r>
-              <a:rPr lang="zh-CN" altLang="en-US" sz="1400" b="0" i="0" u="none" strike="noStrike" baseline="0" dirty="0">
-                <a:solidFill>
-                  <a:srgbClr val="000000">
-                    <a:lumMod val="65000"/>
-                    <a:lumOff val="35000"/>
-                  </a:srgbClr>
-                </a:solidFill>
-                <a:latin typeface="Arial"/>
-                <a:ea typeface="宋体" panose="02010600030101010101" pitchFamily="2" charset="-122"/>
-              </a:rPr>
-              <a:t>学员年龄分布直方图</a:t>
-            </a:r>
-          </a:p>
-        </cx:rich>
+        <cx:txData>
+          <cx:v>学员年龄分布直方图</cx:v>
+        </cx:txData>
       </cx:tx>
+      <cx:txPr>
+        <a:bodyPr spcFirstLastPara="1" vertOverflow="ellipsis" horzOverflow="overflow" wrap="square" lIns="0" tIns="0" rIns="0" bIns="0" anchor="ctr" anchorCtr="1"/>
+        <a:lstStyle/>
+        <a:p>
+          <a:pPr algn="ctr" rtl="0">
+            <a:defRPr/>
+          </a:pPr>
+          <a:r>
+            <a:rPr lang="zh-CN" altLang="en-US" sz="1400" b="0" i="0" u="none" strike="noStrike" baseline="0" dirty="0">
+              <a:solidFill>
+                <a:srgbClr val="000000">
+                  <a:lumMod val="65000"/>
+                  <a:lumOff val="35000"/>
+                </a:srgbClr>
+              </a:solidFill>
+              <a:latin typeface="Arial"/>
+              <a:ea typeface="宋体" panose="02010600030101010101" pitchFamily="2" charset="-122"/>
+            </a:rPr>
+            <a:t>学员年龄分布直方图</a:t>
+          </a:r>
+        </a:p>
+      </cx:txPr>
     </cx:title>
     <cx:plotArea>
       <cx:plotAreaRegion>
@@ -1015,29 +1414,32 @@
         <cx:catScaling gapWidth="0"/>
         <cx:title>
           <cx:tx>
-            <cx:rich>
-              <a:bodyPr spcFirstLastPara="1" vertOverflow="ellipsis" horzOverflow="overflow" wrap="square" lIns="0" tIns="0" rIns="0" bIns="0" anchor="ctr" anchorCtr="1"/>
-              <a:lstStyle/>
-              <a:p>
-                <a:pPr algn="ctr" rtl="0">
-                  <a:defRPr/>
-                </a:pPr>
-                <a:r>
-                  <a:rPr lang="zh-CN" altLang="en-US" sz="900" b="0" i="0" u="none" strike="noStrike" baseline="0" dirty="0">
-                    <a:solidFill>
-                      <a:srgbClr val="000000">
-                        <a:lumMod val="65000"/>
-                        <a:lumOff val="35000"/>
-                      </a:srgbClr>
-                    </a:solidFill>
-                    <a:latin typeface="Arial"/>
-                    <a:ea typeface="宋体" panose="02010600030101010101" pitchFamily="2" charset="-122"/>
-                  </a:rPr>
-                  <a:t>年龄</a:t>
-                </a:r>
-              </a:p>
-            </cx:rich>
+            <cx:txData>
+              <cx:v>年龄</cx:v>
+            </cx:txData>
           </cx:tx>
+          <cx:txPr>
+            <a:bodyPr spcFirstLastPara="1" vertOverflow="ellipsis" horzOverflow="overflow" wrap="square" lIns="0" tIns="0" rIns="0" bIns="0" anchor="ctr" anchorCtr="1"/>
+            <a:lstStyle/>
+            <a:p>
+              <a:pPr algn="ctr" rtl="0">
+                <a:defRPr/>
+              </a:pPr>
+              <a:r>
+                <a:rPr lang="zh-CN" altLang="en-US" sz="900" b="0" i="0" u="none" strike="noStrike" baseline="0" dirty="0">
+                  <a:solidFill>
+                    <a:srgbClr val="000000">
+                      <a:lumMod val="65000"/>
+                      <a:lumOff val="35000"/>
+                    </a:srgbClr>
+                  </a:solidFill>
+                  <a:latin typeface="Arial"/>
+                  <a:ea typeface="宋体" panose="02010600030101010101" pitchFamily="2" charset="-122"/>
+                </a:rPr>
+                <a:t>年龄</a:t>
+              </a:r>
+            </a:p>
+          </cx:txPr>
         </cx:title>
         <cx:tickLabels/>
       </cx:axis>
@@ -1045,29 +1447,32 @@
         <cx:valScaling/>
         <cx:title>
           <cx:tx>
-            <cx:rich>
-              <a:bodyPr spcFirstLastPara="1" vertOverflow="ellipsis" horzOverflow="overflow" wrap="square" lIns="0" tIns="0" rIns="0" bIns="0" anchor="ctr" anchorCtr="1"/>
-              <a:lstStyle/>
-              <a:p>
-                <a:pPr algn="ctr" rtl="0">
-                  <a:defRPr/>
-                </a:pPr>
-                <a:r>
-                  <a:rPr lang="zh-CN" altLang="en-US" sz="900" b="0" i="0" u="none" strike="noStrike" baseline="0" dirty="0">
-                    <a:solidFill>
-                      <a:srgbClr val="000000">
-                        <a:lumMod val="65000"/>
-                        <a:lumOff val="35000"/>
-                      </a:srgbClr>
-                    </a:solidFill>
-                    <a:latin typeface="Arial"/>
-                    <a:ea typeface="宋体" panose="02010600030101010101" pitchFamily="2" charset="-122"/>
-                  </a:rPr>
-                  <a:t>人数</a:t>
-                </a:r>
-              </a:p>
-            </cx:rich>
+            <cx:txData>
+              <cx:v>人数</cx:v>
+            </cx:txData>
           </cx:tx>
+          <cx:txPr>
+            <a:bodyPr spcFirstLastPara="1" vertOverflow="ellipsis" horzOverflow="overflow" wrap="square" lIns="0" tIns="0" rIns="0" bIns="0" anchor="ctr" anchorCtr="1"/>
+            <a:lstStyle/>
+            <a:p>
+              <a:pPr algn="ctr" rtl="0">
+                <a:defRPr/>
+              </a:pPr>
+              <a:r>
+                <a:rPr lang="zh-CN" altLang="en-US" sz="900" b="0" i="0" u="none" strike="noStrike" baseline="0" dirty="0">
+                  <a:solidFill>
+                    <a:srgbClr val="000000">
+                      <a:lumMod val="65000"/>
+                      <a:lumOff val="35000"/>
+                    </a:srgbClr>
+                  </a:solidFill>
+                  <a:latin typeface="Arial"/>
+                  <a:ea typeface="宋体" panose="02010600030101010101" pitchFamily="2" charset="-122"/>
+                </a:rPr>
+                <a:t>人数</a:t>
+              </a:r>
+            </a:p>
+          </cx:txPr>
         </cx:title>
         <cx:majorGridlines/>
         <cx:tickLabels/>
@@ -1078,6 +1483,46 @@
 </file>
 
 <file path=ppt/charts/colors1.xml><?xml version="1.0" encoding="utf-8"?>
+<cs:colorStyle xmlns:cs="http://schemas.microsoft.com/office/drawing/2012/chartStyle" xmlns:a="http://schemas.openxmlformats.org/drawingml/2006/main" meth="cycle" id="10">
+  <a:schemeClr val="accent1"/>
+  <a:schemeClr val="accent2"/>
+  <a:schemeClr val="accent3"/>
+  <a:schemeClr val="accent4"/>
+  <a:schemeClr val="accent5"/>
+  <a:schemeClr val="accent6"/>
+  <cs:variation/>
+  <cs:variation>
+    <a:lumMod val="60000"/>
+  </cs:variation>
+  <cs:variation>
+    <a:lumMod val="80000"/>
+    <a:lumOff val="20000"/>
+  </cs:variation>
+  <cs:variation>
+    <a:lumMod val="80000"/>
+  </cs:variation>
+  <cs:variation>
+    <a:lumMod val="60000"/>
+    <a:lumOff val="40000"/>
+  </cs:variation>
+  <cs:variation>
+    <a:lumMod val="50000"/>
+  </cs:variation>
+  <cs:variation>
+    <a:lumMod val="70000"/>
+    <a:lumOff val="30000"/>
+  </cs:variation>
+  <cs:variation>
+    <a:lumMod val="70000"/>
+  </cs:variation>
+  <cs:variation>
+    <a:lumMod val="50000"/>
+    <a:lumOff val="50000"/>
+  </cs:variation>
+</cs:colorStyle>
+</file>
+
+<file path=ppt/charts/colors2.xml><?xml version="1.0" encoding="utf-8"?>
 <cs:colorStyle xmlns:cs="http://schemas.microsoft.com/office/drawing/2012/chartStyle" xmlns:a="http://schemas.openxmlformats.org/drawingml/2006/main" meth="cycle" id="10">
   <a:schemeClr val="accent1"/>
   <a:schemeClr val="accent2"/>
@@ -1625,6 +2070,525 @@
 </cs:chartStyle>
 </file>
 
+<file path=ppt/charts/style2.xml><?xml version="1.0" encoding="utf-8"?>
+<cs:chartStyle xmlns:cs="http://schemas.microsoft.com/office/drawing/2012/chartStyle" xmlns:a="http://schemas.openxmlformats.org/drawingml/2006/main" id="251">
+  <cs:axisTitle>
+    <cs:lnRef idx="0"/>
+    <cs:fillRef idx="0"/>
+    <cs:effectRef idx="0"/>
+    <cs:fontRef idx="minor">
+      <a:schemeClr val="tx1">
+        <a:lumMod val="65000"/>
+        <a:lumOff val="35000"/>
+      </a:schemeClr>
+    </cs:fontRef>
+    <cs:defRPr sz="1000" kern="1200"/>
+  </cs:axisTitle>
+  <cs:categoryAxis>
+    <cs:lnRef idx="0"/>
+    <cs:fillRef idx="0"/>
+    <cs:effectRef idx="0"/>
+    <cs:fontRef idx="minor">
+      <a:schemeClr val="tx1">
+        <a:lumMod val="65000"/>
+        <a:lumOff val="35000"/>
+      </a:schemeClr>
+    </cs:fontRef>
+    <cs:spPr>
+      <a:ln w="9525" cap="flat" cmpd="sng" algn="ctr">
+        <a:solidFill>
+          <a:schemeClr val="tx1">
+            <a:lumMod val="15000"/>
+            <a:lumOff val="85000"/>
+          </a:schemeClr>
+        </a:solidFill>
+        <a:round/>
+      </a:ln>
+    </cs:spPr>
+    <cs:defRPr sz="900" kern="1200"/>
+  </cs:categoryAxis>
+  <cs:chartArea mods="allowNoFillOverride allowNoLineOverride">
+    <cs:lnRef idx="0"/>
+    <cs:fillRef idx="0"/>
+    <cs:effectRef idx="0"/>
+    <cs:fontRef idx="minor">
+      <a:schemeClr val="tx1"/>
+    </cs:fontRef>
+    <cs:spPr>
+      <a:solidFill>
+        <a:schemeClr val="bg1"/>
+      </a:solidFill>
+      <a:ln w="9525" cap="flat" cmpd="sng" algn="ctr">
+        <a:solidFill>
+          <a:schemeClr val="tx1">
+            <a:lumMod val="15000"/>
+            <a:lumOff val="85000"/>
+          </a:schemeClr>
+        </a:solidFill>
+        <a:round/>
+      </a:ln>
+    </cs:spPr>
+    <cs:defRPr sz="900" kern="1200"/>
+  </cs:chartArea>
+  <cs:dataLabel>
+    <cs:lnRef idx="0"/>
+    <cs:fillRef idx="0"/>
+    <cs:effectRef idx="0"/>
+    <cs:fontRef idx="minor">
+      <a:schemeClr val="tx1">
+        <a:lumMod val="75000"/>
+        <a:lumOff val="25000"/>
+      </a:schemeClr>
+    </cs:fontRef>
+    <cs:defRPr sz="900" kern="1200"/>
+  </cs:dataLabel>
+  <cs:dataLabelCallout>
+    <cs:lnRef idx="0"/>
+    <cs:fillRef idx="0"/>
+    <cs:effectRef idx="0"/>
+    <cs:fontRef idx="minor">
+      <a:schemeClr val="dk1">
+        <a:lumMod val="65000"/>
+        <a:lumOff val="35000"/>
+      </a:schemeClr>
+    </cs:fontRef>
+    <cs:spPr>
+      <a:solidFill>
+        <a:schemeClr val="lt1"/>
+      </a:solidFill>
+      <a:ln>
+        <a:solidFill>
+          <a:schemeClr val="dk1">
+            <a:lumMod val="25000"/>
+            <a:lumOff val="75000"/>
+          </a:schemeClr>
+        </a:solidFill>
+      </a:ln>
+    </cs:spPr>
+    <cs:defRPr sz="900" kern="1200"/>
+    <cs:bodyPr rot="0" spcFirstLastPara="1" vertOverflow="clip" horzOverflow="clip" vert="horz" wrap="square" lIns="36576" tIns="18288" rIns="36576" bIns="18288" anchor="ctr" anchorCtr="1">
+      <a:spAutoFit/>
+    </cs:bodyPr>
+  </cs:dataLabelCallout>
+  <cs:dataPoint>
+    <cs:lnRef idx="0"/>
+    <cs:fillRef idx="1">
+      <cs:styleClr val="auto"/>
+    </cs:fillRef>
+    <cs:effectRef idx="0"/>
+    <cs:fontRef idx="minor">
+      <a:schemeClr val="tx1"/>
+    </cs:fontRef>
+    <cs:spPr>
+      <a:ln w="19050">
+        <a:solidFill>
+          <a:schemeClr val="lt1"/>
+        </a:solidFill>
+      </a:ln>
+    </cs:spPr>
+  </cs:dataPoint>
+  <cs:dataPoint3D>
+    <cs:lnRef idx="0"/>
+    <cs:fillRef idx="1">
+      <cs:styleClr val="auto"/>
+    </cs:fillRef>
+    <cs:effectRef idx="0"/>
+    <cs:fontRef idx="minor">
+      <a:schemeClr val="tx1"/>
+    </cs:fontRef>
+    <cs:spPr>
+      <a:ln w="25400">
+        <a:solidFill>
+          <a:schemeClr val="lt1"/>
+        </a:solidFill>
+      </a:ln>
+    </cs:spPr>
+  </cs:dataPoint3D>
+  <cs:dataPointLine>
+    <cs:lnRef idx="0">
+      <cs:styleClr val="auto"/>
+    </cs:lnRef>
+    <cs:fillRef idx="0"/>
+    <cs:effectRef idx="0"/>
+    <cs:fontRef idx="minor">
+      <a:schemeClr val="tx1"/>
+    </cs:fontRef>
+    <cs:spPr>
+      <a:ln w="28575" cap="rnd">
+        <a:solidFill>
+          <a:schemeClr val="phClr"/>
+        </a:solidFill>
+        <a:round/>
+      </a:ln>
+    </cs:spPr>
+  </cs:dataPointLine>
+  <cs:dataPointMarker>
+    <cs:lnRef idx="0">
+      <cs:styleClr val="auto"/>
+    </cs:lnRef>
+    <cs:fillRef idx="1">
+      <cs:styleClr val="auto"/>
+    </cs:fillRef>
+    <cs:effectRef idx="0"/>
+    <cs:fontRef idx="minor">
+      <a:schemeClr val="tx1"/>
+    </cs:fontRef>
+    <cs:spPr>
+      <a:ln w="9525">
+        <a:solidFill>
+          <a:schemeClr val="phClr"/>
+        </a:solidFill>
+      </a:ln>
+    </cs:spPr>
+  </cs:dataPointMarker>
+  <cs:dataPointMarkerLayout symbol="circle" size="5"/>
+  <cs:dataPointWireframe>
+    <cs:lnRef idx="0">
+      <cs:styleClr val="auto"/>
+    </cs:lnRef>
+    <cs:fillRef idx="0"/>
+    <cs:effectRef idx="0"/>
+    <cs:fontRef idx="minor">
+      <a:schemeClr val="tx1"/>
+    </cs:fontRef>
+    <cs:spPr>
+      <a:ln w="9525" cap="rnd">
+        <a:solidFill>
+          <a:schemeClr val="phClr"/>
+        </a:solidFill>
+        <a:round/>
+      </a:ln>
+    </cs:spPr>
+  </cs:dataPointWireframe>
+  <cs:dataTable>
+    <cs:lnRef idx="0"/>
+    <cs:fillRef idx="0"/>
+    <cs:effectRef idx="0"/>
+    <cs:fontRef idx="minor">
+      <a:schemeClr val="tx1">
+        <a:lumMod val="65000"/>
+        <a:lumOff val="35000"/>
+      </a:schemeClr>
+    </cs:fontRef>
+    <cs:spPr>
+      <a:noFill/>
+      <a:ln w="9525" cap="flat" cmpd="sng" algn="ctr">
+        <a:solidFill>
+          <a:schemeClr val="tx1">
+            <a:lumMod val="15000"/>
+            <a:lumOff val="85000"/>
+          </a:schemeClr>
+        </a:solidFill>
+        <a:round/>
+      </a:ln>
+    </cs:spPr>
+    <cs:defRPr sz="900" kern="1200"/>
+  </cs:dataTable>
+  <cs:downBar>
+    <cs:lnRef idx="0"/>
+    <cs:fillRef idx="0"/>
+    <cs:effectRef idx="0"/>
+    <cs:fontRef idx="minor">
+      <a:schemeClr val="tx1"/>
+    </cs:fontRef>
+    <cs:spPr>
+      <a:solidFill>
+        <a:schemeClr val="dk1">
+          <a:lumMod val="75000"/>
+          <a:lumOff val="25000"/>
+        </a:schemeClr>
+      </a:solidFill>
+      <a:ln w="9525" cap="flat" cmpd="sng" algn="ctr">
+        <a:solidFill>
+          <a:schemeClr val="tx1">
+            <a:lumMod val="65000"/>
+            <a:lumOff val="35000"/>
+          </a:schemeClr>
+        </a:solidFill>
+        <a:round/>
+      </a:ln>
+    </cs:spPr>
+  </cs:downBar>
+  <cs:dropLine>
+    <cs:lnRef idx="0"/>
+    <cs:fillRef idx="0"/>
+    <cs:effectRef idx="0"/>
+    <cs:fontRef idx="minor">
+      <a:schemeClr val="tx1"/>
+    </cs:fontRef>
+    <cs:spPr>
+      <a:ln w="9525" cap="flat" cmpd="sng" algn="ctr">
+        <a:solidFill>
+          <a:schemeClr val="tx1">
+            <a:lumMod val="35000"/>
+            <a:lumOff val="65000"/>
+          </a:schemeClr>
+        </a:solidFill>
+        <a:round/>
+      </a:ln>
+    </cs:spPr>
+  </cs:dropLine>
+  <cs:errorBar>
+    <cs:lnRef idx="0"/>
+    <cs:fillRef idx="0"/>
+    <cs:effectRef idx="0"/>
+    <cs:fontRef idx="minor">
+      <a:schemeClr val="tx1"/>
+    </cs:fontRef>
+    <cs:spPr>
+      <a:ln w="9525" cap="flat" cmpd="sng" algn="ctr">
+        <a:solidFill>
+          <a:schemeClr val="tx1">
+            <a:lumMod val="65000"/>
+            <a:lumOff val="35000"/>
+          </a:schemeClr>
+        </a:solidFill>
+        <a:round/>
+      </a:ln>
+    </cs:spPr>
+  </cs:errorBar>
+  <cs:floor>
+    <cs:lnRef idx="0"/>
+    <cs:fillRef idx="0"/>
+    <cs:effectRef idx="0"/>
+    <cs:fontRef idx="minor">
+      <a:schemeClr val="tx1"/>
+    </cs:fontRef>
+    <cs:spPr>
+      <a:noFill/>
+      <a:ln>
+        <a:noFill/>
+      </a:ln>
+    </cs:spPr>
+  </cs:floor>
+  <cs:gridlineMajor>
+    <cs:lnRef idx="0"/>
+    <cs:fillRef idx="0"/>
+    <cs:effectRef idx="0"/>
+    <cs:fontRef idx="minor">
+      <a:schemeClr val="tx1"/>
+    </cs:fontRef>
+    <cs:spPr>
+      <a:ln w="9525" cap="flat" cmpd="sng" algn="ctr">
+        <a:solidFill>
+          <a:schemeClr val="tx1">
+            <a:lumMod val="15000"/>
+            <a:lumOff val="85000"/>
+          </a:schemeClr>
+        </a:solidFill>
+        <a:round/>
+      </a:ln>
+    </cs:spPr>
+  </cs:gridlineMajor>
+  <cs:gridlineMinor>
+    <cs:lnRef idx="0"/>
+    <cs:fillRef idx="0"/>
+    <cs:effectRef idx="0"/>
+    <cs:fontRef idx="minor">
+      <a:schemeClr val="tx1"/>
+    </cs:fontRef>
+    <cs:spPr>
+      <a:ln w="9525" cap="flat" cmpd="sng" algn="ctr">
+        <a:solidFill>
+          <a:schemeClr val="tx1">
+            <a:lumMod val="5000"/>
+            <a:lumOff val="95000"/>
+          </a:schemeClr>
+        </a:solidFill>
+        <a:round/>
+      </a:ln>
+    </cs:spPr>
+  </cs:gridlineMinor>
+  <cs:hiLoLine>
+    <cs:lnRef idx="0"/>
+    <cs:fillRef idx="0"/>
+    <cs:effectRef idx="0"/>
+    <cs:fontRef idx="minor">
+      <a:schemeClr val="tx1"/>
+    </cs:fontRef>
+    <cs:spPr>
+      <a:ln w="9525" cap="flat" cmpd="sng" algn="ctr">
+        <a:solidFill>
+          <a:schemeClr val="tx1">
+            <a:lumMod val="50000"/>
+            <a:lumOff val="50000"/>
+          </a:schemeClr>
+        </a:solidFill>
+        <a:round/>
+      </a:ln>
+    </cs:spPr>
+  </cs:hiLoLine>
+  <cs:leaderLine>
+    <cs:lnRef idx="0"/>
+    <cs:fillRef idx="0"/>
+    <cs:effectRef idx="0"/>
+    <cs:fontRef idx="minor">
+      <a:schemeClr val="tx1"/>
+    </cs:fontRef>
+    <cs:spPr>
+      <a:ln w="9525" cap="flat" cmpd="sng" algn="ctr">
+        <a:solidFill>
+          <a:schemeClr val="tx1">
+            <a:lumMod val="35000"/>
+            <a:lumOff val="65000"/>
+          </a:schemeClr>
+        </a:solidFill>
+        <a:round/>
+      </a:ln>
+    </cs:spPr>
+  </cs:leaderLine>
+  <cs:legend>
+    <cs:lnRef idx="0"/>
+    <cs:fillRef idx="0"/>
+    <cs:effectRef idx="0"/>
+    <cs:fontRef idx="minor">
+      <a:schemeClr val="tx1">
+        <a:lumMod val="65000"/>
+        <a:lumOff val="35000"/>
+      </a:schemeClr>
+    </cs:fontRef>
+    <cs:defRPr sz="900" kern="1200"/>
+  </cs:legend>
+  <cs:plotArea mods="allowNoFillOverride allowNoLineOverride">
+    <cs:lnRef idx="0"/>
+    <cs:fillRef idx="0"/>
+    <cs:effectRef idx="0"/>
+    <cs:fontRef idx="minor">
+      <a:schemeClr val="tx1"/>
+    </cs:fontRef>
+  </cs:plotArea>
+  <cs:plotArea3D mods="allowNoFillOverride allowNoLineOverride">
+    <cs:lnRef idx="0"/>
+    <cs:fillRef idx="0"/>
+    <cs:effectRef idx="0"/>
+    <cs:fontRef idx="minor">
+      <a:schemeClr val="tx1"/>
+    </cs:fontRef>
+  </cs:plotArea3D>
+  <cs:seriesAxis>
+    <cs:lnRef idx="0"/>
+    <cs:fillRef idx="0"/>
+    <cs:effectRef idx="0"/>
+    <cs:fontRef idx="minor">
+      <a:schemeClr val="tx1">
+        <a:lumMod val="65000"/>
+        <a:lumOff val="35000"/>
+      </a:schemeClr>
+    </cs:fontRef>
+    <cs:defRPr sz="900" kern="1200"/>
+  </cs:seriesAxis>
+  <cs:seriesLine>
+    <cs:lnRef idx="0"/>
+    <cs:fillRef idx="0"/>
+    <cs:effectRef idx="0"/>
+    <cs:fontRef idx="minor">
+      <a:schemeClr val="tx1"/>
+    </cs:fontRef>
+    <cs:spPr>
+      <a:ln w="9525" cap="flat" cmpd="sng" algn="ctr">
+        <a:solidFill>
+          <a:schemeClr val="tx1">
+            <a:lumMod val="35000"/>
+            <a:lumOff val="65000"/>
+          </a:schemeClr>
+        </a:solidFill>
+        <a:round/>
+      </a:ln>
+    </cs:spPr>
+  </cs:seriesLine>
+  <cs:title>
+    <cs:lnRef idx="0"/>
+    <cs:fillRef idx="0"/>
+    <cs:effectRef idx="0"/>
+    <cs:fontRef idx="minor">
+      <a:schemeClr val="tx1">
+        <a:lumMod val="65000"/>
+        <a:lumOff val="35000"/>
+      </a:schemeClr>
+    </cs:fontRef>
+    <cs:defRPr sz="1400" b="0" kern="1200" spc="0" baseline="0"/>
+  </cs:title>
+  <cs:trendline>
+    <cs:lnRef idx="0">
+      <cs:styleClr val="auto"/>
+    </cs:lnRef>
+    <cs:fillRef idx="0"/>
+    <cs:effectRef idx="0"/>
+    <cs:fontRef idx="minor">
+      <a:schemeClr val="tx1"/>
+    </cs:fontRef>
+    <cs:spPr>
+      <a:ln w="19050" cap="rnd">
+        <a:solidFill>
+          <a:schemeClr val="phClr"/>
+        </a:solidFill>
+        <a:prstDash val="sysDot"/>
+      </a:ln>
+    </cs:spPr>
+  </cs:trendline>
+  <cs:trendlineLabel>
+    <cs:lnRef idx="0"/>
+    <cs:fillRef idx="0"/>
+    <cs:effectRef idx="0"/>
+    <cs:fontRef idx="minor">
+      <a:schemeClr val="tx1">
+        <a:lumMod val="65000"/>
+        <a:lumOff val="35000"/>
+      </a:schemeClr>
+    </cs:fontRef>
+    <cs:defRPr sz="900" kern="1200"/>
+  </cs:trendlineLabel>
+  <cs:upBar>
+    <cs:lnRef idx="0"/>
+    <cs:fillRef idx="0"/>
+    <cs:effectRef idx="0"/>
+    <cs:fontRef idx="minor">
+      <a:schemeClr val="tx1"/>
+    </cs:fontRef>
+    <cs:spPr>
+      <a:solidFill>
+        <a:schemeClr val="lt1"/>
+      </a:solidFill>
+      <a:ln w="9525" cap="flat" cmpd="sng" algn="ctr">
+        <a:solidFill>
+          <a:schemeClr val="tx1">
+            <a:lumMod val="65000"/>
+            <a:lumOff val="35000"/>
+          </a:schemeClr>
+        </a:solidFill>
+        <a:round/>
+      </a:ln>
+    </cs:spPr>
+  </cs:upBar>
+  <cs:valueAxis>
+    <cs:lnRef idx="0"/>
+    <cs:fillRef idx="0"/>
+    <cs:effectRef idx="0"/>
+    <cs:fontRef idx="minor">
+      <a:schemeClr val="tx1">
+        <a:lumMod val="65000"/>
+        <a:lumOff val="35000"/>
+      </a:schemeClr>
+    </cs:fontRef>
+    <cs:defRPr sz="900" kern="1200"/>
+  </cs:valueAxis>
+  <cs:wall>
+    <cs:lnRef idx="0"/>
+    <cs:fillRef idx="0"/>
+    <cs:effectRef idx="0"/>
+    <cs:fontRef idx="minor">
+      <a:schemeClr val="tx1"/>
+    </cs:fontRef>
+    <cs:spPr>
+      <a:noFill/>
+      <a:ln>
+        <a:noFill/>
+      </a:ln>
+    </cs:spPr>
+  </cs:wall>
+</cs:chartStyle>
+</file>
+
 <file path=ppt/notesMasters/notesMaster1.xml><?xml version="1.0" encoding="utf-8"?>
 <p:notesMaster xmlns:a="http://schemas.openxmlformats.org/drawingml/2006/main" xmlns:r="http://schemas.openxmlformats.org/officeDocument/2006/relationships" xmlns:p="http://schemas.openxmlformats.org/presentationml/2006/main">
   <p:cSld>
@@ -1993,6 +2957,112 @@
 </file>
 
 <file path=ppt/notesSlides/notesSlide2.xml><?xml version="1.0" encoding="utf-8"?>
+<p:notes xmlns:a="http://schemas.openxmlformats.org/drawingml/2006/main" xmlns:r="http://schemas.openxmlformats.org/officeDocument/2006/relationships" xmlns:p="http://schemas.openxmlformats.org/presentationml/2006/main" showMasterSp="0" showMasterPhAnim="0">
+  <p:cSld>
+    <p:spTree>
+      <p:nvGrpSpPr>
+        <p:cNvPr id="1" name="Shape 50"/>
+        <p:cNvGrpSpPr/>
+        <p:nvPr/>
+      </p:nvGrpSpPr>
+      <p:grpSpPr>
+        <a:xfrm>
+          <a:off x="0" y="0"/>
+          <a:ext cx="0" cy="0"/>
+          <a:chOff x="0" y="0"/>
+          <a:chExt cx="0" cy="0"/>
+        </a:xfrm>
+      </p:grpSpPr>
+      <p:sp>
+        <p:nvSpPr>
+          <p:cNvPr id="51" name="Shape 51"/>
+          <p:cNvSpPr>
+            <a:spLocks noGrp="1" noRot="1" noChangeAspect="1"/>
+          </p:cNvSpPr>
+          <p:nvPr>
+            <p:ph type="sldImg" idx="2"/>
+          </p:nvPr>
+        </p:nvSpPr>
+        <p:spPr>
+          <a:xfrm>
+            <a:off x="381000" y="685800"/>
+            <a:ext cx="6096000" cy="3429000"/>
+          </a:xfrm>
+          <a:custGeom>
+            <a:avLst/>
+            <a:gdLst/>
+            <a:ahLst/>
+            <a:cxnLst/>
+            <a:rect l="0" t="0" r="0" b="0"/>
+            <a:pathLst>
+              <a:path w="120000" h="120000" extrusionOk="0">
+                <a:moveTo>
+                  <a:pt x="0" y="0"/>
+                </a:moveTo>
+                <a:lnTo>
+                  <a:pt x="120000" y="0"/>
+                </a:lnTo>
+                <a:lnTo>
+                  <a:pt x="120000" y="120000"/>
+                </a:lnTo>
+                <a:lnTo>
+                  <a:pt x="0" y="120000"/>
+                </a:lnTo>
+                <a:close/>
+              </a:path>
+            </a:pathLst>
+          </a:custGeom>
+        </p:spPr>
+      </p:sp>
+      <p:sp>
+        <p:nvSpPr>
+          <p:cNvPr id="52" name="Shape 52"/>
+          <p:cNvSpPr txBox="1">
+            <a:spLocks noGrp="1"/>
+          </p:cNvSpPr>
+          <p:nvPr>
+            <p:ph type="body" idx="1"/>
+          </p:nvPr>
+        </p:nvSpPr>
+        <p:spPr>
+          <a:xfrm>
+            <a:off x="685800" y="4343400"/>
+            <a:ext cx="5486400" cy="4114800"/>
+          </a:xfrm>
+          <a:prstGeom prst="rect">
+            <a:avLst/>
+          </a:prstGeom>
+        </p:spPr>
+        <p:txBody>
+          <a:bodyPr wrap="square" lIns="91425" tIns="91425" rIns="91425" bIns="91425" anchor="t" anchorCtr="0">
+            <a:noAutofit/>
+          </a:bodyPr>
+          <a:lstStyle/>
+          <a:p>
+            <a:pPr lvl="0" rtl="0">
+              <a:spcBef>
+                <a:spcPts val="0"/>
+              </a:spcBef>
+              <a:buNone/>
+            </a:pPr>
+            <a:endParaRPr/>
+          </a:p>
+        </p:txBody>
+      </p:sp>
+    </p:spTree>
+    <p:extLst>
+      <p:ext uri="{BB962C8B-B14F-4D97-AF65-F5344CB8AC3E}">
+        <p14:creationId xmlns:p14="http://schemas.microsoft.com/office/powerpoint/2010/main" val="3729905291"/>
+      </p:ext>
+    </p:extLst>
+  </p:cSld>
+  <p:clrMapOvr>
+    <a:masterClrMapping/>
+  </p:clrMapOvr>
+</p:notes>
+</file>
+
+<file path=ppt/notesSlides/notesSlide3.xml><?xml version="1.0" encoding="utf-8"?>
 <p:notes xmlns:a="http://schemas.openxmlformats.org/drawingml/2006/main" xmlns:r="http://schemas.openxmlformats.org/officeDocument/2006/relationships" xmlns:p="http://schemas.openxmlformats.org/presentationml/2006/main" showMasterSp="0" showMasterPhAnim="0">
   <p:cSld>
     <p:spTree>
@@ -5491,8 +6561,8 @@
           </a:p>
           <a:p>
             <a:r>
-              <a:rPr lang="zh-CN" altLang="en-US"/>
-              <a:t>学员们的学历分布是如何？</a:t>
+              <a:rPr lang="zh-CN" altLang="en-US" dirty="0"/>
+              <a:t>学员们的学历情况如何？</a:t>
             </a:r>
             <a:endParaRPr lang="en-US" altLang="zh-CN" dirty="0"/>
           </a:p>
@@ -5733,8 +6803,8 @@
           </a:p>
         </p:txBody>
       </p:sp>
-      <mc:AlternateContent xmlns:mc="http://schemas.openxmlformats.org/markup-compatibility/2006">
-        <mc:Choice xmlns:cx1="http://schemas.microsoft.com/office/drawing/2015/9/8/chartex" Requires="cx1">
+      <mc:AlternateContent xmlns:mc="http://schemas.openxmlformats.org/markup-compatibility/2006" xmlns:cx1="http://schemas.microsoft.com/office/drawing/2015/9/8/chartex">
+        <mc:Choice Requires="cx1">
           <p:graphicFrame>
             <p:nvGraphicFramePr>
               <p:cNvPr id="7" name="图表 6">
@@ -5764,7 +6834,7 @@
             </a:graphic>
           </p:graphicFrame>
         </mc:Choice>
-        <mc:Fallback>
+        <mc:Fallback xmlns="">
           <p:pic>
             <p:nvPicPr>
               <p:cNvPr id="7" name="图表 6">
@@ -6126,6 +7196,687 @@
 </file>
 
 <file path=ppt/slides/slide3.xml><?xml version="1.0" encoding="utf-8"?>
+<p:sld xmlns:a="http://schemas.openxmlformats.org/drawingml/2006/main" xmlns:r="http://schemas.openxmlformats.org/officeDocument/2006/relationships" xmlns:p="http://schemas.openxmlformats.org/presentationml/2006/main">
+  <p:cSld>
+    <p:spTree>
+      <p:nvGrpSpPr>
+        <p:cNvPr id="1" name="Shape 53"/>
+        <p:cNvGrpSpPr/>
+        <p:nvPr/>
+      </p:nvGrpSpPr>
+      <p:grpSpPr>
+        <a:xfrm>
+          <a:off x="0" y="0"/>
+          <a:ext cx="0" cy="0"/>
+          <a:chOff x="0" y="0"/>
+          <a:chExt cx="0" cy="0"/>
+        </a:xfrm>
+      </p:grpSpPr>
+      <p:sp>
+        <p:nvSpPr>
+          <p:cNvPr id="54" name="Shape 54"/>
+          <p:cNvSpPr txBox="1">
+            <a:spLocks noGrp="1"/>
+          </p:cNvSpPr>
+          <p:nvPr>
+            <p:ph type="body" idx="1"/>
+          </p:nvPr>
+        </p:nvSpPr>
+        <p:spPr>
+          <a:xfrm>
+            <a:off x="304025" y="3945575"/>
+            <a:ext cx="7254600" cy="795600"/>
+          </a:xfrm>
+          <a:prstGeom prst="rect">
+            <a:avLst/>
+          </a:prstGeom>
+          <a:solidFill>
+            <a:srgbClr val="FFFFFF"/>
+          </a:solidFill>
+          <a:ln w="9525" cap="flat" cmpd="sng">
+            <a:solidFill>
+              <a:srgbClr val="FFFFFF"/>
+            </a:solidFill>
+            <a:prstDash val="solid"/>
+            <a:round/>
+            <a:headEnd type="none" w="med" len="med"/>
+            <a:tailEnd type="none" w="med" len="med"/>
+          </a:ln>
+        </p:spPr>
+        <p:txBody>
+          <a:bodyPr wrap="square" lIns="91425" tIns="91425" rIns="91425" bIns="91425" anchor="t" anchorCtr="0">
+            <a:noAutofit/>
+          </a:bodyPr>
+          <a:lstStyle/>
+          <a:p>
+            <a:pPr lvl="0" rtl="0">
+              <a:spcBef>
+                <a:spcPts val="0"/>
+              </a:spcBef>
+              <a:buNone/>
+            </a:pPr>
+            <a:r>
+              <a:rPr lang="zh-CN" altLang="en-US" dirty="0">
+                <a:latin typeface="Open Sans"/>
+                <a:ea typeface="Open Sans"/>
+                <a:cs typeface="Open Sans"/>
+                <a:sym typeface="Open Sans"/>
+              </a:rPr>
+              <a:t>从学员们的学历构成来看，拥有硕士学历的人数最多，</a:t>
+            </a:r>
+            <a:r>
+              <a:rPr lang="en-US" altLang="zh-CN" dirty="0">
+                <a:latin typeface="Open Sans"/>
+                <a:ea typeface="Open Sans"/>
+                <a:cs typeface="Open Sans"/>
+                <a:sym typeface="Open Sans"/>
+              </a:rPr>
+              <a:t>290</a:t>
+            </a:r>
+            <a:r>
+              <a:rPr lang="zh-CN" altLang="en-US" dirty="0">
+                <a:latin typeface="Open Sans"/>
+                <a:ea typeface="Open Sans"/>
+                <a:cs typeface="Open Sans"/>
+                <a:sym typeface="Open Sans"/>
+              </a:rPr>
+              <a:t>人，占比</a:t>
+            </a:r>
+            <a:r>
+              <a:rPr lang="en-US" altLang="zh-CN" dirty="0">
+                <a:latin typeface="Open Sans"/>
+                <a:ea typeface="Open Sans"/>
+                <a:cs typeface="Open Sans"/>
+                <a:sym typeface="Open Sans"/>
+              </a:rPr>
+              <a:t>42%</a:t>
+            </a:r>
+            <a:r>
+              <a:rPr lang="zh-CN" altLang="en-US" dirty="0">
+                <a:latin typeface="Open Sans"/>
+                <a:ea typeface="Open Sans"/>
+                <a:cs typeface="Open Sans"/>
+                <a:sym typeface="Open Sans"/>
+              </a:rPr>
+              <a:t>；拥有副学士学历的人数最少，只有</a:t>
+            </a:r>
+            <a:r>
+              <a:rPr lang="en-US" altLang="zh-CN" dirty="0">
+                <a:latin typeface="Open Sans"/>
+                <a:ea typeface="Open Sans"/>
+                <a:cs typeface="Open Sans"/>
+                <a:sym typeface="Open Sans"/>
+              </a:rPr>
+              <a:t>10</a:t>
+            </a:r>
+            <a:r>
+              <a:rPr lang="zh-CN" altLang="en-US" dirty="0">
+                <a:latin typeface="Open Sans"/>
+                <a:ea typeface="Open Sans"/>
+                <a:cs typeface="Open Sans"/>
+                <a:sym typeface="Open Sans"/>
+              </a:rPr>
+              <a:t>人，占比</a:t>
+            </a:r>
+            <a:r>
+              <a:rPr lang="en-US" altLang="zh-CN" dirty="0">
+                <a:latin typeface="Open Sans"/>
+                <a:ea typeface="Open Sans"/>
+                <a:cs typeface="Open Sans"/>
+                <a:sym typeface="Open Sans"/>
+              </a:rPr>
+              <a:t>1%</a:t>
+            </a:r>
+            <a:r>
+              <a:rPr lang="zh-CN" altLang="en-US" dirty="0">
+                <a:latin typeface="Open Sans"/>
+                <a:ea typeface="Open Sans"/>
+                <a:cs typeface="Open Sans"/>
+                <a:sym typeface="Open Sans"/>
+              </a:rPr>
+              <a:t>。</a:t>
+            </a:r>
+            <a:endParaRPr lang="en" dirty="0">
+              <a:latin typeface="Open Sans"/>
+              <a:ea typeface="Open Sans"/>
+              <a:cs typeface="Open Sans"/>
+              <a:sym typeface="Open Sans"/>
+            </a:endParaRPr>
+          </a:p>
+        </p:txBody>
+      </p:sp>
+      <p:sp>
+        <p:nvSpPr>
+          <p:cNvPr id="55" name="Shape 55"/>
+          <p:cNvSpPr txBox="1">
+            <a:spLocks noGrp="1"/>
+          </p:cNvSpPr>
+          <p:nvPr>
+            <p:ph type="title"/>
+          </p:nvPr>
+        </p:nvSpPr>
+        <p:spPr>
+          <a:xfrm>
+            <a:off x="0" y="0"/>
+            <a:ext cx="9144000" cy="795600"/>
+          </a:xfrm>
+          <a:prstGeom prst="rect">
+            <a:avLst/>
+          </a:prstGeom>
+          <a:solidFill>
+            <a:srgbClr val="073763"/>
+          </a:solidFill>
+        </p:spPr>
+        <p:txBody>
+          <a:bodyPr wrap="square" lIns="91425" tIns="91425" rIns="91425" bIns="91425" anchor="ctr" anchorCtr="0">
+            <a:noAutofit/>
+          </a:bodyPr>
+          <a:lstStyle/>
+          <a:p>
+            <a:r>
+              <a:rPr lang="en-US" altLang="zh-CN" dirty="0">
+                <a:solidFill>
+                  <a:schemeClr val="bg1"/>
+                </a:solidFill>
+              </a:rPr>
+              <a:t>Q1</a:t>
+            </a:r>
+            <a:r>
+              <a:rPr lang="zh-CN" altLang="en-US" dirty="0">
+                <a:solidFill>
+                  <a:schemeClr val="bg1"/>
+                </a:solidFill>
+              </a:rPr>
+              <a:t>：学员们的学历情况如何</a:t>
+            </a:r>
+            <a:r>
+              <a:rPr lang="en" dirty="0">
+                <a:solidFill>
+                  <a:schemeClr val="bg1"/>
+                </a:solidFill>
+                <a:latin typeface="Open Sans"/>
+                <a:ea typeface="Open Sans"/>
+                <a:cs typeface="Open Sans"/>
+                <a:sym typeface="Open Sans"/>
+              </a:rPr>
+              <a:t>?</a:t>
+            </a:r>
+          </a:p>
+        </p:txBody>
+      </p:sp>
+      <p:graphicFrame>
+        <p:nvGraphicFramePr>
+          <p:cNvPr id="9" name="图表 8">
+            <a:extLst>
+              <a:ext uri="{FF2B5EF4-FFF2-40B4-BE49-F238E27FC236}">
+                <a16:creationId xmlns:a16="http://schemas.microsoft.com/office/drawing/2014/main" id="{938D209E-040C-4692-A13D-DEE9CA3FCDBC}"/>
+              </a:ext>
+            </a:extLst>
+          </p:cNvPr>
+          <p:cNvGraphicFramePr>
+            <a:graphicFrameLocks/>
+          </p:cNvGraphicFramePr>
+          <p:nvPr>
+            <p:extLst>
+              <p:ext uri="{D42A27DB-BD31-4B8C-83A1-F6EECF244321}">
+                <p14:modId xmlns:p14="http://schemas.microsoft.com/office/powerpoint/2010/main" val="1482137237"/>
+              </p:ext>
+            </p:extLst>
+          </p:nvPr>
+        </p:nvGraphicFramePr>
+        <p:xfrm>
+          <a:off x="379291" y="1101739"/>
+          <a:ext cx="4572000" cy="2743200"/>
+        </p:xfrm>
+        <a:graphic>
+          <a:graphicData uri="http://schemas.openxmlformats.org/drawingml/2006/chart">
+            <c:chart xmlns:c="http://schemas.openxmlformats.org/drawingml/2006/chart" xmlns:r="http://schemas.openxmlformats.org/officeDocument/2006/relationships" r:id="rId3"/>
+          </a:graphicData>
+        </a:graphic>
+      </p:graphicFrame>
+      <p:graphicFrame>
+        <p:nvGraphicFramePr>
+          <p:cNvPr id="4" name="表格 3">
+            <a:extLst>
+              <a:ext uri="{FF2B5EF4-FFF2-40B4-BE49-F238E27FC236}">
+                <a16:creationId xmlns:a16="http://schemas.microsoft.com/office/drawing/2014/main" id="{51045345-A0C8-48D7-9155-85D656B567E4}"/>
+              </a:ext>
+            </a:extLst>
+          </p:cNvPr>
+          <p:cNvGraphicFramePr>
+            <a:graphicFrameLocks noGrp="1"/>
+          </p:cNvGraphicFramePr>
+          <p:nvPr>
+            <p:extLst>
+              <p:ext uri="{D42A27DB-BD31-4B8C-83A1-F6EECF244321}">
+                <p14:modId xmlns:p14="http://schemas.microsoft.com/office/powerpoint/2010/main" val="3273035703"/>
+              </p:ext>
+            </p:extLst>
+          </p:nvPr>
+        </p:nvGraphicFramePr>
+        <p:xfrm>
+          <a:off x="5792425" y="1524920"/>
+          <a:ext cx="2449476" cy="2057156"/>
+        </p:xfrm>
+        <a:graphic>
+          <a:graphicData uri="http://schemas.openxmlformats.org/drawingml/2006/table">
+            <a:tbl>
+              <a:tblPr>
+                <a:tableStyleId>{EED877B6-9551-4359-846F-FAFF3EFF04A8}</a:tableStyleId>
+              </a:tblPr>
+              <a:tblGrid>
+                <a:gridCol w="1699094">
+                  <a:extLst>
+                    <a:ext uri="{9D8B030D-6E8A-4147-A177-3AD203B41FA5}">
+                      <a16:colId xmlns:a16="http://schemas.microsoft.com/office/drawing/2014/main" val="3428682470"/>
+                    </a:ext>
+                  </a:extLst>
+                </a:gridCol>
+                <a:gridCol w="750382">
+                  <a:extLst>
+                    <a:ext uri="{9D8B030D-6E8A-4147-A177-3AD203B41FA5}">
+                      <a16:colId xmlns:a16="http://schemas.microsoft.com/office/drawing/2014/main" val="4193101568"/>
+                    </a:ext>
+                  </a:extLst>
+                </a:gridCol>
+              </a:tblGrid>
+              <a:tr h="293518">
+                <a:tc>
+                  <a:txBody>
+                    <a:bodyPr/>
+                    <a:lstStyle/>
+                    <a:p>
+                      <a:pPr algn="ctr" fontAlgn="b"/>
+                      <a:r>
+                        <a:rPr lang="zh-CN" altLang="en-US" sz="1000" b="0" i="0" u="none" strike="noStrike" dirty="0">
+                          <a:solidFill>
+                            <a:srgbClr val="000000"/>
+                          </a:solidFill>
+                          <a:effectLst/>
+                          <a:latin typeface="Arial" panose="020B0604020202020204" pitchFamily="34" charset="0"/>
+                        </a:rPr>
+                        <a:t>最高学历</a:t>
+                      </a:r>
+                      <a:endParaRPr lang="en-US" sz="1000" b="0" i="0" u="none" strike="noStrike" dirty="0">
+                        <a:solidFill>
+                          <a:srgbClr val="000000"/>
+                        </a:solidFill>
+                        <a:effectLst/>
+                        <a:latin typeface="Arial" panose="020B0604020202020204" pitchFamily="34" charset="0"/>
+                      </a:endParaRPr>
+                    </a:p>
+                  </a:txBody>
+                  <a:tcPr marL="5443" marR="5443" marT="5443" marB="0" anchor="b"/>
+                </a:tc>
+                <a:tc>
+                  <a:txBody>
+                    <a:bodyPr/>
+                    <a:lstStyle/>
+                    <a:p>
+                      <a:pPr algn="ctr" fontAlgn="b"/>
+                      <a:r>
+                        <a:rPr lang="zh-CN" altLang="en-US" sz="1000" b="0" i="0" u="none" strike="noStrike" dirty="0">
+                          <a:solidFill>
+                            <a:srgbClr val="000000"/>
+                          </a:solidFill>
+                          <a:effectLst/>
+                          <a:latin typeface="Arial" panose="020B0604020202020204" pitchFamily="34" charset="0"/>
+                        </a:rPr>
+                        <a:t>人数</a:t>
+                      </a:r>
+                      <a:endParaRPr lang="en-US" altLang="zh-CN" sz="1000" b="0" i="0" u="none" strike="noStrike" dirty="0">
+                        <a:solidFill>
+                          <a:srgbClr val="000000"/>
+                        </a:solidFill>
+                        <a:effectLst/>
+                        <a:latin typeface="Arial" panose="020B0604020202020204" pitchFamily="34" charset="0"/>
+                      </a:endParaRPr>
+                    </a:p>
+                  </a:txBody>
+                  <a:tcPr marL="5443" marR="5443" marT="5443" marB="0" anchor="b"/>
+                </a:tc>
+                <a:extLst>
+                  <a:ext uri="{0D108BD9-81ED-4DB2-BD59-A6C34878D82A}">
+                    <a16:rowId xmlns:a16="http://schemas.microsoft.com/office/drawing/2014/main" val="840585937"/>
+                  </a:ext>
+                </a:extLst>
+              </a:tr>
+              <a:tr h="293518">
+                <a:tc>
+                  <a:txBody>
+                    <a:bodyPr/>
+                    <a:lstStyle/>
+                    <a:p>
+                      <a:pPr algn="ctr" fontAlgn="b"/>
+                      <a:r>
+                        <a:rPr lang="en-US" sz="1000" u="none" strike="noStrike" dirty="0">
+                          <a:effectLst/>
+                        </a:rPr>
+                        <a:t>Masters</a:t>
+                      </a:r>
+                      <a:endParaRPr lang="en-US" sz="1000" b="0" i="0" u="none" strike="noStrike" dirty="0">
+                        <a:solidFill>
+                          <a:srgbClr val="000000"/>
+                        </a:solidFill>
+                        <a:effectLst/>
+                        <a:latin typeface="Arial" panose="020B0604020202020204" pitchFamily="34" charset="0"/>
+                      </a:endParaRPr>
+                    </a:p>
+                  </a:txBody>
+                  <a:tcPr marL="5443" marR="5443" marT="5443" marB="0" anchor="b"/>
+                </a:tc>
+                <a:tc>
+                  <a:txBody>
+                    <a:bodyPr/>
+                    <a:lstStyle/>
+                    <a:p>
+                      <a:pPr algn="ctr" fontAlgn="b"/>
+                      <a:r>
+                        <a:rPr lang="en-US" altLang="zh-CN" sz="1000" u="none" strike="noStrike">
+                          <a:effectLst/>
+                        </a:rPr>
+                        <a:t>290</a:t>
+                      </a:r>
+                      <a:endParaRPr lang="en-US" altLang="zh-CN" sz="1000" b="0" i="0" u="none" strike="noStrike">
+                        <a:solidFill>
+                          <a:srgbClr val="000000"/>
+                        </a:solidFill>
+                        <a:effectLst/>
+                        <a:latin typeface="Arial" panose="020B0604020202020204" pitchFamily="34" charset="0"/>
+                      </a:endParaRPr>
+                    </a:p>
+                  </a:txBody>
+                  <a:tcPr marL="5443" marR="5443" marT="5443" marB="0" anchor="b"/>
+                </a:tc>
+                <a:extLst>
+                  <a:ext uri="{0D108BD9-81ED-4DB2-BD59-A6C34878D82A}">
+                    <a16:rowId xmlns:a16="http://schemas.microsoft.com/office/drawing/2014/main" val="3431000670"/>
+                  </a:ext>
+                </a:extLst>
+              </a:tr>
+              <a:tr h="294024">
+                <a:tc>
+                  <a:txBody>
+                    <a:bodyPr/>
+                    <a:lstStyle/>
+                    <a:p>
+                      <a:pPr algn="ctr" fontAlgn="b"/>
+                      <a:r>
+                        <a:rPr lang="en-US" sz="1000" u="none" strike="noStrike" dirty="0">
+                          <a:effectLst/>
+                        </a:rPr>
+                        <a:t>Bachelors</a:t>
+                      </a:r>
+                      <a:endParaRPr lang="en-US" sz="1000" b="0" i="0" u="none" strike="noStrike" dirty="0">
+                        <a:solidFill>
+                          <a:srgbClr val="000000"/>
+                        </a:solidFill>
+                        <a:effectLst/>
+                        <a:latin typeface="Arial" panose="020B0604020202020204" pitchFamily="34" charset="0"/>
+                      </a:endParaRPr>
+                    </a:p>
+                  </a:txBody>
+                  <a:tcPr marL="5443" marR="5443" marT="5443" marB="0" anchor="b"/>
+                </a:tc>
+                <a:tc>
+                  <a:txBody>
+                    <a:bodyPr/>
+                    <a:lstStyle/>
+                    <a:p>
+                      <a:pPr algn="ctr" fontAlgn="b"/>
+                      <a:r>
+                        <a:rPr lang="en-US" altLang="zh-CN" sz="1000" u="none" strike="noStrike">
+                          <a:effectLst/>
+                        </a:rPr>
+                        <a:t>265</a:t>
+                      </a:r>
+                      <a:endParaRPr lang="en-US" altLang="zh-CN" sz="1000" b="0" i="0" u="none" strike="noStrike">
+                        <a:solidFill>
+                          <a:srgbClr val="000000"/>
+                        </a:solidFill>
+                        <a:effectLst/>
+                        <a:latin typeface="Arial" panose="020B0604020202020204" pitchFamily="34" charset="0"/>
+                      </a:endParaRPr>
+                    </a:p>
+                  </a:txBody>
+                  <a:tcPr marL="5443" marR="5443" marT="5443" marB="0" anchor="b"/>
+                </a:tc>
+                <a:extLst>
+                  <a:ext uri="{0D108BD9-81ED-4DB2-BD59-A6C34878D82A}">
+                    <a16:rowId xmlns:a16="http://schemas.microsoft.com/office/drawing/2014/main" val="1449651009"/>
+                  </a:ext>
+                </a:extLst>
+              </a:tr>
+              <a:tr h="294024">
+                <a:tc>
+                  <a:txBody>
+                    <a:bodyPr/>
+                    <a:lstStyle/>
+                    <a:p>
+                      <a:pPr algn="ctr" fontAlgn="b"/>
+                      <a:r>
+                        <a:rPr lang="en-US" sz="1000" u="none" strike="noStrike" dirty="0">
+                          <a:effectLst/>
+                        </a:rPr>
+                        <a:t>PhD</a:t>
+                      </a:r>
+                      <a:endParaRPr lang="en-US" sz="1000" b="0" i="0" u="none" strike="noStrike" dirty="0">
+                        <a:solidFill>
+                          <a:srgbClr val="000000"/>
+                        </a:solidFill>
+                        <a:effectLst/>
+                        <a:latin typeface="Arial" panose="020B0604020202020204" pitchFamily="34" charset="0"/>
+                      </a:endParaRPr>
+                    </a:p>
+                  </a:txBody>
+                  <a:tcPr marL="5443" marR="5443" marT="5443" marB="0" anchor="b"/>
+                </a:tc>
+                <a:tc>
+                  <a:txBody>
+                    <a:bodyPr/>
+                    <a:lstStyle/>
+                    <a:p>
+                      <a:pPr algn="ctr" fontAlgn="b"/>
+                      <a:r>
+                        <a:rPr lang="en-US" altLang="zh-CN" sz="1000" u="none" strike="noStrike">
+                          <a:effectLst/>
+                        </a:rPr>
+                        <a:t>68</a:t>
+                      </a:r>
+                      <a:endParaRPr lang="en-US" altLang="zh-CN" sz="1000" b="0" i="0" u="none" strike="noStrike">
+                        <a:solidFill>
+                          <a:srgbClr val="000000"/>
+                        </a:solidFill>
+                        <a:effectLst/>
+                        <a:latin typeface="Arial" panose="020B0604020202020204" pitchFamily="34" charset="0"/>
+                      </a:endParaRPr>
+                    </a:p>
+                  </a:txBody>
+                  <a:tcPr marL="5443" marR="5443" marT="5443" marB="0" anchor="b"/>
+                </a:tc>
+                <a:extLst>
+                  <a:ext uri="{0D108BD9-81ED-4DB2-BD59-A6C34878D82A}">
+                    <a16:rowId xmlns:a16="http://schemas.microsoft.com/office/drawing/2014/main" val="3803391834"/>
+                  </a:ext>
+                </a:extLst>
+              </a:tr>
+              <a:tr h="294024">
+                <a:tc>
+                  <a:txBody>
+                    <a:bodyPr/>
+                    <a:lstStyle/>
+                    <a:p>
+                      <a:pPr algn="ctr" fontAlgn="b"/>
+                      <a:r>
+                        <a:rPr lang="en-US" sz="1000" u="none" strike="noStrike" dirty="0">
+                          <a:effectLst/>
+                        </a:rPr>
+                        <a:t>Nanodegree Program</a:t>
+                      </a:r>
+                      <a:endParaRPr lang="en-US" sz="1000" b="0" i="0" u="none" strike="noStrike" dirty="0">
+                        <a:solidFill>
+                          <a:srgbClr val="000000"/>
+                        </a:solidFill>
+                        <a:effectLst/>
+                        <a:latin typeface="Arial" panose="020B0604020202020204" pitchFamily="34" charset="0"/>
+                      </a:endParaRPr>
+                    </a:p>
+                  </a:txBody>
+                  <a:tcPr marL="5443" marR="5443" marT="5443" marB="0" anchor="b"/>
+                </a:tc>
+                <a:tc>
+                  <a:txBody>
+                    <a:bodyPr/>
+                    <a:lstStyle/>
+                    <a:p>
+                      <a:pPr algn="ctr" fontAlgn="b"/>
+                      <a:r>
+                        <a:rPr lang="en-US" altLang="zh-CN" sz="1000" u="none" strike="noStrike">
+                          <a:effectLst/>
+                        </a:rPr>
+                        <a:t>43</a:t>
+                      </a:r>
+                      <a:endParaRPr lang="en-US" altLang="zh-CN" sz="1000" b="0" i="0" u="none" strike="noStrike">
+                        <a:solidFill>
+                          <a:srgbClr val="000000"/>
+                        </a:solidFill>
+                        <a:effectLst/>
+                        <a:latin typeface="Arial" panose="020B0604020202020204" pitchFamily="34" charset="0"/>
+                      </a:endParaRPr>
+                    </a:p>
+                  </a:txBody>
+                  <a:tcPr marL="5443" marR="5443" marT="5443" marB="0" anchor="b"/>
+                </a:tc>
+                <a:extLst>
+                  <a:ext uri="{0D108BD9-81ED-4DB2-BD59-A6C34878D82A}">
+                    <a16:rowId xmlns:a16="http://schemas.microsoft.com/office/drawing/2014/main" val="918760539"/>
+                  </a:ext>
+                </a:extLst>
+              </a:tr>
+              <a:tr h="294024">
+                <a:tc>
+                  <a:txBody>
+                    <a:bodyPr/>
+                    <a:lstStyle/>
+                    <a:p>
+                      <a:pPr algn="ctr" fontAlgn="b"/>
+                      <a:r>
+                        <a:rPr lang="en-US" sz="1000" u="none" strike="noStrike" dirty="0">
+                          <a:effectLst/>
+                        </a:rPr>
+                        <a:t>High school or below</a:t>
+                      </a:r>
+                      <a:endParaRPr lang="en-US" sz="1000" b="0" i="0" u="none" strike="noStrike" dirty="0">
+                        <a:solidFill>
+                          <a:srgbClr val="000000"/>
+                        </a:solidFill>
+                        <a:effectLst/>
+                        <a:latin typeface="Arial" panose="020B0604020202020204" pitchFamily="34" charset="0"/>
+                      </a:endParaRPr>
+                    </a:p>
+                  </a:txBody>
+                  <a:tcPr marL="5443" marR="5443" marT="5443" marB="0" anchor="b"/>
+                </a:tc>
+                <a:tc>
+                  <a:txBody>
+                    <a:bodyPr/>
+                    <a:lstStyle/>
+                    <a:p>
+                      <a:pPr algn="ctr" fontAlgn="b"/>
+                      <a:r>
+                        <a:rPr lang="en-US" altLang="zh-CN" sz="1000" u="none" strike="noStrike" dirty="0">
+                          <a:effectLst/>
+                        </a:rPr>
+                        <a:t>24</a:t>
+                      </a:r>
+                      <a:endParaRPr lang="en-US" altLang="zh-CN" sz="1000" b="0" i="0" u="none" strike="noStrike" dirty="0">
+                        <a:solidFill>
+                          <a:srgbClr val="000000"/>
+                        </a:solidFill>
+                        <a:effectLst/>
+                        <a:latin typeface="Arial" panose="020B0604020202020204" pitchFamily="34" charset="0"/>
+                      </a:endParaRPr>
+                    </a:p>
+                  </a:txBody>
+                  <a:tcPr marL="5443" marR="5443" marT="5443" marB="0" anchor="b"/>
+                </a:tc>
+                <a:extLst>
+                  <a:ext uri="{0D108BD9-81ED-4DB2-BD59-A6C34878D82A}">
+                    <a16:rowId xmlns:a16="http://schemas.microsoft.com/office/drawing/2014/main" val="3972948307"/>
+                  </a:ext>
+                </a:extLst>
+              </a:tr>
+              <a:tr h="294024">
+                <a:tc>
+                  <a:txBody>
+                    <a:bodyPr/>
+                    <a:lstStyle/>
+                    <a:p>
+                      <a:pPr algn="ctr" fontAlgn="b"/>
+                      <a:r>
+                        <a:rPr lang="en-US" sz="1000" u="none" strike="noStrike" dirty="0">
+                          <a:effectLst/>
+                        </a:rPr>
+                        <a:t>Associates</a:t>
+                      </a:r>
+                      <a:endParaRPr lang="en-US" sz="1000" b="0" i="0" u="none" strike="noStrike" dirty="0">
+                        <a:solidFill>
+                          <a:srgbClr val="000000"/>
+                        </a:solidFill>
+                        <a:effectLst/>
+                        <a:latin typeface="Arial" panose="020B0604020202020204" pitchFamily="34" charset="0"/>
+                      </a:endParaRPr>
+                    </a:p>
+                  </a:txBody>
+                  <a:tcPr marL="5443" marR="5443" marT="5443" marB="0" anchor="b"/>
+                </a:tc>
+                <a:tc>
+                  <a:txBody>
+                    <a:bodyPr/>
+                    <a:lstStyle/>
+                    <a:p>
+                      <a:pPr algn="ctr" fontAlgn="b"/>
+                      <a:r>
+                        <a:rPr lang="en-US" altLang="zh-CN" sz="1000" u="none" strike="noStrike" dirty="0">
+                          <a:effectLst/>
+                        </a:rPr>
+                        <a:t>10</a:t>
+                      </a:r>
+                      <a:endParaRPr lang="en-US" altLang="zh-CN" sz="1000" b="0" i="0" u="none" strike="noStrike" dirty="0">
+                        <a:solidFill>
+                          <a:srgbClr val="000000"/>
+                        </a:solidFill>
+                        <a:effectLst/>
+                        <a:latin typeface="Arial" panose="020B0604020202020204" pitchFamily="34" charset="0"/>
+                      </a:endParaRPr>
+                    </a:p>
+                  </a:txBody>
+                  <a:tcPr marL="5443" marR="5443" marT="5443" marB="0" anchor="b"/>
+                </a:tc>
+                <a:extLst>
+                  <a:ext uri="{0D108BD9-81ED-4DB2-BD59-A6C34878D82A}">
+                    <a16:rowId xmlns:a16="http://schemas.microsoft.com/office/drawing/2014/main" val="1827578172"/>
+                  </a:ext>
+                </a:extLst>
+              </a:tr>
+            </a:tbl>
+          </a:graphicData>
+        </a:graphic>
+      </p:graphicFrame>
+    </p:spTree>
+    <p:extLst>
+      <p:ext uri="{BB962C8B-B14F-4D97-AF65-F5344CB8AC3E}">
+        <p14:creationId xmlns:p14="http://schemas.microsoft.com/office/powerpoint/2010/main" val="68562495"/>
+      </p:ext>
+    </p:extLst>
+  </p:cSld>
+  <p:clrMapOvr>
+    <a:masterClrMapping/>
+  </p:clrMapOvr>
+</p:sld>
+</file>
+
+<file path=ppt/slides/slide4.xml><?xml version="1.0" encoding="utf-8"?>
 <p:sld xmlns:a="http://schemas.openxmlformats.org/drawingml/2006/main" xmlns:r="http://schemas.openxmlformats.org/officeDocument/2006/relationships" xmlns:p="http://schemas.openxmlformats.org/presentationml/2006/main">
   <p:cSld>
     <p:spTree>

--- a/DA_Business/project/p1_survey/项目一：调查问卷数据/survey-project-submission-template.pptx
+++ b/DA_Business/project/p1_survey/项目一：调查问卷数据/survey-project-submission-template.pptx
@@ -5,35 +5,36 @@
     <p:sldMasterId id="2147483659" r:id="rId1"/>
   </p:sldMasterIdLst>
   <p:notesMasterIdLst>
-    <p:notesMasterId r:id="rId6"/>
+    <p:notesMasterId r:id="rId7"/>
   </p:notesMasterIdLst>
   <p:sldIdLst>
     <p:sldId id="257" r:id="rId2"/>
     <p:sldId id="256" r:id="rId3"/>
     <p:sldId id="259" r:id="rId4"/>
-    <p:sldId id="258" r:id="rId5"/>
+    <p:sldId id="260" r:id="rId5"/>
+    <p:sldId id="258" r:id="rId6"/>
   </p:sldIdLst>
   <p:sldSz cx="9144000" cy="5143500" type="screen16x9"/>
   <p:notesSz cx="6858000" cy="9144000"/>
   <p:embeddedFontLst>
     <p:embeddedFont>
       <p:font typeface="Calibri" panose="020F0502020204030204" pitchFamily="34" charset="0"/>
-      <p:regular r:id="rId7"/>
-      <p:bold r:id="rId8"/>
-      <p:italic r:id="rId9"/>
-      <p:boldItalic r:id="rId10"/>
+      <p:regular r:id="rId8"/>
+      <p:bold r:id="rId9"/>
+      <p:italic r:id="rId10"/>
+      <p:boldItalic r:id="rId11"/>
     </p:embeddedFont>
     <p:embeddedFont>
       <p:font typeface="Open Sans" panose="02010600030101010101" charset="0"/>
-      <p:regular r:id="rId11"/>
-      <p:bold r:id="rId12"/>
-      <p:italic r:id="rId13"/>
-      <p:boldItalic r:id="rId14"/>
+      <p:regular r:id="rId12"/>
+      <p:bold r:id="rId13"/>
+      <p:italic r:id="rId14"/>
+      <p:boldItalic r:id="rId15"/>
     </p:embeddedFont>
     <p:embeddedFont>
       <p:font typeface="等线" panose="02010600030101010101" pitchFamily="2" charset="-122"/>
-      <p:regular r:id="rId15"/>
-      <p:bold r:id="rId16"/>
+      <p:regular r:id="rId16"/>
+      <p:bold r:id="rId17"/>
     </p:embeddedFont>
   </p:embeddedFontLst>
   <p:defaultTextStyle>
@@ -1482,6 +1483,435 @@
 </cx:chartSpace>
 </file>
 
+<file path=ppt/charts/chartEx2.xml><?xml version="1.0" encoding="utf-8"?>
+<cx:chartSpace xmlns:a="http://schemas.openxmlformats.org/drawingml/2006/main" xmlns:r="http://schemas.openxmlformats.org/officeDocument/2006/relationships" xmlns:cx="http://schemas.microsoft.com/office/drawing/2014/chartex">
+  <cx:chartData>
+    <cx:externalData r:id="rId1" cx:autoUpdate="0"/>
+    <cx:data id="0">
+      <cx:numDim type="val">
+        <cx:f>'Q3'!$A$532:$A$701</cx:f>
+        <cx:lvl ptCount="170" formatCode="G/通用格式">
+          <cx:pt idx="3">6</cx:pt>
+          <cx:pt idx="4">6</cx:pt>
+          <cx:pt idx="8">6</cx:pt>
+          <cx:pt idx="9">3</cx:pt>
+          <cx:pt idx="10">6</cx:pt>
+          <cx:pt idx="11">6</cx:pt>
+          <cx:pt idx="12">4</cx:pt>
+          <cx:pt idx="13">4</cx:pt>
+          <cx:pt idx="14">3</cx:pt>
+          <cx:pt idx="16">3</cx:pt>
+          <cx:pt idx="17">4</cx:pt>
+          <cx:pt idx="18">6</cx:pt>
+          <cx:pt idx="19">3</cx:pt>
+          <cx:pt idx="20">2</cx:pt>
+          <cx:pt idx="21">4</cx:pt>
+          <cx:pt idx="23">6</cx:pt>
+          <cx:pt idx="24">6</cx:pt>
+          <cx:pt idx="26">6</cx:pt>
+          <cx:pt idx="27">6</cx:pt>
+          <cx:pt idx="28">6</cx:pt>
+          <cx:pt idx="29">4</cx:pt>
+          <cx:pt idx="30">3</cx:pt>
+          <cx:pt idx="31">6</cx:pt>
+          <cx:pt idx="33">6</cx:pt>
+          <cx:pt idx="35">4</cx:pt>
+          <cx:pt idx="36">6</cx:pt>
+          <cx:pt idx="38">6</cx:pt>
+          <cx:pt idx="39">5</cx:pt>
+          <cx:pt idx="40">6</cx:pt>
+          <cx:pt idx="41">4</cx:pt>
+          <cx:pt idx="47">5</cx:pt>
+          <cx:pt idx="48">4</cx:pt>
+          <cx:pt idx="49">6</cx:pt>
+          <cx:pt idx="50">6</cx:pt>
+          <cx:pt idx="51">4</cx:pt>
+          <cx:pt idx="52">5</cx:pt>
+          <cx:pt idx="53">6</cx:pt>
+          <cx:pt idx="54">4</cx:pt>
+          <cx:pt idx="56">6</cx:pt>
+          <cx:pt idx="58">6</cx:pt>
+          <cx:pt idx="59">6</cx:pt>
+          <cx:pt idx="61">5</cx:pt>
+          <cx:pt idx="62">6</cx:pt>
+          <cx:pt idx="63">5</cx:pt>
+          <cx:pt idx="64">3</cx:pt>
+          <cx:pt idx="65">5</cx:pt>
+          <cx:pt idx="66">6</cx:pt>
+          <cx:pt idx="67">3</cx:pt>
+          <cx:pt idx="68">6</cx:pt>
+          <cx:pt idx="69">2</cx:pt>
+          <cx:pt idx="70">2</cx:pt>
+          <cx:pt idx="71">5</cx:pt>
+          <cx:pt idx="72">4</cx:pt>
+          <cx:pt idx="73">5</cx:pt>
+          <cx:pt idx="74">6</cx:pt>
+          <cx:pt idx="76">4</cx:pt>
+          <cx:pt idx="77">4</cx:pt>
+          <cx:pt idx="78">5</cx:pt>
+          <cx:pt idx="79">5</cx:pt>
+          <cx:pt idx="80">6</cx:pt>
+          <cx:pt idx="83">3</cx:pt>
+          <cx:pt idx="84">6</cx:pt>
+          <cx:pt idx="85">6</cx:pt>
+          <cx:pt idx="86">4</cx:pt>
+          <cx:pt idx="87">3</cx:pt>
+          <cx:pt idx="88">2</cx:pt>
+          <cx:pt idx="89">5</cx:pt>
+          <cx:pt idx="90">6</cx:pt>
+          <cx:pt idx="91">2</cx:pt>
+          <cx:pt idx="92">5</cx:pt>
+          <cx:pt idx="96">6</cx:pt>
+          <cx:pt idx="98">2</cx:pt>
+          <cx:pt idx="100">6</cx:pt>
+          <cx:pt idx="101">2</cx:pt>
+          <cx:pt idx="103">3</cx:pt>
+          <cx:pt idx="104">6</cx:pt>
+          <cx:pt idx="105">6</cx:pt>
+          <cx:pt idx="106">4</cx:pt>
+          <cx:pt idx="107">5</cx:pt>
+          <cx:pt idx="108">4</cx:pt>
+          <cx:pt idx="109">5</cx:pt>
+          <cx:pt idx="110">4</cx:pt>
+          <cx:pt idx="113">6</cx:pt>
+          <cx:pt idx="114">4</cx:pt>
+          <cx:pt idx="116">3</cx:pt>
+          <cx:pt idx="117">4</cx:pt>
+          <cx:pt idx="119">6</cx:pt>
+          <cx:pt idx="120">6</cx:pt>
+          <cx:pt idx="121">5</cx:pt>
+          <cx:pt idx="122">6</cx:pt>
+          <cx:pt idx="126">6</cx:pt>
+          <cx:pt idx="128">5</cx:pt>
+          <cx:pt idx="129">3</cx:pt>
+          <cx:pt idx="130">5</cx:pt>
+          <cx:pt idx="131">5</cx:pt>
+          <cx:pt idx="134">6</cx:pt>
+          <cx:pt idx="135">5</cx:pt>
+          <cx:pt idx="136">6</cx:pt>
+          <cx:pt idx="137">6</cx:pt>
+          <cx:pt idx="139">4</cx:pt>
+          <cx:pt idx="141">4</cx:pt>
+          <cx:pt idx="142">5</cx:pt>
+          <cx:pt idx="143">6</cx:pt>
+          <cx:pt idx="144">6</cx:pt>
+          <cx:pt idx="145">6</cx:pt>
+          <cx:pt idx="147">6</cx:pt>
+          <cx:pt idx="148">4</cx:pt>
+          <cx:pt idx="150">3</cx:pt>
+          <cx:pt idx="151">6</cx:pt>
+          <cx:pt idx="153">6</cx:pt>
+          <cx:pt idx="154">4</cx:pt>
+          <cx:pt idx="156">6</cx:pt>
+          <cx:pt idx="157">5</cx:pt>
+          <cx:pt idx="159">6</cx:pt>
+          <cx:pt idx="161">5</cx:pt>
+          <cx:pt idx="162">3</cx:pt>
+          <cx:pt idx="163">5</cx:pt>
+          <cx:pt idx="165">3</cx:pt>
+          <cx:pt idx="166">6</cx:pt>
+          <cx:pt idx="167">4</cx:pt>
+        </cx:lvl>
+      </cx:numDim>
+    </cx:data>
+  </cx:chartData>
+  <cx:chart>
+    <cx:title pos="t" align="ctr" overlay="0">
+      <cx:tx>
+        <cx:txData>
+          <cx:v>每周观看课程的小时数直方图</cx:v>
+        </cx:txData>
+      </cx:tx>
+      <cx:txPr>
+        <a:bodyPr spcFirstLastPara="1" vertOverflow="ellipsis" horzOverflow="overflow" wrap="square" lIns="0" tIns="0" rIns="0" bIns="0" anchor="ctr" anchorCtr="1"/>
+        <a:lstStyle/>
+        <a:p>
+          <a:pPr algn="ctr" rtl="0">
+            <a:defRPr/>
+          </a:pPr>
+          <a:r>
+            <a:rPr lang="zh-CN" altLang="en-US" sz="1400" b="0" i="0" u="none" strike="noStrike" baseline="0" dirty="0">
+              <a:solidFill>
+                <a:sysClr val="windowText" lastClr="000000">
+                  <a:lumMod val="65000"/>
+                  <a:lumOff val="35000"/>
+                </a:sysClr>
+              </a:solidFill>
+              <a:latin typeface="Calibri" panose="020F0502020204030204"/>
+              <a:ea typeface="等线" panose="02010600030101010101" pitchFamily="2" charset="-122"/>
+            </a:rPr>
+            <a:t>每周观看课程的小时数直方图</a:t>
+          </a:r>
+        </a:p>
+      </cx:txPr>
+    </cx:title>
+    <cx:plotArea>
+      <cx:plotAreaRegion>
+        <cx:series layoutId="clusteredColumn" uniqueId="{404ACD74-23AF-4A81-A398-7F563D362284}">
+          <cx:tx>
+            <cx:txData>
+              <cx:f>'Q3'!$A$1:$A$531</cx:f>
+              <cx:v>In your most recent Nanodegree program, how many hours per week did you spend consuming learning materials? 5 6 6 6 3 5 6 6 5 2 6 3 6 4 3 6 3 5 4 6 5 4 5 5 5 6 4 4 4 6 2 5 6 6 6 5 5 6 6 5 5 6 4 2 5 6 6 5 6 4 4 5 6 6 3 4 6 5 6 6 6 3 5 6 6 5 6 3 4 6 5 5 2 3 3 1 6 6 4 3 3 4 6 4 6 6 5 6 5 6 6 4 4 6 6 5 4 4 3 3 3 4 3 6 4 6 5 6 4 3 4 6 6 6 6 5 5 4 4 4 6 6 6 3 3 2 3 4 3 1 3 6 4 6 4 4 6 6 6 3 3 6 6 3 5 4 5 6 5 6 6 5 4 6 4 3 6 4 5 5 6 6 6 6 4 5 6 6 6 3 6 5 4 4 6 5 6 5 4 4 5 5 5 5 5 6 3 6 3 1 5 5 5 6 5 6 1 6 6 6 6 3 6 4 6 4 4 6 3 6 3 6 6 6 4 4 4 5 6 3 6 6 6 5 6 6 6 6 6 4 3 3 6 6 2 5 5 6 2 2 6 3 6 6 3 3 5 5 6 6 2 6 6 4 5 6 4 2 2-4 hours 6 6 6 6 6 5 4 6 6 5 6 6 5 6 4 3 5 3 3 6 4 3 4 6 3 2 4 4 5 4 4 5 4 4 3 6 4 3 6 6 5 6 4 6 4 6 4 6 2 6 4 6 6 6 5 5 3 6 3 4 3 3 5 6 6 6 4 2 3 6 2 6 6 3 5 6 6 4 6 1 6 6 5 4 6 2 4 4 6 5 6 5 6 6 3 2 6 6 5 2 6 6 4 5 6 6 5 4 6 5 5 6 2-4 hours</cx:v>
+            </cx:txData>
+          </cx:tx>
+          <cx:spPr>
+            <a:solidFill>
+              <a:schemeClr val="bg1">
+                <a:lumMod val="65000"/>
+              </a:schemeClr>
+            </a:solidFill>
+          </cx:spPr>
+          <cx:dataLabels pos="outEnd">
+            <cx:visibility seriesName="0" categoryName="0" value="1"/>
+          </cx:dataLabels>
+          <cx:dataId val="0"/>
+          <cx:layoutPr>
+            <cx:binning intervalClosed="r">
+              <cx:binSize val="1"/>
+            </cx:binning>
+          </cx:layoutPr>
+        </cx:series>
+      </cx:plotAreaRegion>
+      <cx:axis id="0">
+        <cx:catScaling gapWidth="0"/>
+        <cx:tickLabels/>
+      </cx:axis>
+      <cx:axis id="1">
+        <cx:valScaling/>
+        <cx:majorGridlines/>
+        <cx:tickLabels/>
+      </cx:axis>
+    </cx:plotArea>
+  </cx:chart>
+</cx:chartSpace>
+</file>
+
+<file path=ppt/charts/chartEx3.xml><?xml version="1.0" encoding="utf-8"?>
+<cx:chartSpace xmlns:a="http://schemas.openxmlformats.org/drawingml/2006/main" xmlns:r="http://schemas.openxmlformats.org/officeDocument/2006/relationships" xmlns:cx="http://schemas.microsoft.com/office/drawing/2014/chartex">
+  <cx:chartData>
+    <cx:externalData r:id="rId1" cx:autoUpdate="0"/>
+    <cx:data id="0">
+      <cx:numDim type="val">
+        <cx:f>'Q3'!$B$532:$B$701</cx:f>
+        <cx:lvl ptCount="170" formatCode="G/通用格式">
+          <cx:pt idx="3">2</cx:pt>
+          <cx:pt idx="4">6</cx:pt>
+          <cx:pt idx="6">6</cx:pt>
+          <cx:pt idx="8">6</cx:pt>
+          <cx:pt idx="9">5</cx:pt>
+          <cx:pt idx="11">6</cx:pt>
+          <cx:pt idx="12">4</cx:pt>
+          <cx:pt idx="14">4</cx:pt>
+          <cx:pt idx="16">4</cx:pt>
+          <cx:pt idx="17">4</cx:pt>
+          <cx:pt idx="18">3</cx:pt>
+          <cx:pt idx="19">2</cx:pt>
+          <cx:pt idx="20">4</cx:pt>
+          <cx:pt idx="21">2</cx:pt>
+          <cx:pt idx="22">6</cx:pt>
+          <cx:pt idx="23">6</cx:pt>
+          <cx:pt idx="24">6</cx:pt>
+          <cx:pt idx="26">6</cx:pt>
+          <cx:pt idx="27">6</cx:pt>
+          <cx:pt idx="28">6</cx:pt>
+          <cx:pt idx="29">4</cx:pt>
+          <cx:pt idx="30">3</cx:pt>
+          <cx:pt idx="32">5</cx:pt>
+          <cx:pt idx="33">6</cx:pt>
+          <cx:pt idx="34">6</cx:pt>
+          <cx:pt idx="36">4</cx:pt>
+          <cx:pt idx="37">2</cx:pt>
+          <cx:pt idx="38">6</cx:pt>
+          <cx:pt idx="39">5</cx:pt>
+          <cx:pt idx="40">4</cx:pt>
+          <cx:pt idx="41">4</cx:pt>
+          <cx:pt idx="43">1</cx:pt>
+          <cx:pt idx="45">5</cx:pt>
+          <cx:pt idx="48">1</cx:pt>
+          <cx:pt idx="49">6</cx:pt>
+          <cx:pt idx="50">6</cx:pt>
+          <cx:pt idx="51">4</cx:pt>
+          <cx:pt idx="52">5</cx:pt>
+          <cx:pt idx="53">6</cx:pt>
+          <cx:pt idx="54">1</cx:pt>
+          <cx:pt idx="56">4</cx:pt>
+          <cx:pt idx="57">6</cx:pt>
+          <cx:pt idx="58">5</cx:pt>
+          <cx:pt idx="59">6</cx:pt>
+          <cx:pt idx="62">5</cx:pt>
+          <cx:pt idx="63">5</cx:pt>
+          <cx:pt idx="64">5</cx:pt>
+          <cx:pt idx="65">4</cx:pt>
+          <cx:pt idx="66">3</cx:pt>
+          <cx:pt idx="67">3</cx:pt>
+          <cx:pt idx="68">6</cx:pt>
+          <cx:pt idx="69">3</cx:pt>
+          <cx:pt idx="70">2</cx:pt>
+          <cx:pt idx="71">3</cx:pt>
+          <cx:pt idx="73">3</cx:pt>
+          <cx:pt idx="76">6</cx:pt>
+          <cx:pt idx="77">6</cx:pt>
+          <cx:pt idx="78">5</cx:pt>
+          <cx:pt idx="79">4</cx:pt>
+          <cx:pt idx="80">3</cx:pt>
+          <cx:pt idx="82">6</cx:pt>
+          <cx:pt idx="83">5</cx:pt>
+          <cx:pt idx="84">4</cx:pt>
+          <cx:pt idx="85">6</cx:pt>
+          <cx:pt idx="86">5</cx:pt>
+          <cx:pt idx="87">4</cx:pt>
+          <cx:pt idx="88">2</cx:pt>
+          <cx:pt idx="89">5</cx:pt>
+          <cx:pt idx="90">6</cx:pt>
+          <cx:pt idx="91">6</cx:pt>
+          <cx:pt idx="92">5</cx:pt>
+          <cx:pt idx="96">6</cx:pt>
+          <cx:pt idx="97">2</cx:pt>
+          <cx:pt idx="99">2</cx:pt>
+          <cx:pt idx="101">2</cx:pt>
+          <cx:pt idx="103">1</cx:pt>
+          <cx:pt idx="104">5</cx:pt>
+          <cx:pt idx="105">5</cx:pt>
+          <cx:pt idx="106">6</cx:pt>
+          <cx:pt idx="107">2</cx:pt>
+          <cx:pt idx="108">6</cx:pt>
+          <cx:pt idx="109">5</cx:pt>
+          <cx:pt idx="110">3</cx:pt>
+          <cx:pt idx="114">6</cx:pt>
+          <cx:pt idx="115">6</cx:pt>
+          <cx:pt idx="116">6</cx:pt>
+          <cx:pt idx="117">4</cx:pt>
+          <cx:pt idx="118">3</cx:pt>
+          <cx:pt idx="119">2</cx:pt>
+          <cx:pt idx="120">5</cx:pt>
+          <cx:pt idx="121">5</cx:pt>
+          <cx:pt idx="122">2</cx:pt>
+          <cx:pt idx="123">2</cx:pt>
+          <cx:pt idx="124">5</cx:pt>
+          <cx:pt idx="125">5</cx:pt>
+          <cx:pt idx="128">2</cx:pt>
+          <cx:pt idx="130">5</cx:pt>
+          <cx:pt idx="134">6</cx:pt>
+          <cx:pt idx="135">4</cx:pt>
+          <cx:pt idx="136">6</cx:pt>
+          <cx:pt idx="137">6</cx:pt>
+          <cx:pt idx="139">3</cx:pt>
+          <cx:pt idx="141">6</cx:pt>
+          <cx:pt idx="142">3</cx:pt>
+          <cx:pt idx="143">6</cx:pt>
+          <cx:pt idx="144">5</cx:pt>
+          <cx:pt idx="146">4</cx:pt>
+          <cx:pt idx="147">6</cx:pt>
+          <cx:pt idx="148">6</cx:pt>
+          <cx:pt idx="150">6</cx:pt>
+          <cx:pt idx="151">6</cx:pt>
+          <cx:pt idx="152">4</cx:pt>
+          <cx:pt idx="153">6</cx:pt>
+          <cx:pt idx="154">2</cx:pt>
+          <cx:pt idx="156">3</cx:pt>
+          <cx:pt idx="157">3</cx:pt>
+          <cx:pt idx="159">6</cx:pt>
+          <cx:pt idx="160">5</cx:pt>
+          <cx:pt idx="162">5</cx:pt>
+          <cx:pt idx="163">5</cx:pt>
+          <cx:pt idx="164">6</cx:pt>
+          <cx:pt idx="166">6</cx:pt>
+          <cx:pt idx="168">5</cx:pt>
+          <cx:pt idx="169">5</cx:pt>
+        </cx:lvl>
+      </cx:numDim>
+    </cx:data>
+  </cx:chartData>
+  <cx:chart>
+    <cx:title pos="t" align="ctr" overlay="0">
+      <cx:tx>
+        <cx:txData>
+          <cx:v>每周做练习的小时数直方图</cx:v>
+        </cx:txData>
+      </cx:tx>
+      <cx:txPr>
+        <a:bodyPr spcFirstLastPara="1" vertOverflow="ellipsis" horzOverflow="overflow" wrap="square" lIns="0" tIns="0" rIns="0" bIns="0" anchor="ctr" anchorCtr="1"/>
+        <a:lstStyle/>
+        <a:p>
+          <a:pPr algn="ctr" rtl="0">
+            <a:defRPr/>
+          </a:pPr>
+          <a:r>
+            <a:rPr lang="zh-CN" altLang="en-US" sz="1400" b="0" i="0" u="none" strike="noStrike" baseline="0">
+              <a:solidFill>
+                <a:sysClr val="windowText" lastClr="000000">
+                  <a:lumMod val="65000"/>
+                  <a:lumOff val="35000"/>
+                </a:sysClr>
+              </a:solidFill>
+              <a:latin typeface="Calibri" panose="020F0502020204030204"/>
+              <a:ea typeface="等线" panose="02010600030101010101" pitchFamily="2" charset="-122"/>
+            </a:rPr>
+            <a:t>每周做练习的小时数直方图</a:t>
+          </a:r>
+        </a:p>
+      </cx:txPr>
+    </cx:title>
+    <cx:plotArea>
+      <cx:plotAreaRegion>
+        <cx:series layoutId="clusteredColumn" uniqueId="{3FC8E332-EBA9-458D-9A09-724DBFCDC6CC}">
+          <cx:tx>
+            <cx:txData>
+              <cx:f>'Q3'!$B$1:$B$531</cx:f>
+              <cx:v>In your most recent Nanodegree Program, how many hours per week did you spend applying what you learned (e.g. quizzes, projects)? 6 6 6 6 6 6 2 6 4 3 3 3 3 6 6 5 5 5 4 6 6 3 6 4 5 6 5 4 6 2 6 4 5 4 6 6 5 4 3 5 5 6 4 5 5 4 1 4 2 4 5 5 4 2 5 4 4 3 3 3 4 5 5 3 6 3 5 5 5 6 4 4 3 6 6 6 1 1 5 3 3 6 5 4 4 6 5 6 6 5 3 6 6 5 5 3 6 4 6 4 4 6 6 4 6 6 4 3 5 4 4 3 3 6 6 6 6 3 5 4 3 3 4 6 2 6 6 6 3 2 2 6 6 6 6 4 4 3 2 1 1 5 4 4 2 6 6 6 6 5 4 5 2 5 2 3 3 4 4 6 4 4 3 2 2 1 4 2 5 3 3 4 3 6 6 6 5 5 5 4 2 2 6 6 5 5 4 3 1 3 3 2 6 6 6 2 2 2 3 5 6 1 3 6 6 2 1 6 5 5 3 6 2 6 6 1 6 5 3 2 6 6 4 3 3 5 3 4 3 6 6 4 2 6 5 4 4 2 3 6 5 6 6 5 4 3 6 6 5 5 3 2 6 4 4 5 5 3 5 2 5 5 2 6 5 5 5 3 5 6 6 3 2 6 6 4 6 6 4 2 1 4-6 hours 4 6 2 5 6 6 5 4 6 6 6 6 5 6 5 4 4 6 2 5 4 6 5 2 2 6 5 5 1 5 2 6 6 5 4 5 1 4 4 3 3 6 4 5 4 2 6 6 4 4 2 2 6 6 4 3 5 1 6 3 2 2 2 6 5 3 6 6 6 6 6 6 6 6 4 6 6 5 5 4 2 2 6 1 5 4 4 3 4 6 2 4 5 6 3 2 6 5 4 1 3 1 6 4 6 5 3 2 6 2-4 hours</cx:v>
+            </cx:txData>
+          </cx:tx>
+          <cx:spPr>
+            <a:solidFill>
+              <a:schemeClr val="bg1">
+                <a:lumMod val="65000"/>
+              </a:schemeClr>
+            </a:solidFill>
+          </cx:spPr>
+          <cx:dataLabels>
+            <cx:visibility seriesName="0" categoryName="0" value="1"/>
+          </cx:dataLabels>
+          <cx:dataId val="0"/>
+          <cx:layoutPr>
+            <cx:binning intervalClosed="r">
+              <cx:binSize val="1"/>
+            </cx:binning>
+          </cx:layoutPr>
+        </cx:series>
+      </cx:plotAreaRegion>
+      <cx:axis id="0">
+        <cx:catScaling gapWidth="0"/>
+        <cx:tickLabels/>
+        <cx:txPr>
+          <a:bodyPr spcFirstLastPara="1" vertOverflow="ellipsis" horzOverflow="overflow" wrap="square" lIns="0" tIns="0" rIns="0" bIns="0" anchor="ctr" anchorCtr="1"/>
+          <a:lstStyle/>
+          <a:p>
+            <a:pPr algn="ctr" rtl="0">
+              <a:defRPr/>
+            </a:pPr>
+            <a:endParaRPr lang="zh-CN" altLang="en-US" sz="900" b="0" i="0" u="none" strike="noStrike" baseline="0">
+              <a:solidFill>
+                <a:sysClr val="windowText" lastClr="000000">
+                  <a:lumMod val="65000"/>
+                  <a:lumOff val="35000"/>
+                </a:sysClr>
+              </a:solidFill>
+              <a:latin typeface="Calibri" panose="020F0502020204030204"/>
+              <a:ea typeface="等线" panose="02010600030101010101" pitchFamily="2" charset="-122"/>
+            </a:endParaRPr>
+          </a:p>
+        </cx:txPr>
+      </cx:axis>
+      <cx:axis id="1">
+        <cx:valScaling/>
+        <cx:majorGridlines/>
+        <cx:tickLabels/>
+      </cx:axis>
+    </cx:plotArea>
+  </cx:chart>
+</cx:chartSpace>
+</file>
+
 <file path=ppt/charts/colors1.xml><?xml version="1.0" encoding="utf-8"?>
 <cs:colorStyle xmlns:cs="http://schemas.microsoft.com/office/drawing/2012/chartStyle" xmlns:a="http://schemas.openxmlformats.org/drawingml/2006/main" meth="cycle" id="10">
   <a:schemeClr val="accent1"/>
@@ -1562,6 +1992,86 @@
 </cs:colorStyle>
 </file>
 
+<file path=ppt/charts/colors3.xml><?xml version="1.0" encoding="utf-8"?>
+<cs:colorStyle xmlns:cs="http://schemas.microsoft.com/office/drawing/2012/chartStyle" xmlns:a="http://schemas.openxmlformats.org/drawingml/2006/main" meth="cycle" id="10">
+  <a:schemeClr val="accent1"/>
+  <a:schemeClr val="accent2"/>
+  <a:schemeClr val="accent3"/>
+  <a:schemeClr val="accent4"/>
+  <a:schemeClr val="accent5"/>
+  <a:schemeClr val="accent6"/>
+  <cs:variation/>
+  <cs:variation>
+    <a:lumMod val="60000"/>
+  </cs:variation>
+  <cs:variation>
+    <a:lumMod val="80000"/>
+    <a:lumOff val="20000"/>
+  </cs:variation>
+  <cs:variation>
+    <a:lumMod val="80000"/>
+  </cs:variation>
+  <cs:variation>
+    <a:lumMod val="60000"/>
+    <a:lumOff val="40000"/>
+  </cs:variation>
+  <cs:variation>
+    <a:lumMod val="50000"/>
+  </cs:variation>
+  <cs:variation>
+    <a:lumMod val="70000"/>
+    <a:lumOff val="30000"/>
+  </cs:variation>
+  <cs:variation>
+    <a:lumMod val="70000"/>
+  </cs:variation>
+  <cs:variation>
+    <a:lumMod val="50000"/>
+    <a:lumOff val="50000"/>
+  </cs:variation>
+</cs:colorStyle>
+</file>
+
+<file path=ppt/charts/colors4.xml><?xml version="1.0" encoding="utf-8"?>
+<cs:colorStyle xmlns:cs="http://schemas.microsoft.com/office/drawing/2012/chartStyle" xmlns:a="http://schemas.openxmlformats.org/drawingml/2006/main" meth="cycle" id="10">
+  <a:schemeClr val="accent1"/>
+  <a:schemeClr val="accent2"/>
+  <a:schemeClr val="accent3"/>
+  <a:schemeClr val="accent4"/>
+  <a:schemeClr val="accent5"/>
+  <a:schemeClr val="accent6"/>
+  <cs:variation/>
+  <cs:variation>
+    <a:lumMod val="60000"/>
+  </cs:variation>
+  <cs:variation>
+    <a:lumMod val="80000"/>
+    <a:lumOff val="20000"/>
+  </cs:variation>
+  <cs:variation>
+    <a:lumMod val="80000"/>
+  </cs:variation>
+  <cs:variation>
+    <a:lumMod val="60000"/>
+    <a:lumOff val="40000"/>
+  </cs:variation>
+  <cs:variation>
+    <a:lumMod val="50000"/>
+  </cs:variation>
+  <cs:variation>
+    <a:lumMod val="70000"/>
+    <a:lumOff val="30000"/>
+  </cs:variation>
+  <cs:variation>
+    <a:lumMod val="70000"/>
+  </cs:variation>
+  <cs:variation>
+    <a:lumMod val="50000"/>
+    <a:lumOff val="50000"/>
+  </cs:variation>
+</cs:colorStyle>
+</file>
+
 <file path=ppt/charts/style1.xml><?xml version="1.0" encoding="utf-8"?>
 <cs:chartStyle xmlns:cs="http://schemas.microsoft.com/office/drawing/2012/chartStyle" xmlns:a="http://schemas.openxmlformats.org/drawingml/2006/main" id="366">
   <cs:axisTitle>
@@ -2585,6 +3095,1022 @@
         <a:noFill/>
       </a:ln>
     </cs:spPr>
+  </cs:wall>
+</cs:chartStyle>
+</file>
+
+<file path=ppt/charts/style3.xml><?xml version="1.0" encoding="utf-8"?>
+<cs:chartStyle xmlns:cs="http://schemas.microsoft.com/office/drawing/2012/chartStyle" xmlns:a="http://schemas.openxmlformats.org/drawingml/2006/main" id="366">
+  <cs:axisTitle>
+    <cs:lnRef idx="0"/>
+    <cs:fillRef idx="0"/>
+    <cs:effectRef idx="0"/>
+    <cs:fontRef idx="minor">
+      <a:schemeClr val="tx1">
+        <a:lumMod val="65000"/>
+        <a:lumOff val="35000"/>
+      </a:schemeClr>
+    </cs:fontRef>
+    <cs:defRPr sz="900"/>
+  </cs:axisTitle>
+  <cs:categoryAxis>
+    <cs:lnRef idx="0"/>
+    <cs:fillRef idx="0"/>
+    <cs:effectRef idx="0"/>
+    <cs:fontRef idx="minor">
+      <a:schemeClr val="tx1">
+        <a:lumMod val="65000"/>
+        <a:lumOff val="35000"/>
+      </a:schemeClr>
+    </cs:fontRef>
+    <cs:spPr>
+      <a:ln w="9525" cap="flat" cmpd="sng" algn="ctr">
+        <a:solidFill>
+          <a:schemeClr val="tx1">
+            <a:lumMod val="15000"/>
+            <a:lumOff val="85000"/>
+          </a:schemeClr>
+        </a:solidFill>
+        <a:round/>
+      </a:ln>
+    </cs:spPr>
+    <cs:defRPr sz="900"/>
+  </cs:categoryAxis>
+  <cs:chartArea mods="allowNoFillOverride allowNoLineOverride">
+    <cs:lnRef idx="0"/>
+    <cs:fillRef idx="0"/>
+    <cs:effectRef idx="0"/>
+    <cs:fontRef idx="minor">
+      <a:schemeClr val="tx1"/>
+    </cs:fontRef>
+    <cs:spPr>
+      <a:solidFill>
+        <a:schemeClr val="bg1"/>
+      </a:solidFill>
+      <a:ln w="9525" cap="flat" cmpd="sng" algn="ctr">
+        <a:solidFill>
+          <a:schemeClr val="tx1">
+            <a:lumMod val="15000"/>
+            <a:lumOff val="85000"/>
+          </a:schemeClr>
+        </a:solidFill>
+        <a:round/>
+      </a:ln>
+    </cs:spPr>
+    <cs:defRPr sz="1000"/>
+  </cs:chartArea>
+  <cs:dataLabel>
+    <cs:lnRef idx="0"/>
+    <cs:fillRef idx="0"/>
+    <cs:effectRef idx="0"/>
+    <cs:fontRef idx="minor">
+      <a:schemeClr val="tx1">
+        <a:lumMod val="65000"/>
+        <a:lumOff val="35000"/>
+      </a:schemeClr>
+    </cs:fontRef>
+    <cs:defRPr sz="900"/>
+  </cs:dataLabel>
+  <cs:dataLabelCallout>
+    <cs:lnRef idx="0"/>
+    <cs:fillRef idx="0"/>
+    <cs:effectRef idx="0"/>
+    <cs:fontRef idx="minor">
+      <a:schemeClr val="dk1">
+        <a:lumMod val="65000"/>
+        <a:lumOff val="35000"/>
+      </a:schemeClr>
+    </cs:fontRef>
+    <cs:spPr>
+      <a:solidFill>
+        <a:schemeClr val="lt1"/>
+      </a:solidFill>
+      <a:ln>
+        <a:solidFill>
+          <a:schemeClr val="dk1">
+            <a:lumMod val="25000"/>
+            <a:lumOff val="75000"/>
+          </a:schemeClr>
+        </a:solidFill>
+      </a:ln>
+    </cs:spPr>
+    <cs:defRPr sz="900"/>
+    <cs:bodyPr rot="0" spcFirstLastPara="1" vertOverflow="clip" horzOverflow="clip" vert="horz" wrap="square" lIns="36576" tIns="18288" rIns="36576" bIns="18288" anchor="ctr" anchorCtr="1">
+      <a:spAutoFit/>
+    </cs:bodyPr>
+  </cs:dataLabelCallout>
+  <cs:dataPoint>
+    <cs:lnRef idx="0"/>
+    <cs:fillRef idx="0">
+      <cs:styleClr val="auto"/>
+    </cs:fillRef>
+    <cs:effectRef idx="0"/>
+    <cs:fontRef idx="minor">
+      <a:schemeClr val="tx1"/>
+    </cs:fontRef>
+    <cs:spPr>
+      <a:solidFill>
+        <a:schemeClr val="phClr"/>
+      </a:solidFill>
+    </cs:spPr>
+  </cs:dataPoint>
+  <cs:dataPoint3D>
+    <cs:lnRef idx="0"/>
+    <cs:fillRef idx="0">
+      <cs:styleClr val="auto"/>
+    </cs:fillRef>
+    <cs:effectRef idx="0"/>
+    <cs:fontRef idx="minor">
+      <a:schemeClr val="tx1"/>
+    </cs:fontRef>
+    <cs:spPr>
+      <a:solidFill>
+        <a:schemeClr val="phClr"/>
+      </a:solidFill>
+    </cs:spPr>
+  </cs:dataPoint3D>
+  <cs:dataPointLine>
+    <cs:lnRef idx="0">
+      <cs:styleClr val="auto"/>
+    </cs:lnRef>
+    <cs:fillRef idx="0"/>
+    <cs:effectRef idx="0"/>
+    <cs:fontRef idx="minor">
+      <a:schemeClr val="tx1"/>
+    </cs:fontRef>
+    <cs:spPr>
+      <a:ln w="28575" cap="rnd">
+        <a:solidFill>
+          <a:schemeClr val="phClr"/>
+        </a:solidFill>
+        <a:round/>
+      </a:ln>
+    </cs:spPr>
+  </cs:dataPointLine>
+  <cs:dataPointMarker>
+    <cs:lnRef idx="0"/>
+    <cs:fillRef idx="0">
+      <cs:styleClr val="auto"/>
+    </cs:fillRef>
+    <cs:effectRef idx="0"/>
+    <cs:fontRef idx="minor">
+      <a:schemeClr val="tx1"/>
+    </cs:fontRef>
+    <cs:spPr>
+      <a:solidFill>
+        <a:schemeClr val="phClr"/>
+      </a:solidFill>
+      <a:ln w="9525">
+        <a:solidFill>
+          <a:schemeClr val="lt1"/>
+        </a:solidFill>
+      </a:ln>
+    </cs:spPr>
+  </cs:dataPointMarker>
+  <cs:dataPointMarkerLayout symbol="circle" size="5"/>
+  <cs:dataPointWireframe>
+    <cs:lnRef idx="0">
+      <cs:styleClr val="auto"/>
+    </cs:lnRef>
+    <cs:fillRef idx="0"/>
+    <cs:effectRef idx="0"/>
+    <cs:fontRef idx="minor">
+      <a:schemeClr val="tx1"/>
+    </cs:fontRef>
+    <cs:spPr>
+      <a:ln w="28575" cap="rnd">
+        <a:solidFill>
+          <a:schemeClr val="phClr"/>
+        </a:solidFill>
+        <a:round/>
+      </a:ln>
+    </cs:spPr>
+  </cs:dataPointWireframe>
+  <cs:dataTable>
+    <cs:lnRef idx="0"/>
+    <cs:fillRef idx="0"/>
+    <cs:effectRef idx="0"/>
+    <cs:fontRef idx="minor">
+      <a:schemeClr val="tx1">
+        <a:lumMod val="65000"/>
+        <a:lumOff val="35000"/>
+      </a:schemeClr>
+    </cs:fontRef>
+    <cs:spPr>
+      <a:ln w="9525">
+        <a:solidFill>
+          <a:schemeClr val="tx1">
+            <a:lumMod val="15000"/>
+            <a:lumOff val="85000"/>
+          </a:schemeClr>
+        </a:solidFill>
+      </a:ln>
+    </cs:spPr>
+    <cs:defRPr sz="900"/>
+  </cs:dataTable>
+  <cs:downBar>
+    <cs:lnRef idx="0"/>
+    <cs:fillRef idx="0"/>
+    <cs:effectRef idx="0"/>
+    <cs:fontRef idx="minor">
+      <a:schemeClr val="dk1"/>
+    </cs:fontRef>
+    <cs:spPr>
+      <a:solidFill>
+        <a:schemeClr val="dk1">
+          <a:lumMod val="65000"/>
+          <a:lumOff val="35000"/>
+        </a:schemeClr>
+      </a:solidFill>
+      <a:ln w="9525">
+        <a:solidFill>
+          <a:schemeClr val="tx1">
+            <a:lumMod val="65000"/>
+            <a:lumOff val="35000"/>
+          </a:schemeClr>
+        </a:solidFill>
+      </a:ln>
+    </cs:spPr>
+  </cs:downBar>
+  <cs:dropLine>
+    <cs:lnRef idx="0"/>
+    <cs:fillRef idx="0"/>
+    <cs:effectRef idx="0"/>
+    <cs:fontRef idx="minor">
+      <a:schemeClr val="tx1"/>
+    </cs:fontRef>
+    <cs:spPr>
+      <a:ln w="9525" cap="flat" cmpd="sng" algn="ctr">
+        <a:solidFill>
+          <a:schemeClr val="tx1">
+            <a:lumMod val="35000"/>
+            <a:lumOff val="65000"/>
+          </a:schemeClr>
+        </a:solidFill>
+        <a:round/>
+      </a:ln>
+    </cs:spPr>
+  </cs:dropLine>
+  <cs:errorBar>
+    <cs:lnRef idx="0"/>
+    <cs:fillRef idx="0"/>
+    <cs:effectRef idx="0"/>
+    <cs:fontRef idx="minor">
+      <a:schemeClr val="tx1"/>
+    </cs:fontRef>
+    <cs:spPr>
+      <a:ln w="9525" cap="flat" cmpd="sng" algn="ctr">
+        <a:solidFill>
+          <a:schemeClr val="tx1">
+            <a:lumMod val="65000"/>
+            <a:lumOff val="35000"/>
+          </a:schemeClr>
+        </a:solidFill>
+        <a:round/>
+      </a:ln>
+    </cs:spPr>
+  </cs:errorBar>
+  <cs:floor>
+    <cs:lnRef idx="0"/>
+    <cs:fillRef idx="0"/>
+    <cs:effectRef idx="0"/>
+    <cs:fontRef idx="minor">
+      <a:schemeClr val="tx1"/>
+    </cs:fontRef>
+  </cs:floor>
+  <cs:gridlineMajor>
+    <cs:lnRef idx="0"/>
+    <cs:fillRef idx="0"/>
+    <cs:effectRef idx="0"/>
+    <cs:fontRef idx="minor">
+      <a:schemeClr val="tx1"/>
+    </cs:fontRef>
+    <cs:spPr>
+      <a:ln w="9525" cap="flat" cmpd="sng" algn="ctr">
+        <a:solidFill>
+          <a:schemeClr val="tx1">
+            <a:lumMod val="15000"/>
+            <a:lumOff val="85000"/>
+          </a:schemeClr>
+        </a:solidFill>
+        <a:round/>
+      </a:ln>
+    </cs:spPr>
+  </cs:gridlineMajor>
+  <cs:gridlineMinor>
+    <cs:lnRef idx="0"/>
+    <cs:fillRef idx="0"/>
+    <cs:effectRef idx="0"/>
+    <cs:fontRef idx="minor">
+      <a:schemeClr val="tx1"/>
+    </cs:fontRef>
+    <cs:spPr>
+      <a:ln w="9525" cap="flat" cmpd="sng" algn="ctr">
+        <a:solidFill>
+          <a:schemeClr val="tx1">
+            <a:lumMod val="15000"/>
+            <a:lumOff val="85000"/>
+          </a:schemeClr>
+        </a:solidFill>
+        <a:round/>
+      </a:ln>
+    </cs:spPr>
+  </cs:gridlineMinor>
+  <cs:hiLoLine>
+    <cs:lnRef idx="0"/>
+    <cs:fillRef idx="0"/>
+    <cs:effectRef idx="0"/>
+    <cs:fontRef idx="minor">
+      <a:schemeClr val="tx1"/>
+    </cs:fontRef>
+    <cs:spPr>
+      <a:ln w="9525" cap="flat" cmpd="sng" algn="ctr">
+        <a:solidFill>
+          <a:schemeClr val="tx1">
+            <a:lumMod val="75000"/>
+            <a:lumOff val="25000"/>
+          </a:schemeClr>
+        </a:solidFill>
+        <a:round/>
+      </a:ln>
+    </cs:spPr>
+  </cs:hiLoLine>
+  <cs:leaderLine>
+    <cs:lnRef idx="0"/>
+    <cs:fillRef idx="0"/>
+    <cs:effectRef idx="0"/>
+    <cs:fontRef idx="minor">
+      <a:schemeClr val="tx1"/>
+    </cs:fontRef>
+    <cs:spPr>
+      <a:ln w="9525" cap="flat" cmpd="sng" algn="ctr">
+        <a:solidFill>
+          <a:schemeClr val="tx1">
+            <a:lumMod val="35000"/>
+            <a:lumOff val="65000"/>
+          </a:schemeClr>
+        </a:solidFill>
+        <a:round/>
+      </a:ln>
+    </cs:spPr>
+  </cs:leaderLine>
+  <cs:legend>
+    <cs:lnRef idx="0"/>
+    <cs:fillRef idx="0"/>
+    <cs:effectRef idx="0"/>
+    <cs:fontRef idx="minor">
+      <a:schemeClr val="tx1">
+        <a:lumMod val="65000"/>
+        <a:lumOff val="35000"/>
+      </a:schemeClr>
+    </cs:fontRef>
+    <cs:defRPr sz="900"/>
+  </cs:legend>
+  <cs:plotArea mods="allowNoFillOverride allowNoLineOverride">
+    <cs:lnRef idx="0"/>
+    <cs:fillRef idx="0"/>
+    <cs:effectRef idx="0"/>
+    <cs:fontRef idx="minor">
+      <a:schemeClr val="tx1"/>
+    </cs:fontRef>
+  </cs:plotArea>
+  <cs:plotArea3D mods="allowNoFillOverride allowNoLineOverride">
+    <cs:lnRef idx="0"/>
+    <cs:fillRef idx="0"/>
+    <cs:effectRef idx="0"/>
+    <cs:fontRef idx="minor">
+      <a:schemeClr val="tx1"/>
+    </cs:fontRef>
+  </cs:plotArea3D>
+  <cs:seriesAxis>
+    <cs:lnRef idx="0"/>
+    <cs:fillRef idx="0"/>
+    <cs:effectRef idx="0"/>
+    <cs:fontRef idx="minor">
+      <a:schemeClr val="tx1">
+        <a:lumMod val="65000"/>
+        <a:lumOff val="35000"/>
+      </a:schemeClr>
+    </cs:fontRef>
+    <cs:spPr>
+      <a:ln w="9525" cap="flat" cmpd="sng" algn="ctr">
+        <a:solidFill>
+          <a:schemeClr val="tx1">
+            <a:lumMod val="15000"/>
+            <a:lumOff val="85000"/>
+          </a:schemeClr>
+        </a:solidFill>
+        <a:round/>
+      </a:ln>
+    </cs:spPr>
+    <cs:defRPr sz="900"/>
+  </cs:seriesAxis>
+  <cs:seriesLine>
+    <cs:lnRef idx="0"/>
+    <cs:fillRef idx="0"/>
+    <cs:effectRef idx="0"/>
+    <cs:fontRef idx="minor">
+      <a:schemeClr val="tx1"/>
+    </cs:fontRef>
+    <cs:spPr>
+      <a:ln w="9525" cap="flat">
+        <a:solidFill>
+          <a:srgbClr val="D9D9D9"/>
+        </a:solidFill>
+        <a:round/>
+      </a:ln>
+    </cs:spPr>
+  </cs:seriesLine>
+  <cs:title>
+    <cs:lnRef idx="0"/>
+    <cs:fillRef idx="0"/>
+    <cs:effectRef idx="0"/>
+    <cs:fontRef idx="minor">
+      <a:schemeClr val="tx1">
+        <a:lumMod val="65000"/>
+        <a:lumOff val="35000"/>
+      </a:schemeClr>
+    </cs:fontRef>
+    <cs:defRPr sz="1400"/>
+  </cs:title>
+  <cs:trendline>
+    <cs:lnRef idx="0">
+      <cs:styleClr val="auto"/>
+    </cs:lnRef>
+    <cs:fillRef idx="0"/>
+    <cs:effectRef idx="0"/>
+    <cs:fontRef idx="minor">
+      <a:schemeClr val="tx1"/>
+    </cs:fontRef>
+    <cs:spPr>
+      <a:ln w="19050" cap="rnd">
+        <a:solidFill>
+          <a:schemeClr val="phClr"/>
+        </a:solidFill>
+        <a:prstDash val="sysDash"/>
+      </a:ln>
+    </cs:spPr>
+  </cs:trendline>
+  <cs:trendlineLabel>
+    <cs:lnRef idx="0"/>
+    <cs:fillRef idx="0"/>
+    <cs:effectRef idx="0"/>
+    <cs:fontRef idx="minor">
+      <a:schemeClr val="tx1">
+        <a:lumMod val="65000"/>
+        <a:lumOff val="35000"/>
+      </a:schemeClr>
+    </cs:fontRef>
+    <cs:defRPr sz="900"/>
+  </cs:trendlineLabel>
+  <cs:upBar>
+    <cs:lnRef idx="0"/>
+    <cs:fillRef idx="0"/>
+    <cs:effectRef idx="0"/>
+    <cs:fontRef idx="minor">
+      <a:schemeClr val="dk1"/>
+    </cs:fontRef>
+    <cs:spPr>
+      <a:solidFill>
+        <a:schemeClr val="lt1"/>
+      </a:solidFill>
+      <a:ln w="9525">
+        <a:solidFill>
+          <a:schemeClr val="tx1">
+            <a:lumMod val="15000"/>
+            <a:lumOff val="85000"/>
+          </a:schemeClr>
+        </a:solidFill>
+      </a:ln>
+    </cs:spPr>
+  </cs:upBar>
+  <cs:valueAxis>
+    <cs:lnRef idx="0"/>
+    <cs:fillRef idx="0"/>
+    <cs:effectRef idx="0"/>
+    <cs:fontRef idx="minor">
+      <a:schemeClr val="tx1">
+        <a:lumMod val="65000"/>
+        <a:lumOff val="35000"/>
+      </a:schemeClr>
+    </cs:fontRef>
+    <cs:defRPr sz="900"/>
+  </cs:valueAxis>
+  <cs:wall>
+    <cs:lnRef idx="0"/>
+    <cs:fillRef idx="0"/>
+    <cs:effectRef idx="0"/>
+    <cs:fontRef idx="minor">
+      <a:schemeClr val="tx1"/>
+    </cs:fontRef>
+  </cs:wall>
+</cs:chartStyle>
+</file>
+
+<file path=ppt/charts/style4.xml><?xml version="1.0" encoding="utf-8"?>
+<cs:chartStyle xmlns:cs="http://schemas.microsoft.com/office/drawing/2012/chartStyle" xmlns:a="http://schemas.openxmlformats.org/drawingml/2006/main" id="366">
+  <cs:axisTitle>
+    <cs:lnRef idx="0"/>
+    <cs:fillRef idx="0"/>
+    <cs:effectRef idx="0"/>
+    <cs:fontRef idx="minor">
+      <a:schemeClr val="tx1">
+        <a:lumMod val="65000"/>
+        <a:lumOff val="35000"/>
+      </a:schemeClr>
+    </cs:fontRef>
+    <cs:defRPr sz="900"/>
+  </cs:axisTitle>
+  <cs:categoryAxis>
+    <cs:lnRef idx="0"/>
+    <cs:fillRef idx="0"/>
+    <cs:effectRef idx="0"/>
+    <cs:fontRef idx="minor">
+      <a:schemeClr val="tx1">
+        <a:lumMod val="65000"/>
+        <a:lumOff val="35000"/>
+      </a:schemeClr>
+    </cs:fontRef>
+    <cs:spPr>
+      <a:ln w="9525" cap="flat" cmpd="sng" algn="ctr">
+        <a:solidFill>
+          <a:schemeClr val="tx1">
+            <a:lumMod val="15000"/>
+            <a:lumOff val="85000"/>
+          </a:schemeClr>
+        </a:solidFill>
+        <a:round/>
+      </a:ln>
+    </cs:spPr>
+    <cs:defRPr sz="900"/>
+  </cs:categoryAxis>
+  <cs:chartArea mods="allowNoFillOverride allowNoLineOverride">
+    <cs:lnRef idx="0"/>
+    <cs:fillRef idx="0"/>
+    <cs:effectRef idx="0"/>
+    <cs:fontRef idx="minor">
+      <a:schemeClr val="tx1"/>
+    </cs:fontRef>
+    <cs:spPr>
+      <a:solidFill>
+        <a:schemeClr val="bg1"/>
+      </a:solidFill>
+      <a:ln w="9525" cap="flat" cmpd="sng" algn="ctr">
+        <a:solidFill>
+          <a:schemeClr val="tx1">
+            <a:lumMod val="15000"/>
+            <a:lumOff val="85000"/>
+          </a:schemeClr>
+        </a:solidFill>
+        <a:round/>
+      </a:ln>
+    </cs:spPr>
+    <cs:defRPr sz="1000"/>
+  </cs:chartArea>
+  <cs:dataLabel>
+    <cs:lnRef idx="0"/>
+    <cs:fillRef idx="0"/>
+    <cs:effectRef idx="0"/>
+    <cs:fontRef idx="minor">
+      <a:schemeClr val="tx1">
+        <a:lumMod val="65000"/>
+        <a:lumOff val="35000"/>
+      </a:schemeClr>
+    </cs:fontRef>
+    <cs:defRPr sz="900"/>
+  </cs:dataLabel>
+  <cs:dataLabelCallout>
+    <cs:lnRef idx="0"/>
+    <cs:fillRef idx="0"/>
+    <cs:effectRef idx="0"/>
+    <cs:fontRef idx="minor">
+      <a:schemeClr val="dk1">
+        <a:lumMod val="65000"/>
+        <a:lumOff val="35000"/>
+      </a:schemeClr>
+    </cs:fontRef>
+    <cs:spPr>
+      <a:solidFill>
+        <a:schemeClr val="lt1"/>
+      </a:solidFill>
+      <a:ln>
+        <a:solidFill>
+          <a:schemeClr val="dk1">
+            <a:lumMod val="25000"/>
+            <a:lumOff val="75000"/>
+          </a:schemeClr>
+        </a:solidFill>
+      </a:ln>
+    </cs:spPr>
+    <cs:defRPr sz="900"/>
+    <cs:bodyPr rot="0" spcFirstLastPara="1" vertOverflow="clip" horzOverflow="clip" vert="horz" wrap="square" lIns="36576" tIns="18288" rIns="36576" bIns="18288" anchor="ctr" anchorCtr="1">
+      <a:spAutoFit/>
+    </cs:bodyPr>
+  </cs:dataLabelCallout>
+  <cs:dataPoint>
+    <cs:lnRef idx="0"/>
+    <cs:fillRef idx="0">
+      <cs:styleClr val="auto"/>
+    </cs:fillRef>
+    <cs:effectRef idx="0"/>
+    <cs:fontRef idx="minor">
+      <a:schemeClr val="tx1"/>
+    </cs:fontRef>
+    <cs:spPr>
+      <a:solidFill>
+        <a:schemeClr val="phClr"/>
+      </a:solidFill>
+    </cs:spPr>
+  </cs:dataPoint>
+  <cs:dataPoint3D>
+    <cs:lnRef idx="0"/>
+    <cs:fillRef idx="0">
+      <cs:styleClr val="auto"/>
+    </cs:fillRef>
+    <cs:effectRef idx="0"/>
+    <cs:fontRef idx="minor">
+      <a:schemeClr val="tx1"/>
+    </cs:fontRef>
+    <cs:spPr>
+      <a:solidFill>
+        <a:schemeClr val="phClr"/>
+      </a:solidFill>
+    </cs:spPr>
+  </cs:dataPoint3D>
+  <cs:dataPointLine>
+    <cs:lnRef idx="0">
+      <cs:styleClr val="auto"/>
+    </cs:lnRef>
+    <cs:fillRef idx="0"/>
+    <cs:effectRef idx="0"/>
+    <cs:fontRef idx="minor">
+      <a:schemeClr val="tx1"/>
+    </cs:fontRef>
+    <cs:spPr>
+      <a:ln w="28575" cap="rnd">
+        <a:solidFill>
+          <a:schemeClr val="phClr"/>
+        </a:solidFill>
+        <a:round/>
+      </a:ln>
+    </cs:spPr>
+  </cs:dataPointLine>
+  <cs:dataPointMarker>
+    <cs:lnRef idx="0"/>
+    <cs:fillRef idx="0">
+      <cs:styleClr val="auto"/>
+    </cs:fillRef>
+    <cs:effectRef idx="0"/>
+    <cs:fontRef idx="minor">
+      <a:schemeClr val="tx1"/>
+    </cs:fontRef>
+    <cs:spPr>
+      <a:solidFill>
+        <a:schemeClr val="phClr"/>
+      </a:solidFill>
+      <a:ln w="9525">
+        <a:solidFill>
+          <a:schemeClr val="lt1"/>
+        </a:solidFill>
+      </a:ln>
+    </cs:spPr>
+  </cs:dataPointMarker>
+  <cs:dataPointMarkerLayout symbol="circle" size="5"/>
+  <cs:dataPointWireframe>
+    <cs:lnRef idx="0">
+      <cs:styleClr val="auto"/>
+    </cs:lnRef>
+    <cs:fillRef idx="0"/>
+    <cs:effectRef idx="0"/>
+    <cs:fontRef idx="minor">
+      <a:schemeClr val="tx1"/>
+    </cs:fontRef>
+    <cs:spPr>
+      <a:ln w="28575" cap="rnd">
+        <a:solidFill>
+          <a:schemeClr val="phClr"/>
+        </a:solidFill>
+        <a:round/>
+      </a:ln>
+    </cs:spPr>
+  </cs:dataPointWireframe>
+  <cs:dataTable>
+    <cs:lnRef idx="0"/>
+    <cs:fillRef idx="0"/>
+    <cs:effectRef idx="0"/>
+    <cs:fontRef idx="minor">
+      <a:schemeClr val="tx1">
+        <a:lumMod val="65000"/>
+        <a:lumOff val="35000"/>
+      </a:schemeClr>
+    </cs:fontRef>
+    <cs:spPr>
+      <a:ln w="9525">
+        <a:solidFill>
+          <a:schemeClr val="tx1">
+            <a:lumMod val="15000"/>
+            <a:lumOff val="85000"/>
+          </a:schemeClr>
+        </a:solidFill>
+      </a:ln>
+    </cs:spPr>
+    <cs:defRPr sz="900"/>
+  </cs:dataTable>
+  <cs:downBar>
+    <cs:lnRef idx="0"/>
+    <cs:fillRef idx="0"/>
+    <cs:effectRef idx="0"/>
+    <cs:fontRef idx="minor">
+      <a:schemeClr val="dk1"/>
+    </cs:fontRef>
+    <cs:spPr>
+      <a:solidFill>
+        <a:schemeClr val="dk1">
+          <a:lumMod val="65000"/>
+          <a:lumOff val="35000"/>
+        </a:schemeClr>
+      </a:solidFill>
+      <a:ln w="9525">
+        <a:solidFill>
+          <a:schemeClr val="tx1">
+            <a:lumMod val="65000"/>
+            <a:lumOff val="35000"/>
+          </a:schemeClr>
+        </a:solidFill>
+      </a:ln>
+    </cs:spPr>
+  </cs:downBar>
+  <cs:dropLine>
+    <cs:lnRef idx="0"/>
+    <cs:fillRef idx="0"/>
+    <cs:effectRef idx="0"/>
+    <cs:fontRef idx="minor">
+      <a:schemeClr val="tx1"/>
+    </cs:fontRef>
+    <cs:spPr>
+      <a:ln w="9525" cap="flat" cmpd="sng" algn="ctr">
+        <a:solidFill>
+          <a:schemeClr val="tx1">
+            <a:lumMod val="35000"/>
+            <a:lumOff val="65000"/>
+          </a:schemeClr>
+        </a:solidFill>
+        <a:round/>
+      </a:ln>
+    </cs:spPr>
+  </cs:dropLine>
+  <cs:errorBar>
+    <cs:lnRef idx="0"/>
+    <cs:fillRef idx="0"/>
+    <cs:effectRef idx="0"/>
+    <cs:fontRef idx="minor">
+      <a:schemeClr val="tx1"/>
+    </cs:fontRef>
+    <cs:spPr>
+      <a:ln w="9525" cap="flat" cmpd="sng" algn="ctr">
+        <a:solidFill>
+          <a:schemeClr val="tx1">
+            <a:lumMod val="65000"/>
+            <a:lumOff val="35000"/>
+          </a:schemeClr>
+        </a:solidFill>
+        <a:round/>
+      </a:ln>
+    </cs:spPr>
+  </cs:errorBar>
+  <cs:floor>
+    <cs:lnRef idx="0"/>
+    <cs:fillRef idx="0"/>
+    <cs:effectRef idx="0"/>
+    <cs:fontRef idx="minor">
+      <a:schemeClr val="tx1"/>
+    </cs:fontRef>
+  </cs:floor>
+  <cs:gridlineMajor>
+    <cs:lnRef idx="0"/>
+    <cs:fillRef idx="0"/>
+    <cs:effectRef idx="0"/>
+    <cs:fontRef idx="minor">
+      <a:schemeClr val="tx1"/>
+    </cs:fontRef>
+    <cs:spPr>
+      <a:ln w="9525" cap="flat" cmpd="sng" algn="ctr">
+        <a:solidFill>
+          <a:schemeClr val="tx1">
+            <a:lumMod val="15000"/>
+            <a:lumOff val="85000"/>
+          </a:schemeClr>
+        </a:solidFill>
+        <a:round/>
+      </a:ln>
+    </cs:spPr>
+  </cs:gridlineMajor>
+  <cs:gridlineMinor>
+    <cs:lnRef idx="0"/>
+    <cs:fillRef idx="0"/>
+    <cs:effectRef idx="0"/>
+    <cs:fontRef idx="minor">
+      <a:schemeClr val="tx1"/>
+    </cs:fontRef>
+    <cs:spPr>
+      <a:ln w="9525" cap="flat" cmpd="sng" algn="ctr">
+        <a:solidFill>
+          <a:schemeClr val="tx1">
+            <a:lumMod val="15000"/>
+            <a:lumOff val="85000"/>
+          </a:schemeClr>
+        </a:solidFill>
+        <a:round/>
+      </a:ln>
+    </cs:spPr>
+  </cs:gridlineMinor>
+  <cs:hiLoLine>
+    <cs:lnRef idx="0"/>
+    <cs:fillRef idx="0"/>
+    <cs:effectRef idx="0"/>
+    <cs:fontRef idx="minor">
+      <a:schemeClr val="tx1"/>
+    </cs:fontRef>
+    <cs:spPr>
+      <a:ln w="9525" cap="flat" cmpd="sng" algn="ctr">
+        <a:solidFill>
+          <a:schemeClr val="tx1">
+            <a:lumMod val="75000"/>
+            <a:lumOff val="25000"/>
+          </a:schemeClr>
+        </a:solidFill>
+        <a:round/>
+      </a:ln>
+    </cs:spPr>
+  </cs:hiLoLine>
+  <cs:leaderLine>
+    <cs:lnRef idx="0"/>
+    <cs:fillRef idx="0"/>
+    <cs:effectRef idx="0"/>
+    <cs:fontRef idx="minor">
+      <a:schemeClr val="tx1"/>
+    </cs:fontRef>
+    <cs:spPr>
+      <a:ln w="9525" cap="flat" cmpd="sng" algn="ctr">
+        <a:solidFill>
+          <a:schemeClr val="tx1">
+            <a:lumMod val="35000"/>
+            <a:lumOff val="65000"/>
+          </a:schemeClr>
+        </a:solidFill>
+        <a:round/>
+      </a:ln>
+    </cs:spPr>
+  </cs:leaderLine>
+  <cs:legend>
+    <cs:lnRef idx="0"/>
+    <cs:fillRef idx="0"/>
+    <cs:effectRef idx="0"/>
+    <cs:fontRef idx="minor">
+      <a:schemeClr val="tx1">
+        <a:lumMod val="65000"/>
+        <a:lumOff val="35000"/>
+      </a:schemeClr>
+    </cs:fontRef>
+    <cs:defRPr sz="900"/>
+  </cs:legend>
+  <cs:plotArea mods="allowNoFillOverride allowNoLineOverride">
+    <cs:lnRef idx="0"/>
+    <cs:fillRef idx="0"/>
+    <cs:effectRef idx="0"/>
+    <cs:fontRef idx="minor">
+      <a:schemeClr val="tx1"/>
+    </cs:fontRef>
+  </cs:plotArea>
+  <cs:plotArea3D mods="allowNoFillOverride allowNoLineOverride">
+    <cs:lnRef idx="0"/>
+    <cs:fillRef idx="0"/>
+    <cs:effectRef idx="0"/>
+    <cs:fontRef idx="minor">
+      <a:schemeClr val="tx1"/>
+    </cs:fontRef>
+  </cs:plotArea3D>
+  <cs:seriesAxis>
+    <cs:lnRef idx="0"/>
+    <cs:fillRef idx="0"/>
+    <cs:effectRef idx="0"/>
+    <cs:fontRef idx="minor">
+      <a:schemeClr val="tx1">
+        <a:lumMod val="65000"/>
+        <a:lumOff val="35000"/>
+      </a:schemeClr>
+    </cs:fontRef>
+    <cs:spPr>
+      <a:ln w="9525" cap="flat" cmpd="sng" algn="ctr">
+        <a:solidFill>
+          <a:schemeClr val="tx1">
+            <a:lumMod val="15000"/>
+            <a:lumOff val="85000"/>
+          </a:schemeClr>
+        </a:solidFill>
+        <a:round/>
+      </a:ln>
+    </cs:spPr>
+    <cs:defRPr sz="900"/>
+  </cs:seriesAxis>
+  <cs:seriesLine>
+    <cs:lnRef idx="0"/>
+    <cs:fillRef idx="0"/>
+    <cs:effectRef idx="0"/>
+    <cs:fontRef idx="minor">
+      <a:schemeClr val="tx1"/>
+    </cs:fontRef>
+    <cs:spPr>
+      <a:ln w="9525" cap="flat">
+        <a:solidFill>
+          <a:srgbClr val="D9D9D9"/>
+        </a:solidFill>
+        <a:round/>
+      </a:ln>
+    </cs:spPr>
+  </cs:seriesLine>
+  <cs:title>
+    <cs:lnRef idx="0"/>
+    <cs:fillRef idx="0"/>
+    <cs:effectRef idx="0"/>
+    <cs:fontRef idx="minor">
+      <a:schemeClr val="tx1">
+        <a:lumMod val="65000"/>
+        <a:lumOff val="35000"/>
+      </a:schemeClr>
+    </cs:fontRef>
+    <cs:defRPr sz="1400"/>
+  </cs:title>
+  <cs:trendline>
+    <cs:lnRef idx="0">
+      <cs:styleClr val="auto"/>
+    </cs:lnRef>
+    <cs:fillRef idx="0"/>
+    <cs:effectRef idx="0"/>
+    <cs:fontRef idx="minor">
+      <a:schemeClr val="tx1"/>
+    </cs:fontRef>
+    <cs:spPr>
+      <a:ln w="19050" cap="rnd">
+        <a:solidFill>
+          <a:schemeClr val="phClr"/>
+        </a:solidFill>
+        <a:prstDash val="sysDash"/>
+      </a:ln>
+    </cs:spPr>
+  </cs:trendline>
+  <cs:trendlineLabel>
+    <cs:lnRef idx="0"/>
+    <cs:fillRef idx="0"/>
+    <cs:effectRef idx="0"/>
+    <cs:fontRef idx="minor">
+      <a:schemeClr val="tx1">
+        <a:lumMod val="65000"/>
+        <a:lumOff val="35000"/>
+      </a:schemeClr>
+    </cs:fontRef>
+    <cs:defRPr sz="900"/>
+  </cs:trendlineLabel>
+  <cs:upBar>
+    <cs:lnRef idx="0"/>
+    <cs:fillRef idx="0"/>
+    <cs:effectRef idx="0"/>
+    <cs:fontRef idx="minor">
+      <a:schemeClr val="dk1"/>
+    </cs:fontRef>
+    <cs:spPr>
+      <a:solidFill>
+        <a:schemeClr val="lt1"/>
+      </a:solidFill>
+      <a:ln w="9525">
+        <a:solidFill>
+          <a:schemeClr val="tx1">
+            <a:lumMod val="15000"/>
+            <a:lumOff val="85000"/>
+          </a:schemeClr>
+        </a:solidFill>
+      </a:ln>
+    </cs:spPr>
+  </cs:upBar>
+  <cs:valueAxis>
+    <cs:lnRef idx="0"/>
+    <cs:fillRef idx="0"/>
+    <cs:effectRef idx="0"/>
+    <cs:fontRef idx="minor">
+      <a:schemeClr val="tx1">
+        <a:lumMod val="65000"/>
+        <a:lumOff val="35000"/>
+      </a:schemeClr>
+    </cs:fontRef>
+    <cs:defRPr sz="900"/>
+  </cs:valueAxis>
+  <cs:wall>
+    <cs:lnRef idx="0"/>
+    <cs:fillRef idx="0"/>
+    <cs:effectRef idx="0"/>
+    <cs:fontRef idx="minor">
+      <a:schemeClr val="tx1"/>
+    </cs:fontRef>
   </cs:wall>
 </cs:chartStyle>
 </file>
@@ -3063,6 +4589,112 @@
 </file>
 
 <file path=ppt/notesSlides/notesSlide3.xml><?xml version="1.0" encoding="utf-8"?>
+<p:notes xmlns:a="http://schemas.openxmlformats.org/drawingml/2006/main" xmlns:r="http://schemas.openxmlformats.org/officeDocument/2006/relationships" xmlns:p="http://schemas.openxmlformats.org/presentationml/2006/main" showMasterSp="0" showMasterPhAnim="0">
+  <p:cSld>
+    <p:spTree>
+      <p:nvGrpSpPr>
+        <p:cNvPr id="1" name="Shape 50"/>
+        <p:cNvGrpSpPr/>
+        <p:nvPr/>
+      </p:nvGrpSpPr>
+      <p:grpSpPr>
+        <a:xfrm>
+          <a:off x="0" y="0"/>
+          <a:ext cx="0" cy="0"/>
+          <a:chOff x="0" y="0"/>
+          <a:chExt cx="0" cy="0"/>
+        </a:xfrm>
+      </p:grpSpPr>
+      <p:sp>
+        <p:nvSpPr>
+          <p:cNvPr id="51" name="Shape 51"/>
+          <p:cNvSpPr>
+            <a:spLocks noGrp="1" noRot="1" noChangeAspect="1"/>
+          </p:cNvSpPr>
+          <p:nvPr>
+            <p:ph type="sldImg" idx="2"/>
+          </p:nvPr>
+        </p:nvSpPr>
+        <p:spPr>
+          <a:xfrm>
+            <a:off x="381000" y="685800"/>
+            <a:ext cx="6096000" cy="3429000"/>
+          </a:xfrm>
+          <a:custGeom>
+            <a:avLst/>
+            <a:gdLst/>
+            <a:ahLst/>
+            <a:cxnLst/>
+            <a:rect l="0" t="0" r="0" b="0"/>
+            <a:pathLst>
+              <a:path w="120000" h="120000" extrusionOk="0">
+                <a:moveTo>
+                  <a:pt x="0" y="0"/>
+                </a:moveTo>
+                <a:lnTo>
+                  <a:pt x="120000" y="0"/>
+                </a:lnTo>
+                <a:lnTo>
+                  <a:pt x="120000" y="120000"/>
+                </a:lnTo>
+                <a:lnTo>
+                  <a:pt x="0" y="120000"/>
+                </a:lnTo>
+                <a:close/>
+              </a:path>
+            </a:pathLst>
+          </a:custGeom>
+        </p:spPr>
+      </p:sp>
+      <p:sp>
+        <p:nvSpPr>
+          <p:cNvPr id="52" name="Shape 52"/>
+          <p:cNvSpPr txBox="1">
+            <a:spLocks noGrp="1"/>
+          </p:cNvSpPr>
+          <p:nvPr>
+            <p:ph type="body" idx="1"/>
+          </p:nvPr>
+        </p:nvSpPr>
+        <p:spPr>
+          <a:xfrm>
+            <a:off x="685800" y="4343400"/>
+            <a:ext cx="5486400" cy="4114800"/>
+          </a:xfrm>
+          <a:prstGeom prst="rect">
+            <a:avLst/>
+          </a:prstGeom>
+        </p:spPr>
+        <p:txBody>
+          <a:bodyPr wrap="square" lIns="91425" tIns="91425" rIns="91425" bIns="91425" anchor="t" anchorCtr="0">
+            <a:noAutofit/>
+          </a:bodyPr>
+          <a:lstStyle/>
+          <a:p>
+            <a:pPr lvl="0" rtl="0">
+              <a:spcBef>
+                <a:spcPts val="0"/>
+              </a:spcBef>
+              <a:buNone/>
+            </a:pPr>
+            <a:endParaRPr/>
+          </a:p>
+        </p:txBody>
+      </p:sp>
+    </p:spTree>
+    <p:extLst>
+      <p:ext uri="{BB962C8B-B14F-4D97-AF65-F5344CB8AC3E}">
+        <p14:creationId xmlns:p14="http://schemas.microsoft.com/office/powerpoint/2010/main" val="1604644946"/>
+      </p:ext>
+    </p:extLst>
+  </p:cSld>
+  <p:clrMapOvr>
+    <a:masterClrMapping/>
+  </p:clrMapOvr>
+</p:notes>
+</file>
+
+<file path=ppt/notesSlides/notesSlide4.xml><?xml version="1.0" encoding="utf-8"?>
 <p:notes xmlns:a="http://schemas.openxmlformats.org/drawingml/2006/main" xmlns:r="http://schemas.openxmlformats.org/officeDocument/2006/relationships" xmlns:p="http://schemas.openxmlformats.org/presentationml/2006/main" showMasterSp="0" showMasterPhAnim="0">
   <p:cSld>
     <p:spTree>
@@ -6569,7 +8201,7 @@
           <a:p>
             <a:r>
               <a:rPr lang="zh-CN" altLang="en-US" dirty="0"/>
-              <a:t>学员们是怎样分配时间学习优达学城的课程的？</a:t>
+              <a:t>学员们是怎样分配时间学习优达学城的课程？</a:t>
             </a:r>
             <a:endParaRPr lang="en-US" altLang="zh-CN" dirty="0"/>
           </a:p>
@@ -7379,7 +9011,7 @@
                   <a:schemeClr val="bg1"/>
                 </a:solidFill>
               </a:rPr>
-              <a:t>Q1</a:t>
+              <a:t>Q2</a:t>
             </a:r>
             <a:r>
               <a:rPr lang="zh-CN" altLang="en-US" dirty="0">
@@ -7877,6 +9509,353 @@
 </file>
 
 <file path=ppt/slides/slide4.xml><?xml version="1.0" encoding="utf-8"?>
+<p:sld xmlns:a="http://schemas.openxmlformats.org/drawingml/2006/main" xmlns:r="http://schemas.openxmlformats.org/officeDocument/2006/relationships" xmlns:p="http://schemas.openxmlformats.org/presentationml/2006/main">
+  <p:cSld>
+    <p:spTree>
+      <p:nvGrpSpPr>
+        <p:cNvPr id="1" name="Shape 53"/>
+        <p:cNvGrpSpPr/>
+        <p:nvPr/>
+      </p:nvGrpSpPr>
+      <p:grpSpPr>
+        <a:xfrm>
+          <a:off x="0" y="0"/>
+          <a:ext cx="0" cy="0"/>
+          <a:chOff x="0" y="0"/>
+          <a:chExt cx="0" cy="0"/>
+        </a:xfrm>
+      </p:grpSpPr>
+      <p:sp>
+        <p:nvSpPr>
+          <p:cNvPr id="54" name="Shape 54"/>
+          <p:cNvSpPr txBox="1">
+            <a:spLocks noGrp="1"/>
+          </p:cNvSpPr>
+          <p:nvPr>
+            <p:ph type="body" idx="1"/>
+          </p:nvPr>
+        </p:nvSpPr>
+        <p:spPr>
+          <a:xfrm>
+            <a:off x="304025" y="3945575"/>
+            <a:ext cx="7254600" cy="795600"/>
+          </a:xfrm>
+          <a:prstGeom prst="rect">
+            <a:avLst/>
+          </a:prstGeom>
+          <a:solidFill>
+            <a:srgbClr val="FFFFFF"/>
+          </a:solidFill>
+          <a:ln w="9525" cap="flat" cmpd="sng">
+            <a:solidFill>
+              <a:srgbClr val="FFFFFF"/>
+            </a:solidFill>
+            <a:prstDash val="solid"/>
+            <a:round/>
+            <a:headEnd type="none" w="med" len="med"/>
+            <a:tailEnd type="none" w="med" len="med"/>
+          </a:ln>
+        </p:spPr>
+        <p:txBody>
+          <a:bodyPr wrap="square" lIns="91425" tIns="91425" rIns="91425" bIns="91425" anchor="t" anchorCtr="0">
+            <a:noAutofit/>
+          </a:bodyPr>
+          <a:lstStyle/>
+          <a:p>
+            <a:pPr lvl="0" rtl="0">
+              <a:spcBef>
+                <a:spcPts val="0"/>
+              </a:spcBef>
+              <a:buNone/>
+            </a:pPr>
+            <a:r>
+              <a:rPr lang="zh-CN" altLang="en-US" dirty="0">
+                <a:latin typeface="Open Sans"/>
+                <a:ea typeface="Open Sans"/>
+                <a:cs typeface="Open Sans"/>
+                <a:sym typeface="Open Sans"/>
+              </a:rPr>
+              <a:t>从学员们的学历构成来看，拥有硕士学历的人数最多，</a:t>
+            </a:r>
+            <a:r>
+              <a:rPr lang="en-US" altLang="zh-CN" dirty="0">
+                <a:latin typeface="Open Sans"/>
+                <a:ea typeface="Open Sans"/>
+                <a:cs typeface="Open Sans"/>
+                <a:sym typeface="Open Sans"/>
+              </a:rPr>
+              <a:t>290</a:t>
+            </a:r>
+            <a:r>
+              <a:rPr lang="zh-CN" altLang="en-US" dirty="0">
+                <a:latin typeface="Open Sans"/>
+                <a:ea typeface="Open Sans"/>
+                <a:cs typeface="Open Sans"/>
+                <a:sym typeface="Open Sans"/>
+              </a:rPr>
+              <a:t>人，占比</a:t>
+            </a:r>
+            <a:r>
+              <a:rPr lang="en-US" altLang="zh-CN" dirty="0">
+                <a:latin typeface="Open Sans"/>
+                <a:ea typeface="Open Sans"/>
+                <a:cs typeface="Open Sans"/>
+                <a:sym typeface="Open Sans"/>
+              </a:rPr>
+              <a:t>42%</a:t>
+            </a:r>
+            <a:r>
+              <a:rPr lang="zh-CN" altLang="en-US" dirty="0">
+                <a:latin typeface="Open Sans"/>
+                <a:ea typeface="Open Sans"/>
+                <a:cs typeface="Open Sans"/>
+                <a:sym typeface="Open Sans"/>
+              </a:rPr>
+              <a:t>；拥有副学士学历的人数最少，只有</a:t>
+            </a:r>
+            <a:r>
+              <a:rPr lang="en-US" altLang="zh-CN" dirty="0">
+                <a:latin typeface="Open Sans"/>
+                <a:ea typeface="Open Sans"/>
+                <a:cs typeface="Open Sans"/>
+                <a:sym typeface="Open Sans"/>
+              </a:rPr>
+              <a:t>10</a:t>
+            </a:r>
+            <a:r>
+              <a:rPr lang="zh-CN" altLang="en-US" dirty="0">
+                <a:latin typeface="Open Sans"/>
+                <a:ea typeface="Open Sans"/>
+                <a:cs typeface="Open Sans"/>
+                <a:sym typeface="Open Sans"/>
+              </a:rPr>
+              <a:t>人，占比</a:t>
+            </a:r>
+            <a:r>
+              <a:rPr lang="en-US" altLang="zh-CN" dirty="0">
+                <a:latin typeface="Open Sans"/>
+                <a:ea typeface="Open Sans"/>
+                <a:cs typeface="Open Sans"/>
+                <a:sym typeface="Open Sans"/>
+              </a:rPr>
+              <a:t>1%</a:t>
+            </a:r>
+            <a:r>
+              <a:rPr lang="zh-CN" altLang="en-US" dirty="0">
+                <a:latin typeface="Open Sans"/>
+                <a:ea typeface="Open Sans"/>
+                <a:cs typeface="Open Sans"/>
+                <a:sym typeface="Open Sans"/>
+              </a:rPr>
+              <a:t>。</a:t>
+            </a:r>
+            <a:endParaRPr lang="en" dirty="0">
+              <a:latin typeface="Open Sans"/>
+              <a:ea typeface="Open Sans"/>
+              <a:cs typeface="Open Sans"/>
+              <a:sym typeface="Open Sans"/>
+            </a:endParaRPr>
+          </a:p>
+        </p:txBody>
+      </p:sp>
+      <p:sp>
+        <p:nvSpPr>
+          <p:cNvPr id="55" name="Shape 55"/>
+          <p:cNvSpPr txBox="1">
+            <a:spLocks noGrp="1"/>
+          </p:cNvSpPr>
+          <p:nvPr>
+            <p:ph type="title"/>
+          </p:nvPr>
+        </p:nvSpPr>
+        <p:spPr>
+          <a:xfrm>
+            <a:off x="0" y="0"/>
+            <a:ext cx="9144000" cy="795600"/>
+          </a:xfrm>
+          <a:prstGeom prst="rect">
+            <a:avLst/>
+          </a:prstGeom>
+          <a:solidFill>
+            <a:srgbClr val="073763"/>
+          </a:solidFill>
+        </p:spPr>
+        <p:txBody>
+          <a:bodyPr wrap="square" lIns="91425" tIns="91425" rIns="91425" bIns="91425" anchor="ctr" anchorCtr="0">
+            <a:noAutofit/>
+          </a:bodyPr>
+          <a:lstStyle/>
+          <a:p>
+            <a:r>
+              <a:rPr lang="en-US" altLang="zh-CN" dirty="0">
+                <a:solidFill>
+                  <a:schemeClr val="bg1"/>
+                </a:solidFill>
+              </a:rPr>
+              <a:t>Q3</a:t>
+            </a:r>
+            <a:r>
+              <a:rPr lang="zh-CN" altLang="en-US" dirty="0">
+                <a:solidFill>
+                  <a:schemeClr val="bg1"/>
+                </a:solidFill>
+              </a:rPr>
+              <a:t>：学员们是怎样分配时间学习优达学城的课程？</a:t>
+            </a:r>
+            <a:endParaRPr lang="en" dirty="0">
+              <a:solidFill>
+                <a:schemeClr val="bg1"/>
+              </a:solidFill>
+              <a:latin typeface="Open Sans"/>
+              <a:ea typeface="Open Sans"/>
+              <a:cs typeface="Open Sans"/>
+              <a:sym typeface="Open Sans"/>
+            </a:endParaRPr>
+          </a:p>
+        </p:txBody>
+      </p:sp>
+      <mc:AlternateContent xmlns:mc="http://schemas.openxmlformats.org/markup-compatibility/2006">
+        <mc:Choice xmlns:cx1="http://schemas.microsoft.com/office/drawing/2015/9/8/chartex" Requires="cx1">
+          <p:graphicFrame>
+            <p:nvGraphicFramePr>
+              <p:cNvPr id="6" name="图表 5">
+                <a:extLst>
+                  <a:ext uri="{FF2B5EF4-FFF2-40B4-BE49-F238E27FC236}">
+                    <a16:creationId xmlns:a16="http://schemas.microsoft.com/office/drawing/2014/main" id="{D4350BA0-2809-4CB1-8658-DAD48DA30279}"/>
+                  </a:ext>
+                </a:extLst>
+              </p:cNvPr>
+              <p:cNvGraphicFramePr/>
+              <p:nvPr>
+                <p:extLst>
+                  <p:ext uri="{D42A27DB-BD31-4B8C-83A1-F6EECF244321}">
+                    <p14:modId xmlns:p14="http://schemas.microsoft.com/office/powerpoint/2010/main" val="309715539"/>
+                  </p:ext>
+                </p:extLst>
+              </p:nvPr>
+            </p:nvGraphicFramePr>
+            <p:xfrm>
+              <a:off x="304025" y="1181945"/>
+              <a:ext cx="3788018" cy="2763630"/>
+            </p:xfrm>
+            <a:graphic>
+              <a:graphicData uri="http://schemas.microsoft.com/office/drawing/2014/chartex">
+                <cx:chart xmlns:cx="http://schemas.microsoft.com/office/drawing/2014/chartex" xmlns:r="http://schemas.openxmlformats.org/officeDocument/2006/relationships" r:id="rId3"/>
+              </a:graphicData>
+            </a:graphic>
+          </p:graphicFrame>
+        </mc:Choice>
+        <mc:Fallback>
+          <p:pic>
+            <p:nvPicPr>
+              <p:cNvPr id="6" name="图表 5">
+                <a:extLst>
+                  <a:ext uri="{FF2B5EF4-FFF2-40B4-BE49-F238E27FC236}">
+                    <a16:creationId xmlns:a16="http://schemas.microsoft.com/office/drawing/2014/main" id="{D4350BA0-2809-4CB1-8658-DAD48DA30279}"/>
+                  </a:ext>
+                </a:extLst>
+              </p:cNvPr>
+              <p:cNvPicPr>
+                <a:picLocks noGrp="1" noRot="1" noChangeAspect="1" noMove="1" noResize="1" noEditPoints="1" noAdjustHandles="1" noChangeArrowheads="1" noChangeShapeType="1"/>
+              </p:cNvPicPr>
+              <p:nvPr/>
+            </p:nvPicPr>
+            <p:blipFill>
+              <a:blip r:embed="rId4"/>
+              <a:stretch>
+                <a:fillRect/>
+              </a:stretch>
+            </p:blipFill>
+            <p:spPr>
+              <a:xfrm>
+                <a:off x="304025" y="1181945"/>
+                <a:ext cx="3788018" cy="2763630"/>
+              </a:xfrm>
+              <a:prstGeom prst="rect">
+                <a:avLst/>
+              </a:prstGeom>
+            </p:spPr>
+          </p:pic>
+        </mc:Fallback>
+      </mc:AlternateContent>
+      <mc:AlternateContent xmlns:mc="http://schemas.openxmlformats.org/markup-compatibility/2006">
+        <mc:Choice xmlns:cx1="http://schemas.microsoft.com/office/drawing/2015/9/8/chartex" Requires="cx1">
+          <p:graphicFrame>
+            <p:nvGraphicFramePr>
+              <p:cNvPr id="7" name="图表 6">
+                <a:extLst>
+                  <a:ext uri="{FF2B5EF4-FFF2-40B4-BE49-F238E27FC236}">
+                    <a16:creationId xmlns:a16="http://schemas.microsoft.com/office/drawing/2014/main" id="{C38CA875-252C-4C12-9F84-B29942C77351}"/>
+                  </a:ext>
+                </a:extLst>
+              </p:cNvPr>
+              <p:cNvGraphicFramePr/>
+              <p:nvPr>
+                <p:extLst>
+                  <p:ext uri="{D42A27DB-BD31-4B8C-83A1-F6EECF244321}">
+                    <p14:modId xmlns:p14="http://schemas.microsoft.com/office/powerpoint/2010/main" val="2813830035"/>
+                  </p:ext>
+                </p:extLst>
+              </p:nvPr>
+            </p:nvGraphicFramePr>
+            <p:xfrm>
+              <a:off x="4205827" y="1181945"/>
+              <a:ext cx="4371328" cy="2763630"/>
+            </p:xfrm>
+            <a:graphic>
+              <a:graphicData uri="http://schemas.microsoft.com/office/drawing/2014/chartex">
+                <cx:chart xmlns:cx="http://schemas.microsoft.com/office/drawing/2014/chartex" xmlns:r="http://schemas.openxmlformats.org/officeDocument/2006/relationships" r:id="rId5"/>
+              </a:graphicData>
+            </a:graphic>
+          </p:graphicFrame>
+        </mc:Choice>
+        <mc:Fallback>
+          <p:pic>
+            <p:nvPicPr>
+              <p:cNvPr id="7" name="图表 6">
+                <a:extLst>
+                  <a:ext uri="{FF2B5EF4-FFF2-40B4-BE49-F238E27FC236}">
+                    <a16:creationId xmlns:a16="http://schemas.microsoft.com/office/drawing/2014/main" id="{C38CA875-252C-4C12-9F84-B29942C77351}"/>
+                  </a:ext>
+                </a:extLst>
+              </p:cNvPr>
+              <p:cNvPicPr>
+                <a:picLocks noGrp="1" noRot="1" noChangeAspect="1" noMove="1" noResize="1" noEditPoints="1" noAdjustHandles="1" noChangeArrowheads="1" noChangeShapeType="1"/>
+              </p:cNvPicPr>
+              <p:nvPr/>
+            </p:nvPicPr>
+            <p:blipFill>
+              <a:blip r:embed="rId6"/>
+              <a:stretch>
+                <a:fillRect/>
+              </a:stretch>
+            </p:blipFill>
+            <p:spPr>
+              <a:xfrm>
+                <a:off x="4205827" y="1181945"/>
+                <a:ext cx="4371328" cy="2763630"/>
+              </a:xfrm>
+              <a:prstGeom prst="rect">
+                <a:avLst/>
+              </a:prstGeom>
+            </p:spPr>
+          </p:pic>
+        </mc:Fallback>
+      </mc:AlternateContent>
+    </p:spTree>
+    <p:extLst>
+      <p:ext uri="{BB962C8B-B14F-4D97-AF65-F5344CB8AC3E}">
+        <p14:creationId xmlns:p14="http://schemas.microsoft.com/office/powerpoint/2010/main" val="309121678"/>
+      </p:ext>
+    </p:extLst>
+  </p:cSld>
+  <p:clrMapOvr>
+    <a:masterClrMapping/>
+  </p:clrMapOvr>
+</p:sld>
+</file>
+
+<file path=ppt/slides/slide5.xml><?xml version="1.0" encoding="utf-8"?>
 <p:sld xmlns:a="http://schemas.openxmlformats.org/drawingml/2006/main" xmlns:r="http://schemas.openxmlformats.org/officeDocument/2006/relationships" xmlns:p="http://schemas.openxmlformats.org/presentationml/2006/main">
   <p:cSld>
     <p:spTree>
